--- a/Презентация 2.pptx
+++ b/Презентация 2.pptx
@@ -121,7 +121,7 @@
   </p:defaultTextStyle>
   <p:extLst>
     <p:ext uri="{EFAFB233-063F-42B5-8137-9DF3F51BA10A}">
-      <p15:sldGuideLst xmlns:p15="http://schemas.microsoft.com/office/powerpoint/2012/main"/>
+      <p15:sldGuideLst xmlns:p15="http://schemas.microsoft.com/office/powerpoint/2012/main" xmlns=""/>
     </p:ext>
   </p:extLst>
 </p:presentation>
@@ -158,10 +158,10 @@
           <p:cNvPr id="18" name="Freeform: Shape 17">
             <a:extLst>
               <a:ext uri="{FF2B5EF4-FFF2-40B4-BE49-F238E27FC236}">
-                <a16:creationId xmlns:a16="http://schemas.microsoft.com/office/drawing/2014/main" id="{5CD60141-EEBD-4EC1-8E34-0344C16A18A2}"/>
+                <a16:creationId xmlns:a16="http://schemas.microsoft.com/office/drawing/2014/main" xmlns="" id="{5CD60141-EEBD-4EC1-8E34-0344C16A18A2}"/>
               </a:ext>
               <a:ext uri="{C183D7F6-B498-43B3-948B-1728B52AA6E4}">
-                <adec:decorative xmlns:adec="http://schemas.microsoft.com/office/drawing/2017/decorative" val="1"/>
+                <adec:decorative xmlns:adec="http://schemas.microsoft.com/office/drawing/2017/decorative" xmlns="" val="1"/>
               </a:ext>
             </a:extLst>
           </p:cNvPr>
@@ -349,7 +349,7 @@
           <p:cNvPr id="2" name="Title 1">
             <a:extLst>
               <a:ext uri="{FF2B5EF4-FFF2-40B4-BE49-F238E27FC236}">
-                <a16:creationId xmlns:a16="http://schemas.microsoft.com/office/drawing/2014/main" id="{A65FCBBA-905A-4FD1-BFBA-F3EE6DA264E0}"/>
+                <a16:creationId xmlns:a16="http://schemas.microsoft.com/office/drawing/2014/main" xmlns="" id="{A65FCBBA-905A-4FD1-BFBA-F3EE6DA264E0}"/>
               </a:ext>
             </a:extLst>
           </p:cNvPr>
@@ -391,7 +391,7 @@
           <p:cNvPr id="3" name="Subtitle 2">
             <a:extLst>
               <a:ext uri="{FF2B5EF4-FFF2-40B4-BE49-F238E27FC236}">
-                <a16:creationId xmlns:a16="http://schemas.microsoft.com/office/drawing/2014/main" id="{13DD287E-F1C8-463F-8429-D1B5B1582520}"/>
+                <a16:creationId xmlns:a16="http://schemas.microsoft.com/office/drawing/2014/main" xmlns="" id="{13DD287E-F1C8-463F-8429-D1B5B1582520}"/>
               </a:ext>
             </a:extLst>
           </p:cNvPr>
@@ -466,7 +466,7 @@
           <p:cNvPr id="4" name="Date Placeholder 3">
             <a:extLst>
               <a:ext uri="{FF2B5EF4-FFF2-40B4-BE49-F238E27FC236}">
-                <a16:creationId xmlns:a16="http://schemas.microsoft.com/office/drawing/2014/main" id="{A81F44ED-7973-4A99-B2CA-A8962BCE0D5D}"/>
+                <a16:creationId xmlns:a16="http://schemas.microsoft.com/office/drawing/2014/main" xmlns="" id="{A81F44ED-7973-4A99-B2CA-A8962BCE0D5D}"/>
               </a:ext>
             </a:extLst>
           </p:cNvPr>
@@ -484,6 +484,7 @@
           <a:p>
             <a:fld id="{3CADBD16-5BFB-4D9F-9646-C75D1B53BBB6}" type="datetimeFigureOut">
               <a:rPr lang="en-US" smtClean="0"/>
+              <a:pPr/>
               <a:t>11/21/2024</a:t>
             </a:fld>
             <a:endParaRPr lang="en-US"/>
@@ -495,7 +496,7 @@
           <p:cNvPr id="5" name="Footer Placeholder 4">
             <a:extLst>
               <a:ext uri="{FF2B5EF4-FFF2-40B4-BE49-F238E27FC236}">
-                <a16:creationId xmlns:a16="http://schemas.microsoft.com/office/drawing/2014/main" id="{08DF96F2-D6BE-49AC-A605-5AE87C3F2F10}"/>
+                <a16:creationId xmlns:a16="http://schemas.microsoft.com/office/drawing/2014/main" xmlns="" id="{08DF96F2-D6BE-49AC-A605-5AE87C3F2F10}"/>
               </a:ext>
             </a:extLst>
           </p:cNvPr>
@@ -520,7 +521,7 @@
           <p:cNvPr id="6" name="Slide Number Placeholder 5">
             <a:extLst>
               <a:ext uri="{FF2B5EF4-FFF2-40B4-BE49-F238E27FC236}">
-                <a16:creationId xmlns:a16="http://schemas.microsoft.com/office/drawing/2014/main" id="{1817FC50-B13C-4B63-AE64-F71A6EDE63B6}"/>
+                <a16:creationId xmlns:a16="http://schemas.microsoft.com/office/drawing/2014/main" xmlns="" id="{1817FC50-B13C-4B63-AE64-F71A6EDE63B6}"/>
               </a:ext>
             </a:extLst>
           </p:cNvPr>
@@ -538,6 +539,7 @@
           <a:p>
             <a:fld id="{C0722274-0FAA-4649-AA4E-4210F4F32167}" type="slidenum">
               <a:rPr lang="en-US" smtClean="0"/>
+              <a:pPr/>
               <a:t>‹#›</a:t>
             </a:fld>
             <a:endParaRPr lang="en-US"/>
@@ -549,7 +551,7 @@
           <p:cNvPr id="12" name="Straight Connector 11">
             <a:extLst>
               <a:ext uri="{FF2B5EF4-FFF2-40B4-BE49-F238E27FC236}">
-                <a16:creationId xmlns:a16="http://schemas.microsoft.com/office/drawing/2014/main" id="{4C75A547-BCD1-42BE-966E-53CA0AB93165}"/>
+                <a16:creationId xmlns:a16="http://schemas.microsoft.com/office/drawing/2014/main" xmlns="" id="{4C75A547-BCD1-42BE-966E-53CA0AB93165}"/>
               </a:ext>
             </a:extLst>
           </p:cNvPr>
@@ -590,7 +592,7 @@
     </p:spTree>
     <p:extLst>
       <p:ext uri="{BB962C8B-B14F-4D97-AF65-F5344CB8AC3E}">
-        <p14:creationId xmlns:p14="http://schemas.microsoft.com/office/powerpoint/2010/main" val="3754858688"/>
+        <p14:creationId xmlns:p14="http://schemas.microsoft.com/office/powerpoint/2010/main" xmlns="" val="3754858688"/>
       </p:ext>
     </p:extLst>
   </p:cSld>
@@ -622,7 +624,7 @@
           <p:cNvPr id="2" name="Title 1">
             <a:extLst>
               <a:ext uri="{FF2B5EF4-FFF2-40B4-BE49-F238E27FC236}">
-                <a16:creationId xmlns:a16="http://schemas.microsoft.com/office/drawing/2014/main" id="{8A5A3BF2-BCE9-47D7-B1C0-1F0E4936B6B3}"/>
+                <a16:creationId xmlns:a16="http://schemas.microsoft.com/office/drawing/2014/main" xmlns="" id="{8A5A3BF2-BCE9-47D7-B1C0-1F0E4936B6B3}"/>
               </a:ext>
             </a:extLst>
           </p:cNvPr>
@@ -650,7 +652,7 @@
           <p:cNvPr id="3" name="Vertical Text Placeholder 2">
             <a:extLst>
               <a:ext uri="{FF2B5EF4-FFF2-40B4-BE49-F238E27FC236}">
-                <a16:creationId xmlns:a16="http://schemas.microsoft.com/office/drawing/2014/main" id="{692722E9-C3E4-48AF-996A-495AE659FA6E}"/>
+                <a16:creationId xmlns:a16="http://schemas.microsoft.com/office/drawing/2014/main" xmlns="" id="{692722E9-C3E4-48AF-996A-495AE659FA6E}"/>
               </a:ext>
             </a:extLst>
           </p:cNvPr>
@@ -707,7 +709,7 @@
           <p:cNvPr id="4" name="Date Placeholder 3">
             <a:extLst>
               <a:ext uri="{FF2B5EF4-FFF2-40B4-BE49-F238E27FC236}">
-                <a16:creationId xmlns:a16="http://schemas.microsoft.com/office/drawing/2014/main" id="{19C9E516-382B-4845-93BF-20C16EE0DB05}"/>
+                <a16:creationId xmlns:a16="http://schemas.microsoft.com/office/drawing/2014/main" xmlns="" id="{19C9E516-382B-4845-93BF-20C16EE0DB05}"/>
               </a:ext>
             </a:extLst>
           </p:cNvPr>
@@ -725,6 +727,7 @@
           <a:p>
             <a:fld id="{3CADBD16-5BFB-4D9F-9646-C75D1B53BBB6}" type="datetimeFigureOut">
               <a:rPr lang="en-US" smtClean="0"/>
+              <a:pPr/>
               <a:t>11/21/2024</a:t>
             </a:fld>
             <a:endParaRPr lang="en-US"/>
@@ -736,7 +739,7 @@
           <p:cNvPr id="5" name="Footer Placeholder 4">
             <a:extLst>
               <a:ext uri="{FF2B5EF4-FFF2-40B4-BE49-F238E27FC236}">
-                <a16:creationId xmlns:a16="http://schemas.microsoft.com/office/drawing/2014/main" id="{EAB96E16-F168-442A-843C-5D490D54B06A}"/>
+                <a16:creationId xmlns:a16="http://schemas.microsoft.com/office/drawing/2014/main" xmlns="" id="{EAB96E16-F168-442A-843C-5D490D54B06A}"/>
               </a:ext>
             </a:extLst>
           </p:cNvPr>
@@ -761,7 +764,7 @@
           <p:cNvPr id="6" name="Slide Number Placeholder 5">
             <a:extLst>
               <a:ext uri="{FF2B5EF4-FFF2-40B4-BE49-F238E27FC236}">
-                <a16:creationId xmlns:a16="http://schemas.microsoft.com/office/drawing/2014/main" id="{A9A61BEA-A969-437A-BD8B-CB1B709AD430}"/>
+                <a16:creationId xmlns:a16="http://schemas.microsoft.com/office/drawing/2014/main" xmlns="" id="{A9A61BEA-A969-437A-BD8B-CB1B709AD430}"/>
               </a:ext>
             </a:extLst>
           </p:cNvPr>
@@ -779,6 +782,7 @@
           <a:p>
             <a:fld id="{C0722274-0FAA-4649-AA4E-4210F4F32167}" type="slidenum">
               <a:rPr lang="en-US" smtClean="0"/>
+              <a:pPr/>
               <a:t>‹#›</a:t>
             </a:fld>
             <a:endParaRPr lang="en-US"/>
@@ -788,7 +792,7 @@
     </p:spTree>
     <p:extLst>
       <p:ext uri="{BB962C8B-B14F-4D97-AF65-F5344CB8AC3E}">
-        <p14:creationId xmlns:p14="http://schemas.microsoft.com/office/powerpoint/2010/main" val="3599872716"/>
+        <p14:creationId xmlns:p14="http://schemas.microsoft.com/office/powerpoint/2010/main" xmlns="" val="3599872716"/>
       </p:ext>
     </p:extLst>
   </p:cSld>
@@ -820,7 +824,7 @@
           <p:cNvPr id="2" name="Vertical Title 1">
             <a:extLst>
               <a:ext uri="{FF2B5EF4-FFF2-40B4-BE49-F238E27FC236}">
-                <a16:creationId xmlns:a16="http://schemas.microsoft.com/office/drawing/2014/main" id="{66528449-3E11-45FF-BF3A-651867603E75}"/>
+                <a16:creationId xmlns:a16="http://schemas.microsoft.com/office/drawing/2014/main" xmlns="" id="{66528449-3E11-45FF-BF3A-651867603E75}"/>
               </a:ext>
             </a:extLst>
           </p:cNvPr>
@@ -853,7 +857,7 @@
           <p:cNvPr id="3" name="Vertical Text Placeholder 2">
             <a:extLst>
               <a:ext uri="{FF2B5EF4-FFF2-40B4-BE49-F238E27FC236}">
-                <a16:creationId xmlns:a16="http://schemas.microsoft.com/office/drawing/2014/main" id="{AFC0EAB0-2DFA-4CBA-86B1-1826EF523D4D}"/>
+                <a16:creationId xmlns:a16="http://schemas.microsoft.com/office/drawing/2014/main" xmlns="" id="{AFC0EAB0-2DFA-4CBA-86B1-1826EF523D4D}"/>
               </a:ext>
             </a:extLst>
           </p:cNvPr>
@@ -915,7 +919,7 @@
           <p:cNvPr id="4" name="Date Placeholder 3">
             <a:extLst>
               <a:ext uri="{FF2B5EF4-FFF2-40B4-BE49-F238E27FC236}">
-                <a16:creationId xmlns:a16="http://schemas.microsoft.com/office/drawing/2014/main" id="{DFA22F89-E1F5-45D7-945A-8A2886C4BA59}"/>
+                <a16:creationId xmlns:a16="http://schemas.microsoft.com/office/drawing/2014/main" xmlns="" id="{DFA22F89-E1F5-45D7-945A-8A2886C4BA59}"/>
               </a:ext>
             </a:extLst>
           </p:cNvPr>
@@ -933,6 +937,7 @@
           <a:p>
             <a:fld id="{3CADBD16-5BFB-4D9F-9646-C75D1B53BBB6}" type="datetimeFigureOut">
               <a:rPr lang="en-US" smtClean="0"/>
+              <a:pPr/>
               <a:t>11/21/2024</a:t>
             </a:fld>
             <a:endParaRPr lang="en-US"/>
@@ -944,7 +949,7 @@
           <p:cNvPr id="5" name="Footer Placeholder 4">
             <a:extLst>
               <a:ext uri="{FF2B5EF4-FFF2-40B4-BE49-F238E27FC236}">
-                <a16:creationId xmlns:a16="http://schemas.microsoft.com/office/drawing/2014/main" id="{637E7E82-5FB8-4289-AD0C-0BA788E14794}"/>
+                <a16:creationId xmlns:a16="http://schemas.microsoft.com/office/drawing/2014/main" xmlns="" id="{637E7E82-5FB8-4289-AD0C-0BA788E14794}"/>
               </a:ext>
             </a:extLst>
           </p:cNvPr>
@@ -969,7 +974,7 @@
           <p:cNvPr id="6" name="Slide Number Placeholder 5">
             <a:extLst>
               <a:ext uri="{FF2B5EF4-FFF2-40B4-BE49-F238E27FC236}">
-                <a16:creationId xmlns:a16="http://schemas.microsoft.com/office/drawing/2014/main" id="{245A4046-1A2C-41F5-A177-1C3919C20569}"/>
+                <a16:creationId xmlns:a16="http://schemas.microsoft.com/office/drawing/2014/main" xmlns="" id="{245A4046-1A2C-41F5-A177-1C3919C20569}"/>
               </a:ext>
             </a:extLst>
           </p:cNvPr>
@@ -987,6 +992,7 @@
           <a:p>
             <a:fld id="{C0722274-0FAA-4649-AA4E-4210F4F32167}" type="slidenum">
               <a:rPr lang="en-US" smtClean="0"/>
+              <a:pPr/>
               <a:t>‹#›</a:t>
             </a:fld>
             <a:endParaRPr lang="en-US"/>
@@ -996,7 +1002,7 @@
     </p:spTree>
     <p:extLst>
       <p:ext uri="{BB962C8B-B14F-4D97-AF65-F5344CB8AC3E}">
-        <p14:creationId xmlns:p14="http://schemas.microsoft.com/office/powerpoint/2010/main" val="644639592"/>
+        <p14:creationId xmlns:p14="http://schemas.microsoft.com/office/powerpoint/2010/main" xmlns="" val="644639592"/>
       </p:ext>
     </p:extLst>
   </p:cSld>
@@ -1028,7 +1034,7 @@
           <p:cNvPr id="2" name="Title 1">
             <a:extLst>
               <a:ext uri="{FF2B5EF4-FFF2-40B4-BE49-F238E27FC236}">
-                <a16:creationId xmlns:a16="http://schemas.microsoft.com/office/drawing/2014/main" id="{03ECD6F3-88F1-4195-8395-57AA096BB3B2}"/>
+                <a16:creationId xmlns:a16="http://schemas.microsoft.com/office/drawing/2014/main" xmlns="" id="{03ECD6F3-88F1-4195-8395-57AA096BB3B2}"/>
               </a:ext>
             </a:extLst>
           </p:cNvPr>
@@ -1056,7 +1062,7 @@
           <p:cNvPr id="3" name="Content Placeholder 2">
             <a:extLst>
               <a:ext uri="{FF2B5EF4-FFF2-40B4-BE49-F238E27FC236}">
-                <a16:creationId xmlns:a16="http://schemas.microsoft.com/office/drawing/2014/main" id="{CED8D06C-EB08-40B3-AFB3-A62F4411221C}"/>
+                <a16:creationId xmlns:a16="http://schemas.microsoft.com/office/drawing/2014/main" xmlns="" id="{CED8D06C-EB08-40B3-AFB3-A62F4411221C}"/>
               </a:ext>
             </a:extLst>
           </p:cNvPr>
@@ -1113,7 +1119,7 @@
           <p:cNvPr id="4" name="Date Placeholder 3">
             <a:extLst>
               <a:ext uri="{FF2B5EF4-FFF2-40B4-BE49-F238E27FC236}">
-                <a16:creationId xmlns:a16="http://schemas.microsoft.com/office/drawing/2014/main" id="{6103962F-B413-4C4C-A490-724DDB9E7DB9}"/>
+                <a16:creationId xmlns:a16="http://schemas.microsoft.com/office/drawing/2014/main" xmlns="" id="{6103962F-B413-4C4C-A490-724DDB9E7DB9}"/>
               </a:ext>
             </a:extLst>
           </p:cNvPr>
@@ -1131,6 +1137,7 @@
           <a:p>
             <a:fld id="{3CADBD16-5BFB-4D9F-9646-C75D1B53BBB6}" type="datetimeFigureOut">
               <a:rPr lang="en-US" smtClean="0"/>
+              <a:pPr/>
               <a:t>11/21/2024</a:t>
             </a:fld>
             <a:endParaRPr lang="en-US"/>
@@ -1142,7 +1149,7 @@
           <p:cNvPr id="5" name="Footer Placeholder 4">
             <a:extLst>
               <a:ext uri="{FF2B5EF4-FFF2-40B4-BE49-F238E27FC236}">
-                <a16:creationId xmlns:a16="http://schemas.microsoft.com/office/drawing/2014/main" id="{02871813-4E87-4C04-835D-76246010B069}"/>
+                <a16:creationId xmlns:a16="http://schemas.microsoft.com/office/drawing/2014/main" xmlns="" id="{02871813-4E87-4C04-835D-76246010B069}"/>
               </a:ext>
             </a:extLst>
           </p:cNvPr>
@@ -1167,7 +1174,7 @@
           <p:cNvPr id="6" name="Slide Number Placeholder 5">
             <a:extLst>
               <a:ext uri="{FF2B5EF4-FFF2-40B4-BE49-F238E27FC236}">
-                <a16:creationId xmlns:a16="http://schemas.microsoft.com/office/drawing/2014/main" id="{3A922BA3-033C-491E-A045-F0052AC19A8C}"/>
+                <a16:creationId xmlns:a16="http://schemas.microsoft.com/office/drawing/2014/main" xmlns="" id="{3A922BA3-033C-491E-A045-F0052AC19A8C}"/>
               </a:ext>
             </a:extLst>
           </p:cNvPr>
@@ -1185,6 +1192,7 @@
           <a:p>
             <a:fld id="{C0722274-0FAA-4649-AA4E-4210F4F32167}" type="slidenum">
               <a:rPr lang="en-US" smtClean="0"/>
+              <a:pPr/>
               <a:t>‹#›</a:t>
             </a:fld>
             <a:endParaRPr lang="en-US"/>
@@ -1194,7 +1202,7 @@
     </p:spTree>
     <p:extLst>
       <p:ext uri="{BB962C8B-B14F-4D97-AF65-F5344CB8AC3E}">
-        <p14:creationId xmlns:p14="http://schemas.microsoft.com/office/powerpoint/2010/main" val="4150682825"/>
+        <p14:creationId xmlns:p14="http://schemas.microsoft.com/office/powerpoint/2010/main" xmlns="" val="4150682825"/>
       </p:ext>
     </p:extLst>
   </p:cSld>
@@ -1226,7 +1234,7 @@
           <p:cNvPr id="2" name="Title 1">
             <a:extLst>
               <a:ext uri="{FF2B5EF4-FFF2-40B4-BE49-F238E27FC236}">
-                <a16:creationId xmlns:a16="http://schemas.microsoft.com/office/drawing/2014/main" id="{A8FE19AD-2EDD-4B4F-9F9E-46A4441847A6}"/>
+                <a16:creationId xmlns:a16="http://schemas.microsoft.com/office/drawing/2014/main" xmlns="" id="{A8FE19AD-2EDD-4B4F-9F9E-46A4441847A6}"/>
               </a:ext>
             </a:extLst>
           </p:cNvPr>
@@ -1265,7 +1273,7 @@
           <p:cNvPr id="3" name="Text Placeholder 2">
             <a:extLst>
               <a:ext uri="{FF2B5EF4-FFF2-40B4-BE49-F238E27FC236}">
-                <a16:creationId xmlns:a16="http://schemas.microsoft.com/office/drawing/2014/main" id="{00EE5927-21D5-4EBA-A112-CAD1BD38BCB1}"/>
+                <a16:creationId xmlns:a16="http://schemas.microsoft.com/office/drawing/2014/main" xmlns="" id="{00EE5927-21D5-4EBA-A112-CAD1BD38BCB1}"/>
               </a:ext>
             </a:extLst>
           </p:cNvPr>
@@ -1390,7 +1398,7 @@
           <p:cNvPr id="4" name="Date Placeholder 3">
             <a:extLst>
               <a:ext uri="{FF2B5EF4-FFF2-40B4-BE49-F238E27FC236}">
-                <a16:creationId xmlns:a16="http://schemas.microsoft.com/office/drawing/2014/main" id="{4CEF0D16-9D87-4D76-A5A5-534E24B7DD25}"/>
+                <a16:creationId xmlns:a16="http://schemas.microsoft.com/office/drawing/2014/main" xmlns="" id="{4CEF0D16-9D87-4D76-A5A5-534E24B7DD25}"/>
               </a:ext>
             </a:extLst>
           </p:cNvPr>
@@ -1408,6 +1416,7 @@
           <a:p>
             <a:fld id="{3CADBD16-5BFB-4D9F-9646-C75D1B53BBB6}" type="datetimeFigureOut">
               <a:rPr lang="en-US" smtClean="0"/>
+              <a:pPr/>
               <a:t>11/21/2024</a:t>
             </a:fld>
             <a:endParaRPr lang="en-US"/>
@@ -1419,7 +1428,7 @@
           <p:cNvPr id="5" name="Footer Placeholder 4">
             <a:extLst>
               <a:ext uri="{FF2B5EF4-FFF2-40B4-BE49-F238E27FC236}">
-                <a16:creationId xmlns:a16="http://schemas.microsoft.com/office/drawing/2014/main" id="{5965F387-5AAC-45D0-ABCE-B1CF4BC7E0AC}"/>
+                <a16:creationId xmlns:a16="http://schemas.microsoft.com/office/drawing/2014/main" xmlns="" id="{5965F387-5AAC-45D0-ABCE-B1CF4BC7E0AC}"/>
               </a:ext>
             </a:extLst>
           </p:cNvPr>
@@ -1444,7 +1453,7 @@
           <p:cNvPr id="6" name="Slide Number Placeholder 5">
             <a:extLst>
               <a:ext uri="{FF2B5EF4-FFF2-40B4-BE49-F238E27FC236}">
-                <a16:creationId xmlns:a16="http://schemas.microsoft.com/office/drawing/2014/main" id="{798AF6FE-0006-4F40-A7FB-E0FDBADF7548}"/>
+                <a16:creationId xmlns:a16="http://schemas.microsoft.com/office/drawing/2014/main" xmlns="" id="{798AF6FE-0006-4F40-A7FB-E0FDBADF7548}"/>
               </a:ext>
             </a:extLst>
           </p:cNvPr>
@@ -1462,6 +1471,7 @@
           <a:p>
             <a:fld id="{C0722274-0FAA-4649-AA4E-4210F4F32167}" type="slidenum">
               <a:rPr lang="en-US" smtClean="0"/>
+              <a:pPr/>
               <a:t>‹#›</a:t>
             </a:fld>
             <a:endParaRPr lang="en-US"/>
@@ -1471,7 +1481,7 @@
     </p:spTree>
     <p:extLst>
       <p:ext uri="{BB962C8B-B14F-4D97-AF65-F5344CB8AC3E}">
-        <p14:creationId xmlns:p14="http://schemas.microsoft.com/office/powerpoint/2010/main" val="1032188805"/>
+        <p14:creationId xmlns:p14="http://schemas.microsoft.com/office/powerpoint/2010/main" xmlns="" val="1032188805"/>
       </p:ext>
     </p:extLst>
   </p:cSld>
@@ -1503,7 +1513,7 @@
           <p:cNvPr id="2" name="Title 1">
             <a:extLst>
               <a:ext uri="{FF2B5EF4-FFF2-40B4-BE49-F238E27FC236}">
-                <a16:creationId xmlns:a16="http://schemas.microsoft.com/office/drawing/2014/main" id="{B5E8AADE-587E-4574-B21B-7ABDE5A2364B}"/>
+                <a16:creationId xmlns:a16="http://schemas.microsoft.com/office/drawing/2014/main" xmlns="" id="{B5E8AADE-587E-4574-B21B-7ABDE5A2364B}"/>
               </a:ext>
             </a:extLst>
           </p:cNvPr>
@@ -1531,7 +1541,7 @@
           <p:cNvPr id="3" name="Content Placeholder 2">
             <a:extLst>
               <a:ext uri="{FF2B5EF4-FFF2-40B4-BE49-F238E27FC236}">
-                <a16:creationId xmlns:a16="http://schemas.microsoft.com/office/drawing/2014/main" id="{AE2F9DA5-4DFB-4211-A58A-FFD842C27A65}"/>
+                <a16:creationId xmlns:a16="http://schemas.microsoft.com/office/drawing/2014/main" xmlns="" id="{AE2F9DA5-4DFB-4211-A58A-FFD842C27A65}"/>
               </a:ext>
             </a:extLst>
           </p:cNvPr>
@@ -1593,7 +1603,7 @@
           <p:cNvPr id="4" name="Content Placeholder 3">
             <a:extLst>
               <a:ext uri="{FF2B5EF4-FFF2-40B4-BE49-F238E27FC236}">
-                <a16:creationId xmlns:a16="http://schemas.microsoft.com/office/drawing/2014/main" id="{1AA99F26-66AF-4614-91CE-C93A24BAC23A}"/>
+                <a16:creationId xmlns:a16="http://schemas.microsoft.com/office/drawing/2014/main" xmlns="" id="{1AA99F26-66AF-4614-91CE-C93A24BAC23A}"/>
               </a:ext>
             </a:extLst>
           </p:cNvPr>
@@ -1655,7 +1665,7 @@
           <p:cNvPr id="5" name="Date Placeholder 4">
             <a:extLst>
               <a:ext uri="{FF2B5EF4-FFF2-40B4-BE49-F238E27FC236}">
-                <a16:creationId xmlns:a16="http://schemas.microsoft.com/office/drawing/2014/main" id="{7F8F678E-59B5-4DF9-ABCB-506B9CB701CC}"/>
+                <a16:creationId xmlns:a16="http://schemas.microsoft.com/office/drawing/2014/main" xmlns="" id="{7F8F678E-59B5-4DF9-ABCB-506B9CB701CC}"/>
               </a:ext>
             </a:extLst>
           </p:cNvPr>
@@ -1673,6 +1683,7 @@
           <a:p>
             <a:fld id="{3CADBD16-5BFB-4D9F-9646-C75D1B53BBB6}" type="datetimeFigureOut">
               <a:rPr lang="en-US" smtClean="0"/>
+              <a:pPr/>
               <a:t>11/21/2024</a:t>
             </a:fld>
             <a:endParaRPr lang="en-US"/>
@@ -1684,7 +1695,7 @@
           <p:cNvPr id="6" name="Footer Placeholder 5">
             <a:extLst>
               <a:ext uri="{FF2B5EF4-FFF2-40B4-BE49-F238E27FC236}">
-                <a16:creationId xmlns:a16="http://schemas.microsoft.com/office/drawing/2014/main" id="{18B50A53-317B-444A-9BA2-F69CDBF5DA64}"/>
+                <a16:creationId xmlns:a16="http://schemas.microsoft.com/office/drawing/2014/main" xmlns="" id="{18B50A53-317B-444A-9BA2-F69CDBF5DA64}"/>
               </a:ext>
             </a:extLst>
           </p:cNvPr>
@@ -1709,7 +1720,7 @@
           <p:cNvPr id="7" name="Slide Number Placeholder 6">
             <a:extLst>
               <a:ext uri="{FF2B5EF4-FFF2-40B4-BE49-F238E27FC236}">
-                <a16:creationId xmlns:a16="http://schemas.microsoft.com/office/drawing/2014/main" id="{D0B269A1-B0FB-4C8F-B6AA-0718C92D3D22}"/>
+                <a16:creationId xmlns:a16="http://schemas.microsoft.com/office/drawing/2014/main" xmlns="" id="{D0B269A1-B0FB-4C8F-B6AA-0718C92D3D22}"/>
               </a:ext>
             </a:extLst>
           </p:cNvPr>
@@ -1727,6 +1738,7 @@
           <a:p>
             <a:fld id="{C0722274-0FAA-4649-AA4E-4210F4F32167}" type="slidenum">
               <a:rPr lang="en-US" smtClean="0"/>
+              <a:pPr/>
               <a:t>‹#›</a:t>
             </a:fld>
             <a:endParaRPr lang="en-US"/>
@@ -1736,7 +1748,7 @@
     </p:spTree>
     <p:extLst>
       <p:ext uri="{BB962C8B-B14F-4D97-AF65-F5344CB8AC3E}">
-        <p14:creationId xmlns:p14="http://schemas.microsoft.com/office/powerpoint/2010/main" val="472405329"/>
+        <p14:creationId xmlns:p14="http://schemas.microsoft.com/office/powerpoint/2010/main" xmlns="" val="472405329"/>
       </p:ext>
     </p:extLst>
   </p:cSld>
@@ -1768,7 +1780,7 @@
           <p:cNvPr id="2" name="Title 1">
             <a:extLst>
               <a:ext uri="{FF2B5EF4-FFF2-40B4-BE49-F238E27FC236}">
-                <a16:creationId xmlns:a16="http://schemas.microsoft.com/office/drawing/2014/main" id="{B112BBBF-42B2-4A5D-B145-46983A530170}"/>
+                <a16:creationId xmlns:a16="http://schemas.microsoft.com/office/drawing/2014/main" xmlns="" id="{B112BBBF-42B2-4A5D-B145-46983A530170}"/>
               </a:ext>
             </a:extLst>
           </p:cNvPr>
@@ -1801,7 +1813,7 @@
           <p:cNvPr id="3" name="Text Placeholder 2">
             <a:extLst>
               <a:ext uri="{FF2B5EF4-FFF2-40B4-BE49-F238E27FC236}">
-                <a16:creationId xmlns:a16="http://schemas.microsoft.com/office/drawing/2014/main" id="{E804BE44-5271-4B5D-B649-35E3AF20B48F}"/>
+                <a16:creationId xmlns:a16="http://schemas.microsoft.com/office/drawing/2014/main" xmlns="" id="{E804BE44-5271-4B5D-B649-35E3AF20B48F}"/>
               </a:ext>
             </a:extLst>
           </p:cNvPr>
@@ -1874,7 +1886,7 @@
           <p:cNvPr id="4" name="Content Placeholder 3">
             <a:extLst>
               <a:ext uri="{FF2B5EF4-FFF2-40B4-BE49-F238E27FC236}">
-                <a16:creationId xmlns:a16="http://schemas.microsoft.com/office/drawing/2014/main" id="{24D7891E-0C0A-4688-97DD-C0715E322194}"/>
+                <a16:creationId xmlns:a16="http://schemas.microsoft.com/office/drawing/2014/main" xmlns="" id="{24D7891E-0C0A-4688-97DD-C0715E322194}"/>
               </a:ext>
             </a:extLst>
           </p:cNvPr>
@@ -1936,7 +1948,7 @@
           <p:cNvPr id="5" name="Text Placeholder 4">
             <a:extLst>
               <a:ext uri="{FF2B5EF4-FFF2-40B4-BE49-F238E27FC236}">
-                <a16:creationId xmlns:a16="http://schemas.microsoft.com/office/drawing/2014/main" id="{875EAF30-3412-49B0-93D1-596CC2695B26}"/>
+                <a16:creationId xmlns:a16="http://schemas.microsoft.com/office/drawing/2014/main" xmlns="" id="{875EAF30-3412-49B0-93D1-596CC2695B26}"/>
               </a:ext>
             </a:extLst>
           </p:cNvPr>
@@ -2009,7 +2021,7 @@
           <p:cNvPr id="6" name="Content Placeholder 5">
             <a:extLst>
               <a:ext uri="{FF2B5EF4-FFF2-40B4-BE49-F238E27FC236}">
-                <a16:creationId xmlns:a16="http://schemas.microsoft.com/office/drawing/2014/main" id="{F707B9B7-F41C-4314-9F0C-BB84547FB8CA}"/>
+                <a16:creationId xmlns:a16="http://schemas.microsoft.com/office/drawing/2014/main" xmlns="" id="{F707B9B7-F41C-4314-9F0C-BB84547FB8CA}"/>
               </a:ext>
             </a:extLst>
           </p:cNvPr>
@@ -2071,7 +2083,7 @@
           <p:cNvPr id="7" name="Date Placeholder 6">
             <a:extLst>
               <a:ext uri="{FF2B5EF4-FFF2-40B4-BE49-F238E27FC236}">
-                <a16:creationId xmlns:a16="http://schemas.microsoft.com/office/drawing/2014/main" id="{8421587F-6AFC-4906-86EB-6B0A86EEF300}"/>
+                <a16:creationId xmlns:a16="http://schemas.microsoft.com/office/drawing/2014/main" xmlns="" id="{8421587F-6AFC-4906-86EB-6B0A86EEF300}"/>
               </a:ext>
             </a:extLst>
           </p:cNvPr>
@@ -2089,6 +2101,7 @@
           <a:p>
             <a:fld id="{3CADBD16-5BFB-4D9F-9646-C75D1B53BBB6}" type="datetimeFigureOut">
               <a:rPr lang="en-US" smtClean="0"/>
+              <a:pPr/>
               <a:t>11/21/2024</a:t>
             </a:fld>
             <a:endParaRPr lang="en-US"/>
@@ -2100,7 +2113,7 @@
           <p:cNvPr id="8" name="Footer Placeholder 7">
             <a:extLst>
               <a:ext uri="{FF2B5EF4-FFF2-40B4-BE49-F238E27FC236}">
-                <a16:creationId xmlns:a16="http://schemas.microsoft.com/office/drawing/2014/main" id="{354BE2C5-583B-49BC-9864-B01EEF798742}"/>
+                <a16:creationId xmlns:a16="http://schemas.microsoft.com/office/drawing/2014/main" xmlns="" id="{354BE2C5-583B-49BC-9864-B01EEF798742}"/>
               </a:ext>
             </a:extLst>
           </p:cNvPr>
@@ -2125,7 +2138,7 @@
           <p:cNvPr id="9" name="Slide Number Placeholder 8">
             <a:extLst>
               <a:ext uri="{FF2B5EF4-FFF2-40B4-BE49-F238E27FC236}">
-                <a16:creationId xmlns:a16="http://schemas.microsoft.com/office/drawing/2014/main" id="{5B39B236-45F5-4CC6-8D53-A6903A1CC8B3}"/>
+                <a16:creationId xmlns:a16="http://schemas.microsoft.com/office/drawing/2014/main" xmlns="" id="{5B39B236-45F5-4CC6-8D53-A6903A1CC8B3}"/>
               </a:ext>
             </a:extLst>
           </p:cNvPr>
@@ -2143,6 +2156,7 @@
           <a:p>
             <a:fld id="{C0722274-0FAA-4649-AA4E-4210F4F32167}" type="slidenum">
               <a:rPr lang="en-US" smtClean="0"/>
+              <a:pPr/>
               <a:t>‹#›</a:t>
             </a:fld>
             <a:endParaRPr lang="en-US"/>
@@ -2152,7 +2166,7 @@
     </p:spTree>
     <p:extLst>
       <p:ext uri="{BB962C8B-B14F-4D97-AF65-F5344CB8AC3E}">
-        <p14:creationId xmlns:p14="http://schemas.microsoft.com/office/powerpoint/2010/main" val="2306710673"/>
+        <p14:creationId xmlns:p14="http://schemas.microsoft.com/office/powerpoint/2010/main" xmlns="" val="2306710673"/>
       </p:ext>
     </p:extLst>
   </p:cSld>
@@ -2184,7 +2198,7 @@
           <p:cNvPr id="2" name="Title 1">
             <a:extLst>
               <a:ext uri="{FF2B5EF4-FFF2-40B4-BE49-F238E27FC236}">
-                <a16:creationId xmlns:a16="http://schemas.microsoft.com/office/drawing/2014/main" id="{CC36B206-0678-4577-B79F-760526A5FD76}"/>
+                <a16:creationId xmlns:a16="http://schemas.microsoft.com/office/drawing/2014/main" xmlns="" id="{CC36B206-0678-4577-B79F-760526A5FD76}"/>
               </a:ext>
             </a:extLst>
           </p:cNvPr>
@@ -2221,7 +2235,7 @@
           <p:cNvPr id="3" name="Date Placeholder 2">
             <a:extLst>
               <a:ext uri="{FF2B5EF4-FFF2-40B4-BE49-F238E27FC236}">
-                <a16:creationId xmlns:a16="http://schemas.microsoft.com/office/drawing/2014/main" id="{E6D5FCB8-AFD3-4801-BBD6-9548F4CF7C86}"/>
+                <a16:creationId xmlns:a16="http://schemas.microsoft.com/office/drawing/2014/main" xmlns="" id="{E6D5FCB8-AFD3-4801-BBD6-9548F4CF7C86}"/>
               </a:ext>
             </a:extLst>
           </p:cNvPr>
@@ -2239,6 +2253,7 @@
           <a:p>
             <a:fld id="{3CADBD16-5BFB-4D9F-9646-C75D1B53BBB6}" type="datetimeFigureOut">
               <a:rPr lang="en-US" smtClean="0"/>
+              <a:pPr/>
               <a:t>11/21/2024</a:t>
             </a:fld>
             <a:endParaRPr lang="en-US"/>
@@ -2250,7 +2265,7 @@
           <p:cNvPr id="4" name="Footer Placeholder 3">
             <a:extLst>
               <a:ext uri="{FF2B5EF4-FFF2-40B4-BE49-F238E27FC236}">
-                <a16:creationId xmlns:a16="http://schemas.microsoft.com/office/drawing/2014/main" id="{0F6DACF8-CBC0-416B-B28E-EE18C42383B4}"/>
+                <a16:creationId xmlns:a16="http://schemas.microsoft.com/office/drawing/2014/main" xmlns="" id="{0F6DACF8-CBC0-416B-B28E-EE18C42383B4}"/>
               </a:ext>
             </a:extLst>
           </p:cNvPr>
@@ -2275,7 +2290,7 @@
           <p:cNvPr id="5" name="Slide Number Placeholder 4">
             <a:extLst>
               <a:ext uri="{FF2B5EF4-FFF2-40B4-BE49-F238E27FC236}">
-                <a16:creationId xmlns:a16="http://schemas.microsoft.com/office/drawing/2014/main" id="{770C7421-FF49-4CE9-87D0-2B4FFE0E3DC4}"/>
+                <a16:creationId xmlns:a16="http://schemas.microsoft.com/office/drawing/2014/main" xmlns="" id="{770C7421-FF49-4CE9-87D0-2B4FFE0E3DC4}"/>
               </a:ext>
             </a:extLst>
           </p:cNvPr>
@@ -2293,6 +2308,7 @@
           <a:p>
             <a:fld id="{C0722274-0FAA-4649-AA4E-4210F4F32167}" type="slidenum">
               <a:rPr lang="en-US" smtClean="0"/>
+              <a:pPr/>
               <a:t>‹#›</a:t>
             </a:fld>
             <a:endParaRPr lang="en-US"/>
@@ -2302,7 +2318,7 @@
     </p:spTree>
     <p:extLst>
       <p:ext uri="{BB962C8B-B14F-4D97-AF65-F5344CB8AC3E}">
-        <p14:creationId xmlns:p14="http://schemas.microsoft.com/office/powerpoint/2010/main" val="2752814370"/>
+        <p14:creationId xmlns:p14="http://schemas.microsoft.com/office/powerpoint/2010/main" xmlns="" val="2752814370"/>
       </p:ext>
     </p:extLst>
   </p:cSld>
@@ -2334,7 +2350,7 @@
           <p:cNvPr id="2" name="Date Placeholder 1">
             <a:extLst>
               <a:ext uri="{FF2B5EF4-FFF2-40B4-BE49-F238E27FC236}">
-                <a16:creationId xmlns:a16="http://schemas.microsoft.com/office/drawing/2014/main" id="{3D19CBFE-15AA-4447-9F9C-D8B0BEB242DA}"/>
+                <a16:creationId xmlns:a16="http://schemas.microsoft.com/office/drawing/2014/main" xmlns="" id="{3D19CBFE-15AA-4447-9F9C-D8B0BEB242DA}"/>
               </a:ext>
             </a:extLst>
           </p:cNvPr>
@@ -2352,6 +2368,7 @@
           <a:p>
             <a:fld id="{3CADBD16-5BFB-4D9F-9646-C75D1B53BBB6}" type="datetimeFigureOut">
               <a:rPr lang="en-US" smtClean="0"/>
+              <a:pPr/>
               <a:t>11/21/2024</a:t>
             </a:fld>
             <a:endParaRPr lang="en-US"/>
@@ -2363,7 +2380,7 @@
           <p:cNvPr id="3" name="Footer Placeholder 2">
             <a:extLst>
               <a:ext uri="{FF2B5EF4-FFF2-40B4-BE49-F238E27FC236}">
-                <a16:creationId xmlns:a16="http://schemas.microsoft.com/office/drawing/2014/main" id="{C6B48227-EC1E-4063-9682-891A2DB1A845}"/>
+                <a16:creationId xmlns:a16="http://schemas.microsoft.com/office/drawing/2014/main" xmlns="" id="{C6B48227-EC1E-4063-9682-891A2DB1A845}"/>
               </a:ext>
             </a:extLst>
           </p:cNvPr>
@@ -2388,7 +2405,7 @@
           <p:cNvPr id="4" name="Slide Number Placeholder 3">
             <a:extLst>
               <a:ext uri="{FF2B5EF4-FFF2-40B4-BE49-F238E27FC236}">
-                <a16:creationId xmlns:a16="http://schemas.microsoft.com/office/drawing/2014/main" id="{D22C6A63-C3F4-4563-A542-9A41AC946C32}"/>
+                <a16:creationId xmlns:a16="http://schemas.microsoft.com/office/drawing/2014/main" xmlns="" id="{D22C6A63-C3F4-4563-A542-9A41AC946C32}"/>
               </a:ext>
             </a:extLst>
           </p:cNvPr>
@@ -2406,6 +2423,7 @@
           <a:p>
             <a:fld id="{C0722274-0FAA-4649-AA4E-4210F4F32167}" type="slidenum">
               <a:rPr lang="en-US" smtClean="0"/>
+              <a:pPr/>
               <a:t>‹#›</a:t>
             </a:fld>
             <a:endParaRPr lang="en-US"/>
@@ -2415,7 +2433,7 @@
     </p:spTree>
     <p:extLst>
       <p:ext uri="{BB962C8B-B14F-4D97-AF65-F5344CB8AC3E}">
-        <p14:creationId xmlns:p14="http://schemas.microsoft.com/office/powerpoint/2010/main" val="3476649586"/>
+        <p14:creationId xmlns:p14="http://schemas.microsoft.com/office/powerpoint/2010/main" xmlns="" val="3476649586"/>
       </p:ext>
     </p:extLst>
   </p:cSld>
@@ -2447,7 +2465,7 @@
           <p:cNvPr id="2" name="Title 1">
             <a:extLst>
               <a:ext uri="{FF2B5EF4-FFF2-40B4-BE49-F238E27FC236}">
-                <a16:creationId xmlns:a16="http://schemas.microsoft.com/office/drawing/2014/main" id="{186900C1-FE18-461C-801C-8626C7759861}"/>
+                <a16:creationId xmlns:a16="http://schemas.microsoft.com/office/drawing/2014/main" xmlns="" id="{186900C1-FE18-461C-801C-8626C7759861}"/>
               </a:ext>
             </a:extLst>
           </p:cNvPr>
@@ -2489,7 +2507,7 @@
           <p:cNvPr id="3" name="Content Placeholder 2">
             <a:extLst>
               <a:ext uri="{FF2B5EF4-FFF2-40B4-BE49-F238E27FC236}">
-                <a16:creationId xmlns:a16="http://schemas.microsoft.com/office/drawing/2014/main" id="{AB14CFF3-3406-49E3-9D5A-1BE90FFA508E}"/>
+                <a16:creationId xmlns:a16="http://schemas.microsoft.com/office/drawing/2014/main" xmlns="" id="{AB14CFF3-3406-49E3-9D5A-1BE90FFA508E}"/>
               </a:ext>
             </a:extLst>
           </p:cNvPr>
@@ -2579,7 +2597,7 @@
           <p:cNvPr id="4" name="Text Placeholder 3">
             <a:extLst>
               <a:ext uri="{FF2B5EF4-FFF2-40B4-BE49-F238E27FC236}">
-                <a16:creationId xmlns:a16="http://schemas.microsoft.com/office/drawing/2014/main" id="{033D14FF-9082-4BBA-BC7A-F4C5B78599C5}"/>
+                <a16:creationId xmlns:a16="http://schemas.microsoft.com/office/drawing/2014/main" xmlns="" id="{033D14FF-9082-4BBA-BC7A-F4C5B78599C5}"/>
               </a:ext>
             </a:extLst>
           </p:cNvPr>
@@ -2650,7 +2668,7 @@
           <p:cNvPr id="5" name="Date Placeholder 4">
             <a:extLst>
               <a:ext uri="{FF2B5EF4-FFF2-40B4-BE49-F238E27FC236}">
-                <a16:creationId xmlns:a16="http://schemas.microsoft.com/office/drawing/2014/main" id="{0D5A2726-EB8E-4DF7-9A1B-F03BD8C7179E}"/>
+                <a16:creationId xmlns:a16="http://schemas.microsoft.com/office/drawing/2014/main" xmlns="" id="{0D5A2726-EB8E-4DF7-9A1B-F03BD8C7179E}"/>
               </a:ext>
             </a:extLst>
           </p:cNvPr>
@@ -2668,6 +2686,7 @@
           <a:p>
             <a:fld id="{3CADBD16-5BFB-4D9F-9646-C75D1B53BBB6}" type="datetimeFigureOut">
               <a:rPr lang="en-US" smtClean="0"/>
+              <a:pPr/>
               <a:t>11/21/2024</a:t>
             </a:fld>
             <a:endParaRPr lang="en-US"/>
@@ -2679,7 +2698,7 @@
           <p:cNvPr id="6" name="Footer Placeholder 5">
             <a:extLst>
               <a:ext uri="{FF2B5EF4-FFF2-40B4-BE49-F238E27FC236}">
-                <a16:creationId xmlns:a16="http://schemas.microsoft.com/office/drawing/2014/main" id="{8D9929BE-611C-4FE6-B0A5-E0FF9DF969EE}"/>
+                <a16:creationId xmlns:a16="http://schemas.microsoft.com/office/drawing/2014/main" xmlns="" id="{8D9929BE-611C-4FE6-B0A5-E0FF9DF969EE}"/>
               </a:ext>
             </a:extLst>
           </p:cNvPr>
@@ -2704,7 +2723,7 @@
           <p:cNvPr id="7" name="Slide Number Placeholder 6">
             <a:extLst>
               <a:ext uri="{FF2B5EF4-FFF2-40B4-BE49-F238E27FC236}">
-                <a16:creationId xmlns:a16="http://schemas.microsoft.com/office/drawing/2014/main" id="{17B90B32-1D0E-4BCD-8850-59EA235F7EB4}"/>
+                <a16:creationId xmlns:a16="http://schemas.microsoft.com/office/drawing/2014/main" xmlns="" id="{17B90B32-1D0E-4BCD-8850-59EA235F7EB4}"/>
               </a:ext>
             </a:extLst>
           </p:cNvPr>
@@ -2722,6 +2741,7 @@
           <a:p>
             <a:fld id="{C0722274-0FAA-4649-AA4E-4210F4F32167}" type="slidenum">
               <a:rPr lang="en-US" smtClean="0"/>
+              <a:pPr/>
               <a:t>‹#›</a:t>
             </a:fld>
             <a:endParaRPr lang="en-US"/>
@@ -2731,7 +2751,7 @@
     </p:spTree>
     <p:extLst>
       <p:ext uri="{BB962C8B-B14F-4D97-AF65-F5344CB8AC3E}">
-        <p14:creationId xmlns:p14="http://schemas.microsoft.com/office/powerpoint/2010/main" val="787348933"/>
+        <p14:creationId xmlns:p14="http://schemas.microsoft.com/office/powerpoint/2010/main" xmlns="" val="787348933"/>
       </p:ext>
     </p:extLst>
   </p:cSld>
@@ -2763,7 +2783,7 @@
           <p:cNvPr id="3" name="Picture Placeholder 2">
             <a:extLst>
               <a:ext uri="{FF2B5EF4-FFF2-40B4-BE49-F238E27FC236}">
-                <a16:creationId xmlns:a16="http://schemas.microsoft.com/office/drawing/2014/main" id="{1CA1460E-1069-4FCA-B04E-28F77C861046}"/>
+                <a16:creationId xmlns:a16="http://schemas.microsoft.com/office/drawing/2014/main" xmlns="" id="{1CA1460E-1069-4FCA-B04E-28F77C861046}"/>
               </a:ext>
             </a:extLst>
           </p:cNvPr>
@@ -2830,7 +2850,7 @@
           <p:cNvPr id="4" name="Text Placeholder 3">
             <a:extLst>
               <a:ext uri="{FF2B5EF4-FFF2-40B4-BE49-F238E27FC236}">
-                <a16:creationId xmlns:a16="http://schemas.microsoft.com/office/drawing/2014/main" id="{66138C1E-867B-4FE9-8783-9B1246AEB797}"/>
+                <a16:creationId xmlns:a16="http://schemas.microsoft.com/office/drawing/2014/main" xmlns="" id="{66138C1E-867B-4FE9-8783-9B1246AEB797}"/>
               </a:ext>
             </a:extLst>
           </p:cNvPr>
@@ -2901,7 +2921,7 @@
           <p:cNvPr id="5" name="Date Placeholder 4">
             <a:extLst>
               <a:ext uri="{FF2B5EF4-FFF2-40B4-BE49-F238E27FC236}">
-                <a16:creationId xmlns:a16="http://schemas.microsoft.com/office/drawing/2014/main" id="{00721568-4870-46F2-9F7E-F410702012D9}"/>
+                <a16:creationId xmlns:a16="http://schemas.microsoft.com/office/drawing/2014/main" xmlns="" id="{00721568-4870-46F2-9F7E-F410702012D9}"/>
               </a:ext>
             </a:extLst>
           </p:cNvPr>
@@ -2919,6 +2939,7 @@
           <a:p>
             <a:fld id="{3CADBD16-5BFB-4D9F-9646-C75D1B53BBB6}" type="datetimeFigureOut">
               <a:rPr lang="en-US" smtClean="0"/>
+              <a:pPr/>
               <a:t>11/21/2024</a:t>
             </a:fld>
             <a:endParaRPr lang="en-US"/>
@@ -2930,7 +2951,7 @@
           <p:cNvPr id="6" name="Footer Placeholder 5">
             <a:extLst>
               <a:ext uri="{FF2B5EF4-FFF2-40B4-BE49-F238E27FC236}">
-                <a16:creationId xmlns:a16="http://schemas.microsoft.com/office/drawing/2014/main" id="{0BB3CC65-0E73-45A1-9D4F-3F4559B3B659}"/>
+                <a16:creationId xmlns:a16="http://schemas.microsoft.com/office/drawing/2014/main" xmlns="" id="{0BB3CC65-0E73-45A1-9D4F-3F4559B3B659}"/>
               </a:ext>
             </a:extLst>
           </p:cNvPr>
@@ -2955,7 +2976,7 @@
           <p:cNvPr id="7" name="Slide Number Placeholder 6">
             <a:extLst>
               <a:ext uri="{FF2B5EF4-FFF2-40B4-BE49-F238E27FC236}">
-                <a16:creationId xmlns:a16="http://schemas.microsoft.com/office/drawing/2014/main" id="{B58C58CD-9BC3-431E-A7B4-D596A7F06C5E}"/>
+                <a16:creationId xmlns:a16="http://schemas.microsoft.com/office/drawing/2014/main" xmlns="" id="{B58C58CD-9BC3-431E-A7B4-D596A7F06C5E}"/>
               </a:ext>
             </a:extLst>
           </p:cNvPr>
@@ -2973,6 +2994,7 @@
           <a:p>
             <a:fld id="{C0722274-0FAA-4649-AA4E-4210F4F32167}" type="slidenum">
               <a:rPr lang="en-US" smtClean="0"/>
+              <a:pPr/>
               <a:t>‹#›</a:t>
             </a:fld>
             <a:endParaRPr lang="en-US"/>
@@ -2984,7 +3006,7 @@
           <p:cNvPr id="2" name="Title 1">
             <a:extLst>
               <a:ext uri="{FF2B5EF4-FFF2-40B4-BE49-F238E27FC236}">
-                <a16:creationId xmlns:a16="http://schemas.microsoft.com/office/drawing/2014/main" id="{2368F756-D171-474C-8B1A-C818032F6F78}"/>
+                <a16:creationId xmlns:a16="http://schemas.microsoft.com/office/drawing/2014/main" xmlns="" id="{2368F756-D171-474C-8B1A-C818032F6F78}"/>
               </a:ext>
             </a:extLst>
           </p:cNvPr>
@@ -3024,7 +3046,7 @@
     </p:spTree>
     <p:extLst>
       <p:ext uri="{BB962C8B-B14F-4D97-AF65-F5344CB8AC3E}">
-        <p14:creationId xmlns:p14="http://schemas.microsoft.com/office/powerpoint/2010/main" val="763507576"/>
+        <p14:creationId xmlns:p14="http://schemas.microsoft.com/office/powerpoint/2010/main" xmlns="" val="763507576"/>
       </p:ext>
     </p:extLst>
   </p:cSld>
@@ -3061,7 +3083,7 @@
           <p:cNvPr id="8" name="Freeform: Shape 7">
             <a:extLst>
               <a:ext uri="{FF2B5EF4-FFF2-40B4-BE49-F238E27FC236}">
-                <a16:creationId xmlns:a16="http://schemas.microsoft.com/office/drawing/2014/main" id="{91C2F78B-DEE8-4195-A196-DFC51BDADFF9}"/>
+                <a16:creationId xmlns:a16="http://schemas.microsoft.com/office/drawing/2014/main" xmlns="" id="{91C2F78B-DEE8-4195-A196-DFC51BDADFF9}"/>
               </a:ext>
             </a:extLst>
           </p:cNvPr>
@@ -3153,7 +3175,7 @@
           <p:cNvPr id="10" name="Freeform: Shape 9">
             <a:extLst>
               <a:ext uri="{FF2B5EF4-FFF2-40B4-BE49-F238E27FC236}">
-                <a16:creationId xmlns:a16="http://schemas.microsoft.com/office/drawing/2014/main" id="{A1D79D08-4BE8-4799-BE09-5078DFEE2256}"/>
+                <a16:creationId xmlns:a16="http://schemas.microsoft.com/office/drawing/2014/main" xmlns="" id="{A1D79D08-4BE8-4799-BE09-5078DFEE2256}"/>
               </a:ext>
             </a:extLst>
           </p:cNvPr>
@@ -3245,7 +3267,7 @@
           <p:cNvPr id="12" name="Straight Connector 11">
             <a:extLst>
               <a:ext uri="{FF2B5EF4-FFF2-40B4-BE49-F238E27FC236}">
-                <a16:creationId xmlns:a16="http://schemas.microsoft.com/office/drawing/2014/main" id="{C95D65A1-16CB-407F-993F-2A6D59BCC0C8}"/>
+                <a16:creationId xmlns:a16="http://schemas.microsoft.com/office/drawing/2014/main" xmlns="" id="{C95D65A1-16CB-407F-993F-2A6D59BCC0C8}"/>
               </a:ext>
             </a:extLst>
           </p:cNvPr>
@@ -3288,7 +3310,7 @@
           <p:cNvPr id="2" name="Title Placeholder 1">
             <a:extLst>
               <a:ext uri="{FF2B5EF4-FFF2-40B4-BE49-F238E27FC236}">
-                <a16:creationId xmlns:a16="http://schemas.microsoft.com/office/drawing/2014/main" id="{0BA018A2-815D-41B0-A189-FDF7A5E88891}"/>
+                <a16:creationId xmlns:a16="http://schemas.microsoft.com/office/drawing/2014/main" xmlns="" id="{0BA018A2-815D-41B0-A189-FDF7A5E88891}"/>
               </a:ext>
             </a:extLst>
           </p:cNvPr>
@@ -3326,7 +3348,7 @@
           <p:cNvPr id="3" name="Text Placeholder 2">
             <a:extLst>
               <a:ext uri="{FF2B5EF4-FFF2-40B4-BE49-F238E27FC236}">
-                <a16:creationId xmlns:a16="http://schemas.microsoft.com/office/drawing/2014/main" id="{36DFAE63-1276-4C7C-BFF5-F5DF1CDB23E5}"/>
+                <a16:creationId xmlns:a16="http://schemas.microsoft.com/office/drawing/2014/main" xmlns="" id="{36DFAE63-1276-4C7C-BFF5-F5DF1CDB23E5}"/>
               </a:ext>
             </a:extLst>
           </p:cNvPr>
@@ -3393,7 +3415,7 @@
           <p:cNvPr id="4" name="Date Placeholder 3">
             <a:extLst>
               <a:ext uri="{FF2B5EF4-FFF2-40B4-BE49-F238E27FC236}">
-                <a16:creationId xmlns:a16="http://schemas.microsoft.com/office/drawing/2014/main" id="{55380268-2D73-487C-843B-51648AE18194}"/>
+                <a16:creationId xmlns:a16="http://schemas.microsoft.com/office/drawing/2014/main" xmlns="" id="{55380268-2D73-487C-843B-51648AE18194}"/>
               </a:ext>
             </a:extLst>
           </p:cNvPr>
@@ -3439,7 +3461,7 @@
           <p:cNvPr id="5" name="Footer Placeholder 4">
             <a:extLst>
               <a:ext uri="{FF2B5EF4-FFF2-40B4-BE49-F238E27FC236}">
-                <a16:creationId xmlns:a16="http://schemas.microsoft.com/office/drawing/2014/main" id="{99F61E6D-D51F-4BD7-B59D-19AF179177B8}"/>
+                <a16:creationId xmlns:a16="http://schemas.microsoft.com/office/drawing/2014/main" xmlns="" id="{99F61E6D-D51F-4BD7-B59D-19AF179177B8}"/>
               </a:ext>
             </a:extLst>
           </p:cNvPr>
@@ -3480,7 +3502,7 @@
           <p:cNvPr id="6" name="Slide Number Placeholder 5">
             <a:extLst>
               <a:ext uri="{FF2B5EF4-FFF2-40B4-BE49-F238E27FC236}">
-                <a16:creationId xmlns:a16="http://schemas.microsoft.com/office/drawing/2014/main" id="{127701B1-1C93-41C2-AEE1-815DEA51B962}"/>
+                <a16:creationId xmlns:a16="http://schemas.microsoft.com/office/drawing/2014/main" xmlns="" id="{127701B1-1C93-41C2-AEE1-815DEA51B962}"/>
               </a:ext>
             </a:extLst>
           </p:cNvPr>
@@ -3524,7 +3546,7 @@
     </p:spTree>
     <p:extLst>
       <p:ext uri="{BB962C8B-B14F-4D97-AF65-F5344CB8AC3E}">
-        <p14:creationId xmlns:p14="http://schemas.microsoft.com/office/powerpoint/2010/main" val="3684674272"/>
+        <p14:creationId xmlns:p14="http://schemas.microsoft.com/office/powerpoint/2010/main" xmlns="" val="3684674272"/>
       </p:ext>
     </p:extLst>
   </p:cSld>
@@ -3855,10 +3877,10 @@
           <p:cNvPr id="60" name="Rectangle 59">
             <a:extLst>
               <a:ext uri="{FF2B5EF4-FFF2-40B4-BE49-F238E27FC236}">
-                <a16:creationId xmlns:a16="http://schemas.microsoft.com/office/drawing/2014/main" id="{70105F5E-5B61-4F51-927C-5B28DB7DD9BB}"/>
+                <a16:creationId xmlns:a16="http://schemas.microsoft.com/office/drawing/2014/main" xmlns="" id="{70105F5E-5B61-4F51-927C-5B28DB7DD9BB}"/>
               </a:ext>
               <a:ext uri="{C183D7F6-B498-43B3-948B-1728B52AA6E4}">
-                <adec:decorative xmlns:adec="http://schemas.microsoft.com/office/drawing/2017/decorative" val="1"/>
+                <adec:decorative xmlns:adec="http://schemas.microsoft.com/office/drawing/2017/decorative" xmlns="" val="1"/>
               </a:ext>
             </a:extLst>
           </p:cNvPr>
@@ -3868,7 +3890,7 @@
           <p:nvPr>
             <p:extLst>
               <p:ext uri="{386F3935-93C4-4BCD-93E2-E3B085C9AB24}">
-                <p16:designElem xmlns:p16="http://schemas.microsoft.com/office/powerpoint/2015/main" val="1"/>
+                <p16:designElem xmlns:p16="http://schemas.microsoft.com/office/powerpoint/2015/main" xmlns="" val="1"/>
               </p:ext>
             </p:extLst>
           </p:nvPr>
@@ -3889,7 +3911,7 @@
           <a:effectLst/>
           <a:extLst>
             <a:ext uri="{91240B29-F687-4F45-9708-019B960494DF}">
-              <a14:hiddenLine xmlns:a14="http://schemas.microsoft.com/office/drawing/2010/main" w="12700" cap="flat" cmpd="sng" algn="ctr">
+              <a14:hiddenLine xmlns:a14="http://schemas.microsoft.com/office/drawing/2010/main" xmlns="" w="12700" cap="flat" cmpd="sng" algn="ctr">
                 <a:solidFill>
                   <a:schemeClr val="accent1">
                     <a:shade val="50000"/>
@@ -3931,10 +3953,10 @@
           <p:cNvPr id="62" name="Freeform: Shape 61">
             <a:extLst>
               <a:ext uri="{FF2B5EF4-FFF2-40B4-BE49-F238E27FC236}">
-                <a16:creationId xmlns:a16="http://schemas.microsoft.com/office/drawing/2014/main" id="{5882C1C4-D961-459C-91C5-334ABD6E63EA}"/>
+                <a16:creationId xmlns:a16="http://schemas.microsoft.com/office/drawing/2014/main" xmlns="" id="{5882C1C4-D961-459C-91C5-334ABD6E63EA}"/>
               </a:ext>
               <a:ext uri="{C183D7F6-B498-43B3-948B-1728B52AA6E4}">
-                <adec:decorative xmlns:adec="http://schemas.microsoft.com/office/drawing/2017/decorative" val="1"/>
+                <adec:decorative xmlns:adec="http://schemas.microsoft.com/office/drawing/2017/decorative" xmlns="" val="1"/>
               </a:ext>
             </a:extLst>
           </p:cNvPr>
@@ -3944,7 +3966,7 @@
           <p:nvPr>
             <p:extLst>
               <p:ext uri="{386F3935-93C4-4BCD-93E2-E3B085C9AB24}">
-                <p16:designElem xmlns:p16="http://schemas.microsoft.com/office/powerpoint/2015/main" val="1"/>
+                <p16:designElem xmlns:p16="http://schemas.microsoft.com/office/powerpoint/2015/main" xmlns="" val="1"/>
               </p:ext>
             </p:extLst>
           </p:nvPr>
@@ -4130,10 +4152,10 @@
           <p:cNvPr id="64" name="Freeform: Shape 63">
             <a:extLst>
               <a:ext uri="{FF2B5EF4-FFF2-40B4-BE49-F238E27FC236}">
-                <a16:creationId xmlns:a16="http://schemas.microsoft.com/office/drawing/2014/main" id="{A7B8B125-A98E-403C-9A7F-494FF789C26E}"/>
+                <a16:creationId xmlns:a16="http://schemas.microsoft.com/office/drawing/2014/main" xmlns="" id="{A7B8B125-A98E-403C-9A7F-494FF789C26E}"/>
               </a:ext>
               <a:ext uri="{C183D7F6-B498-43B3-948B-1728B52AA6E4}">
-                <adec:decorative xmlns:adec="http://schemas.microsoft.com/office/drawing/2017/decorative" val="1"/>
+                <adec:decorative xmlns:adec="http://schemas.microsoft.com/office/drawing/2017/decorative" xmlns="" val="1"/>
               </a:ext>
             </a:extLst>
           </p:cNvPr>
@@ -4143,7 +4165,7 @@
           <p:nvPr>
             <p:extLst>
               <p:ext uri="{386F3935-93C4-4BCD-93E2-E3B085C9AB24}">
-                <p16:designElem xmlns:p16="http://schemas.microsoft.com/office/powerpoint/2015/main" val="1"/>
+                <p16:designElem xmlns:p16="http://schemas.microsoft.com/office/powerpoint/2015/main" xmlns="" val="1"/>
               </p:ext>
             </p:extLst>
           </p:nvPr>
@@ -4653,7 +4675,7 @@
           <p:cNvPr id="55" name="Рисунок 54" descr="Picture background">
             <a:extLst>
               <a:ext uri="{FF2B5EF4-FFF2-40B4-BE49-F238E27FC236}">
-                <a16:creationId xmlns:a16="http://schemas.microsoft.com/office/drawing/2014/main" id="{D660A44E-1251-CDE8-078B-9C324DDB1B62}"/>
+                <a16:creationId xmlns:a16="http://schemas.microsoft.com/office/drawing/2014/main" xmlns="" id="{D660A44E-1251-CDE8-078B-9C324DDB1B62}"/>
               </a:ext>
             </a:extLst>
           </p:cNvPr>
@@ -4785,10 +4807,10 @@
           <p:cNvPr id="66" name="Straight Connector 65">
             <a:extLst>
               <a:ext uri="{FF2B5EF4-FFF2-40B4-BE49-F238E27FC236}">
-                <a16:creationId xmlns:a16="http://schemas.microsoft.com/office/drawing/2014/main" id="{20B1C5DD-CB08-4407-9D12-CC2C42B047A7}"/>
+                <a16:creationId xmlns:a16="http://schemas.microsoft.com/office/drawing/2014/main" xmlns="" id="{20B1C5DD-CB08-4407-9D12-CC2C42B047A7}"/>
               </a:ext>
               <a:ext uri="{C183D7F6-B498-43B3-948B-1728B52AA6E4}">
-                <adec:decorative xmlns:adec="http://schemas.microsoft.com/office/drawing/2017/decorative" val="1"/>
+                <adec:decorative xmlns:adec="http://schemas.microsoft.com/office/drawing/2017/decorative" xmlns="" val="1"/>
               </a:ext>
             </a:extLst>
           </p:cNvPr>
@@ -4798,7 +4820,7 @@
           <p:nvPr>
             <p:extLst>
               <p:ext uri="{386F3935-93C4-4BCD-93E2-E3B085C9AB24}">
-                <p16:designElem xmlns:p16="http://schemas.microsoft.com/office/powerpoint/2015/main" val="1"/>
+                <p16:designElem xmlns:p16="http://schemas.microsoft.com/office/powerpoint/2015/main" xmlns="" val="1"/>
               </p:ext>
             </p:extLst>
           </p:nvPr>
@@ -4835,7 +4857,7 @@
     </p:spTree>
     <p:extLst>
       <p:ext uri="{BB962C8B-B14F-4D97-AF65-F5344CB8AC3E}">
-        <p14:creationId xmlns:p14="http://schemas.microsoft.com/office/powerpoint/2010/main" val="1351651579"/>
+        <p14:creationId xmlns:p14="http://schemas.microsoft.com/office/powerpoint/2010/main" xmlns="" val="1351651579"/>
       </p:ext>
     </p:extLst>
   </p:cSld>
@@ -4875,10 +4897,10 @@
           <p:cNvPr id="9" name="Freeform: Shape 8">
             <a:extLst>
               <a:ext uri="{FF2B5EF4-FFF2-40B4-BE49-F238E27FC236}">
-                <a16:creationId xmlns:a16="http://schemas.microsoft.com/office/drawing/2014/main" id="{5CD60141-EEBD-4EC1-8E34-0344C16A18A2}"/>
+                <a16:creationId xmlns:a16="http://schemas.microsoft.com/office/drawing/2014/main" xmlns="" id="{5CD60141-EEBD-4EC1-8E34-0344C16A18A2}"/>
               </a:ext>
               <a:ext uri="{C183D7F6-B498-43B3-948B-1728B52AA6E4}">
-                <adec:decorative xmlns:adec="http://schemas.microsoft.com/office/drawing/2017/decorative" val="1"/>
+                <adec:decorative xmlns:adec="http://schemas.microsoft.com/office/drawing/2017/decorative" xmlns="" val="1"/>
               </a:ext>
             </a:extLst>
           </p:cNvPr>
@@ -4888,7 +4910,7 @@
           <p:nvPr>
             <p:extLst>
               <p:ext uri="{386F3935-93C4-4BCD-93E2-E3B085C9AB24}">
-                <p16:designElem xmlns:p16="http://schemas.microsoft.com/office/powerpoint/2015/main" val="1"/>
+                <p16:designElem xmlns:p16="http://schemas.microsoft.com/office/powerpoint/2015/main" xmlns="" val="1"/>
               </p:ext>
             </p:extLst>
           </p:nvPr>
@@ -4975,10 +4997,10 @@
           <p:cNvPr id="11" name="Straight Connector 10">
             <a:extLst>
               <a:ext uri="{FF2B5EF4-FFF2-40B4-BE49-F238E27FC236}">
-                <a16:creationId xmlns:a16="http://schemas.microsoft.com/office/drawing/2014/main" id="{4C75A547-BCD1-42BE-966E-53CA0AB93165}"/>
+                <a16:creationId xmlns:a16="http://schemas.microsoft.com/office/drawing/2014/main" xmlns="" id="{4C75A547-BCD1-42BE-966E-53CA0AB93165}"/>
               </a:ext>
               <a:ext uri="{C183D7F6-B498-43B3-948B-1728B52AA6E4}">
-                <adec:decorative xmlns:adec="http://schemas.microsoft.com/office/drawing/2017/decorative" val="1"/>
+                <adec:decorative xmlns:adec="http://schemas.microsoft.com/office/drawing/2017/decorative" xmlns="" val="1"/>
               </a:ext>
             </a:extLst>
           </p:cNvPr>
@@ -4988,7 +5010,7 @@
           <p:nvPr>
             <p:extLst>
               <p:ext uri="{386F3935-93C4-4BCD-93E2-E3B085C9AB24}">
-                <p16:designElem xmlns:p16="http://schemas.microsoft.com/office/powerpoint/2015/main" val="1"/>
+                <p16:designElem xmlns:p16="http://schemas.microsoft.com/office/powerpoint/2015/main" xmlns="" val="1"/>
               </p:ext>
             </p:extLst>
           </p:nvPr>
@@ -5027,10 +5049,10 @@
           <p:cNvPr id="13" name="Rectangle 12">
             <a:extLst>
               <a:ext uri="{FF2B5EF4-FFF2-40B4-BE49-F238E27FC236}">
-                <a16:creationId xmlns:a16="http://schemas.microsoft.com/office/drawing/2014/main" id="{37D505C3-540C-4E1B-AFF5-74A9D9BD3E44}"/>
+                <a16:creationId xmlns:a16="http://schemas.microsoft.com/office/drawing/2014/main" xmlns="" id="{37D505C3-540C-4E1B-AFF5-74A9D9BD3E44}"/>
               </a:ext>
               <a:ext uri="{C183D7F6-B498-43B3-948B-1728B52AA6E4}">
-                <adec:decorative xmlns:adec="http://schemas.microsoft.com/office/drawing/2017/decorative" val="1"/>
+                <adec:decorative xmlns:adec="http://schemas.microsoft.com/office/drawing/2017/decorative" xmlns="" val="1"/>
               </a:ext>
             </a:extLst>
           </p:cNvPr>
@@ -5040,7 +5062,7 @@
           <p:nvPr>
             <p:extLst>
               <p:ext uri="{386F3935-93C4-4BCD-93E2-E3B085C9AB24}">
-                <p16:designElem xmlns:p16="http://schemas.microsoft.com/office/powerpoint/2015/main" val="1"/>
+                <p16:designElem xmlns:p16="http://schemas.microsoft.com/office/powerpoint/2015/main" xmlns="" val="1"/>
               </p:ext>
             </p:extLst>
           </p:nvPr>
@@ -5061,7 +5083,7 @@
           <a:effectLst/>
           <a:extLst>
             <a:ext uri="{91240B29-F687-4F45-9708-019B960494DF}">
-              <a14:hiddenLine xmlns:a14="http://schemas.microsoft.com/office/drawing/2010/main" w="12700" cap="flat" cmpd="sng" algn="ctr">
+              <a14:hiddenLine xmlns:a14="http://schemas.microsoft.com/office/drawing/2010/main" xmlns="" w="12700" cap="flat" cmpd="sng" algn="ctr">
                 <a:solidFill>
                   <a:schemeClr val="accent1">
                     <a:shade val="50000"/>
@@ -5103,7 +5125,7 @@
           <p:cNvPr id="4" name="Объект 3" descr="Изображение выглядит как текст, снимок экрана, График, линия&#10;&#10;Автоматически созданное описание">
             <a:extLst>
               <a:ext uri="{FF2B5EF4-FFF2-40B4-BE49-F238E27FC236}">
-                <a16:creationId xmlns:a16="http://schemas.microsoft.com/office/drawing/2014/main" id="{D7D6D0D6-671E-48EA-7170-B0C91F15050B}"/>
+                <a16:creationId xmlns:a16="http://schemas.microsoft.com/office/drawing/2014/main" xmlns="" id="{D7D6D0D6-671E-48EA-7170-B0C91F15050B}"/>
               </a:ext>
             </a:extLst>
           </p:cNvPr>
@@ -5134,10 +5156,10 @@
           <p:cNvPr id="15" name="Freeform: Shape 14">
             <a:extLst>
               <a:ext uri="{FF2B5EF4-FFF2-40B4-BE49-F238E27FC236}">
-                <a16:creationId xmlns:a16="http://schemas.microsoft.com/office/drawing/2014/main" id="{C5C14909-AFB2-4E07-A65C-633954901FC1}"/>
+                <a16:creationId xmlns:a16="http://schemas.microsoft.com/office/drawing/2014/main" xmlns="" id="{C5C14909-AFB2-4E07-A65C-633954901FC1}"/>
               </a:ext>
               <a:ext uri="{C183D7F6-B498-43B3-948B-1728B52AA6E4}">
-                <adec:decorative xmlns:adec="http://schemas.microsoft.com/office/drawing/2017/decorative" val="1"/>
+                <adec:decorative xmlns:adec="http://schemas.microsoft.com/office/drawing/2017/decorative" xmlns="" val="1"/>
               </a:ext>
             </a:extLst>
           </p:cNvPr>
@@ -5147,7 +5169,7 @@
           <p:nvPr>
             <p:extLst>
               <p:ext uri="{386F3935-93C4-4BCD-93E2-E3B085C9AB24}">
-                <p16:designElem xmlns:p16="http://schemas.microsoft.com/office/powerpoint/2015/main" val="1"/>
+                <p16:designElem xmlns:p16="http://schemas.microsoft.com/office/powerpoint/2015/main" xmlns="" val="1"/>
               </p:ext>
             </p:extLst>
           </p:nvPr>
@@ -5340,10 +5362,10 @@
           <p:cNvPr id="17" name="Freeform: Shape 16">
             <a:extLst>
               <a:ext uri="{FF2B5EF4-FFF2-40B4-BE49-F238E27FC236}">
-                <a16:creationId xmlns:a16="http://schemas.microsoft.com/office/drawing/2014/main" id="{5BC4B016-0848-4634-83F9-FBC4C80CAE8E}"/>
+                <a16:creationId xmlns:a16="http://schemas.microsoft.com/office/drawing/2014/main" xmlns="" id="{5BC4B016-0848-4634-83F9-FBC4C80CAE8E}"/>
               </a:ext>
               <a:ext uri="{C183D7F6-B498-43B3-948B-1728B52AA6E4}">
-                <adec:decorative xmlns:adec="http://schemas.microsoft.com/office/drawing/2017/decorative" val="1"/>
+                <adec:decorative xmlns:adec="http://schemas.microsoft.com/office/drawing/2017/decorative" xmlns="" val="1"/>
               </a:ext>
             </a:extLst>
           </p:cNvPr>
@@ -5353,7 +5375,7 @@
           <p:nvPr>
             <p:extLst>
               <p:ext uri="{386F3935-93C4-4BCD-93E2-E3B085C9AB24}">
-                <p16:designElem xmlns:p16="http://schemas.microsoft.com/office/powerpoint/2015/main" val="1"/>
+                <p16:designElem xmlns:p16="http://schemas.microsoft.com/office/powerpoint/2015/main" xmlns="" val="1"/>
               </p:ext>
             </p:extLst>
           </p:nvPr>
@@ -5541,7 +5563,7 @@
           <p:cNvPr id="2" name="Заголовок 1">
             <a:extLst>
               <a:ext uri="{FF2B5EF4-FFF2-40B4-BE49-F238E27FC236}">
-                <a16:creationId xmlns:a16="http://schemas.microsoft.com/office/drawing/2014/main" id="{A90C2333-D177-E3BA-ECFF-C96ED3576242}"/>
+                <a16:creationId xmlns:a16="http://schemas.microsoft.com/office/drawing/2014/main" xmlns="" id="{A90C2333-D177-E3BA-ECFF-C96ED3576242}"/>
               </a:ext>
             </a:extLst>
           </p:cNvPr>
@@ -5595,7 +5617,7 @@
     </p:spTree>
     <p:extLst>
       <p:ext uri="{BB962C8B-B14F-4D97-AF65-F5344CB8AC3E}">
-        <p14:creationId xmlns:p14="http://schemas.microsoft.com/office/powerpoint/2010/main" val="2836811612"/>
+        <p14:creationId xmlns:p14="http://schemas.microsoft.com/office/powerpoint/2010/main" xmlns="" val="2836811612"/>
       </p:ext>
     </p:extLst>
   </p:cSld>
@@ -5635,10 +5657,10 @@
           <p:cNvPr id="9" name="Rectangle 8">
             <a:extLst>
               <a:ext uri="{FF2B5EF4-FFF2-40B4-BE49-F238E27FC236}">
-                <a16:creationId xmlns:a16="http://schemas.microsoft.com/office/drawing/2014/main" id="{327AB4C5-0719-4E35-87CD-199EB59E3EE5}"/>
+                <a16:creationId xmlns:a16="http://schemas.microsoft.com/office/drawing/2014/main" xmlns="" id="{327AB4C5-0719-4E35-87CD-199EB59E3EE5}"/>
               </a:ext>
               <a:ext uri="{C183D7F6-B498-43B3-948B-1728B52AA6E4}">
-                <adec:decorative xmlns:adec="http://schemas.microsoft.com/office/drawing/2017/decorative" val="1"/>
+                <adec:decorative xmlns:adec="http://schemas.microsoft.com/office/drawing/2017/decorative" xmlns="" val="1"/>
               </a:ext>
             </a:extLst>
           </p:cNvPr>
@@ -5648,7 +5670,7 @@
           <p:nvPr>
             <p:extLst>
               <p:ext uri="{386F3935-93C4-4BCD-93E2-E3B085C9AB24}">
-                <p16:designElem xmlns:p16="http://schemas.microsoft.com/office/powerpoint/2015/main" val="1"/>
+                <p16:designElem xmlns:p16="http://schemas.microsoft.com/office/powerpoint/2015/main" xmlns="" val="1"/>
               </p:ext>
             </p:extLst>
           </p:nvPr>
@@ -5669,7 +5691,7 @@
           <a:effectLst/>
           <a:extLst>
             <a:ext uri="{91240B29-F687-4F45-9708-019B960494DF}">
-              <a14:hiddenLine xmlns:a14="http://schemas.microsoft.com/office/drawing/2010/main" w="12700" cap="flat" cmpd="sng" algn="ctr">
+              <a14:hiddenLine xmlns:a14="http://schemas.microsoft.com/office/drawing/2010/main" xmlns="" w="12700" cap="flat" cmpd="sng" algn="ctr">
                 <a:solidFill>
                   <a:schemeClr val="accent1">
                     <a:shade val="50000"/>
@@ -5711,10 +5733,10 @@
           <p:cNvPr id="11" name="Freeform: Shape 10">
             <a:extLst>
               <a:ext uri="{FF2B5EF4-FFF2-40B4-BE49-F238E27FC236}">
-                <a16:creationId xmlns:a16="http://schemas.microsoft.com/office/drawing/2014/main" id="{1BBD5D8D-131E-46C9-8ED3-18B79942967E}"/>
+                <a16:creationId xmlns:a16="http://schemas.microsoft.com/office/drawing/2014/main" xmlns="" id="{1BBD5D8D-131E-46C9-8ED3-18B79942967E}"/>
               </a:ext>
               <a:ext uri="{C183D7F6-B498-43B3-948B-1728B52AA6E4}">
-                <adec:decorative xmlns:adec="http://schemas.microsoft.com/office/drawing/2017/decorative" val="1"/>
+                <adec:decorative xmlns:adec="http://schemas.microsoft.com/office/drawing/2017/decorative" xmlns="" val="1"/>
               </a:ext>
             </a:extLst>
           </p:cNvPr>
@@ -5724,7 +5746,7 @@
           <p:nvPr>
             <p:extLst>
               <p:ext uri="{386F3935-93C4-4BCD-93E2-E3B085C9AB24}">
-                <p16:designElem xmlns:p16="http://schemas.microsoft.com/office/powerpoint/2015/main" val="1"/>
+                <p16:designElem xmlns:p16="http://schemas.microsoft.com/office/powerpoint/2015/main" xmlns="" val="1"/>
               </p:ext>
             </p:extLst>
           </p:nvPr>
@@ -5840,7 +5862,7 @@
           <p:cNvPr id="2" name="Заголовок 1">
             <a:extLst>
               <a:ext uri="{FF2B5EF4-FFF2-40B4-BE49-F238E27FC236}">
-                <a16:creationId xmlns:a16="http://schemas.microsoft.com/office/drawing/2014/main" id="{A19FCC94-C241-5173-418E-C276C74B70C5}"/>
+                <a16:creationId xmlns:a16="http://schemas.microsoft.com/office/drawing/2014/main" xmlns="" id="{A19FCC94-C241-5173-418E-C276C74B70C5}"/>
               </a:ext>
             </a:extLst>
           </p:cNvPr>
@@ -5877,7 +5899,7 @@
           <p:cNvPr id="3" name="Объект 2">
             <a:extLst>
               <a:ext uri="{FF2B5EF4-FFF2-40B4-BE49-F238E27FC236}">
-                <a16:creationId xmlns:a16="http://schemas.microsoft.com/office/drawing/2014/main" id="{62C58ACF-AA25-3768-AD16-19BB045AFB51}"/>
+                <a16:creationId xmlns:a16="http://schemas.microsoft.com/office/drawing/2014/main" xmlns="" id="{62C58ACF-AA25-3768-AD16-19BB045AFB51}"/>
               </a:ext>
             </a:extLst>
           </p:cNvPr>
@@ -5919,7 +5941,7 @@
           <p:cNvPr id="4" name="Рисунок 3" descr="Изображение выглядит как текст, снимок экрана, Шрифт, число&#10;&#10;Автоматически созданное описание">
             <a:extLst>
               <a:ext uri="{FF2B5EF4-FFF2-40B4-BE49-F238E27FC236}">
-                <a16:creationId xmlns:a16="http://schemas.microsoft.com/office/drawing/2014/main" id="{997ABB60-7464-FFA5-6425-0034D0470197}"/>
+                <a16:creationId xmlns:a16="http://schemas.microsoft.com/office/drawing/2014/main" xmlns="" id="{997ABB60-7464-FFA5-6425-0034D0470197}"/>
               </a:ext>
             </a:extLst>
           </p:cNvPr>
@@ -5949,10 +5971,10 @@
           <p:cNvPr id="13" name="Straight Connector 12">
             <a:extLst>
               <a:ext uri="{FF2B5EF4-FFF2-40B4-BE49-F238E27FC236}">
-                <a16:creationId xmlns:a16="http://schemas.microsoft.com/office/drawing/2014/main" id="{F478F504-9E26-4692-A3E2-5363222B8EFA}"/>
+                <a16:creationId xmlns:a16="http://schemas.microsoft.com/office/drawing/2014/main" xmlns="" id="{F478F504-9E26-4692-A3E2-5363222B8EFA}"/>
               </a:ext>
               <a:ext uri="{C183D7F6-B498-43B3-948B-1728B52AA6E4}">
-                <adec:decorative xmlns:adec="http://schemas.microsoft.com/office/drawing/2017/decorative" val="1"/>
+                <adec:decorative xmlns:adec="http://schemas.microsoft.com/office/drawing/2017/decorative" xmlns="" val="1"/>
               </a:ext>
             </a:extLst>
           </p:cNvPr>
@@ -5962,7 +5984,7 @@
           <p:nvPr>
             <p:extLst>
               <p:ext uri="{386F3935-93C4-4BCD-93E2-E3B085C9AB24}">
-                <p16:designElem xmlns:p16="http://schemas.microsoft.com/office/powerpoint/2015/main" val="1"/>
+                <p16:designElem xmlns:p16="http://schemas.microsoft.com/office/powerpoint/2015/main" xmlns="" val="1"/>
               </p:ext>
             </p:extLst>
           </p:nvPr>
@@ -5999,7 +6021,7 @@
     </p:spTree>
     <p:extLst>
       <p:ext uri="{BB962C8B-B14F-4D97-AF65-F5344CB8AC3E}">
-        <p14:creationId xmlns:p14="http://schemas.microsoft.com/office/powerpoint/2010/main" val="3915656403"/>
+        <p14:creationId xmlns:p14="http://schemas.microsoft.com/office/powerpoint/2010/main" xmlns="" val="3915656403"/>
       </p:ext>
     </p:extLst>
   </p:cSld>
@@ -6039,10 +6061,10 @@
           <p:cNvPr id="11" name="Rectangle 10">
             <a:extLst>
               <a:ext uri="{FF2B5EF4-FFF2-40B4-BE49-F238E27FC236}">
-                <a16:creationId xmlns:a16="http://schemas.microsoft.com/office/drawing/2014/main" id="{327AB4C5-0719-4E35-87CD-199EB59E3EE5}"/>
+                <a16:creationId xmlns:a16="http://schemas.microsoft.com/office/drawing/2014/main" xmlns="" id="{327AB4C5-0719-4E35-87CD-199EB59E3EE5}"/>
               </a:ext>
               <a:ext uri="{C183D7F6-B498-43B3-948B-1728B52AA6E4}">
-                <adec:decorative xmlns:adec="http://schemas.microsoft.com/office/drawing/2017/decorative" val="1"/>
+                <adec:decorative xmlns:adec="http://schemas.microsoft.com/office/drawing/2017/decorative" xmlns="" val="1"/>
               </a:ext>
             </a:extLst>
           </p:cNvPr>
@@ -6052,7 +6074,7 @@
           <p:nvPr>
             <p:extLst>
               <p:ext uri="{386F3935-93C4-4BCD-93E2-E3B085C9AB24}">
-                <p16:designElem xmlns:p16="http://schemas.microsoft.com/office/powerpoint/2015/main" val="1"/>
+                <p16:designElem xmlns:p16="http://schemas.microsoft.com/office/powerpoint/2015/main" xmlns="" val="1"/>
               </p:ext>
             </p:extLst>
           </p:nvPr>
@@ -6073,7 +6095,7 @@
           <a:effectLst/>
           <a:extLst>
             <a:ext uri="{91240B29-F687-4F45-9708-019B960494DF}">
-              <a14:hiddenLine xmlns:a14="http://schemas.microsoft.com/office/drawing/2010/main" w="12700" cap="flat" cmpd="sng" algn="ctr">
+              <a14:hiddenLine xmlns:a14="http://schemas.microsoft.com/office/drawing/2010/main" xmlns="" w="12700" cap="flat" cmpd="sng" algn="ctr">
                 <a:solidFill>
                   <a:schemeClr val="accent1">
                     <a:shade val="50000"/>
@@ -6115,10 +6137,10 @@
           <p:cNvPr id="13" name="Freeform: Shape 12">
             <a:extLst>
               <a:ext uri="{FF2B5EF4-FFF2-40B4-BE49-F238E27FC236}">
-                <a16:creationId xmlns:a16="http://schemas.microsoft.com/office/drawing/2014/main" id="{1BBD5D8D-131E-46C9-8ED3-18B79942967E}"/>
+                <a16:creationId xmlns:a16="http://schemas.microsoft.com/office/drawing/2014/main" xmlns="" id="{1BBD5D8D-131E-46C9-8ED3-18B79942967E}"/>
               </a:ext>
               <a:ext uri="{C183D7F6-B498-43B3-948B-1728B52AA6E4}">
-                <adec:decorative xmlns:adec="http://schemas.microsoft.com/office/drawing/2017/decorative" val="1"/>
+                <adec:decorative xmlns:adec="http://schemas.microsoft.com/office/drawing/2017/decorative" xmlns="" val="1"/>
               </a:ext>
             </a:extLst>
           </p:cNvPr>
@@ -6128,7 +6150,7 @@
           <p:nvPr>
             <p:extLst>
               <p:ext uri="{386F3935-93C4-4BCD-93E2-E3B085C9AB24}">
-                <p16:designElem xmlns:p16="http://schemas.microsoft.com/office/powerpoint/2015/main" val="1"/>
+                <p16:designElem xmlns:p16="http://schemas.microsoft.com/office/powerpoint/2015/main" xmlns="" val="1"/>
               </p:ext>
             </p:extLst>
           </p:nvPr>
@@ -6244,7 +6266,7 @@
           <p:cNvPr id="2" name="Заголовок 1">
             <a:extLst>
               <a:ext uri="{FF2B5EF4-FFF2-40B4-BE49-F238E27FC236}">
-                <a16:creationId xmlns:a16="http://schemas.microsoft.com/office/drawing/2014/main" id="{1103AF73-2E40-64CD-F57A-8470B6789C73}"/>
+                <a16:creationId xmlns:a16="http://schemas.microsoft.com/office/drawing/2014/main" xmlns="" id="{1103AF73-2E40-64CD-F57A-8470B6789C73}"/>
               </a:ext>
             </a:extLst>
           </p:cNvPr>
@@ -6288,7 +6310,7 @@
           <p:cNvPr id="8" name="Content Placeholder 7">
             <a:extLst>
               <a:ext uri="{FF2B5EF4-FFF2-40B4-BE49-F238E27FC236}">
-                <a16:creationId xmlns:a16="http://schemas.microsoft.com/office/drawing/2014/main" id="{B75CAD24-5FDD-E2B9-BD7E-2F2A2E8E0887}"/>
+                <a16:creationId xmlns:a16="http://schemas.microsoft.com/office/drawing/2014/main" xmlns="" id="{B75CAD24-5FDD-E2B9-BD7E-2F2A2E8E0887}"/>
               </a:ext>
             </a:extLst>
           </p:cNvPr>
@@ -6323,7 +6345,7 @@
           <p:cNvPr id="4" name="Объект 3" descr="Изображение выглядит как текст, снимок экрана, Мобильный телефон, Мобильное устройство&#10;&#10;Автоматически созданное описание">
             <a:extLst>
               <a:ext uri="{FF2B5EF4-FFF2-40B4-BE49-F238E27FC236}">
-                <a16:creationId xmlns:a16="http://schemas.microsoft.com/office/drawing/2014/main" id="{9CA1270B-A136-D941-D7C7-15FE407D252F}"/>
+                <a16:creationId xmlns:a16="http://schemas.microsoft.com/office/drawing/2014/main" xmlns="" id="{9CA1270B-A136-D941-D7C7-15FE407D252F}"/>
               </a:ext>
             </a:extLst>
           </p:cNvPr>
@@ -6353,10 +6375,10 @@
           <p:cNvPr id="15" name="Straight Connector 14">
             <a:extLst>
               <a:ext uri="{FF2B5EF4-FFF2-40B4-BE49-F238E27FC236}">
-                <a16:creationId xmlns:a16="http://schemas.microsoft.com/office/drawing/2014/main" id="{F478F504-9E26-4692-A3E2-5363222B8EFA}"/>
+                <a16:creationId xmlns:a16="http://schemas.microsoft.com/office/drawing/2014/main" xmlns="" id="{F478F504-9E26-4692-A3E2-5363222B8EFA}"/>
               </a:ext>
               <a:ext uri="{C183D7F6-B498-43B3-948B-1728B52AA6E4}">
-                <adec:decorative xmlns:adec="http://schemas.microsoft.com/office/drawing/2017/decorative" val="1"/>
+                <adec:decorative xmlns:adec="http://schemas.microsoft.com/office/drawing/2017/decorative" xmlns="" val="1"/>
               </a:ext>
             </a:extLst>
           </p:cNvPr>
@@ -6366,7 +6388,7 @@
           <p:nvPr>
             <p:extLst>
               <p:ext uri="{386F3935-93C4-4BCD-93E2-E3B085C9AB24}">
-                <p16:designElem xmlns:p16="http://schemas.microsoft.com/office/powerpoint/2015/main" val="1"/>
+                <p16:designElem xmlns:p16="http://schemas.microsoft.com/office/powerpoint/2015/main" xmlns="" val="1"/>
               </p:ext>
             </p:extLst>
           </p:nvPr>
@@ -6403,7 +6425,7 @@
     </p:spTree>
     <p:extLst>
       <p:ext uri="{BB962C8B-B14F-4D97-AF65-F5344CB8AC3E}">
-        <p14:creationId xmlns:p14="http://schemas.microsoft.com/office/powerpoint/2010/main" val="719108700"/>
+        <p14:creationId xmlns:p14="http://schemas.microsoft.com/office/powerpoint/2010/main" xmlns="" val="719108700"/>
       </p:ext>
     </p:extLst>
   </p:cSld>
@@ -6443,10 +6465,10 @@
           <p:cNvPr id="9" name="Rectangle 8">
             <a:extLst>
               <a:ext uri="{FF2B5EF4-FFF2-40B4-BE49-F238E27FC236}">
-                <a16:creationId xmlns:a16="http://schemas.microsoft.com/office/drawing/2014/main" id="{685B57F6-59DE-4274-A37C-F47FE4E42EEF}"/>
+                <a16:creationId xmlns:a16="http://schemas.microsoft.com/office/drawing/2014/main" xmlns="" id="{685B57F6-59DE-4274-A37C-F47FE4E42EEF}"/>
               </a:ext>
               <a:ext uri="{C183D7F6-B498-43B3-948B-1728B52AA6E4}">
-                <adec:decorative xmlns:adec="http://schemas.microsoft.com/office/drawing/2017/decorative" val="1"/>
+                <adec:decorative xmlns:adec="http://schemas.microsoft.com/office/drawing/2017/decorative" xmlns="" val="1"/>
               </a:ext>
             </a:extLst>
           </p:cNvPr>
@@ -6456,7 +6478,7 @@
           <p:nvPr>
             <p:extLst>
               <p:ext uri="{386F3935-93C4-4BCD-93E2-E3B085C9AB24}">
-                <p16:designElem xmlns:p16="http://schemas.microsoft.com/office/powerpoint/2015/main" val="1"/>
+                <p16:designElem xmlns:p16="http://schemas.microsoft.com/office/powerpoint/2015/main" xmlns="" val="1"/>
               </p:ext>
             </p:extLst>
           </p:nvPr>
@@ -6477,7 +6499,7 @@
           <a:effectLst/>
           <a:extLst>
             <a:ext uri="{91240B29-F687-4F45-9708-019B960494DF}">
-              <a14:hiddenLine xmlns:a14="http://schemas.microsoft.com/office/drawing/2010/main" w="12700" cap="flat" cmpd="sng" algn="ctr">
+              <a14:hiddenLine xmlns:a14="http://schemas.microsoft.com/office/drawing/2010/main" xmlns="" w="12700" cap="flat" cmpd="sng" algn="ctr">
                 <a:solidFill>
                   <a:schemeClr val="accent1">
                     <a:shade val="50000"/>
@@ -6519,7 +6541,7 @@
           <p:cNvPr id="5" name="Picture 4">
             <a:extLst>
               <a:ext uri="{FF2B5EF4-FFF2-40B4-BE49-F238E27FC236}">
-                <a16:creationId xmlns:a16="http://schemas.microsoft.com/office/drawing/2014/main" id="{DE3113CD-CAC4-64C4-4B17-7EE5F15EC596}"/>
+                <a16:creationId xmlns:a16="http://schemas.microsoft.com/office/drawing/2014/main" xmlns="" id="{DE3113CD-CAC4-64C4-4B17-7EE5F15EC596}"/>
               </a:ext>
             </a:extLst>
           </p:cNvPr>
@@ -6581,7 +6603,7 @@
           <p:cNvPr id="2" name="Заголовок 1">
             <a:extLst>
               <a:ext uri="{FF2B5EF4-FFF2-40B4-BE49-F238E27FC236}">
-                <a16:creationId xmlns:a16="http://schemas.microsoft.com/office/drawing/2014/main" id="{40C88610-E2D0-E3AE-9481-F8FF07424404}"/>
+                <a16:creationId xmlns:a16="http://schemas.microsoft.com/office/drawing/2014/main" xmlns="" id="{40C88610-E2D0-E3AE-9481-F8FF07424404}"/>
               </a:ext>
             </a:extLst>
           </p:cNvPr>
@@ -6633,10 +6655,10 @@
           <p:cNvPr id="11" name="Freeform: Shape 10">
             <a:extLst>
               <a:ext uri="{FF2B5EF4-FFF2-40B4-BE49-F238E27FC236}">
-                <a16:creationId xmlns:a16="http://schemas.microsoft.com/office/drawing/2014/main" id="{046353B2-C54A-470C-8F7B-7471894E23BD}"/>
+                <a16:creationId xmlns:a16="http://schemas.microsoft.com/office/drawing/2014/main" xmlns="" id="{046353B2-C54A-470C-8F7B-7471894E23BD}"/>
               </a:ext>
               <a:ext uri="{C183D7F6-B498-43B3-948B-1728B52AA6E4}">
-                <adec:decorative xmlns:adec="http://schemas.microsoft.com/office/drawing/2017/decorative" val="1"/>
+                <adec:decorative xmlns:adec="http://schemas.microsoft.com/office/drawing/2017/decorative" xmlns="" val="1"/>
               </a:ext>
             </a:extLst>
           </p:cNvPr>
@@ -6646,7 +6668,7 @@
           <p:nvPr>
             <p:extLst>
               <p:ext uri="{386F3935-93C4-4BCD-93E2-E3B085C9AB24}">
-                <p16:designElem xmlns:p16="http://schemas.microsoft.com/office/powerpoint/2015/main" val="1"/>
+                <p16:designElem xmlns:p16="http://schemas.microsoft.com/office/powerpoint/2015/main" xmlns="" val="1"/>
               </p:ext>
             </p:extLst>
           </p:nvPr>
@@ -6760,7 +6782,7 @@
           <p:cNvPr id="3" name="Объект 2">
             <a:extLst>
               <a:ext uri="{FF2B5EF4-FFF2-40B4-BE49-F238E27FC236}">
-                <a16:creationId xmlns:a16="http://schemas.microsoft.com/office/drawing/2014/main" id="{42754129-6A92-6D51-C615-64ED46A6ABA1}"/>
+                <a16:creationId xmlns:a16="http://schemas.microsoft.com/office/drawing/2014/main" xmlns="" id="{42754129-6A92-6D51-C615-64ED46A6ABA1}"/>
               </a:ext>
             </a:extLst>
           </p:cNvPr>
@@ -6824,7 +6846,7 @@
     </p:spTree>
     <p:extLst>
       <p:ext uri="{BB962C8B-B14F-4D97-AF65-F5344CB8AC3E}">
-        <p14:creationId xmlns:p14="http://schemas.microsoft.com/office/powerpoint/2010/main" val="433424489"/>
+        <p14:creationId xmlns:p14="http://schemas.microsoft.com/office/powerpoint/2010/main" xmlns="" val="433424489"/>
       </p:ext>
     </p:extLst>
   </p:cSld>
@@ -6864,10 +6886,10 @@
           <p:cNvPr id="8" name="Rectangle 7">
             <a:extLst>
               <a:ext uri="{FF2B5EF4-FFF2-40B4-BE49-F238E27FC236}">
-                <a16:creationId xmlns:a16="http://schemas.microsoft.com/office/drawing/2014/main" id="{AB20E7A4-EC2C-47C8-BE55-65771E3F2EDA}"/>
+                <a16:creationId xmlns:a16="http://schemas.microsoft.com/office/drawing/2014/main" xmlns="" id="{AB20E7A4-EC2C-47C8-BE55-65771E3F2EDA}"/>
               </a:ext>
               <a:ext uri="{C183D7F6-B498-43B3-948B-1728B52AA6E4}">
-                <adec:decorative xmlns:adec="http://schemas.microsoft.com/office/drawing/2017/decorative" val="1"/>
+                <adec:decorative xmlns:adec="http://schemas.microsoft.com/office/drawing/2017/decorative" xmlns="" val="1"/>
               </a:ext>
             </a:extLst>
           </p:cNvPr>
@@ -6877,7 +6899,7 @@
           <p:nvPr>
             <p:extLst>
               <p:ext uri="{386F3935-93C4-4BCD-93E2-E3B085C9AB24}">
-                <p16:designElem xmlns:p16="http://schemas.microsoft.com/office/powerpoint/2015/main" val="1"/>
+                <p16:designElem xmlns:p16="http://schemas.microsoft.com/office/powerpoint/2015/main" xmlns="" val="1"/>
               </p:ext>
             </p:extLst>
           </p:nvPr>
@@ -6898,7 +6920,7 @@
           <a:effectLst/>
           <a:extLst>
             <a:ext uri="{91240B29-F687-4F45-9708-019B960494DF}">
-              <a14:hiddenLine xmlns:a14="http://schemas.microsoft.com/office/drawing/2010/main" w="12700" cap="flat" cmpd="sng" algn="ctr">
+              <a14:hiddenLine xmlns:a14="http://schemas.microsoft.com/office/drawing/2010/main" xmlns="" w="12700" cap="flat" cmpd="sng" algn="ctr">
                 <a:solidFill>
                   <a:schemeClr val="accent1">
                     <a:shade val="50000"/>
@@ -6940,10 +6962,10 @@
           <p:cNvPr id="10" name="Freeform: Shape 9">
             <a:extLst>
               <a:ext uri="{FF2B5EF4-FFF2-40B4-BE49-F238E27FC236}">
-                <a16:creationId xmlns:a16="http://schemas.microsoft.com/office/drawing/2014/main" id="{1CF23DDA-0D09-4FE5-AE88-EBBE5E02467C}"/>
+                <a16:creationId xmlns:a16="http://schemas.microsoft.com/office/drawing/2014/main" xmlns="" id="{1CF23DDA-0D09-4FE5-AE88-EBBE5E02467C}"/>
               </a:ext>
               <a:ext uri="{C183D7F6-B498-43B3-948B-1728B52AA6E4}">
-                <adec:decorative xmlns:adec="http://schemas.microsoft.com/office/drawing/2017/decorative" val="1"/>
+                <adec:decorative xmlns:adec="http://schemas.microsoft.com/office/drawing/2017/decorative" xmlns="" val="1"/>
               </a:ext>
             </a:extLst>
           </p:cNvPr>
@@ -6953,7 +6975,7 @@
           <p:nvPr>
             <p:extLst>
               <p:ext uri="{386F3935-93C4-4BCD-93E2-E3B085C9AB24}">
-                <p16:designElem xmlns:p16="http://schemas.microsoft.com/office/powerpoint/2015/main" val="1"/>
+                <p16:designElem xmlns:p16="http://schemas.microsoft.com/office/powerpoint/2015/main" xmlns="" val="1"/>
               </p:ext>
             </p:extLst>
           </p:nvPr>
@@ -7159,7 +7181,7 @@
           <p:cNvPr id="2" name="Заголовок 1">
             <a:extLst>
               <a:ext uri="{FF2B5EF4-FFF2-40B4-BE49-F238E27FC236}">
-                <a16:creationId xmlns:a16="http://schemas.microsoft.com/office/drawing/2014/main" id="{E7FB4F35-B888-63ED-C577-E4ABEEEECF9F}"/>
+                <a16:creationId xmlns:a16="http://schemas.microsoft.com/office/drawing/2014/main" xmlns="" id="{E7FB4F35-B888-63ED-C577-E4ABEEEECF9F}"/>
               </a:ext>
             </a:extLst>
           </p:cNvPr>
@@ -7201,7 +7223,7 @@
           <p:cNvPr id="3" name="Объект 2">
             <a:extLst>
               <a:ext uri="{FF2B5EF4-FFF2-40B4-BE49-F238E27FC236}">
-                <a16:creationId xmlns:a16="http://schemas.microsoft.com/office/drawing/2014/main" id="{9931759D-82E3-A2E2-EA54-DC3B16CF0584}"/>
+                <a16:creationId xmlns:a16="http://schemas.microsoft.com/office/drawing/2014/main" xmlns="" id="{9931759D-82E3-A2E2-EA54-DC3B16CF0584}"/>
               </a:ext>
             </a:extLst>
           </p:cNvPr>
@@ -7274,10 +7296,10 @@
           <p:cNvPr id="12" name="Straight Connector 11">
             <a:extLst>
               <a:ext uri="{FF2B5EF4-FFF2-40B4-BE49-F238E27FC236}">
-                <a16:creationId xmlns:a16="http://schemas.microsoft.com/office/drawing/2014/main" id="{1766FD2F-248A-4AA1-8078-E26D6E690BB9}"/>
+                <a16:creationId xmlns:a16="http://schemas.microsoft.com/office/drawing/2014/main" xmlns="" id="{1766FD2F-248A-4AA1-8078-E26D6E690BB9}"/>
               </a:ext>
               <a:ext uri="{C183D7F6-B498-43B3-948B-1728B52AA6E4}">
-                <adec:decorative xmlns:adec="http://schemas.microsoft.com/office/drawing/2017/decorative" val="1"/>
+                <adec:decorative xmlns:adec="http://schemas.microsoft.com/office/drawing/2017/decorative" xmlns="" val="1"/>
               </a:ext>
             </a:extLst>
           </p:cNvPr>
@@ -7287,7 +7309,7 @@
           <p:nvPr>
             <p:extLst>
               <p:ext uri="{386F3935-93C4-4BCD-93E2-E3B085C9AB24}">
-                <p16:designElem xmlns:p16="http://schemas.microsoft.com/office/powerpoint/2015/main" val="1"/>
+                <p16:designElem xmlns:p16="http://schemas.microsoft.com/office/powerpoint/2015/main" xmlns="" val="1"/>
               </p:ext>
             </p:extLst>
           </p:nvPr>
@@ -7324,7 +7346,7 @@
     </p:spTree>
     <p:extLst>
       <p:ext uri="{BB962C8B-B14F-4D97-AF65-F5344CB8AC3E}">
-        <p14:creationId xmlns:p14="http://schemas.microsoft.com/office/powerpoint/2010/main" val="1144008749"/>
+        <p14:creationId xmlns:p14="http://schemas.microsoft.com/office/powerpoint/2010/main" xmlns="" val="1144008749"/>
       </p:ext>
     </p:extLst>
   </p:cSld>
@@ -7364,10 +7386,10 @@
           <p:cNvPr id="9" name="Rectangle 8">
             <a:extLst>
               <a:ext uri="{FF2B5EF4-FFF2-40B4-BE49-F238E27FC236}">
-                <a16:creationId xmlns:a16="http://schemas.microsoft.com/office/drawing/2014/main" id="{685B57F6-59DE-4274-A37C-F47FE4E42EEF}"/>
+                <a16:creationId xmlns:a16="http://schemas.microsoft.com/office/drawing/2014/main" xmlns="" id="{685B57F6-59DE-4274-A37C-F47FE4E42EEF}"/>
               </a:ext>
               <a:ext uri="{C183D7F6-B498-43B3-948B-1728B52AA6E4}">
-                <adec:decorative xmlns:adec="http://schemas.microsoft.com/office/drawing/2017/decorative" val="1"/>
+                <adec:decorative xmlns:adec="http://schemas.microsoft.com/office/drawing/2017/decorative" xmlns="" val="1"/>
               </a:ext>
             </a:extLst>
           </p:cNvPr>
@@ -7377,7 +7399,7 @@
           <p:nvPr>
             <p:extLst>
               <p:ext uri="{386F3935-93C4-4BCD-93E2-E3B085C9AB24}">
-                <p16:designElem xmlns:p16="http://schemas.microsoft.com/office/powerpoint/2015/main" val="1"/>
+                <p16:designElem xmlns:p16="http://schemas.microsoft.com/office/powerpoint/2015/main" xmlns="" val="1"/>
               </p:ext>
             </p:extLst>
           </p:nvPr>
@@ -7398,7 +7420,7 @@
           <a:effectLst/>
           <a:extLst>
             <a:ext uri="{91240B29-F687-4F45-9708-019B960494DF}">
-              <a14:hiddenLine xmlns:a14="http://schemas.microsoft.com/office/drawing/2010/main" w="12700" cap="flat" cmpd="sng" algn="ctr">
+              <a14:hiddenLine xmlns:a14="http://schemas.microsoft.com/office/drawing/2010/main" xmlns="" w="12700" cap="flat" cmpd="sng" algn="ctr">
                 <a:solidFill>
                   <a:schemeClr val="accent1">
                     <a:shade val="50000"/>
@@ -7440,10 +7462,10 @@
           <p:cNvPr id="11" name="Freeform: Shape 10">
             <a:extLst>
               <a:ext uri="{FF2B5EF4-FFF2-40B4-BE49-F238E27FC236}">
-                <a16:creationId xmlns:a16="http://schemas.microsoft.com/office/drawing/2014/main" id="{C8C63406-9171-4282-BAAB-2DDC6831F0E6}"/>
+                <a16:creationId xmlns:a16="http://schemas.microsoft.com/office/drawing/2014/main" xmlns="" id="{C8C63406-9171-4282-BAAB-2DDC6831F0E6}"/>
               </a:ext>
               <a:ext uri="{C183D7F6-B498-43B3-948B-1728B52AA6E4}">
-                <adec:decorative xmlns:adec="http://schemas.microsoft.com/office/drawing/2017/decorative" val="1"/>
+                <adec:decorative xmlns:adec="http://schemas.microsoft.com/office/drawing/2017/decorative" xmlns="" val="1"/>
               </a:ext>
             </a:extLst>
           </p:cNvPr>
@@ -7453,7 +7475,7 @@
           <p:nvPr>
             <p:extLst>
               <p:ext uri="{386F3935-93C4-4BCD-93E2-E3B085C9AB24}">
-                <p16:designElem xmlns:p16="http://schemas.microsoft.com/office/powerpoint/2015/main" val="1"/>
+                <p16:designElem xmlns:p16="http://schemas.microsoft.com/office/powerpoint/2015/main" xmlns="" val="1"/>
               </p:ext>
             </p:extLst>
           </p:nvPr>
@@ -7549,7 +7571,7 @@
           <p:cNvPr id="2" name="Заголовок 1">
             <a:extLst>
               <a:ext uri="{FF2B5EF4-FFF2-40B4-BE49-F238E27FC236}">
-                <a16:creationId xmlns:a16="http://schemas.microsoft.com/office/drawing/2014/main" id="{19DC4719-8CC2-67C1-4E7D-A95EBF62DF6A}"/>
+                <a16:creationId xmlns:a16="http://schemas.microsoft.com/office/drawing/2014/main" xmlns="" id="{19DC4719-8CC2-67C1-4E7D-A95EBF62DF6A}"/>
               </a:ext>
             </a:extLst>
           </p:cNvPr>
@@ -7591,7 +7613,7 @@
           <p:cNvPr id="3" name="Объект 2">
             <a:extLst>
               <a:ext uri="{FF2B5EF4-FFF2-40B4-BE49-F238E27FC236}">
-                <a16:creationId xmlns:a16="http://schemas.microsoft.com/office/drawing/2014/main" id="{86377D7C-6256-0863-4100-CA2BDC8E10DC}"/>
+                <a16:creationId xmlns:a16="http://schemas.microsoft.com/office/drawing/2014/main" xmlns="" id="{86377D7C-6256-0863-4100-CA2BDC8E10DC}"/>
               </a:ext>
             </a:extLst>
           </p:cNvPr>
@@ -7648,7 +7670,7 @@
           <p:cNvPr id="5" name="Picture 4" descr="Освещение, созданное компьютером">
             <a:extLst>
               <a:ext uri="{FF2B5EF4-FFF2-40B4-BE49-F238E27FC236}">
-                <a16:creationId xmlns:a16="http://schemas.microsoft.com/office/drawing/2014/main" id="{8E1F4AA0-DF52-7C6F-9386-A2054DF3E1F6}"/>
+                <a16:creationId xmlns:a16="http://schemas.microsoft.com/office/drawing/2014/main" xmlns="" id="{8E1F4AA0-DF52-7C6F-9386-A2054DF3E1F6}"/>
               </a:ext>
             </a:extLst>
           </p:cNvPr>
@@ -7716,7 +7738,7 @@
     </p:spTree>
     <p:extLst>
       <p:ext uri="{BB962C8B-B14F-4D97-AF65-F5344CB8AC3E}">
-        <p14:creationId xmlns:p14="http://schemas.microsoft.com/office/powerpoint/2010/main" val="500991434"/>
+        <p14:creationId xmlns:p14="http://schemas.microsoft.com/office/powerpoint/2010/main" xmlns="" val="500991434"/>
       </p:ext>
     </p:extLst>
   </p:cSld>
@@ -7756,10 +7778,10 @@
           <p:cNvPr id="14" name="Freeform: Shape 8">
             <a:extLst>
               <a:ext uri="{FF2B5EF4-FFF2-40B4-BE49-F238E27FC236}">
-                <a16:creationId xmlns:a16="http://schemas.microsoft.com/office/drawing/2014/main" id="{5CD60141-EEBD-4EC1-8E34-0344C16A18A2}"/>
+                <a16:creationId xmlns:a16="http://schemas.microsoft.com/office/drawing/2014/main" xmlns="" id="{5CD60141-EEBD-4EC1-8E34-0344C16A18A2}"/>
               </a:ext>
               <a:ext uri="{C183D7F6-B498-43B3-948B-1728B52AA6E4}">
-                <adec:decorative xmlns:adec="http://schemas.microsoft.com/office/drawing/2017/decorative" val="1"/>
+                <adec:decorative xmlns:adec="http://schemas.microsoft.com/office/drawing/2017/decorative" xmlns="" val="1"/>
               </a:ext>
             </a:extLst>
           </p:cNvPr>
@@ -7769,7 +7791,7 @@
           <p:nvPr>
             <p:extLst>
               <p:ext uri="{386F3935-93C4-4BCD-93E2-E3B085C9AB24}">
-                <p16:designElem xmlns:p16="http://schemas.microsoft.com/office/powerpoint/2015/main" val="1"/>
+                <p16:designElem xmlns:p16="http://schemas.microsoft.com/office/powerpoint/2015/main" xmlns="" val="1"/>
               </p:ext>
             </p:extLst>
           </p:nvPr>
@@ -7856,10 +7878,10 @@
           <p:cNvPr id="16" name="Straight Connector 10">
             <a:extLst>
               <a:ext uri="{FF2B5EF4-FFF2-40B4-BE49-F238E27FC236}">
-                <a16:creationId xmlns:a16="http://schemas.microsoft.com/office/drawing/2014/main" id="{4C75A547-BCD1-42BE-966E-53CA0AB93165}"/>
+                <a16:creationId xmlns:a16="http://schemas.microsoft.com/office/drawing/2014/main" xmlns="" id="{4C75A547-BCD1-42BE-966E-53CA0AB93165}"/>
               </a:ext>
               <a:ext uri="{C183D7F6-B498-43B3-948B-1728B52AA6E4}">
-                <adec:decorative xmlns:adec="http://schemas.microsoft.com/office/drawing/2017/decorative" val="1"/>
+                <adec:decorative xmlns:adec="http://schemas.microsoft.com/office/drawing/2017/decorative" xmlns="" val="1"/>
               </a:ext>
             </a:extLst>
           </p:cNvPr>
@@ -7869,7 +7891,7 @@
           <p:nvPr>
             <p:extLst>
               <p:ext uri="{386F3935-93C4-4BCD-93E2-E3B085C9AB24}">
-                <p16:designElem xmlns:p16="http://schemas.microsoft.com/office/powerpoint/2015/main" val="1"/>
+                <p16:designElem xmlns:p16="http://schemas.microsoft.com/office/powerpoint/2015/main" xmlns="" val="1"/>
               </p:ext>
             </p:extLst>
           </p:nvPr>
@@ -7908,10 +7930,10 @@
           <p:cNvPr id="13" name="Rectangle 12">
             <a:extLst>
               <a:ext uri="{FF2B5EF4-FFF2-40B4-BE49-F238E27FC236}">
-                <a16:creationId xmlns:a16="http://schemas.microsoft.com/office/drawing/2014/main" id="{6D1F4DC3-EDAB-401A-BD21-33D25AB5FD4B}"/>
+                <a16:creationId xmlns:a16="http://schemas.microsoft.com/office/drawing/2014/main" xmlns="" id="{6D1F4DC3-EDAB-401A-BD21-33D25AB5FD4B}"/>
               </a:ext>
               <a:ext uri="{C183D7F6-B498-43B3-948B-1728B52AA6E4}">
-                <adec:decorative xmlns:adec="http://schemas.microsoft.com/office/drawing/2017/decorative" val="1"/>
+                <adec:decorative xmlns:adec="http://schemas.microsoft.com/office/drawing/2017/decorative" xmlns="" val="1"/>
               </a:ext>
             </a:extLst>
           </p:cNvPr>
@@ -7921,7 +7943,7 @@
           <p:nvPr>
             <p:extLst>
               <p:ext uri="{386F3935-93C4-4BCD-93E2-E3B085C9AB24}">
-                <p16:designElem xmlns:p16="http://schemas.microsoft.com/office/powerpoint/2015/main" val="1"/>
+                <p16:designElem xmlns:p16="http://schemas.microsoft.com/office/powerpoint/2015/main" xmlns="" val="1"/>
               </p:ext>
             </p:extLst>
           </p:nvPr>
@@ -7942,7 +7964,7 @@
           <a:effectLst/>
           <a:extLst>
             <a:ext uri="{91240B29-F687-4F45-9708-019B960494DF}">
-              <a14:hiddenLine xmlns:a14="http://schemas.microsoft.com/office/drawing/2010/main" w="12700" cap="flat" cmpd="sng" algn="ctr">
+              <a14:hiddenLine xmlns:a14="http://schemas.microsoft.com/office/drawing/2010/main" xmlns="" w="12700" cap="flat" cmpd="sng" algn="ctr">
                 <a:solidFill>
                   <a:schemeClr val="accent1">
                     <a:shade val="50000"/>
@@ -7984,7 +8006,7 @@
           <p:cNvPr id="17" name="Picture 4">
             <a:extLst>
               <a:ext uri="{FF2B5EF4-FFF2-40B4-BE49-F238E27FC236}">
-                <a16:creationId xmlns:a16="http://schemas.microsoft.com/office/drawing/2014/main" id="{BACB8CAD-2D75-CB50-5FD9-9DBAFE81B20F}"/>
+                <a16:creationId xmlns:a16="http://schemas.microsoft.com/office/drawing/2014/main" xmlns="" id="{BACB8CAD-2D75-CB50-5FD9-9DBAFE81B20F}"/>
               </a:ext>
             </a:extLst>
           </p:cNvPr>
@@ -8013,10 +8035,10 @@
           <p:cNvPr id="15" name="Freeform: Shape 14">
             <a:extLst>
               <a:ext uri="{FF2B5EF4-FFF2-40B4-BE49-F238E27FC236}">
-                <a16:creationId xmlns:a16="http://schemas.microsoft.com/office/drawing/2014/main" id="{7059D4DD-D247-47C8-B574-B36CB222C1B3}"/>
+                <a16:creationId xmlns:a16="http://schemas.microsoft.com/office/drawing/2014/main" xmlns="" id="{7059D4DD-D247-47C8-B574-B36CB222C1B3}"/>
               </a:ext>
               <a:ext uri="{C183D7F6-B498-43B3-948B-1728B52AA6E4}">
-                <adec:decorative xmlns:adec="http://schemas.microsoft.com/office/drawing/2017/decorative" val="1"/>
+                <adec:decorative xmlns:adec="http://schemas.microsoft.com/office/drawing/2017/decorative" xmlns="" val="1"/>
               </a:ext>
             </a:extLst>
           </p:cNvPr>
@@ -8026,7 +8048,7 @@
           <p:nvPr>
             <p:extLst>
               <p:ext uri="{386F3935-93C4-4BCD-93E2-E3B085C9AB24}">
-                <p16:designElem xmlns:p16="http://schemas.microsoft.com/office/powerpoint/2015/main" val="1"/>
+                <p16:designElem xmlns:p16="http://schemas.microsoft.com/office/powerpoint/2015/main" xmlns="" val="1"/>
               </p:ext>
             </p:extLst>
           </p:nvPr>
@@ -8219,7 +8241,7 @@
           <p:cNvPr id="2" name="Заголовок 1">
             <a:extLst>
               <a:ext uri="{FF2B5EF4-FFF2-40B4-BE49-F238E27FC236}">
-                <a16:creationId xmlns:a16="http://schemas.microsoft.com/office/drawing/2014/main" id="{05CAA1DA-2834-0B66-58A7-D2412EC2111F}"/>
+                <a16:creationId xmlns:a16="http://schemas.microsoft.com/office/drawing/2014/main" xmlns="" id="{05CAA1DA-2834-0B66-58A7-D2412EC2111F}"/>
               </a:ext>
             </a:extLst>
           </p:cNvPr>
@@ -8256,7 +8278,7 @@
     </p:spTree>
     <p:extLst>
       <p:ext uri="{BB962C8B-B14F-4D97-AF65-F5344CB8AC3E}">
-        <p14:creationId xmlns:p14="http://schemas.microsoft.com/office/powerpoint/2010/main" val="1029856676"/>
+        <p14:creationId xmlns:p14="http://schemas.microsoft.com/office/powerpoint/2010/main" xmlns="" val="1029856676"/>
       </p:ext>
     </p:extLst>
   </p:cSld>
@@ -8296,10 +8318,10 @@
           <p:cNvPr id="49" name="Rectangle 38">
             <a:extLst>
               <a:ext uri="{FF2B5EF4-FFF2-40B4-BE49-F238E27FC236}">
-                <a16:creationId xmlns:a16="http://schemas.microsoft.com/office/drawing/2014/main" id="{685B57F6-59DE-4274-A37C-F47FE4E42EEF}"/>
+                <a16:creationId xmlns:a16="http://schemas.microsoft.com/office/drawing/2014/main" xmlns="" id="{685B57F6-59DE-4274-A37C-F47FE4E42EEF}"/>
               </a:ext>
               <a:ext uri="{C183D7F6-B498-43B3-948B-1728B52AA6E4}">
-                <adec:decorative xmlns:adec="http://schemas.microsoft.com/office/drawing/2017/decorative" val="1"/>
+                <adec:decorative xmlns:adec="http://schemas.microsoft.com/office/drawing/2017/decorative" xmlns="" val="1"/>
               </a:ext>
             </a:extLst>
           </p:cNvPr>
@@ -8309,7 +8331,7 @@
           <p:nvPr>
             <p:extLst>
               <p:ext uri="{386F3935-93C4-4BCD-93E2-E3B085C9AB24}">
-                <p16:designElem xmlns:p16="http://schemas.microsoft.com/office/powerpoint/2015/main" val="1"/>
+                <p16:designElem xmlns:p16="http://schemas.microsoft.com/office/powerpoint/2015/main" xmlns="" val="1"/>
               </p:ext>
             </p:extLst>
           </p:nvPr>
@@ -8330,7 +8352,7 @@
           <a:effectLst/>
           <a:extLst>
             <a:ext uri="{91240B29-F687-4F45-9708-019B960494DF}">
-              <a14:hiddenLine xmlns:a14="http://schemas.microsoft.com/office/drawing/2010/main" w="12700" cap="flat" cmpd="sng" algn="ctr">
+              <a14:hiddenLine xmlns:a14="http://schemas.microsoft.com/office/drawing/2010/main" xmlns="" w="12700" cap="flat" cmpd="sng" algn="ctr">
                 <a:solidFill>
                   <a:schemeClr val="accent1">
                     <a:shade val="50000"/>
@@ -8372,7 +8394,7 @@
           <p:cNvPr id="50" name="Picture 34" descr="Закрепление и поток формирование семиугольник">
             <a:extLst>
               <a:ext uri="{FF2B5EF4-FFF2-40B4-BE49-F238E27FC236}">
-                <a16:creationId xmlns:a16="http://schemas.microsoft.com/office/drawing/2014/main" id="{260360E4-CA94-FCFA-58B1-95B2726ABA9C}"/>
+                <a16:creationId xmlns:a16="http://schemas.microsoft.com/office/drawing/2014/main" xmlns="" id="{260360E4-CA94-FCFA-58B1-95B2726ABA9C}"/>
               </a:ext>
             </a:extLst>
           </p:cNvPr>
@@ -8434,7 +8456,7 @@
           <p:cNvPr id="2" name="Заголовок 1">
             <a:extLst>
               <a:ext uri="{FF2B5EF4-FFF2-40B4-BE49-F238E27FC236}">
-                <a16:creationId xmlns:a16="http://schemas.microsoft.com/office/drawing/2014/main" id="{5BDA0186-5B7D-70A3-5B0B-39765A5096B9}"/>
+                <a16:creationId xmlns:a16="http://schemas.microsoft.com/office/drawing/2014/main" xmlns="" id="{5BDA0186-5B7D-70A3-5B0B-39765A5096B9}"/>
               </a:ext>
             </a:extLst>
           </p:cNvPr>
@@ -8473,10 +8495,10 @@
           <p:cNvPr id="51" name="Freeform: Shape 40">
             <a:extLst>
               <a:ext uri="{FF2B5EF4-FFF2-40B4-BE49-F238E27FC236}">
-                <a16:creationId xmlns:a16="http://schemas.microsoft.com/office/drawing/2014/main" id="{046353B2-C54A-470C-8F7B-7471894E23BD}"/>
+                <a16:creationId xmlns:a16="http://schemas.microsoft.com/office/drawing/2014/main" xmlns="" id="{046353B2-C54A-470C-8F7B-7471894E23BD}"/>
               </a:ext>
               <a:ext uri="{C183D7F6-B498-43B3-948B-1728B52AA6E4}">
-                <adec:decorative xmlns:adec="http://schemas.microsoft.com/office/drawing/2017/decorative" val="1"/>
+                <adec:decorative xmlns:adec="http://schemas.microsoft.com/office/drawing/2017/decorative" xmlns="" val="1"/>
               </a:ext>
             </a:extLst>
           </p:cNvPr>
@@ -8486,7 +8508,7 @@
           <p:nvPr>
             <p:extLst>
               <p:ext uri="{386F3935-93C4-4BCD-93E2-E3B085C9AB24}">
-                <p16:designElem xmlns:p16="http://schemas.microsoft.com/office/powerpoint/2015/main" val="1"/>
+                <p16:designElem xmlns:p16="http://schemas.microsoft.com/office/powerpoint/2015/main" xmlns="" val="1"/>
               </p:ext>
             </p:extLst>
           </p:nvPr>
@@ -8600,7 +8622,7 @@
           <p:cNvPr id="52" name="Объект 2">
             <a:extLst>
               <a:ext uri="{FF2B5EF4-FFF2-40B4-BE49-F238E27FC236}">
-                <a16:creationId xmlns:a16="http://schemas.microsoft.com/office/drawing/2014/main" id="{FAA8119D-B6A3-F134-8C71-6D69EB274DAA}"/>
+                <a16:creationId xmlns:a16="http://schemas.microsoft.com/office/drawing/2014/main" xmlns="" id="{FAA8119D-B6A3-F134-8C71-6D69EB274DAA}"/>
               </a:ext>
             </a:extLst>
           </p:cNvPr>
@@ -8781,7 +8803,7 @@
     </p:spTree>
     <p:extLst>
       <p:ext uri="{BB962C8B-B14F-4D97-AF65-F5344CB8AC3E}">
-        <p14:creationId xmlns:p14="http://schemas.microsoft.com/office/powerpoint/2010/main" val="1936508517"/>
+        <p14:creationId xmlns:p14="http://schemas.microsoft.com/office/powerpoint/2010/main" xmlns="" val="1936508517"/>
       </p:ext>
     </p:extLst>
   </p:cSld>
@@ -8821,10 +8843,10 @@
           <p:cNvPr id="18" name="Rectangle 7">
             <a:extLst>
               <a:ext uri="{FF2B5EF4-FFF2-40B4-BE49-F238E27FC236}">
-                <a16:creationId xmlns:a16="http://schemas.microsoft.com/office/drawing/2014/main" id="{AB20E7A4-EC2C-47C8-BE55-65771E3F2EDA}"/>
+                <a16:creationId xmlns:a16="http://schemas.microsoft.com/office/drawing/2014/main" xmlns="" id="{AB20E7A4-EC2C-47C8-BE55-65771E3F2EDA}"/>
               </a:ext>
               <a:ext uri="{C183D7F6-B498-43B3-948B-1728B52AA6E4}">
-                <adec:decorative xmlns:adec="http://schemas.microsoft.com/office/drawing/2017/decorative" val="1"/>
+                <adec:decorative xmlns:adec="http://schemas.microsoft.com/office/drawing/2017/decorative" xmlns="" val="1"/>
               </a:ext>
             </a:extLst>
           </p:cNvPr>
@@ -8834,7 +8856,7 @@
           <p:nvPr>
             <p:extLst>
               <p:ext uri="{386F3935-93C4-4BCD-93E2-E3B085C9AB24}">
-                <p16:designElem xmlns:p16="http://schemas.microsoft.com/office/powerpoint/2015/main" val="1"/>
+                <p16:designElem xmlns:p16="http://schemas.microsoft.com/office/powerpoint/2015/main" xmlns="" val="1"/>
               </p:ext>
             </p:extLst>
           </p:nvPr>
@@ -8855,7 +8877,7 @@
           <a:effectLst/>
           <a:extLst>
             <a:ext uri="{91240B29-F687-4F45-9708-019B960494DF}">
-              <a14:hiddenLine xmlns:a14="http://schemas.microsoft.com/office/drawing/2010/main" w="12700" cap="flat" cmpd="sng" algn="ctr">
+              <a14:hiddenLine xmlns:a14="http://schemas.microsoft.com/office/drawing/2010/main" xmlns="" w="12700" cap="flat" cmpd="sng" algn="ctr">
                 <a:solidFill>
                   <a:schemeClr val="accent1">
                     <a:shade val="50000"/>
@@ -8897,10 +8919,10 @@
           <p:cNvPr id="19" name="Freeform: Shape 9">
             <a:extLst>
               <a:ext uri="{FF2B5EF4-FFF2-40B4-BE49-F238E27FC236}">
-                <a16:creationId xmlns:a16="http://schemas.microsoft.com/office/drawing/2014/main" id="{2C1892C0-2D0F-43AD-8262-C52412CA76F7}"/>
+                <a16:creationId xmlns:a16="http://schemas.microsoft.com/office/drawing/2014/main" xmlns="" id="{2C1892C0-2D0F-43AD-8262-C52412CA76F7}"/>
               </a:ext>
               <a:ext uri="{C183D7F6-B498-43B3-948B-1728B52AA6E4}">
-                <adec:decorative xmlns:adec="http://schemas.microsoft.com/office/drawing/2017/decorative" val="1"/>
+                <adec:decorative xmlns:adec="http://schemas.microsoft.com/office/drawing/2017/decorative" xmlns="" val="1"/>
               </a:ext>
             </a:extLst>
           </p:cNvPr>
@@ -8910,7 +8932,7 @@
           <p:nvPr>
             <p:extLst>
               <p:ext uri="{386F3935-93C4-4BCD-93E2-E3B085C9AB24}">
-                <p16:designElem xmlns:p16="http://schemas.microsoft.com/office/powerpoint/2015/main" val="1"/>
+                <p16:designElem xmlns:p16="http://schemas.microsoft.com/office/powerpoint/2015/main" xmlns="" val="1"/>
               </p:ext>
             </p:extLst>
           </p:nvPr>
@@ -9024,7 +9046,7 @@
           <p:cNvPr id="2" name="Заголовок 1">
             <a:extLst>
               <a:ext uri="{FF2B5EF4-FFF2-40B4-BE49-F238E27FC236}">
-                <a16:creationId xmlns:a16="http://schemas.microsoft.com/office/drawing/2014/main" id="{7E659122-62BD-1D7A-17B0-CC46129B8DF9}"/>
+                <a16:creationId xmlns:a16="http://schemas.microsoft.com/office/drawing/2014/main" xmlns="" id="{7E659122-62BD-1D7A-17B0-CC46129B8DF9}"/>
               </a:ext>
             </a:extLst>
           </p:cNvPr>
@@ -9063,7 +9085,7 @@
           <p:cNvPr id="3" name="Объект 2">
             <a:extLst>
               <a:ext uri="{FF2B5EF4-FFF2-40B4-BE49-F238E27FC236}">
-                <a16:creationId xmlns:a16="http://schemas.microsoft.com/office/drawing/2014/main" id="{8F8E9191-4C05-5637-AA5D-1C2920132119}"/>
+                <a16:creationId xmlns:a16="http://schemas.microsoft.com/office/drawing/2014/main" xmlns="" id="{8F8E9191-4C05-5637-AA5D-1C2920132119}"/>
               </a:ext>
             </a:extLst>
           </p:cNvPr>
@@ -9119,10 +9141,10 @@
           <p:cNvPr id="20" name="Straight Connector 11">
             <a:extLst>
               <a:ext uri="{FF2B5EF4-FFF2-40B4-BE49-F238E27FC236}">
-                <a16:creationId xmlns:a16="http://schemas.microsoft.com/office/drawing/2014/main" id="{1766FD2F-248A-4AA1-8078-E26D6E690BB9}"/>
+                <a16:creationId xmlns:a16="http://schemas.microsoft.com/office/drawing/2014/main" xmlns="" id="{1766FD2F-248A-4AA1-8078-E26D6E690BB9}"/>
               </a:ext>
               <a:ext uri="{C183D7F6-B498-43B3-948B-1728B52AA6E4}">
-                <adec:decorative xmlns:adec="http://schemas.microsoft.com/office/drawing/2017/decorative" val="1"/>
+                <adec:decorative xmlns:adec="http://schemas.microsoft.com/office/drawing/2017/decorative" xmlns="" val="1"/>
               </a:ext>
             </a:extLst>
           </p:cNvPr>
@@ -9132,7 +9154,7 @@
           <p:nvPr>
             <p:extLst>
               <p:ext uri="{386F3935-93C4-4BCD-93E2-E3B085C9AB24}">
-                <p16:designElem xmlns:p16="http://schemas.microsoft.com/office/powerpoint/2015/main" val="1"/>
+                <p16:designElem xmlns:p16="http://schemas.microsoft.com/office/powerpoint/2015/main" xmlns="" val="1"/>
               </p:ext>
             </p:extLst>
           </p:nvPr>
@@ -9169,7 +9191,7 @@
     </p:spTree>
     <p:extLst>
       <p:ext uri="{BB962C8B-B14F-4D97-AF65-F5344CB8AC3E}">
-        <p14:creationId xmlns:p14="http://schemas.microsoft.com/office/powerpoint/2010/main" val="2092085329"/>
+        <p14:creationId xmlns:p14="http://schemas.microsoft.com/office/powerpoint/2010/main" xmlns="" val="2092085329"/>
       </p:ext>
     </p:extLst>
   </p:cSld>
@@ -9209,10 +9231,10 @@
           <p:cNvPr id="9" name="Rectangle 8">
             <a:extLst>
               <a:ext uri="{FF2B5EF4-FFF2-40B4-BE49-F238E27FC236}">
-                <a16:creationId xmlns:a16="http://schemas.microsoft.com/office/drawing/2014/main" id="{685B57F6-59DE-4274-A37C-F47FE4E42EEF}"/>
+                <a16:creationId xmlns:a16="http://schemas.microsoft.com/office/drawing/2014/main" xmlns="" id="{685B57F6-59DE-4274-A37C-F47FE4E42EEF}"/>
               </a:ext>
               <a:ext uri="{C183D7F6-B498-43B3-948B-1728B52AA6E4}">
-                <adec:decorative xmlns:adec="http://schemas.microsoft.com/office/drawing/2017/decorative" val="1"/>
+                <adec:decorative xmlns:adec="http://schemas.microsoft.com/office/drawing/2017/decorative" xmlns="" val="1"/>
               </a:ext>
             </a:extLst>
           </p:cNvPr>
@@ -9222,7 +9244,7 @@
           <p:nvPr>
             <p:extLst>
               <p:ext uri="{386F3935-93C4-4BCD-93E2-E3B085C9AB24}">
-                <p16:designElem xmlns:p16="http://schemas.microsoft.com/office/powerpoint/2015/main" val="1"/>
+                <p16:designElem xmlns:p16="http://schemas.microsoft.com/office/powerpoint/2015/main" xmlns="" val="1"/>
               </p:ext>
             </p:extLst>
           </p:nvPr>
@@ -9243,7 +9265,7 @@
           <a:effectLst/>
           <a:extLst>
             <a:ext uri="{91240B29-F687-4F45-9708-019B960494DF}">
-              <a14:hiddenLine xmlns:a14="http://schemas.microsoft.com/office/drawing/2010/main" w="12700" cap="flat" cmpd="sng" algn="ctr">
+              <a14:hiddenLine xmlns:a14="http://schemas.microsoft.com/office/drawing/2010/main" xmlns="" w="12700" cap="flat" cmpd="sng" algn="ctr">
                 <a:solidFill>
                   <a:schemeClr val="accent1">
                     <a:shade val="50000"/>
@@ -9285,7 +9307,7 @@
           <p:cNvPr id="5" name="Picture 4" descr="Сложные математические формулы на доске">
             <a:extLst>
               <a:ext uri="{FF2B5EF4-FFF2-40B4-BE49-F238E27FC236}">
-                <a16:creationId xmlns:a16="http://schemas.microsoft.com/office/drawing/2014/main" id="{9B4DBFD4-71EE-50C4-09E5-8D70ED73C576}"/>
+                <a16:creationId xmlns:a16="http://schemas.microsoft.com/office/drawing/2014/main" xmlns="" id="{9B4DBFD4-71EE-50C4-09E5-8D70ED73C576}"/>
               </a:ext>
             </a:extLst>
           </p:cNvPr>
@@ -9351,10 +9373,10 @@
           <p:cNvPr id="11" name="Freeform: Shape 10">
             <a:extLst>
               <a:ext uri="{FF2B5EF4-FFF2-40B4-BE49-F238E27FC236}">
-                <a16:creationId xmlns:a16="http://schemas.microsoft.com/office/drawing/2014/main" id="{C8C63406-9171-4282-BAAB-2DDC6831F0E6}"/>
+                <a16:creationId xmlns:a16="http://schemas.microsoft.com/office/drawing/2014/main" xmlns="" id="{C8C63406-9171-4282-BAAB-2DDC6831F0E6}"/>
               </a:ext>
               <a:ext uri="{C183D7F6-B498-43B3-948B-1728B52AA6E4}">
-                <adec:decorative xmlns:adec="http://schemas.microsoft.com/office/drawing/2017/decorative" val="1"/>
+                <adec:decorative xmlns:adec="http://schemas.microsoft.com/office/drawing/2017/decorative" xmlns="" val="1"/>
               </a:ext>
             </a:extLst>
           </p:cNvPr>
@@ -9364,7 +9386,7 @@
           <p:nvPr>
             <p:extLst>
               <p:ext uri="{386F3935-93C4-4BCD-93E2-E3B085C9AB24}">
-                <p16:designElem xmlns:p16="http://schemas.microsoft.com/office/powerpoint/2015/main" val="1"/>
+                <p16:designElem xmlns:p16="http://schemas.microsoft.com/office/powerpoint/2015/main" xmlns="" val="1"/>
               </p:ext>
             </p:extLst>
           </p:nvPr>
@@ -9462,7 +9484,7 @@
           <p:cNvPr id="2" name="Заголовок 1">
             <a:extLst>
               <a:ext uri="{FF2B5EF4-FFF2-40B4-BE49-F238E27FC236}">
-                <a16:creationId xmlns:a16="http://schemas.microsoft.com/office/drawing/2014/main" id="{B17E9B52-84FD-D88B-E453-BE85B9F4C55D}"/>
+                <a16:creationId xmlns:a16="http://schemas.microsoft.com/office/drawing/2014/main" xmlns="" id="{B17E9B52-84FD-D88B-E453-BE85B9F4C55D}"/>
               </a:ext>
             </a:extLst>
           </p:cNvPr>
@@ -9501,7 +9523,7 @@
           <p:cNvPr id="3" name="Объект 2">
             <a:extLst>
               <a:ext uri="{FF2B5EF4-FFF2-40B4-BE49-F238E27FC236}">
-                <a16:creationId xmlns:a16="http://schemas.microsoft.com/office/drawing/2014/main" id="{DB9CC1BD-F09D-3648-4353-0CFBB6460792}"/>
+                <a16:creationId xmlns:a16="http://schemas.microsoft.com/office/drawing/2014/main" xmlns="" id="{DB9CC1BD-F09D-3648-4353-0CFBB6460792}"/>
               </a:ext>
             </a:extLst>
           </p:cNvPr>
@@ -9547,7 +9569,7 @@
     </p:spTree>
     <p:extLst>
       <p:ext uri="{BB962C8B-B14F-4D97-AF65-F5344CB8AC3E}">
-        <p14:creationId xmlns:p14="http://schemas.microsoft.com/office/powerpoint/2010/main" val="1651449841"/>
+        <p14:creationId xmlns:p14="http://schemas.microsoft.com/office/powerpoint/2010/main" xmlns="" val="1651449841"/>
       </p:ext>
     </p:extLst>
   </p:cSld>
@@ -9587,10 +9609,10 @@
           <p:cNvPr id="9" name="Rectangle 8">
             <a:extLst>
               <a:ext uri="{FF2B5EF4-FFF2-40B4-BE49-F238E27FC236}">
-                <a16:creationId xmlns:a16="http://schemas.microsoft.com/office/drawing/2014/main" id="{685B57F6-59DE-4274-A37C-F47FE4E42EEF}"/>
+                <a16:creationId xmlns:a16="http://schemas.microsoft.com/office/drawing/2014/main" xmlns="" id="{685B57F6-59DE-4274-A37C-F47FE4E42EEF}"/>
               </a:ext>
               <a:ext uri="{C183D7F6-B498-43B3-948B-1728B52AA6E4}">
-                <adec:decorative xmlns:adec="http://schemas.microsoft.com/office/drawing/2017/decorative" val="1"/>
+                <adec:decorative xmlns:adec="http://schemas.microsoft.com/office/drawing/2017/decorative" xmlns="" val="1"/>
               </a:ext>
             </a:extLst>
           </p:cNvPr>
@@ -9600,7 +9622,7 @@
           <p:nvPr>
             <p:extLst>
               <p:ext uri="{386F3935-93C4-4BCD-93E2-E3B085C9AB24}">
-                <p16:designElem xmlns:p16="http://schemas.microsoft.com/office/powerpoint/2015/main" val="1"/>
+                <p16:designElem xmlns:p16="http://schemas.microsoft.com/office/powerpoint/2015/main" xmlns="" val="1"/>
               </p:ext>
             </p:extLst>
           </p:nvPr>
@@ -9621,7 +9643,7 @@
           <a:effectLst/>
           <a:extLst>
             <a:ext uri="{91240B29-F687-4F45-9708-019B960494DF}">
-              <a14:hiddenLine xmlns:a14="http://schemas.microsoft.com/office/drawing/2010/main" w="12700" cap="flat" cmpd="sng" algn="ctr">
+              <a14:hiddenLine xmlns:a14="http://schemas.microsoft.com/office/drawing/2010/main" xmlns="" w="12700" cap="flat" cmpd="sng" algn="ctr">
                 <a:solidFill>
                   <a:schemeClr val="accent1">
                     <a:shade val="50000"/>
@@ -9663,10 +9685,10 @@
           <p:cNvPr id="11" name="Freeform: Shape 10">
             <a:extLst>
               <a:ext uri="{FF2B5EF4-FFF2-40B4-BE49-F238E27FC236}">
-                <a16:creationId xmlns:a16="http://schemas.microsoft.com/office/drawing/2014/main" id="{C8C63406-9171-4282-BAAB-2DDC6831F0E6}"/>
+                <a16:creationId xmlns:a16="http://schemas.microsoft.com/office/drawing/2014/main" xmlns="" id="{C8C63406-9171-4282-BAAB-2DDC6831F0E6}"/>
               </a:ext>
               <a:ext uri="{C183D7F6-B498-43B3-948B-1728B52AA6E4}">
-                <adec:decorative xmlns:adec="http://schemas.microsoft.com/office/drawing/2017/decorative" val="1"/>
+                <adec:decorative xmlns:adec="http://schemas.microsoft.com/office/drawing/2017/decorative" xmlns="" val="1"/>
               </a:ext>
             </a:extLst>
           </p:cNvPr>
@@ -9676,7 +9698,7 @@
           <p:nvPr>
             <p:extLst>
               <p:ext uri="{386F3935-93C4-4BCD-93E2-E3B085C9AB24}">
-                <p16:designElem xmlns:p16="http://schemas.microsoft.com/office/powerpoint/2015/main" val="1"/>
+                <p16:designElem xmlns:p16="http://schemas.microsoft.com/office/powerpoint/2015/main" xmlns="" val="1"/>
               </p:ext>
             </p:extLst>
           </p:nvPr>
@@ -9772,7 +9794,7 @@
           <p:cNvPr id="2" name="Заголовок 1">
             <a:extLst>
               <a:ext uri="{FF2B5EF4-FFF2-40B4-BE49-F238E27FC236}">
-                <a16:creationId xmlns:a16="http://schemas.microsoft.com/office/drawing/2014/main" id="{AA2B8D8B-17C4-5F40-5DED-E08F7FB10568}"/>
+                <a16:creationId xmlns:a16="http://schemas.microsoft.com/office/drawing/2014/main" xmlns="" id="{AA2B8D8B-17C4-5F40-5DED-E08F7FB10568}"/>
               </a:ext>
             </a:extLst>
           </p:cNvPr>
@@ -9811,7 +9833,7 @@
           <p:cNvPr id="3" name="Объект 2">
             <a:extLst>
               <a:ext uri="{FF2B5EF4-FFF2-40B4-BE49-F238E27FC236}">
-                <a16:creationId xmlns:a16="http://schemas.microsoft.com/office/drawing/2014/main" id="{945156B6-1918-4367-C85E-D16F985FC544}"/>
+                <a16:creationId xmlns:a16="http://schemas.microsoft.com/office/drawing/2014/main" xmlns="" id="{945156B6-1918-4367-C85E-D16F985FC544}"/>
               </a:ext>
             </a:extLst>
           </p:cNvPr>
@@ -9859,7 +9881,7 @@
           <p:cNvPr id="5" name="Picture 4" descr="Стенной покрашено со стрелкой и дартбоард">
             <a:extLst>
               <a:ext uri="{FF2B5EF4-FFF2-40B4-BE49-F238E27FC236}">
-                <a16:creationId xmlns:a16="http://schemas.microsoft.com/office/drawing/2014/main" id="{E108C00E-7182-451A-FF9F-6ED502CA4857}"/>
+                <a16:creationId xmlns:a16="http://schemas.microsoft.com/office/drawing/2014/main" xmlns="" id="{E108C00E-7182-451A-FF9F-6ED502CA4857}"/>
               </a:ext>
             </a:extLst>
           </p:cNvPr>
@@ -9927,7 +9949,7 @@
     </p:spTree>
     <p:extLst>
       <p:ext uri="{BB962C8B-B14F-4D97-AF65-F5344CB8AC3E}">
-        <p14:creationId xmlns:p14="http://schemas.microsoft.com/office/powerpoint/2010/main" val="601076726"/>
+        <p14:creationId xmlns:p14="http://schemas.microsoft.com/office/powerpoint/2010/main" xmlns="" val="601076726"/>
       </p:ext>
     </p:extLst>
   </p:cSld>
@@ -9967,10 +9989,10 @@
           <p:cNvPr id="8" name="Rectangle 7">
             <a:extLst>
               <a:ext uri="{FF2B5EF4-FFF2-40B4-BE49-F238E27FC236}">
-                <a16:creationId xmlns:a16="http://schemas.microsoft.com/office/drawing/2014/main" id="{54F20867-41B0-484D-9DA7-0FC742D31A4D}"/>
+                <a16:creationId xmlns:a16="http://schemas.microsoft.com/office/drawing/2014/main" xmlns="" id="{54F20867-41B0-484D-9DA7-0FC742D31A4D}"/>
               </a:ext>
               <a:ext uri="{C183D7F6-B498-43B3-948B-1728B52AA6E4}">
-                <adec:decorative xmlns:adec="http://schemas.microsoft.com/office/drawing/2017/decorative" val="1"/>
+                <adec:decorative xmlns:adec="http://schemas.microsoft.com/office/drawing/2017/decorative" xmlns="" val="1"/>
               </a:ext>
             </a:extLst>
           </p:cNvPr>
@@ -9980,7 +10002,7 @@
           <p:nvPr>
             <p:extLst>
               <p:ext uri="{386F3935-93C4-4BCD-93E2-E3B085C9AB24}">
-                <p16:designElem xmlns:p16="http://schemas.microsoft.com/office/powerpoint/2015/main" val="1"/>
+                <p16:designElem xmlns:p16="http://schemas.microsoft.com/office/powerpoint/2015/main" xmlns="" val="1"/>
               </p:ext>
             </p:extLst>
           </p:nvPr>
@@ -10001,7 +10023,7 @@
           <a:effectLst/>
           <a:extLst>
             <a:ext uri="{91240B29-F687-4F45-9708-019B960494DF}">
-              <a14:hiddenLine xmlns:a14="http://schemas.microsoft.com/office/drawing/2010/main" w="12700" cap="flat" cmpd="sng" algn="ctr">
+              <a14:hiddenLine xmlns:a14="http://schemas.microsoft.com/office/drawing/2010/main" xmlns="" w="12700" cap="flat" cmpd="sng" algn="ctr">
                 <a:solidFill>
                   <a:schemeClr val="accent1">
                     <a:shade val="50000"/>
@@ -10043,10 +10065,10 @@
           <p:cNvPr id="10" name="Freeform: Shape 9">
             <a:extLst>
               <a:ext uri="{FF2B5EF4-FFF2-40B4-BE49-F238E27FC236}">
-                <a16:creationId xmlns:a16="http://schemas.microsoft.com/office/drawing/2014/main" id="{E37FD100-AD6C-4FB9-B662-CC1C2F00060C}"/>
+                <a16:creationId xmlns:a16="http://schemas.microsoft.com/office/drawing/2014/main" xmlns="" id="{E37FD100-AD6C-4FB9-B662-CC1C2F00060C}"/>
               </a:ext>
               <a:ext uri="{C183D7F6-B498-43B3-948B-1728B52AA6E4}">
-                <adec:decorative xmlns:adec="http://schemas.microsoft.com/office/drawing/2017/decorative" val="1"/>
+                <adec:decorative xmlns:adec="http://schemas.microsoft.com/office/drawing/2017/decorative" xmlns="" val="1"/>
               </a:ext>
             </a:extLst>
           </p:cNvPr>
@@ -10056,7 +10078,7 @@
           <p:nvPr>
             <p:extLst>
               <p:ext uri="{386F3935-93C4-4BCD-93E2-E3B085C9AB24}">
-                <p16:designElem xmlns:p16="http://schemas.microsoft.com/office/powerpoint/2015/main" val="1"/>
+                <p16:designElem xmlns:p16="http://schemas.microsoft.com/office/powerpoint/2015/main" xmlns="" val="1"/>
               </p:ext>
             </p:extLst>
           </p:nvPr>
@@ -10152,7 +10174,7 @@
           <p:cNvPr id="2" name="Заголовок 1">
             <a:extLst>
               <a:ext uri="{FF2B5EF4-FFF2-40B4-BE49-F238E27FC236}">
-                <a16:creationId xmlns:a16="http://schemas.microsoft.com/office/drawing/2014/main" id="{E7F02401-098C-181F-280E-53A7C40507D5}"/>
+                <a16:creationId xmlns:a16="http://schemas.microsoft.com/office/drawing/2014/main" xmlns="" id="{E7F02401-098C-181F-280E-53A7C40507D5}"/>
               </a:ext>
             </a:extLst>
           </p:cNvPr>
@@ -10191,7 +10213,7 @@
           <p:cNvPr id="3" name="Объект 2">
             <a:extLst>
               <a:ext uri="{FF2B5EF4-FFF2-40B4-BE49-F238E27FC236}">
-                <a16:creationId xmlns:a16="http://schemas.microsoft.com/office/drawing/2014/main" id="{ED6D6174-262A-3616-7271-EF66334B9E9E}"/>
+                <a16:creationId xmlns:a16="http://schemas.microsoft.com/office/drawing/2014/main" xmlns="" id="{ED6D6174-262A-3616-7271-EF66334B9E9E}"/>
               </a:ext>
             </a:extLst>
           </p:cNvPr>
@@ -10325,10 +10347,10 @@
           <p:cNvPr id="12" name="Straight Connector 11">
             <a:extLst>
               <a:ext uri="{FF2B5EF4-FFF2-40B4-BE49-F238E27FC236}">
-                <a16:creationId xmlns:a16="http://schemas.microsoft.com/office/drawing/2014/main" id="{D0249902-6C42-4139-A46F-ADF022B8C1C3}"/>
+                <a16:creationId xmlns:a16="http://schemas.microsoft.com/office/drawing/2014/main" xmlns="" id="{D0249902-6C42-4139-A46F-ADF022B8C1C3}"/>
               </a:ext>
               <a:ext uri="{C183D7F6-B498-43B3-948B-1728B52AA6E4}">
-                <adec:decorative xmlns:adec="http://schemas.microsoft.com/office/drawing/2017/decorative" val="1"/>
+                <adec:decorative xmlns:adec="http://schemas.microsoft.com/office/drawing/2017/decorative" xmlns="" val="1"/>
               </a:ext>
             </a:extLst>
           </p:cNvPr>
@@ -10338,7 +10360,7 @@
           <p:nvPr>
             <p:extLst>
               <p:ext uri="{386F3935-93C4-4BCD-93E2-E3B085C9AB24}">
-                <p16:designElem xmlns:p16="http://schemas.microsoft.com/office/powerpoint/2015/main" val="1"/>
+                <p16:designElem xmlns:p16="http://schemas.microsoft.com/office/powerpoint/2015/main" xmlns="" val="1"/>
               </p:ext>
             </p:extLst>
           </p:nvPr>
@@ -10375,7 +10397,7 @@
     </p:spTree>
     <p:extLst>
       <p:ext uri="{BB962C8B-B14F-4D97-AF65-F5344CB8AC3E}">
-        <p14:creationId xmlns:p14="http://schemas.microsoft.com/office/powerpoint/2010/main" val="4035802552"/>
+        <p14:creationId xmlns:p14="http://schemas.microsoft.com/office/powerpoint/2010/main" xmlns="" val="4035802552"/>
       </p:ext>
     </p:extLst>
   </p:cSld>
@@ -10415,10 +10437,10 @@
           <p:cNvPr id="14" name="Rectangle 7">
             <a:extLst>
               <a:ext uri="{FF2B5EF4-FFF2-40B4-BE49-F238E27FC236}">
-                <a16:creationId xmlns:a16="http://schemas.microsoft.com/office/drawing/2014/main" id="{AB20E7A4-EC2C-47C8-BE55-65771E3F2EDA}"/>
+                <a16:creationId xmlns:a16="http://schemas.microsoft.com/office/drawing/2014/main" xmlns="" id="{AB20E7A4-EC2C-47C8-BE55-65771E3F2EDA}"/>
               </a:ext>
               <a:ext uri="{C183D7F6-B498-43B3-948B-1728B52AA6E4}">
-                <adec:decorative xmlns:adec="http://schemas.microsoft.com/office/drawing/2017/decorative" val="1"/>
+                <adec:decorative xmlns:adec="http://schemas.microsoft.com/office/drawing/2017/decorative" xmlns="" val="1"/>
               </a:ext>
             </a:extLst>
           </p:cNvPr>
@@ -10428,7 +10450,7 @@
           <p:nvPr>
             <p:extLst>
               <p:ext uri="{386F3935-93C4-4BCD-93E2-E3B085C9AB24}">
-                <p16:designElem xmlns:p16="http://schemas.microsoft.com/office/powerpoint/2015/main" val="1"/>
+                <p16:designElem xmlns:p16="http://schemas.microsoft.com/office/powerpoint/2015/main" xmlns="" val="1"/>
               </p:ext>
             </p:extLst>
           </p:nvPr>
@@ -10449,7 +10471,7 @@
           <a:effectLst/>
           <a:extLst>
             <a:ext uri="{91240B29-F687-4F45-9708-019B960494DF}">
-              <a14:hiddenLine xmlns:a14="http://schemas.microsoft.com/office/drawing/2010/main" w="12700" cap="flat" cmpd="sng" algn="ctr">
+              <a14:hiddenLine xmlns:a14="http://schemas.microsoft.com/office/drawing/2010/main" xmlns="" w="12700" cap="flat" cmpd="sng" algn="ctr">
                 <a:solidFill>
                   <a:schemeClr val="accent1">
                     <a:shade val="50000"/>
@@ -10491,10 +10513,10 @@
           <p:cNvPr id="15" name="Freeform: Shape 9">
             <a:extLst>
               <a:ext uri="{FF2B5EF4-FFF2-40B4-BE49-F238E27FC236}">
-                <a16:creationId xmlns:a16="http://schemas.microsoft.com/office/drawing/2014/main" id="{1CF23DDA-0D09-4FE5-AE88-EBBE5E02467C}"/>
+                <a16:creationId xmlns:a16="http://schemas.microsoft.com/office/drawing/2014/main" xmlns="" id="{1CF23DDA-0D09-4FE5-AE88-EBBE5E02467C}"/>
               </a:ext>
               <a:ext uri="{C183D7F6-B498-43B3-948B-1728B52AA6E4}">
-                <adec:decorative xmlns:adec="http://schemas.microsoft.com/office/drawing/2017/decorative" val="1"/>
+                <adec:decorative xmlns:adec="http://schemas.microsoft.com/office/drawing/2017/decorative" xmlns="" val="1"/>
               </a:ext>
             </a:extLst>
           </p:cNvPr>
@@ -10504,7 +10526,7 @@
           <p:nvPr>
             <p:extLst>
               <p:ext uri="{386F3935-93C4-4BCD-93E2-E3B085C9AB24}">
-                <p16:designElem xmlns:p16="http://schemas.microsoft.com/office/powerpoint/2015/main" val="1"/>
+                <p16:designElem xmlns:p16="http://schemas.microsoft.com/office/powerpoint/2015/main" xmlns="" val="1"/>
               </p:ext>
             </p:extLst>
           </p:nvPr>
@@ -10710,7 +10732,7 @@
           <p:cNvPr id="2" name="Заголовок 1">
             <a:extLst>
               <a:ext uri="{FF2B5EF4-FFF2-40B4-BE49-F238E27FC236}">
-                <a16:creationId xmlns:a16="http://schemas.microsoft.com/office/drawing/2014/main" id="{6020BA68-D4C4-DACC-C366-D736EE014231}"/>
+                <a16:creationId xmlns:a16="http://schemas.microsoft.com/office/drawing/2014/main" xmlns="" id="{6020BA68-D4C4-DACC-C366-D736EE014231}"/>
               </a:ext>
             </a:extLst>
           </p:cNvPr>
@@ -10745,7 +10767,7 @@
           <p:cNvPr id="3" name="Объект 2">
             <a:extLst>
               <a:ext uri="{FF2B5EF4-FFF2-40B4-BE49-F238E27FC236}">
-                <a16:creationId xmlns:a16="http://schemas.microsoft.com/office/drawing/2014/main" id="{1FF7B3DF-125F-EB8A-B0C9-57080012EA80}"/>
+                <a16:creationId xmlns:a16="http://schemas.microsoft.com/office/drawing/2014/main" xmlns="" id="{1FF7B3DF-125F-EB8A-B0C9-57080012EA80}"/>
               </a:ext>
             </a:extLst>
           </p:cNvPr>
@@ -10784,7 +10806,6 @@
               <a:rPr lang="ru-RU" dirty="0"/>
               <a:t>2.    Критерии отбора данных: </a:t>
             </a:r>
-            <a:endParaRPr lang="ru-RU"/>
           </a:p>
           <a:p>
             <a:pPr marL="0" indent="0" algn="r">
@@ -10794,7 +10815,6 @@
               <a:rPr lang="ru-RU" dirty="0"/>
               <a:t>    * Период времени</a:t>
             </a:r>
-            <a:endParaRPr lang="ru-RU"/>
           </a:p>
           <a:p>
             <a:pPr marL="0" indent="0" algn="r">
@@ -10804,7 +10824,6 @@
               <a:rPr lang="ru-RU" dirty="0"/>
               <a:t>    * Страны и компании</a:t>
             </a:r>
-            <a:endParaRPr lang="ru-RU"/>
           </a:p>
           <a:p>
             <a:pPr marL="0" indent="0" algn="r">
@@ -10814,7 +10833,6 @@
               <a:rPr lang="ru-RU" dirty="0"/>
               <a:t>    * Год провидения</a:t>
             </a:r>
-            <a:endParaRPr lang="ru-RU"/>
           </a:p>
           <a:p>
             <a:pPr marL="0" indent="0" algn="r">
@@ -10824,7 +10842,6 @@
               <a:rPr lang="ru-RU" dirty="0"/>
               <a:t>    * Стоимость миссии</a:t>
             </a:r>
-            <a:endParaRPr lang="ru-RU"/>
           </a:p>
           <a:p>
             <a:pPr marL="0" indent="0" algn="r">
@@ -10832,13 +10849,34 @@
             </a:pPr>
             <a:r>
               <a:rPr lang="ru-RU" dirty="0"/>
-              <a:t>     *  Успешность</a:t>
+              <a:t>     *  </a:t>
             </a:r>
-            <a:endParaRPr lang="ru-RU"/>
+            <a:r>
+              <a:rPr lang="ru-RU" dirty="0" smtClean="0"/>
+              <a:t>Успешность</a:t>
+            </a:r>
+          </a:p>
+          <a:p>
+            <a:pPr marL="0" indent="0" algn="r">
+              <a:buNone/>
+            </a:pPr>
+            <a:r>
+              <a:rPr lang="ru-RU" dirty="0" smtClean="0"/>
+              <a:t>3. </a:t>
+            </a:r>
+            <a:r>
+              <a:rPr lang="ru-RU" smtClean="0"/>
+              <a:t>Анализ </a:t>
+            </a:r>
+            <a:r>
+              <a:rPr lang="ru-RU" dirty="0" smtClean="0"/>
+              <a:t>данных</a:t>
+            </a:r>
+            <a:endParaRPr lang="ru-RU" dirty="0"/>
           </a:p>
           <a:p>
             <a:pPr algn="r"/>
-            <a:endParaRPr lang="ru-RU"/>
+            <a:endParaRPr lang="ru-RU" dirty="0"/>
           </a:p>
         </p:txBody>
       </p:sp>
@@ -10847,10 +10885,10 @@
           <p:cNvPr id="16" name="Straight Connector 11">
             <a:extLst>
               <a:ext uri="{FF2B5EF4-FFF2-40B4-BE49-F238E27FC236}">
-                <a16:creationId xmlns:a16="http://schemas.microsoft.com/office/drawing/2014/main" id="{1766FD2F-248A-4AA1-8078-E26D6E690BB9}"/>
+                <a16:creationId xmlns:a16="http://schemas.microsoft.com/office/drawing/2014/main" xmlns="" id="{1766FD2F-248A-4AA1-8078-E26D6E690BB9}"/>
               </a:ext>
               <a:ext uri="{C183D7F6-B498-43B3-948B-1728B52AA6E4}">
-                <adec:decorative xmlns:adec="http://schemas.microsoft.com/office/drawing/2017/decorative" val="1"/>
+                <adec:decorative xmlns:adec="http://schemas.microsoft.com/office/drawing/2017/decorative" xmlns="" val="1"/>
               </a:ext>
             </a:extLst>
           </p:cNvPr>
@@ -10860,7 +10898,7 @@
           <p:nvPr>
             <p:extLst>
               <p:ext uri="{386F3935-93C4-4BCD-93E2-E3B085C9AB24}">
-                <p16:designElem xmlns:p16="http://schemas.microsoft.com/office/powerpoint/2015/main" val="1"/>
+                <p16:designElem xmlns:p16="http://schemas.microsoft.com/office/powerpoint/2015/main" xmlns="" val="1"/>
               </p:ext>
             </p:extLst>
           </p:nvPr>
@@ -10897,7 +10935,7 @@
     </p:spTree>
     <p:extLst>
       <p:ext uri="{BB962C8B-B14F-4D97-AF65-F5344CB8AC3E}">
-        <p14:creationId xmlns:p14="http://schemas.microsoft.com/office/powerpoint/2010/main" val="1722882786"/>
+        <p14:creationId xmlns:p14="http://schemas.microsoft.com/office/powerpoint/2010/main" xmlns="" val="1722882786"/>
       </p:ext>
     </p:extLst>
   </p:cSld>
@@ -10937,10 +10975,10 @@
           <p:cNvPr id="43" name="Freeform: Shape 20">
             <a:extLst>
               <a:ext uri="{FF2B5EF4-FFF2-40B4-BE49-F238E27FC236}">
-                <a16:creationId xmlns:a16="http://schemas.microsoft.com/office/drawing/2014/main" id="{5CD60141-EEBD-4EC1-8E34-0344C16A18A2}"/>
+                <a16:creationId xmlns:a16="http://schemas.microsoft.com/office/drawing/2014/main" xmlns="" id="{5CD60141-EEBD-4EC1-8E34-0344C16A18A2}"/>
               </a:ext>
               <a:ext uri="{C183D7F6-B498-43B3-948B-1728B52AA6E4}">
-                <adec:decorative xmlns:adec="http://schemas.microsoft.com/office/drawing/2017/decorative" val="1"/>
+                <adec:decorative xmlns:adec="http://schemas.microsoft.com/office/drawing/2017/decorative" xmlns="" val="1"/>
               </a:ext>
             </a:extLst>
           </p:cNvPr>
@@ -10950,7 +10988,7 @@
           <p:nvPr>
             <p:extLst>
               <p:ext uri="{386F3935-93C4-4BCD-93E2-E3B085C9AB24}">
-                <p16:designElem xmlns:p16="http://schemas.microsoft.com/office/powerpoint/2015/main" val="1"/>
+                <p16:designElem xmlns:p16="http://schemas.microsoft.com/office/powerpoint/2015/main" xmlns="" val="1"/>
               </p:ext>
             </p:extLst>
           </p:nvPr>
@@ -11037,10 +11075,10 @@
           <p:cNvPr id="44" name="Straight Connector 22">
             <a:extLst>
               <a:ext uri="{FF2B5EF4-FFF2-40B4-BE49-F238E27FC236}">
-                <a16:creationId xmlns:a16="http://schemas.microsoft.com/office/drawing/2014/main" id="{4C75A547-BCD1-42BE-966E-53CA0AB93165}"/>
+                <a16:creationId xmlns:a16="http://schemas.microsoft.com/office/drawing/2014/main" xmlns="" id="{4C75A547-BCD1-42BE-966E-53CA0AB93165}"/>
               </a:ext>
               <a:ext uri="{C183D7F6-B498-43B3-948B-1728B52AA6E4}">
-                <adec:decorative xmlns:adec="http://schemas.microsoft.com/office/drawing/2017/decorative" val="1"/>
+                <adec:decorative xmlns:adec="http://schemas.microsoft.com/office/drawing/2017/decorative" xmlns="" val="1"/>
               </a:ext>
             </a:extLst>
           </p:cNvPr>
@@ -11050,7 +11088,7 @@
           <p:nvPr>
             <p:extLst>
               <p:ext uri="{386F3935-93C4-4BCD-93E2-E3B085C9AB24}">
-                <p16:designElem xmlns:p16="http://schemas.microsoft.com/office/powerpoint/2015/main" val="1"/>
+                <p16:designElem xmlns:p16="http://schemas.microsoft.com/office/powerpoint/2015/main" xmlns="" val="1"/>
               </p:ext>
             </p:extLst>
           </p:nvPr>
@@ -11089,10 +11127,10 @@
           <p:cNvPr id="45" name="Rectangle 24">
             <a:extLst>
               <a:ext uri="{FF2B5EF4-FFF2-40B4-BE49-F238E27FC236}">
-                <a16:creationId xmlns:a16="http://schemas.microsoft.com/office/drawing/2014/main" id="{C0E2219A-04FA-42C2-92B5-2540C9749537}"/>
+                <a16:creationId xmlns:a16="http://schemas.microsoft.com/office/drawing/2014/main" xmlns="" id="{C0E2219A-04FA-42C2-92B5-2540C9749537}"/>
               </a:ext>
               <a:ext uri="{C183D7F6-B498-43B3-948B-1728B52AA6E4}">
-                <adec:decorative xmlns:adec="http://schemas.microsoft.com/office/drawing/2017/decorative" val="1"/>
+                <adec:decorative xmlns:adec="http://schemas.microsoft.com/office/drawing/2017/decorative" xmlns="" val="1"/>
               </a:ext>
             </a:extLst>
           </p:cNvPr>
@@ -11102,7 +11140,7 @@
           <p:nvPr>
             <p:extLst>
               <p:ext uri="{386F3935-93C4-4BCD-93E2-E3B085C9AB24}">
-                <p16:designElem xmlns:p16="http://schemas.microsoft.com/office/powerpoint/2015/main" val="1"/>
+                <p16:designElem xmlns:p16="http://schemas.microsoft.com/office/powerpoint/2015/main" xmlns="" val="1"/>
               </p:ext>
             </p:extLst>
           </p:nvPr>
@@ -11123,7 +11161,7 @@
           <a:effectLst/>
           <a:extLst>
             <a:ext uri="{91240B29-F687-4F45-9708-019B960494DF}">
-              <a14:hiddenLine xmlns:a14="http://schemas.microsoft.com/office/drawing/2010/main" w="12700" cap="flat" cmpd="sng" algn="ctr">
+              <a14:hiddenLine xmlns:a14="http://schemas.microsoft.com/office/drawing/2010/main" xmlns="" w="12700" cap="flat" cmpd="sng" algn="ctr">
                 <a:solidFill>
                   <a:schemeClr val="accent1">
                     <a:shade val="50000"/>
@@ -11165,10 +11203,10 @@
           <p:cNvPr id="46" name="Freeform: Shape 26">
             <a:extLst>
               <a:ext uri="{FF2B5EF4-FFF2-40B4-BE49-F238E27FC236}">
-                <a16:creationId xmlns:a16="http://schemas.microsoft.com/office/drawing/2014/main" id="{B0E897CB-98BF-469B-8A73-7BD2916E203A}"/>
+                <a16:creationId xmlns:a16="http://schemas.microsoft.com/office/drawing/2014/main" xmlns="" id="{B0E897CB-98BF-469B-8A73-7BD2916E203A}"/>
               </a:ext>
               <a:ext uri="{C183D7F6-B498-43B3-948B-1728B52AA6E4}">
-                <adec:decorative xmlns:adec="http://schemas.microsoft.com/office/drawing/2017/decorative" val="1"/>
+                <adec:decorative xmlns:adec="http://schemas.microsoft.com/office/drawing/2017/decorative" xmlns="" val="1"/>
               </a:ext>
             </a:extLst>
           </p:cNvPr>
@@ -11178,7 +11216,7 @@
           <p:nvPr>
             <p:extLst>
               <p:ext uri="{386F3935-93C4-4BCD-93E2-E3B085C9AB24}">
-                <p16:designElem xmlns:p16="http://schemas.microsoft.com/office/powerpoint/2015/main" val="1"/>
+                <p16:designElem xmlns:p16="http://schemas.microsoft.com/office/powerpoint/2015/main" xmlns="" val="1"/>
               </p:ext>
             </p:extLst>
           </p:nvPr>
@@ -11294,10 +11332,10 @@
           <p:cNvPr id="47" name="Freeform: Shape 28">
             <a:extLst>
               <a:ext uri="{FF2B5EF4-FFF2-40B4-BE49-F238E27FC236}">
-                <a16:creationId xmlns:a16="http://schemas.microsoft.com/office/drawing/2014/main" id="{658CFA6B-BF53-4CCE-AA08-59DFD207B440}"/>
+                <a16:creationId xmlns:a16="http://schemas.microsoft.com/office/drawing/2014/main" xmlns="" id="{658CFA6B-BF53-4CCE-AA08-59DFD207B440}"/>
               </a:ext>
               <a:ext uri="{C183D7F6-B498-43B3-948B-1728B52AA6E4}">
-                <adec:decorative xmlns:adec="http://schemas.microsoft.com/office/drawing/2017/decorative" val="1"/>
+                <adec:decorative xmlns:adec="http://schemas.microsoft.com/office/drawing/2017/decorative" xmlns="" val="1"/>
               </a:ext>
             </a:extLst>
           </p:cNvPr>
@@ -11307,7 +11345,7 @@
           <p:nvPr>
             <p:extLst>
               <p:ext uri="{386F3935-93C4-4BCD-93E2-E3B085C9AB24}">
-                <p16:designElem xmlns:p16="http://schemas.microsoft.com/office/powerpoint/2015/main" val="1"/>
+                <p16:designElem xmlns:p16="http://schemas.microsoft.com/office/powerpoint/2015/main" xmlns="" val="1"/>
               </p:ext>
             </p:extLst>
           </p:nvPr>
@@ -11493,7 +11531,7 @@
           <p:cNvPr id="2" name="Заголовок 1">
             <a:extLst>
               <a:ext uri="{FF2B5EF4-FFF2-40B4-BE49-F238E27FC236}">
-                <a16:creationId xmlns:a16="http://schemas.microsoft.com/office/drawing/2014/main" id="{AA1B8D56-513E-272E-31B9-BDE4FE577C40}"/>
+                <a16:creationId xmlns:a16="http://schemas.microsoft.com/office/drawing/2014/main" xmlns="" id="{AA1B8D56-513E-272E-31B9-BDE4FE577C40}"/>
               </a:ext>
             </a:extLst>
           </p:cNvPr>
@@ -11528,10 +11566,10 @@
           <p:cNvPr id="48" name="Straight Connector 30">
             <a:extLst>
               <a:ext uri="{FF2B5EF4-FFF2-40B4-BE49-F238E27FC236}">
-                <a16:creationId xmlns:a16="http://schemas.microsoft.com/office/drawing/2014/main" id="{410A45DA-4E66-4841-B892-192B2BAA8DDA}"/>
+                <a16:creationId xmlns:a16="http://schemas.microsoft.com/office/drawing/2014/main" xmlns="" id="{410A45DA-4E66-4841-B892-192B2BAA8DDA}"/>
               </a:ext>
               <a:ext uri="{C183D7F6-B498-43B3-948B-1728B52AA6E4}">
-                <adec:decorative xmlns:adec="http://schemas.microsoft.com/office/drawing/2017/decorative" val="1"/>
+                <adec:decorative xmlns:adec="http://schemas.microsoft.com/office/drawing/2017/decorative" xmlns="" val="1"/>
               </a:ext>
             </a:extLst>
           </p:cNvPr>
@@ -11541,7 +11579,7 @@
           <p:nvPr>
             <p:extLst>
               <p:ext uri="{386F3935-93C4-4BCD-93E2-E3B085C9AB24}">
-                <p16:designElem xmlns:p16="http://schemas.microsoft.com/office/powerpoint/2015/main" val="1"/>
+                <p16:designElem xmlns:p16="http://schemas.microsoft.com/office/powerpoint/2015/main" xmlns="" val="1"/>
               </p:ext>
             </p:extLst>
           </p:nvPr>
@@ -11580,7 +11618,7 @@
           <p:cNvPr id="4" name="Рисунок 3" descr="Изображение выглядит как текст, одежда, человек, костюм&#10;&#10;Автоматически созданное описание">
             <a:extLst>
               <a:ext uri="{FF2B5EF4-FFF2-40B4-BE49-F238E27FC236}">
-                <a16:creationId xmlns:a16="http://schemas.microsoft.com/office/drawing/2014/main" id="{C22F1B38-7E9B-1BF2-51A6-1A59BFE110B8}"/>
+                <a16:creationId xmlns:a16="http://schemas.microsoft.com/office/drawing/2014/main" xmlns="" id="{C22F1B38-7E9B-1BF2-51A6-1A59BFE110B8}"/>
               </a:ext>
             </a:extLst>
           </p:cNvPr>
@@ -11608,7 +11646,7 @@
     </p:spTree>
     <p:extLst>
       <p:ext uri="{BB962C8B-B14F-4D97-AF65-F5344CB8AC3E}">
-        <p14:creationId xmlns:p14="http://schemas.microsoft.com/office/powerpoint/2010/main" val="3699239948"/>
+        <p14:creationId xmlns:p14="http://schemas.microsoft.com/office/powerpoint/2010/main" xmlns="" val="3699239948"/>
       </p:ext>
     </p:extLst>
   </p:cSld>
@@ -11648,10 +11686,10 @@
           <p:cNvPr id="70" name="Freeform: Shape 60">
             <a:extLst>
               <a:ext uri="{FF2B5EF4-FFF2-40B4-BE49-F238E27FC236}">
-                <a16:creationId xmlns:a16="http://schemas.microsoft.com/office/drawing/2014/main" id="{5CD60141-EEBD-4EC1-8E34-0344C16A18A2}"/>
+                <a16:creationId xmlns:a16="http://schemas.microsoft.com/office/drawing/2014/main" xmlns="" id="{5CD60141-EEBD-4EC1-8E34-0344C16A18A2}"/>
               </a:ext>
               <a:ext uri="{C183D7F6-B498-43B3-948B-1728B52AA6E4}">
-                <adec:decorative xmlns:adec="http://schemas.microsoft.com/office/drawing/2017/decorative" val="1"/>
+                <adec:decorative xmlns:adec="http://schemas.microsoft.com/office/drawing/2017/decorative" xmlns="" val="1"/>
               </a:ext>
             </a:extLst>
           </p:cNvPr>
@@ -11661,7 +11699,7 @@
           <p:nvPr>
             <p:extLst>
               <p:ext uri="{386F3935-93C4-4BCD-93E2-E3B085C9AB24}">
-                <p16:designElem xmlns:p16="http://schemas.microsoft.com/office/powerpoint/2015/main" val="1"/>
+                <p16:designElem xmlns:p16="http://schemas.microsoft.com/office/powerpoint/2015/main" xmlns="" val="1"/>
               </p:ext>
             </p:extLst>
           </p:nvPr>
@@ -11748,10 +11786,10 @@
           <p:cNvPr id="71" name="Straight Connector 62">
             <a:extLst>
               <a:ext uri="{FF2B5EF4-FFF2-40B4-BE49-F238E27FC236}">
-                <a16:creationId xmlns:a16="http://schemas.microsoft.com/office/drawing/2014/main" id="{4C75A547-BCD1-42BE-966E-53CA0AB93165}"/>
+                <a16:creationId xmlns:a16="http://schemas.microsoft.com/office/drawing/2014/main" xmlns="" id="{4C75A547-BCD1-42BE-966E-53CA0AB93165}"/>
               </a:ext>
               <a:ext uri="{C183D7F6-B498-43B3-948B-1728B52AA6E4}">
-                <adec:decorative xmlns:adec="http://schemas.microsoft.com/office/drawing/2017/decorative" val="1"/>
+                <adec:decorative xmlns:adec="http://schemas.microsoft.com/office/drawing/2017/decorative" xmlns="" val="1"/>
               </a:ext>
             </a:extLst>
           </p:cNvPr>
@@ -11761,7 +11799,7 @@
           <p:nvPr>
             <p:extLst>
               <p:ext uri="{386F3935-93C4-4BCD-93E2-E3B085C9AB24}">
-                <p16:designElem xmlns:p16="http://schemas.microsoft.com/office/powerpoint/2015/main" val="1"/>
+                <p16:designElem xmlns:p16="http://schemas.microsoft.com/office/powerpoint/2015/main" xmlns="" val="1"/>
               </p:ext>
             </p:extLst>
           </p:nvPr>
@@ -11800,10 +11838,10 @@
           <p:cNvPr id="72" name="Rectangle 64">
             <a:extLst>
               <a:ext uri="{FF2B5EF4-FFF2-40B4-BE49-F238E27FC236}">
-                <a16:creationId xmlns:a16="http://schemas.microsoft.com/office/drawing/2014/main" id="{FE74E104-78A8-4DFA-9782-03C75DE1BF02}"/>
+                <a16:creationId xmlns:a16="http://schemas.microsoft.com/office/drawing/2014/main" xmlns="" id="{FE74E104-78A8-4DFA-9782-03C75DE1BF02}"/>
               </a:ext>
               <a:ext uri="{C183D7F6-B498-43B3-948B-1728B52AA6E4}">
-                <adec:decorative xmlns:adec="http://schemas.microsoft.com/office/drawing/2017/decorative" val="1"/>
+                <adec:decorative xmlns:adec="http://schemas.microsoft.com/office/drawing/2017/decorative" xmlns="" val="1"/>
               </a:ext>
             </a:extLst>
           </p:cNvPr>
@@ -11813,7 +11851,7 @@
           <p:nvPr>
             <p:extLst>
               <p:ext uri="{386F3935-93C4-4BCD-93E2-E3B085C9AB24}">
-                <p16:designElem xmlns:p16="http://schemas.microsoft.com/office/powerpoint/2015/main" val="1"/>
+                <p16:designElem xmlns:p16="http://schemas.microsoft.com/office/powerpoint/2015/main" xmlns="" val="1"/>
               </p:ext>
             </p:extLst>
           </p:nvPr>
@@ -11834,7 +11872,7 @@
           <a:effectLst/>
           <a:extLst>
             <a:ext uri="{91240B29-F687-4F45-9708-019B960494DF}">
-              <a14:hiddenLine xmlns:a14="http://schemas.microsoft.com/office/drawing/2010/main" w="12700" cap="flat" cmpd="sng" algn="ctr">
+              <a14:hiddenLine xmlns:a14="http://schemas.microsoft.com/office/drawing/2010/main" xmlns="" w="12700" cap="flat" cmpd="sng" algn="ctr">
                 <a:solidFill>
                   <a:schemeClr val="accent1">
                     <a:shade val="50000"/>
@@ -11876,10 +11914,10 @@
           <p:cNvPr id="73" name="Freeform: Shape 66">
             <a:extLst>
               <a:ext uri="{FF2B5EF4-FFF2-40B4-BE49-F238E27FC236}">
-                <a16:creationId xmlns:a16="http://schemas.microsoft.com/office/drawing/2014/main" id="{1747BCEA-D77E-4BD6-8954-C64996AB739A}"/>
+                <a16:creationId xmlns:a16="http://schemas.microsoft.com/office/drawing/2014/main" xmlns="" id="{1747BCEA-D77E-4BD6-8954-C64996AB739A}"/>
               </a:ext>
               <a:ext uri="{C183D7F6-B498-43B3-948B-1728B52AA6E4}">
-                <adec:decorative xmlns:adec="http://schemas.microsoft.com/office/drawing/2017/decorative" val="1"/>
+                <adec:decorative xmlns:adec="http://schemas.microsoft.com/office/drawing/2017/decorative" xmlns="" val="1"/>
               </a:ext>
             </a:extLst>
           </p:cNvPr>
@@ -11889,7 +11927,7 @@
           <p:nvPr>
             <p:extLst>
               <p:ext uri="{386F3935-93C4-4BCD-93E2-E3B085C9AB24}">
-                <p16:designElem xmlns:p16="http://schemas.microsoft.com/office/powerpoint/2015/main" val="1"/>
+                <p16:designElem xmlns:p16="http://schemas.microsoft.com/office/powerpoint/2015/main" xmlns="" val="1"/>
               </p:ext>
             </p:extLst>
           </p:nvPr>
@@ -12080,10 +12118,10 @@
           <p:cNvPr id="69" name="Freeform: Shape 68">
             <a:extLst>
               <a:ext uri="{FF2B5EF4-FFF2-40B4-BE49-F238E27FC236}">
-                <a16:creationId xmlns:a16="http://schemas.microsoft.com/office/drawing/2014/main" id="{76D563F6-B8F0-406F-A032-1E478CA25158}"/>
+                <a16:creationId xmlns:a16="http://schemas.microsoft.com/office/drawing/2014/main" xmlns="" id="{76D563F6-B8F0-406F-A032-1E478CA25158}"/>
               </a:ext>
               <a:ext uri="{C183D7F6-B498-43B3-948B-1728B52AA6E4}">
-                <adec:decorative xmlns:adec="http://schemas.microsoft.com/office/drawing/2017/decorative" val="1"/>
+                <adec:decorative xmlns:adec="http://schemas.microsoft.com/office/drawing/2017/decorative" xmlns="" val="1"/>
               </a:ext>
             </a:extLst>
           </p:cNvPr>
@@ -12093,7 +12131,7 @@
           <p:nvPr>
             <p:extLst>
               <p:ext uri="{386F3935-93C4-4BCD-93E2-E3B085C9AB24}">
-                <p16:designElem xmlns:p16="http://schemas.microsoft.com/office/powerpoint/2015/main" val="1"/>
+                <p16:designElem xmlns:p16="http://schemas.microsoft.com/office/powerpoint/2015/main" xmlns="" val="1"/>
               </p:ext>
             </p:extLst>
           </p:nvPr>
@@ -12264,7 +12302,7 @@
           <p:cNvPr id="2" name="Заголовок 1">
             <a:extLst>
               <a:ext uri="{FF2B5EF4-FFF2-40B4-BE49-F238E27FC236}">
-                <a16:creationId xmlns:a16="http://schemas.microsoft.com/office/drawing/2014/main" id="{D746643F-A948-4A22-5E01-E1BF4208424B}"/>
+                <a16:creationId xmlns:a16="http://schemas.microsoft.com/office/drawing/2014/main" xmlns="" id="{D746643F-A948-4A22-5E01-E1BF4208424B}"/>
               </a:ext>
             </a:extLst>
           </p:cNvPr>
@@ -12312,7 +12350,7 @@
           <p:cNvPr id="3" name="Объект 2" descr="Изображение выглядит как текст, снимок экрана, Параллельный, линия&#10;&#10;Автоматически созданное описание">
             <a:extLst>
               <a:ext uri="{FF2B5EF4-FFF2-40B4-BE49-F238E27FC236}">
-                <a16:creationId xmlns:a16="http://schemas.microsoft.com/office/drawing/2014/main" id="{AB181C1B-55EB-D903-75E0-009B06A26013}"/>
+                <a16:creationId xmlns:a16="http://schemas.microsoft.com/office/drawing/2014/main" xmlns="" id="{AB181C1B-55EB-D903-75E0-009B06A26013}"/>
               </a:ext>
             </a:extLst>
           </p:cNvPr>
@@ -12342,7 +12380,7 @@
     </p:spTree>
     <p:extLst>
       <p:ext uri="{BB962C8B-B14F-4D97-AF65-F5344CB8AC3E}">
-        <p14:creationId xmlns:p14="http://schemas.microsoft.com/office/powerpoint/2010/main" val="1209606361"/>
+        <p14:creationId xmlns:p14="http://schemas.microsoft.com/office/powerpoint/2010/main" xmlns="" val="1209606361"/>
       </p:ext>
     </p:extLst>
   </p:cSld>
@@ -12547,7 +12585,7 @@
   <a:extraClrSchemeLst/>
   <a:extLst>
     <a:ext uri="{05A4C25C-085E-4340-85A3-A5531E510DB2}">
-      <thm15:themeFamily xmlns:thm15="http://schemas.microsoft.com/office/thememl/2012/main" name="RegattaVTI" id="{FFC3BCE5-6357-41D1-8E67-3F85B69D7E86}" vid="{893A6374-FE17-48E5-8B62-678C1B11AA1B}"/>
+      <thm15:themeFamily xmlns:thm15="http://schemas.microsoft.com/office/thememl/2012/main" xmlns="" name="RegattaVTI" id="{FFC3BCE5-6357-41D1-8E67-3F85B69D7E86}" vid="{893A6374-FE17-48E5-8B62-678C1B11AA1B}"/>
     </a:ext>
   </a:extLst>
 </a:theme>

--- a/Презентация 2.pptx
+++ b/Презентация 2.pptx
@@ -122,7 +122,7 @@
   </p:defaultTextStyle>
   <p:extLst>
     <p:ext uri="{EFAFB233-063F-42B5-8137-9DF3F51BA10A}">
-      <p15:sldGuideLst xmlns:p15="http://schemas.microsoft.com/office/powerpoint/2012/main"/>
+      <p15:sldGuideLst xmlns:p15="http://schemas.microsoft.com/office/powerpoint/2012/main" xmlns=""/>
     </p:ext>
   </p:extLst>
 </p:presentation>
@@ -161,10 +161,10 @@
           <p:cNvPr id="18" name="Freeform: Shape 17">
             <a:extLst>
               <a:ext uri="{FF2B5EF4-FFF2-40B4-BE49-F238E27FC236}">
-                <a16:creationId xmlns:a16="http://schemas.microsoft.com/office/drawing/2014/main" id="{5CD60141-EEBD-4EC1-8E34-0344C16A18A2}"/>
+                <a16:creationId xmlns:a16="http://schemas.microsoft.com/office/drawing/2014/main" xmlns="" id="{5CD60141-EEBD-4EC1-8E34-0344C16A18A2}"/>
               </a:ext>
               <a:ext uri="{C183D7F6-B498-43B3-948B-1728B52AA6E4}">
-                <adec:decorative xmlns:adec="http://schemas.microsoft.com/office/drawing/2017/decorative" val="1"/>
+                <adec:decorative xmlns:adec="http://schemas.microsoft.com/office/drawing/2017/decorative" xmlns="" val="1"/>
               </a:ext>
             </a:extLst>
           </p:cNvPr>
@@ -352,7 +352,7 @@
           <p:cNvPr id="2" name="Title 1">
             <a:extLst>
               <a:ext uri="{FF2B5EF4-FFF2-40B4-BE49-F238E27FC236}">
-                <a16:creationId xmlns:a16="http://schemas.microsoft.com/office/drawing/2014/main" id="{A65FCBBA-905A-4FD1-BFBA-F3EE6DA264E0}"/>
+                <a16:creationId xmlns:a16="http://schemas.microsoft.com/office/drawing/2014/main" xmlns="" id="{A65FCBBA-905A-4FD1-BFBA-F3EE6DA264E0}"/>
               </a:ext>
             </a:extLst>
           </p:cNvPr>
@@ -394,7 +394,7 @@
           <p:cNvPr id="3" name="Subtitle 2">
             <a:extLst>
               <a:ext uri="{FF2B5EF4-FFF2-40B4-BE49-F238E27FC236}">
-                <a16:creationId xmlns:a16="http://schemas.microsoft.com/office/drawing/2014/main" id="{13DD287E-F1C8-463F-8429-D1B5B1582520}"/>
+                <a16:creationId xmlns:a16="http://schemas.microsoft.com/office/drawing/2014/main" xmlns="" id="{13DD287E-F1C8-463F-8429-D1B5B1582520}"/>
               </a:ext>
             </a:extLst>
           </p:cNvPr>
@@ -469,7 +469,7 @@
           <p:cNvPr id="4" name="Date Placeholder 3">
             <a:extLst>
               <a:ext uri="{FF2B5EF4-FFF2-40B4-BE49-F238E27FC236}">
-                <a16:creationId xmlns:a16="http://schemas.microsoft.com/office/drawing/2014/main" id="{A81F44ED-7973-4A99-B2CA-A8962BCE0D5D}"/>
+                <a16:creationId xmlns:a16="http://schemas.microsoft.com/office/drawing/2014/main" xmlns="" id="{A81F44ED-7973-4A99-B2CA-A8962BCE0D5D}"/>
               </a:ext>
             </a:extLst>
           </p:cNvPr>
@@ -487,7 +487,8 @@
           <a:p>
             <a:fld id="{3CADBD16-5BFB-4D9F-9646-C75D1B53BBB6}" type="datetimeFigureOut">
               <a:rPr lang="en-US" smtClean="0"/>
-              <a:t>11/22/2024</a:t>
+              <a:pPr/>
+              <a:t>2/18/2025</a:t>
             </a:fld>
             <a:endParaRPr lang="en-US"/>
           </a:p>
@@ -498,7 +499,7 @@
           <p:cNvPr id="5" name="Footer Placeholder 4">
             <a:extLst>
               <a:ext uri="{FF2B5EF4-FFF2-40B4-BE49-F238E27FC236}">
-                <a16:creationId xmlns:a16="http://schemas.microsoft.com/office/drawing/2014/main" id="{08DF96F2-D6BE-49AC-A605-5AE87C3F2F10}"/>
+                <a16:creationId xmlns:a16="http://schemas.microsoft.com/office/drawing/2014/main" xmlns="" id="{08DF96F2-D6BE-49AC-A605-5AE87C3F2F10}"/>
               </a:ext>
             </a:extLst>
           </p:cNvPr>
@@ -523,7 +524,7 @@
           <p:cNvPr id="6" name="Slide Number Placeholder 5">
             <a:extLst>
               <a:ext uri="{FF2B5EF4-FFF2-40B4-BE49-F238E27FC236}">
-                <a16:creationId xmlns:a16="http://schemas.microsoft.com/office/drawing/2014/main" id="{1817FC50-B13C-4B63-AE64-F71A6EDE63B6}"/>
+                <a16:creationId xmlns:a16="http://schemas.microsoft.com/office/drawing/2014/main" xmlns="" id="{1817FC50-B13C-4B63-AE64-F71A6EDE63B6}"/>
               </a:ext>
             </a:extLst>
           </p:cNvPr>
@@ -541,6 +542,7 @@
           <a:p>
             <a:fld id="{C0722274-0FAA-4649-AA4E-4210F4F32167}" type="slidenum">
               <a:rPr lang="en-US" smtClean="0"/>
+              <a:pPr/>
               <a:t>‹#›</a:t>
             </a:fld>
             <a:endParaRPr lang="en-US"/>
@@ -552,7 +554,7 @@
           <p:cNvPr id="12" name="Straight Connector 11">
             <a:extLst>
               <a:ext uri="{FF2B5EF4-FFF2-40B4-BE49-F238E27FC236}">
-                <a16:creationId xmlns:a16="http://schemas.microsoft.com/office/drawing/2014/main" id="{4C75A547-BCD1-42BE-966E-53CA0AB93165}"/>
+                <a16:creationId xmlns:a16="http://schemas.microsoft.com/office/drawing/2014/main" xmlns="" id="{4C75A547-BCD1-42BE-966E-53CA0AB93165}"/>
               </a:ext>
             </a:extLst>
           </p:cNvPr>
@@ -593,7 +595,7 @@
     </p:spTree>
     <p:extLst>
       <p:ext uri="{BB962C8B-B14F-4D97-AF65-F5344CB8AC3E}">
-        <p14:creationId xmlns:p14="http://schemas.microsoft.com/office/powerpoint/2010/main" val="3754858688"/>
+        <p14:creationId xmlns:p14="http://schemas.microsoft.com/office/powerpoint/2010/main" xmlns="" val="3754858688"/>
       </p:ext>
     </p:extLst>
   </p:cSld>
@@ -625,7 +627,7 @@
           <p:cNvPr id="2" name="Title 1">
             <a:extLst>
               <a:ext uri="{FF2B5EF4-FFF2-40B4-BE49-F238E27FC236}">
-                <a16:creationId xmlns:a16="http://schemas.microsoft.com/office/drawing/2014/main" id="{8A5A3BF2-BCE9-47D7-B1C0-1F0E4936B6B3}"/>
+                <a16:creationId xmlns:a16="http://schemas.microsoft.com/office/drawing/2014/main" xmlns="" id="{8A5A3BF2-BCE9-47D7-B1C0-1F0E4936B6B3}"/>
               </a:ext>
             </a:extLst>
           </p:cNvPr>
@@ -653,7 +655,7 @@
           <p:cNvPr id="3" name="Vertical Text Placeholder 2">
             <a:extLst>
               <a:ext uri="{FF2B5EF4-FFF2-40B4-BE49-F238E27FC236}">
-                <a16:creationId xmlns:a16="http://schemas.microsoft.com/office/drawing/2014/main" id="{692722E9-C3E4-48AF-996A-495AE659FA6E}"/>
+                <a16:creationId xmlns:a16="http://schemas.microsoft.com/office/drawing/2014/main" xmlns="" id="{692722E9-C3E4-48AF-996A-495AE659FA6E}"/>
               </a:ext>
             </a:extLst>
           </p:cNvPr>
@@ -710,7 +712,7 @@
           <p:cNvPr id="4" name="Date Placeholder 3">
             <a:extLst>
               <a:ext uri="{FF2B5EF4-FFF2-40B4-BE49-F238E27FC236}">
-                <a16:creationId xmlns:a16="http://schemas.microsoft.com/office/drawing/2014/main" id="{19C9E516-382B-4845-93BF-20C16EE0DB05}"/>
+                <a16:creationId xmlns:a16="http://schemas.microsoft.com/office/drawing/2014/main" xmlns="" id="{19C9E516-382B-4845-93BF-20C16EE0DB05}"/>
               </a:ext>
             </a:extLst>
           </p:cNvPr>
@@ -728,7 +730,8 @@
           <a:p>
             <a:fld id="{3CADBD16-5BFB-4D9F-9646-C75D1B53BBB6}" type="datetimeFigureOut">
               <a:rPr lang="en-US" smtClean="0"/>
-              <a:t>11/22/2024</a:t>
+              <a:pPr/>
+              <a:t>2/18/2025</a:t>
             </a:fld>
             <a:endParaRPr lang="en-US"/>
           </a:p>
@@ -739,7 +742,7 @@
           <p:cNvPr id="5" name="Footer Placeholder 4">
             <a:extLst>
               <a:ext uri="{FF2B5EF4-FFF2-40B4-BE49-F238E27FC236}">
-                <a16:creationId xmlns:a16="http://schemas.microsoft.com/office/drawing/2014/main" id="{EAB96E16-F168-442A-843C-5D490D54B06A}"/>
+                <a16:creationId xmlns:a16="http://schemas.microsoft.com/office/drawing/2014/main" xmlns="" id="{EAB96E16-F168-442A-843C-5D490D54B06A}"/>
               </a:ext>
             </a:extLst>
           </p:cNvPr>
@@ -764,7 +767,7 @@
           <p:cNvPr id="6" name="Slide Number Placeholder 5">
             <a:extLst>
               <a:ext uri="{FF2B5EF4-FFF2-40B4-BE49-F238E27FC236}">
-                <a16:creationId xmlns:a16="http://schemas.microsoft.com/office/drawing/2014/main" id="{A9A61BEA-A969-437A-BD8B-CB1B709AD430}"/>
+                <a16:creationId xmlns:a16="http://schemas.microsoft.com/office/drawing/2014/main" xmlns="" id="{A9A61BEA-A969-437A-BD8B-CB1B709AD430}"/>
               </a:ext>
             </a:extLst>
           </p:cNvPr>
@@ -782,6 +785,7 @@
           <a:p>
             <a:fld id="{C0722274-0FAA-4649-AA4E-4210F4F32167}" type="slidenum">
               <a:rPr lang="en-US" smtClean="0"/>
+              <a:pPr/>
               <a:t>‹#›</a:t>
             </a:fld>
             <a:endParaRPr lang="en-US"/>
@@ -791,7 +795,7 @@
     </p:spTree>
     <p:extLst>
       <p:ext uri="{BB962C8B-B14F-4D97-AF65-F5344CB8AC3E}">
-        <p14:creationId xmlns:p14="http://schemas.microsoft.com/office/powerpoint/2010/main" val="3599872716"/>
+        <p14:creationId xmlns:p14="http://schemas.microsoft.com/office/powerpoint/2010/main" xmlns="" val="3599872716"/>
       </p:ext>
     </p:extLst>
   </p:cSld>
@@ -823,7 +827,7 @@
           <p:cNvPr id="2" name="Vertical Title 1">
             <a:extLst>
               <a:ext uri="{FF2B5EF4-FFF2-40B4-BE49-F238E27FC236}">
-                <a16:creationId xmlns:a16="http://schemas.microsoft.com/office/drawing/2014/main" id="{66528449-3E11-45FF-BF3A-651867603E75}"/>
+                <a16:creationId xmlns:a16="http://schemas.microsoft.com/office/drawing/2014/main" xmlns="" id="{66528449-3E11-45FF-BF3A-651867603E75}"/>
               </a:ext>
             </a:extLst>
           </p:cNvPr>
@@ -856,7 +860,7 @@
           <p:cNvPr id="3" name="Vertical Text Placeholder 2">
             <a:extLst>
               <a:ext uri="{FF2B5EF4-FFF2-40B4-BE49-F238E27FC236}">
-                <a16:creationId xmlns:a16="http://schemas.microsoft.com/office/drawing/2014/main" id="{AFC0EAB0-2DFA-4CBA-86B1-1826EF523D4D}"/>
+                <a16:creationId xmlns:a16="http://schemas.microsoft.com/office/drawing/2014/main" xmlns="" id="{AFC0EAB0-2DFA-4CBA-86B1-1826EF523D4D}"/>
               </a:ext>
             </a:extLst>
           </p:cNvPr>
@@ -918,7 +922,7 @@
           <p:cNvPr id="4" name="Date Placeholder 3">
             <a:extLst>
               <a:ext uri="{FF2B5EF4-FFF2-40B4-BE49-F238E27FC236}">
-                <a16:creationId xmlns:a16="http://schemas.microsoft.com/office/drawing/2014/main" id="{DFA22F89-E1F5-45D7-945A-8A2886C4BA59}"/>
+                <a16:creationId xmlns:a16="http://schemas.microsoft.com/office/drawing/2014/main" xmlns="" id="{DFA22F89-E1F5-45D7-945A-8A2886C4BA59}"/>
               </a:ext>
             </a:extLst>
           </p:cNvPr>
@@ -936,7 +940,8 @@
           <a:p>
             <a:fld id="{3CADBD16-5BFB-4D9F-9646-C75D1B53BBB6}" type="datetimeFigureOut">
               <a:rPr lang="en-US" smtClean="0"/>
-              <a:t>11/22/2024</a:t>
+              <a:pPr/>
+              <a:t>2/18/2025</a:t>
             </a:fld>
             <a:endParaRPr lang="en-US"/>
           </a:p>
@@ -947,7 +952,7 @@
           <p:cNvPr id="5" name="Footer Placeholder 4">
             <a:extLst>
               <a:ext uri="{FF2B5EF4-FFF2-40B4-BE49-F238E27FC236}">
-                <a16:creationId xmlns:a16="http://schemas.microsoft.com/office/drawing/2014/main" id="{637E7E82-5FB8-4289-AD0C-0BA788E14794}"/>
+                <a16:creationId xmlns:a16="http://schemas.microsoft.com/office/drawing/2014/main" xmlns="" id="{637E7E82-5FB8-4289-AD0C-0BA788E14794}"/>
               </a:ext>
             </a:extLst>
           </p:cNvPr>
@@ -972,7 +977,7 @@
           <p:cNvPr id="6" name="Slide Number Placeholder 5">
             <a:extLst>
               <a:ext uri="{FF2B5EF4-FFF2-40B4-BE49-F238E27FC236}">
-                <a16:creationId xmlns:a16="http://schemas.microsoft.com/office/drawing/2014/main" id="{245A4046-1A2C-41F5-A177-1C3919C20569}"/>
+                <a16:creationId xmlns:a16="http://schemas.microsoft.com/office/drawing/2014/main" xmlns="" id="{245A4046-1A2C-41F5-A177-1C3919C20569}"/>
               </a:ext>
             </a:extLst>
           </p:cNvPr>
@@ -990,6 +995,7 @@
           <a:p>
             <a:fld id="{C0722274-0FAA-4649-AA4E-4210F4F32167}" type="slidenum">
               <a:rPr lang="en-US" smtClean="0"/>
+              <a:pPr/>
               <a:t>‹#›</a:t>
             </a:fld>
             <a:endParaRPr lang="en-US"/>
@@ -999,7 +1005,7 @@
     </p:spTree>
     <p:extLst>
       <p:ext uri="{BB962C8B-B14F-4D97-AF65-F5344CB8AC3E}">
-        <p14:creationId xmlns:p14="http://schemas.microsoft.com/office/powerpoint/2010/main" val="644639592"/>
+        <p14:creationId xmlns:p14="http://schemas.microsoft.com/office/powerpoint/2010/main" xmlns="" val="644639592"/>
       </p:ext>
     </p:extLst>
   </p:cSld>
@@ -1031,7 +1037,7 @@
           <p:cNvPr id="2" name="Title 1">
             <a:extLst>
               <a:ext uri="{FF2B5EF4-FFF2-40B4-BE49-F238E27FC236}">
-                <a16:creationId xmlns:a16="http://schemas.microsoft.com/office/drawing/2014/main" id="{03ECD6F3-88F1-4195-8395-57AA096BB3B2}"/>
+                <a16:creationId xmlns:a16="http://schemas.microsoft.com/office/drawing/2014/main" xmlns="" id="{03ECD6F3-88F1-4195-8395-57AA096BB3B2}"/>
               </a:ext>
             </a:extLst>
           </p:cNvPr>
@@ -1059,7 +1065,7 @@
           <p:cNvPr id="3" name="Content Placeholder 2">
             <a:extLst>
               <a:ext uri="{FF2B5EF4-FFF2-40B4-BE49-F238E27FC236}">
-                <a16:creationId xmlns:a16="http://schemas.microsoft.com/office/drawing/2014/main" id="{CED8D06C-EB08-40B3-AFB3-A62F4411221C}"/>
+                <a16:creationId xmlns:a16="http://schemas.microsoft.com/office/drawing/2014/main" xmlns="" id="{CED8D06C-EB08-40B3-AFB3-A62F4411221C}"/>
               </a:ext>
             </a:extLst>
           </p:cNvPr>
@@ -1116,7 +1122,7 @@
           <p:cNvPr id="4" name="Date Placeholder 3">
             <a:extLst>
               <a:ext uri="{FF2B5EF4-FFF2-40B4-BE49-F238E27FC236}">
-                <a16:creationId xmlns:a16="http://schemas.microsoft.com/office/drawing/2014/main" id="{6103962F-B413-4C4C-A490-724DDB9E7DB9}"/>
+                <a16:creationId xmlns:a16="http://schemas.microsoft.com/office/drawing/2014/main" xmlns="" id="{6103962F-B413-4C4C-A490-724DDB9E7DB9}"/>
               </a:ext>
             </a:extLst>
           </p:cNvPr>
@@ -1134,7 +1140,8 @@
           <a:p>
             <a:fld id="{3CADBD16-5BFB-4D9F-9646-C75D1B53BBB6}" type="datetimeFigureOut">
               <a:rPr lang="en-US" smtClean="0"/>
-              <a:t>11/22/2024</a:t>
+              <a:pPr/>
+              <a:t>2/18/2025</a:t>
             </a:fld>
             <a:endParaRPr lang="en-US"/>
           </a:p>
@@ -1145,7 +1152,7 @@
           <p:cNvPr id="5" name="Footer Placeholder 4">
             <a:extLst>
               <a:ext uri="{FF2B5EF4-FFF2-40B4-BE49-F238E27FC236}">
-                <a16:creationId xmlns:a16="http://schemas.microsoft.com/office/drawing/2014/main" id="{02871813-4E87-4C04-835D-76246010B069}"/>
+                <a16:creationId xmlns:a16="http://schemas.microsoft.com/office/drawing/2014/main" xmlns="" id="{02871813-4E87-4C04-835D-76246010B069}"/>
               </a:ext>
             </a:extLst>
           </p:cNvPr>
@@ -1170,7 +1177,7 @@
           <p:cNvPr id="6" name="Slide Number Placeholder 5">
             <a:extLst>
               <a:ext uri="{FF2B5EF4-FFF2-40B4-BE49-F238E27FC236}">
-                <a16:creationId xmlns:a16="http://schemas.microsoft.com/office/drawing/2014/main" id="{3A922BA3-033C-491E-A045-F0052AC19A8C}"/>
+                <a16:creationId xmlns:a16="http://schemas.microsoft.com/office/drawing/2014/main" xmlns="" id="{3A922BA3-033C-491E-A045-F0052AC19A8C}"/>
               </a:ext>
             </a:extLst>
           </p:cNvPr>
@@ -1188,6 +1195,7 @@
           <a:p>
             <a:fld id="{C0722274-0FAA-4649-AA4E-4210F4F32167}" type="slidenum">
               <a:rPr lang="en-US" smtClean="0"/>
+              <a:pPr/>
               <a:t>‹#›</a:t>
             </a:fld>
             <a:endParaRPr lang="en-US"/>
@@ -1197,7 +1205,7 @@
     </p:spTree>
     <p:extLst>
       <p:ext uri="{BB962C8B-B14F-4D97-AF65-F5344CB8AC3E}">
-        <p14:creationId xmlns:p14="http://schemas.microsoft.com/office/powerpoint/2010/main" val="4150682825"/>
+        <p14:creationId xmlns:p14="http://schemas.microsoft.com/office/powerpoint/2010/main" xmlns="" val="4150682825"/>
       </p:ext>
     </p:extLst>
   </p:cSld>
@@ -1229,7 +1237,7 @@
           <p:cNvPr id="2" name="Title 1">
             <a:extLst>
               <a:ext uri="{FF2B5EF4-FFF2-40B4-BE49-F238E27FC236}">
-                <a16:creationId xmlns:a16="http://schemas.microsoft.com/office/drawing/2014/main" id="{A8FE19AD-2EDD-4B4F-9F9E-46A4441847A6}"/>
+                <a16:creationId xmlns:a16="http://schemas.microsoft.com/office/drawing/2014/main" xmlns="" id="{A8FE19AD-2EDD-4B4F-9F9E-46A4441847A6}"/>
               </a:ext>
             </a:extLst>
           </p:cNvPr>
@@ -1268,7 +1276,7 @@
           <p:cNvPr id="3" name="Text Placeholder 2">
             <a:extLst>
               <a:ext uri="{FF2B5EF4-FFF2-40B4-BE49-F238E27FC236}">
-                <a16:creationId xmlns:a16="http://schemas.microsoft.com/office/drawing/2014/main" id="{00EE5927-21D5-4EBA-A112-CAD1BD38BCB1}"/>
+                <a16:creationId xmlns:a16="http://schemas.microsoft.com/office/drawing/2014/main" xmlns="" id="{00EE5927-21D5-4EBA-A112-CAD1BD38BCB1}"/>
               </a:ext>
             </a:extLst>
           </p:cNvPr>
@@ -1393,7 +1401,7 @@
           <p:cNvPr id="4" name="Date Placeholder 3">
             <a:extLst>
               <a:ext uri="{FF2B5EF4-FFF2-40B4-BE49-F238E27FC236}">
-                <a16:creationId xmlns:a16="http://schemas.microsoft.com/office/drawing/2014/main" id="{4CEF0D16-9D87-4D76-A5A5-534E24B7DD25}"/>
+                <a16:creationId xmlns:a16="http://schemas.microsoft.com/office/drawing/2014/main" xmlns="" id="{4CEF0D16-9D87-4D76-A5A5-534E24B7DD25}"/>
               </a:ext>
             </a:extLst>
           </p:cNvPr>
@@ -1411,7 +1419,8 @@
           <a:p>
             <a:fld id="{3CADBD16-5BFB-4D9F-9646-C75D1B53BBB6}" type="datetimeFigureOut">
               <a:rPr lang="en-US" smtClean="0"/>
-              <a:t>11/22/2024</a:t>
+              <a:pPr/>
+              <a:t>2/18/2025</a:t>
             </a:fld>
             <a:endParaRPr lang="en-US"/>
           </a:p>
@@ -1422,7 +1431,7 @@
           <p:cNvPr id="5" name="Footer Placeholder 4">
             <a:extLst>
               <a:ext uri="{FF2B5EF4-FFF2-40B4-BE49-F238E27FC236}">
-                <a16:creationId xmlns:a16="http://schemas.microsoft.com/office/drawing/2014/main" id="{5965F387-5AAC-45D0-ABCE-B1CF4BC7E0AC}"/>
+                <a16:creationId xmlns:a16="http://schemas.microsoft.com/office/drawing/2014/main" xmlns="" id="{5965F387-5AAC-45D0-ABCE-B1CF4BC7E0AC}"/>
               </a:ext>
             </a:extLst>
           </p:cNvPr>
@@ -1447,7 +1456,7 @@
           <p:cNvPr id="6" name="Slide Number Placeholder 5">
             <a:extLst>
               <a:ext uri="{FF2B5EF4-FFF2-40B4-BE49-F238E27FC236}">
-                <a16:creationId xmlns:a16="http://schemas.microsoft.com/office/drawing/2014/main" id="{798AF6FE-0006-4F40-A7FB-E0FDBADF7548}"/>
+                <a16:creationId xmlns:a16="http://schemas.microsoft.com/office/drawing/2014/main" xmlns="" id="{798AF6FE-0006-4F40-A7FB-E0FDBADF7548}"/>
               </a:ext>
             </a:extLst>
           </p:cNvPr>
@@ -1465,6 +1474,7 @@
           <a:p>
             <a:fld id="{C0722274-0FAA-4649-AA4E-4210F4F32167}" type="slidenum">
               <a:rPr lang="en-US" smtClean="0"/>
+              <a:pPr/>
               <a:t>‹#›</a:t>
             </a:fld>
             <a:endParaRPr lang="en-US"/>
@@ -1474,7 +1484,7 @@
     </p:spTree>
     <p:extLst>
       <p:ext uri="{BB962C8B-B14F-4D97-AF65-F5344CB8AC3E}">
-        <p14:creationId xmlns:p14="http://schemas.microsoft.com/office/powerpoint/2010/main" val="1032188805"/>
+        <p14:creationId xmlns:p14="http://schemas.microsoft.com/office/powerpoint/2010/main" xmlns="" val="1032188805"/>
       </p:ext>
     </p:extLst>
   </p:cSld>
@@ -1506,7 +1516,7 @@
           <p:cNvPr id="2" name="Title 1">
             <a:extLst>
               <a:ext uri="{FF2B5EF4-FFF2-40B4-BE49-F238E27FC236}">
-                <a16:creationId xmlns:a16="http://schemas.microsoft.com/office/drawing/2014/main" id="{B5E8AADE-587E-4574-B21B-7ABDE5A2364B}"/>
+                <a16:creationId xmlns:a16="http://schemas.microsoft.com/office/drawing/2014/main" xmlns="" id="{B5E8AADE-587E-4574-B21B-7ABDE5A2364B}"/>
               </a:ext>
             </a:extLst>
           </p:cNvPr>
@@ -1534,7 +1544,7 @@
           <p:cNvPr id="3" name="Content Placeholder 2">
             <a:extLst>
               <a:ext uri="{FF2B5EF4-FFF2-40B4-BE49-F238E27FC236}">
-                <a16:creationId xmlns:a16="http://schemas.microsoft.com/office/drawing/2014/main" id="{AE2F9DA5-4DFB-4211-A58A-FFD842C27A65}"/>
+                <a16:creationId xmlns:a16="http://schemas.microsoft.com/office/drawing/2014/main" xmlns="" id="{AE2F9DA5-4DFB-4211-A58A-FFD842C27A65}"/>
               </a:ext>
             </a:extLst>
           </p:cNvPr>
@@ -1596,7 +1606,7 @@
           <p:cNvPr id="4" name="Content Placeholder 3">
             <a:extLst>
               <a:ext uri="{FF2B5EF4-FFF2-40B4-BE49-F238E27FC236}">
-                <a16:creationId xmlns:a16="http://schemas.microsoft.com/office/drawing/2014/main" id="{1AA99F26-66AF-4614-91CE-C93A24BAC23A}"/>
+                <a16:creationId xmlns:a16="http://schemas.microsoft.com/office/drawing/2014/main" xmlns="" id="{1AA99F26-66AF-4614-91CE-C93A24BAC23A}"/>
               </a:ext>
             </a:extLst>
           </p:cNvPr>
@@ -1658,7 +1668,7 @@
           <p:cNvPr id="5" name="Date Placeholder 4">
             <a:extLst>
               <a:ext uri="{FF2B5EF4-FFF2-40B4-BE49-F238E27FC236}">
-                <a16:creationId xmlns:a16="http://schemas.microsoft.com/office/drawing/2014/main" id="{7F8F678E-59B5-4DF9-ABCB-506B9CB701CC}"/>
+                <a16:creationId xmlns:a16="http://schemas.microsoft.com/office/drawing/2014/main" xmlns="" id="{7F8F678E-59B5-4DF9-ABCB-506B9CB701CC}"/>
               </a:ext>
             </a:extLst>
           </p:cNvPr>
@@ -1676,7 +1686,8 @@
           <a:p>
             <a:fld id="{3CADBD16-5BFB-4D9F-9646-C75D1B53BBB6}" type="datetimeFigureOut">
               <a:rPr lang="en-US" smtClean="0"/>
-              <a:t>11/22/2024</a:t>
+              <a:pPr/>
+              <a:t>2/18/2025</a:t>
             </a:fld>
             <a:endParaRPr lang="en-US"/>
           </a:p>
@@ -1687,7 +1698,7 @@
           <p:cNvPr id="6" name="Footer Placeholder 5">
             <a:extLst>
               <a:ext uri="{FF2B5EF4-FFF2-40B4-BE49-F238E27FC236}">
-                <a16:creationId xmlns:a16="http://schemas.microsoft.com/office/drawing/2014/main" id="{18B50A53-317B-444A-9BA2-F69CDBF5DA64}"/>
+                <a16:creationId xmlns:a16="http://schemas.microsoft.com/office/drawing/2014/main" xmlns="" id="{18B50A53-317B-444A-9BA2-F69CDBF5DA64}"/>
               </a:ext>
             </a:extLst>
           </p:cNvPr>
@@ -1712,7 +1723,7 @@
           <p:cNvPr id="7" name="Slide Number Placeholder 6">
             <a:extLst>
               <a:ext uri="{FF2B5EF4-FFF2-40B4-BE49-F238E27FC236}">
-                <a16:creationId xmlns:a16="http://schemas.microsoft.com/office/drawing/2014/main" id="{D0B269A1-B0FB-4C8F-B6AA-0718C92D3D22}"/>
+                <a16:creationId xmlns:a16="http://schemas.microsoft.com/office/drawing/2014/main" xmlns="" id="{D0B269A1-B0FB-4C8F-B6AA-0718C92D3D22}"/>
               </a:ext>
             </a:extLst>
           </p:cNvPr>
@@ -1730,6 +1741,7 @@
           <a:p>
             <a:fld id="{C0722274-0FAA-4649-AA4E-4210F4F32167}" type="slidenum">
               <a:rPr lang="en-US" smtClean="0"/>
+              <a:pPr/>
               <a:t>‹#›</a:t>
             </a:fld>
             <a:endParaRPr lang="en-US"/>
@@ -1739,7 +1751,7 @@
     </p:spTree>
     <p:extLst>
       <p:ext uri="{BB962C8B-B14F-4D97-AF65-F5344CB8AC3E}">
-        <p14:creationId xmlns:p14="http://schemas.microsoft.com/office/powerpoint/2010/main" val="472405329"/>
+        <p14:creationId xmlns:p14="http://schemas.microsoft.com/office/powerpoint/2010/main" xmlns="" val="472405329"/>
       </p:ext>
     </p:extLst>
   </p:cSld>
@@ -1771,7 +1783,7 @@
           <p:cNvPr id="2" name="Title 1">
             <a:extLst>
               <a:ext uri="{FF2B5EF4-FFF2-40B4-BE49-F238E27FC236}">
-                <a16:creationId xmlns:a16="http://schemas.microsoft.com/office/drawing/2014/main" id="{B112BBBF-42B2-4A5D-B145-46983A530170}"/>
+                <a16:creationId xmlns:a16="http://schemas.microsoft.com/office/drawing/2014/main" xmlns="" id="{B112BBBF-42B2-4A5D-B145-46983A530170}"/>
               </a:ext>
             </a:extLst>
           </p:cNvPr>
@@ -1804,7 +1816,7 @@
           <p:cNvPr id="3" name="Text Placeholder 2">
             <a:extLst>
               <a:ext uri="{FF2B5EF4-FFF2-40B4-BE49-F238E27FC236}">
-                <a16:creationId xmlns:a16="http://schemas.microsoft.com/office/drawing/2014/main" id="{E804BE44-5271-4B5D-B649-35E3AF20B48F}"/>
+                <a16:creationId xmlns:a16="http://schemas.microsoft.com/office/drawing/2014/main" xmlns="" id="{E804BE44-5271-4B5D-B649-35E3AF20B48F}"/>
               </a:ext>
             </a:extLst>
           </p:cNvPr>
@@ -1877,7 +1889,7 @@
           <p:cNvPr id="4" name="Content Placeholder 3">
             <a:extLst>
               <a:ext uri="{FF2B5EF4-FFF2-40B4-BE49-F238E27FC236}">
-                <a16:creationId xmlns:a16="http://schemas.microsoft.com/office/drawing/2014/main" id="{24D7891E-0C0A-4688-97DD-C0715E322194}"/>
+                <a16:creationId xmlns:a16="http://schemas.microsoft.com/office/drawing/2014/main" xmlns="" id="{24D7891E-0C0A-4688-97DD-C0715E322194}"/>
               </a:ext>
             </a:extLst>
           </p:cNvPr>
@@ -1939,7 +1951,7 @@
           <p:cNvPr id="5" name="Text Placeholder 4">
             <a:extLst>
               <a:ext uri="{FF2B5EF4-FFF2-40B4-BE49-F238E27FC236}">
-                <a16:creationId xmlns:a16="http://schemas.microsoft.com/office/drawing/2014/main" id="{875EAF30-3412-49B0-93D1-596CC2695B26}"/>
+                <a16:creationId xmlns:a16="http://schemas.microsoft.com/office/drawing/2014/main" xmlns="" id="{875EAF30-3412-49B0-93D1-596CC2695B26}"/>
               </a:ext>
             </a:extLst>
           </p:cNvPr>
@@ -2012,7 +2024,7 @@
           <p:cNvPr id="6" name="Content Placeholder 5">
             <a:extLst>
               <a:ext uri="{FF2B5EF4-FFF2-40B4-BE49-F238E27FC236}">
-                <a16:creationId xmlns:a16="http://schemas.microsoft.com/office/drawing/2014/main" id="{F707B9B7-F41C-4314-9F0C-BB84547FB8CA}"/>
+                <a16:creationId xmlns:a16="http://schemas.microsoft.com/office/drawing/2014/main" xmlns="" id="{F707B9B7-F41C-4314-9F0C-BB84547FB8CA}"/>
               </a:ext>
             </a:extLst>
           </p:cNvPr>
@@ -2074,7 +2086,7 @@
           <p:cNvPr id="7" name="Date Placeholder 6">
             <a:extLst>
               <a:ext uri="{FF2B5EF4-FFF2-40B4-BE49-F238E27FC236}">
-                <a16:creationId xmlns:a16="http://schemas.microsoft.com/office/drawing/2014/main" id="{8421587F-6AFC-4906-86EB-6B0A86EEF300}"/>
+                <a16:creationId xmlns:a16="http://schemas.microsoft.com/office/drawing/2014/main" xmlns="" id="{8421587F-6AFC-4906-86EB-6B0A86EEF300}"/>
               </a:ext>
             </a:extLst>
           </p:cNvPr>
@@ -2092,7 +2104,8 @@
           <a:p>
             <a:fld id="{3CADBD16-5BFB-4D9F-9646-C75D1B53BBB6}" type="datetimeFigureOut">
               <a:rPr lang="en-US" smtClean="0"/>
-              <a:t>11/22/2024</a:t>
+              <a:pPr/>
+              <a:t>2/18/2025</a:t>
             </a:fld>
             <a:endParaRPr lang="en-US"/>
           </a:p>
@@ -2103,7 +2116,7 @@
           <p:cNvPr id="8" name="Footer Placeholder 7">
             <a:extLst>
               <a:ext uri="{FF2B5EF4-FFF2-40B4-BE49-F238E27FC236}">
-                <a16:creationId xmlns:a16="http://schemas.microsoft.com/office/drawing/2014/main" id="{354BE2C5-583B-49BC-9864-B01EEF798742}"/>
+                <a16:creationId xmlns:a16="http://schemas.microsoft.com/office/drawing/2014/main" xmlns="" id="{354BE2C5-583B-49BC-9864-B01EEF798742}"/>
               </a:ext>
             </a:extLst>
           </p:cNvPr>
@@ -2128,7 +2141,7 @@
           <p:cNvPr id="9" name="Slide Number Placeholder 8">
             <a:extLst>
               <a:ext uri="{FF2B5EF4-FFF2-40B4-BE49-F238E27FC236}">
-                <a16:creationId xmlns:a16="http://schemas.microsoft.com/office/drawing/2014/main" id="{5B39B236-45F5-4CC6-8D53-A6903A1CC8B3}"/>
+                <a16:creationId xmlns:a16="http://schemas.microsoft.com/office/drawing/2014/main" xmlns="" id="{5B39B236-45F5-4CC6-8D53-A6903A1CC8B3}"/>
               </a:ext>
             </a:extLst>
           </p:cNvPr>
@@ -2146,6 +2159,7 @@
           <a:p>
             <a:fld id="{C0722274-0FAA-4649-AA4E-4210F4F32167}" type="slidenum">
               <a:rPr lang="en-US" smtClean="0"/>
+              <a:pPr/>
               <a:t>‹#›</a:t>
             </a:fld>
             <a:endParaRPr lang="en-US"/>
@@ -2155,7 +2169,7 @@
     </p:spTree>
     <p:extLst>
       <p:ext uri="{BB962C8B-B14F-4D97-AF65-F5344CB8AC3E}">
-        <p14:creationId xmlns:p14="http://schemas.microsoft.com/office/powerpoint/2010/main" val="2306710673"/>
+        <p14:creationId xmlns:p14="http://schemas.microsoft.com/office/powerpoint/2010/main" xmlns="" val="2306710673"/>
       </p:ext>
     </p:extLst>
   </p:cSld>
@@ -2187,7 +2201,7 @@
           <p:cNvPr id="2" name="Title 1">
             <a:extLst>
               <a:ext uri="{FF2B5EF4-FFF2-40B4-BE49-F238E27FC236}">
-                <a16:creationId xmlns:a16="http://schemas.microsoft.com/office/drawing/2014/main" id="{CC36B206-0678-4577-B79F-760526A5FD76}"/>
+                <a16:creationId xmlns:a16="http://schemas.microsoft.com/office/drawing/2014/main" xmlns="" id="{CC36B206-0678-4577-B79F-760526A5FD76}"/>
               </a:ext>
             </a:extLst>
           </p:cNvPr>
@@ -2224,7 +2238,7 @@
           <p:cNvPr id="3" name="Date Placeholder 2">
             <a:extLst>
               <a:ext uri="{FF2B5EF4-FFF2-40B4-BE49-F238E27FC236}">
-                <a16:creationId xmlns:a16="http://schemas.microsoft.com/office/drawing/2014/main" id="{E6D5FCB8-AFD3-4801-BBD6-9548F4CF7C86}"/>
+                <a16:creationId xmlns:a16="http://schemas.microsoft.com/office/drawing/2014/main" xmlns="" id="{E6D5FCB8-AFD3-4801-BBD6-9548F4CF7C86}"/>
               </a:ext>
             </a:extLst>
           </p:cNvPr>
@@ -2242,7 +2256,8 @@
           <a:p>
             <a:fld id="{3CADBD16-5BFB-4D9F-9646-C75D1B53BBB6}" type="datetimeFigureOut">
               <a:rPr lang="en-US" smtClean="0"/>
-              <a:t>11/22/2024</a:t>
+              <a:pPr/>
+              <a:t>2/18/2025</a:t>
             </a:fld>
             <a:endParaRPr lang="en-US"/>
           </a:p>
@@ -2253,7 +2268,7 @@
           <p:cNvPr id="4" name="Footer Placeholder 3">
             <a:extLst>
               <a:ext uri="{FF2B5EF4-FFF2-40B4-BE49-F238E27FC236}">
-                <a16:creationId xmlns:a16="http://schemas.microsoft.com/office/drawing/2014/main" id="{0F6DACF8-CBC0-416B-B28E-EE18C42383B4}"/>
+                <a16:creationId xmlns:a16="http://schemas.microsoft.com/office/drawing/2014/main" xmlns="" id="{0F6DACF8-CBC0-416B-B28E-EE18C42383B4}"/>
               </a:ext>
             </a:extLst>
           </p:cNvPr>
@@ -2278,7 +2293,7 @@
           <p:cNvPr id="5" name="Slide Number Placeholder 4">
             <a:extLst>
               <a:ext uri="{FF2B5EF4-FFF2-40B4-BE49-F238E27FC236}">
-                <a16:creationId xmlns:a16="http://schemas.microsoft.com/office/drawing/2014/main" id="{770C7421-FF49-4CE9-87D0-2B4FFE0E3DC4}"/>
+                <a16:creationId xmlns:a16="http://schemas.microsoft.com/office/drawing/2014/main" xmlns="" id="{770C7421-FF49-4CE9-87D0-2B4FFE0E3DC4}"/>
               </a:ext>
             </a:extLst>
           </p:cNvPr>
@@ -2296,6 +2311,7 @@
           <a:p>
             <a:fld id="{C0722274-0FAA-4649-AA4E-4210F4F32167}" type="slidenum">
               <a:rPr lang="en-US" smtClean="0"/>
+              <a:pPr/>
               <a:t>‹#›</a:t>
             </a:fld>
             <a:endParaRPr lang="en-US"/>
@@ -2305,7 +2321,7 @@
     </p:spTree>
     <p:extLst>
       <p:ext uri="{BB962C8B-B14F-4D97-AF65-F5344CB8AC3E}">
-        <p14:creationId xmlns:p14="http://schemas.microsoft.com/office/powerpoint/2010/main" val="2752814370"/>
+        <p14:creationId xmlns:p14="http://schemas.microsoft.com/office/powerpoint/2010/main" xmlns="" val="2752814370"/>
       </p:ext>
     </p:extLst>
   </p:cSld>
@@ -2337,7 +2353,7 @@
           <p:cNvPr id="2" name="Date Placeholder 1">
             <a:extLst>
               <a:ext uri="{FF2B5EF4-FFF2-40B4-BE49-F238E27FC236}">
-                <a16:creationId xmlns:a16="http://schemas.microsoft.com/office/drawing/2014/main" id="{3D19CBFE-15AA-4447-9F9C-D8B0BEB242DA}"/>
+                <a16:creationId xmlns:a16="http://schemas.microsoft.com/office/drawing/2014/main" xmlns="" id="{3D19CBFE-15AA-4447-9F9C-D8B0BEB242DA}"/>
               </a:ext>
             </a:extLst>
           </p:cNvPr>
@@ -2355,7 +2371,8 @@
           <a:p>
             <a:fld id="{3CADBD16-5BFB-4D9F-9646-C75D1B53BBB6}" type="datetimeFigureOut">
               <a:rPr lang="en-US" smtClean="0"/>
-              <a:t>11/22/2024</a:t>
+              <a:pPr/>
+              <a:t>2/18/2025</a:t>
             </a:fld>
             <a:endParaRPr lang="en-US"/>
           </a:p>
@@ -2366,7 +2383,7 @@
           <p:cNvPr id="3" name="Footer Placeholder 2">
             <a:extLst>
               <a:ext uri="{FF2B5EF4-FFF2-40B4-BE49-F238E27FC236}">
-                <a16:creationId xmlns:a16="http://schemas.microsoft.com/office/drawing/2014/main" id="{C6B48227-EC1E-4063-9682-891A2DB1A845}"/>
+                <a16:creationId xmlns:a16="http://schemas.microsoft.com/office/drawing/2014/main" xmlns="" id="{C6B48227-EC1E-4063-9682-891A2DB1A845}"/>
               </a:ext>
             </a:extLst>
           </p:cNvPr>
@@ -2391,7 +2408,7 @@
           <p:cNvPr id="4" name="Slide Number Placeholder 3">
             <a:extLst>
               <a:ext uri="{FF2B5EF4-FFF2-40B4-BE49-F238E27FC236}">
-                <a16:creationId xmlns:a16="http://schemas.microsoft.com/office/drawing/2014/main" id="{D22C6A63-C3F4-4563-A542-9A41AC946C32}"/>
+                <a16:creationId xmlns:a16="http://schemas.microsoft.com/office/drawing/2014/main" xmlns="" id="{D22C6A63-C3F4-4563-A542-9A41AC946C32}"/>
               </a:ext>
             </a:extLst>
           </p:cNvPr>
@@ -2409,6 +2426,7 @@
           <a:p>
             <a:fld id="{C0722274-0FAA-4649-AA4E-4210F4F32167}" type="slidenum">
               <a:rPr lang="en-US" smtClean="0"/>
+              <a:pPr/>
               <a:t>‹#›</a:t>
             </a:fld>
             <a:endParaRPr lang="en-US"/>
@@ -2418,7 +2436,7 @@
     </p:spTree>
     <p:extLst>
       <p:ext uri="{BB962C8B-B14F-4D97-AF65-F5344CB8AC3E}">
-        <p14:creationId xmlns:p14="http://schemas.microsoft.com/office/powerpoint/2010/main" val="3476649586"/>
+        <p14:creationId xmlns:p14="http://schemas.microsoft.com/office/powerpoint/2010/main" xmlns="" val="3476649586"/>
       </p:ext>
     </p:extLst>
   </p:cSld>
@@ -2450,7 +2468,7 @@
           <p:cNvPr id="2" name="Title 1">
             <a:extLst>
               <a:ext uri="{FF2B5EF4-FFF2-40B4-BE49-F238E27FC236}">
-                <a16:creationId xmlns:a16="http://schemas.microsoft.com/office/drawing/2014/main" id="{186900C1-FE18-461C-801C-8626C7759861}"/>
+                <a16:creationId xmlns:a16="http://schemas.microsoft.com/office/drawing/2014/main" xmlns="" id="{186900C1-FE18-461C-801C-8626C7759861}"/>
               </a:ext>
             </a:extLst>
           </p:cNvPr>
@@ -2492,7 +2510,7 @@
           <p:cNvPr id="3" name="Content Placeholder 2">
             <a:extLst>
               <a:ext uri="{FF2B5EF4-FFF2-40B4-BE49-F238E27FC236}">
-                <a16:creationId xmlns:a16="http://schemas.microsoft.com/office/drawing/2014/main" id="{AB14CFF3-3406-49E3-9D5A-1BE90FFA508E}"/>
+                <a16:creationId xmlns:a16="http://schemas.microsoft.com/office/drawing/2014/main" xmlns="" id="{AB14CFF3-3406-49E3-9D5A-1BE90FFA508E}"/>
               </a:ext>
             </a:extLst>
           </p:cNvPr>
@@ -2582,7 +2600,7 @@
           <p:cNvPr id="4" name="Text Placeholder 3">
             <a:extLst>
               <a:ext uri="{FF2B5EF4-FFF2-40B4-BE49-F238E27FC236}">
-                <a16:creationId xmlns:a16="http://schemas.microsoft.com/office/drawing/2014/main" id="{033D14FF-9082-4BBA-BC7A-F4C5B78599C5}"/>
+                <a16:creationId xmlns:a16="http://schemas.microsoft.com/office/drawing/2014/main" xmlns="" id="{033D14FF-9082-4BBA-BC7A-F4C5B78599C5}"/>
               </a:ext>
             </a:extLst>
           </p:cNvPr>
@@ -2653,7 +2671,7 @@
           <p:cNvPr id="5" name="Date Placeholder 4">
             <a:extLst>
               <a:ext uri="{FF2B5EF4-FFF2-40B4-BE49-F238E27FC236}">
-                <a16:creationId xmlns:a16="http://schemas.microsoft.com/office/drawing/2014/main" id="{0D5A2726-EB8E-4DF7-9A1B-F03BD8C7179E}"/>
+                <a16:creationId xmlns:a16="http://schemas.microsoft.com/office/drawing/2014/main" xmlns="" id="{0D5A2726-EB8E-4DF7-9A1B-F03BD8C7179E}"/>
               </a:ext>
             </a:extLst>
           </p:cNvPr>
@@ -2671,7 +2689,8 @@
           <a:p>
             <a:fld id="{3CADBD16-5BFB-4D9F-9646-C75D1B53BBB6}" type="datetimeFigureOut">
               <a:rPr lang="en-US" smtClean="0"/>
-              <a:t>11/22/2024</a:t>
+              <a:pPr/>
+              <a:t>2/18/2025</a:t>
             </a:fld>
             <a:endParaRPr lang="en-US"/>
           </a:p>
@@ -2682,7 +2701,7 @@
           <p:cNvPr id="6" name="Footer Placeholder 5">
             <a:extLst>
               <a:ext uri="{FF2B5EF4-FFF2-40B4-BE49-F238E27FC236}">
-                <a16:creationId xmlns:a16="http://schemas.microsoft.com/office/drawing/2014/main" id="{8D9929BE-611C-4FE6-B0A5-E0FF9DF969EE}"/>
+                <a16:creationId xmlns:a16="http://schemas.microsoft.com/office/drawing/2014/main" xmlns="" id="{8D9929BE-611C-4FE6-B0A5-E0FF9DF969EE}"/>
               </a:ext>
             </a:extLst>
           </p:cNvPr>
@@ -2707,7 +2726,7 @@
           <p:cNvPr id="7" name="Slide Number Placeholder 6">
             <a:extLst>
               <a:ext uri="{FF2B5EF4-FFF2-40B4-BE49-F238E27FC236}">
-                <a16:creationId xmlns:a16="http://schemas.microsoft.com/office/drawing/2014/main" id="{17B90B32-1D0E-4BCD-8850-59EA235F7EB4}"/>
+                <a16:creationId xmlns:a16="http://schemas.microsoft.com/office/drawing/2014/main" xmlns="" id="{17B90B32-1D0E-4BCD-8850-59EA235F7EB4}"/>
               </a:ext>
             </a:extLst>
           </p:cNvPr>
@@ -2725,6 +2744,7 @@
           <a:p>
             <a:fld id="{C0722274-0FAA-4649-AA4E-4210F4F32167}" type="slidenum">
               <a:rPr lang="en-US" smtClean="0"/>
+              <a:pPr/>
               <a:t>‹#›</a:t>
             </a:fld>
             <a:endParaRPr lang="en-US"/>
@@ -2734,7 +2754,7 @@
     </p:spTree>
     <p:extLst>
       <p:ext uri="{BB962C8B-B14F-4D97-AF65-F5344CB8AC3E}">
-        <p14:creationId xmlns:p14="http://schemas.microsoft.com/office/powerpoint/2010/main" val="787348933"/>
+        <p14:creationId xmlns:p14="http://schemas.microsoft.com/office/powerpoint/2010/main" xmlns="" val="787348933"/>
       </p:ext>
     </p:extLst>
   </p:cSld>
@@ -2766,7 +2786,7 @@
           <p:cNvPr id="3" name="Picture Placeholder 2">
             <a:extLst>
               <a:ext uri="{FF2B5EF4-FFF2-40B4-BE49-F238E27FC236}">
-                <a16:creationId xmlns:a16="http://schemas.microsoft.com/office/drawing/2014/main" id="{1CA1460E-1069-4FCA-B04E-28F77C861046}"/>
+                <a16:creationId xmlns:a16="http://schemas.microsoft.com/office/drawing/2014/main" xmlns="" id="{1CA1460E-1069-4FCA-B04E-28F77C861046}"/>
               </a:ext>
             </a:extLst>
           </p:cNvPr>
@@ -2833,7 +2853,7 @@
           <p:cNvPr id="4" name="Text Placeholder 3">
             <a:extLst>
               <a:ext uri="{FF2B5EF4-FFF2-40B4-BE49-F238E27FC236}">
-                <a16:creationId xmlns:a16="http://schemas.microsoft.com/office/drawing/2014/main" id="{66138C1E-867B-4FE9-8783-9B1246AEB797}"/>
+                <a16:creationId xmlns:a16="http://schemas.microsoft.com/office/drawing/2014/main" xmlns="" id="{66138C1E-867B-4FE9-8783-9B1246AEB797}"/>
               </a:ext>
             </a:extLst>
           </p:cNvPr>
@@ -2904,7 +2924,7 @@
           <p:cNvPr id="5" name="Date Placeholder 4">
             <a:extLst>
               <a:ext uri="{FF2B5EF4-FFF2-40B4-BE49-F238E27FC236}">
-                <a16:creationId xmlns:a16="http://schemas.microsoft.com/office/drawing/2014/main" id="{00721568-4870-46F2-9F7E-F410702012D9}"/>
+                <a16:creationId xmlns:a16="http://schemas.microsoft.com/office/drawing/2014/main" xmlns="" id="{00721568-4870-46F2-9F7E-F410702012D9}"/>
               </a:ext>
             </a:extLst>
           </p:cNvPr>
@@ -2922,7 +2942,8 @@
           <a:p>
             <a:fld id="{3CADBD16-5BFB-4D9F-9646-C75D1B53BBB6}" type="datetimeFigureOut">
               <a:rPr lang="en-US" smtClean="0"/>
-              <a:t>11/22/2024</a:t>
+              <a:pPr/>
+              <a:t>2/18/2025</a:t>
             </a:fld>
             <a:endParaRPr lang="en-US"/>
           </a:p>
@@ -2933,7 +2954,7 @@
           <p:cNvPr id="6" name="Footer Placeholder 5">
             <a:extLst>
               <a:ext uri="{FF2B5EF4-FFF2-40B4-BE49-F238E27FC236}">
-                <a16:creationId xmlns:a16="http://schemas.microsoft.com/office/drawing/2014/main" id="{0BB3CC65-0E73-45A1-9D4F-3F4559B3B659}"/>
+                <a16:creationId xmlns:a16="http://schemas.microsoft.com/office/drawing/2014/main" xmlns="" id="{0BB3CC65-0E73-45A1-9D4F-3F4559B3B659}"/>
               </a:ext>
             </a:extLst>
           </p:cNvPr>
@@ -2958,7 +2979,7 @@
           <p:cNvPr id="7" name="Slide Number Placeholder 6">
             <a:extLst>
               <a:ext uri="{FF2B5EF4-FFF2-40B4-BE49-F238E27FC236}">
-                <a16:creationId xmlns:a16="http://schemas.microsoft.com/office/drawing/2014/main" id="{B58C58CD-9BC3-431E-A7B4-D596A7F06C5E}"/>
+                <a16:creationId xmlns:a16="http://schemas.microsoft.com/office/drawing/2014/main" xmlns="" id="{B58C58CD-9BC3-431E-A7B4-D596A7F06C5E}"/>
               </a:ext>
             </a:extLst>
           </p:cNvPr>
@@ -2976,6 +2997,7 @@
           <a:p>
             <a:fld id="{C0722274-0FAA-4649-AA4E-4210F4F32167}" type="slidenum">
               <a:rPr lang="en-US" smtClean="0"/>
+              <a:pPr/>
               <a:t>‹#›</a:t>
             </a:fld>
             <a:endParaRPr lang="en-US"/>
@@ -2987,7 +3009,7 @@
           <p:cNvPr id="2" name="Title 1">
             <a:extLst>
               <a:ext uri="{FF2B5EF4-FFF2-40B4-BE49-F238E27FC236}">
-                <a16:creationId xmlns:a16="http://schemas.microsoft.com/office/drawing/2014/main" id="{2368F756-D171-474C-8B1A-C818032F6F78}"/>
+                <a16:creationId xmlns:a16="http://schemas.microsoft.com/office/drawing/2014/main" xmlns="" id="{2368F756-D171-474C-8B1A-C818032F6F78}"/>
               </a:ext>
             </a:extLst>
           </p:cNvPr>
@@ -3027,7 +3049,7 @@
     </p:spTree>
     <p:extLst>
       <p:ext uri="{BB962C8B-B14F-4D97-AF65-F5344CB8AC3E}">
-        <p14:creationId xmlns:p14="http://schemas.microsoft.com/office/powerpoint/2010/main" val="763507576"/>
+        <p14:creationId xmlns:p14="http://schemas.microsoft.com/office/powerpoint/2010/main" xmlns="" val="763507576"/>
       </p:ext>
     </p:extLst>
   </p:cSld>
@@ -3064,7 +3086,7 @@
           <p:cNvPr id="8" name="Freeform: Shape 7">
             <a:extLst>
               <a:ext uri="{FF2B5EF4-FFF2-40B4-BE49-F238E27FC236}">
-                <a16:creationId xmlns:a16="http://schemas.microsoft.com/office/drawing/2014/main" id="{91C2F78B-DEE8-4195-A196-DFC51BDADFF9}"/>
+                <a16:creationId xmlns:a16="http://schemas.microsoft.com/office/drawing/2014/main" xmlns="" id="{91C2F78B-DEE8-4195-A196-DFC51BDADFF9}"/>
               </a:ext>
             </a:extLst>
           </p:cNvPr>
@@ -3156,7 +3178,7 @@
           <p:cNvPr id="10" name="Freeform: Shape 9">
             <a:extLst>
               <a:ext uri="{FF2B5EF4-FFF2-40B4-BE49-F238E27FC236}">
-                <a16:creationId xmlns:a16="http://schemas.microsoft.com/office/drawing/2014/main" id="{A1D79D08-4BE8-4799-BE09-5078DFEE2256}"/>
+                <a16:creationId xmlns:a16="http://schemas.microsoft.com/office/drawing/2014/main" xmlns="" id="{A1D79D08-4BE8-4799-BE09-5078DFEE2256}"/>
               </a:ext>
             </a:extLst>
           </p:cNvPr>
@@ -3248,7 +3270,7 @@
           <p:cNvPr id="12" name="Straight Connector 11">
             <a:extLst>
               <a:ext uri="{FF2B5EF4-FFF2-40B4-BE49-F238E27FC236}">
-                <a16:creationId xmlns:a16="http://schemas.microsoft.com/office/drawing/2014/main" id="{C95D65A1-16CB-407F-993F-2A6D59BCC0C8}"/>
+                <a16:creationId xmlns:a16="http://schemas.microsoft.com/office/drawing/2014/main" xmlns="" id="{C95D65A1-16CB-407F-993F-2A6D59BCC0C8}"/>
               </a:ext>
             </a:extLst>
           </p:cNvPr>
@@ -3291,7 +3313,7 @@
           <p:cNvPr id="2" name="Title Placeholder 1">
             <a:extLst>
               <a:ext uri="{FF2B5EF4-FFF2-40B4-BE49-F238E27FC236}">
-                <a16:creationId xmlns:a16="http://schemas.microsoft.com/office/drawing/2014/main" id="{0BA018A2-815D-41B0-A189-FDF7A5E88891}"/>
+                <a16:creationId xmlns:a16="http://schemas.microsoft.com/office/drawing/2014/main" xmlns="" id="{0BA018A2-815D-41B0-A189-FDF7A5E88891}"/>
               </a:ext>
             </a:extLst>
           </p:cNvPr>
@@ -3329,7 +3351,7 @@
           <p:cNvPr id="3" name="Text Placeholder 2">
             <a:extLst>
               <a:ext uri="{FF2B5EF4-FFF2-40B4-BE49-F238E27FC236}">
-                <a16:creationId xmlns:a16="http://schemas.microsoft.com/office/drawing/2014/main" id="{36DFAE63-1276-4C7C-BFF5-F5DF1CDB23E5}"/>
+                <a16:creationId xmlns:a16="http://schemas.microsoft.com/office/drawing/2014/main" xmlns="" id="{36DFAE63-1276-4C7C-BFF5-F5DF1CDB23E5}"/>
               </a:ext>
             </a:extLst>
           </p:cNvPr>
@@ -3396,7 +3418,7 @@
           <p:cNvPr id="4" name="Date Placeholder 3">
             <a:extLst>
               <a:ext uri="{FF2B5EF4-FFF2-40B4-BE49-F238E27FC236}">
-                <a16:creationId xmlns:a16="http://schemas.microsoft.com/office/drawing/2014/main" id="{55380268-2D73-487C-843B-51648AE18194}"/>
+                <a16:creationId xmlns:a16="http://schemas.microsoft.com/office/drawing/2014/main" xmlns="" id="{55380268-2D73-487C-843B-51648AE18194}"/>
               </a:ext>
             </a:extLst>
           </p:cNvPr>
@@ -3431,7 +3453,7 @@
             <a:fld id="{3CADBD16-5BFB-4D9F-9646-C75D1B53BBB6}" type="datetimeFigureOut">
               <a:rPr lang="en-US" smtClean="0"/>
               <a:pPr/>
-              <a:t>11/22/2024</a:t>
+              <a:t>2/18/2025</a:t>
             </a:fld>
             <a:endParaRPr lang="en-US" dirty="0"/>
           </a:p>
@@ -3442,7 +3464,7 @@
           <p:cNvPr id="5" name="Footer Placeholder 4">
             <a:extLst>
               <a:ext uri="{FF2B5EF4-FFF2-40B4-BE49-F238E27FC236}">
-                <a16:creationId xmlns:a16="http://schemas.microsoft.com/office/drawing/2014/main" id="{99F61E6D-D51F-4BD7-B59D-19AF179177B8}"/>
+                <a16:creationId xmlns:a16="http://schemas.microsoft.com/office/drawing/2014/main" xmlns="" id="{99F61E6D-D51F-4BD7-B59D-19AF179177B8}"/>
               </a:ext>
             </a:extLst>
           </p:cNvPr>
@@ -3483,7 +3505,7 @@
           <p:cNvPr id="6" name="Slide Number Placeholder 5">
             <a:extLst>
               <a:ext uri="{FF2B5EF4-FFF2-40B4-BE49-F238E27FC236}">
-                <a16:creationId xmlns:a16="http://schemas.microsoft.com/office/drawing/2014/main" id="{127701B1-1C93-41C2-AEE1-815DEA51B962}"/>
+                <a16:creationId xmlns:a16="http://schemas.microsoft.com/office/drawing/2014/main" xmlns="" id="{127701B1-1C93-41C2-AEE1-815DEA51B962}"/>
               </a:ext>
             </a:extLst>
           </p:cNvPr>
@@ -3527,7 +3549,7 @@
     </p:spTree>
     <p:extLst>
       <p:ext uri="{BB962C8B-B14F-4D97-AF65-F5344CB8AC3E}">
-        <p14:creationId xmlns:p14="http://schemas.microsoft.com/office/powerpoint/2010/main" val="3684674272"/>
+        <p14:creationId xmlns:p14="http://schemas.microsoft.com/office/powerpoint/2010/main" xmlns="" val="3684674272"/>
       </p:ext>
     </p:extLst>
   </p:cSld>
@@ -3858,10 +3880,10 @@
           <p:cNvPr id="60" name="Rectangle 59">
             <a:extLst>
               <a:ext uri="{FF2B5EF4-FFF2-40B4-BE49-F238E27FC236}">
-                <a16:creationId xmlns:a16="http://schemas.microsoft.com/office/drawing/2014/main" id="{70105F5E-5B61-4F51-927C-5B28DB7DD9BB}"/>
+                <a16:creationId xmlns:a16="http://schemas.microsoft.com/office/drawing/2014/main" xmlns="" id="{70105F5E-5B61-4F51-927C-5B28DB7DD9BB}"/>
               </a:ext>
               <a:ext uri="{C183D7F6-B498-43B3-948B-1728B52AA6E4}">
-                <adec:decorative xmlns:adec="http://schemas.microsoft.com/office/drawing/2017/decorative" val="1"/>
+                <adec:decorative xmlns:adec="http://schemas.microsoft.com/office/drawing/2017/decorative" xmlns="" val="1"/>
               </a:ext>
             </a:extLst>
           </p:cNvPr>
@@ -3871,7 +3893,7 @@
           <p:nvPr>
             <p:extLst>
               <p:ext uri="{386F3935-93C4-4BCD-93E2-E3B085C9AB24}">
-                <p16:designElem xmlns:p16="http://schemas.microsoft.com/office/powerpoint/2015/main" val="1"/>
+                <p16:designElem xmlns:p16="http://schemas.microsoft.com/office/powerpoint/2015/main" xmlns="" val="1"/>
               </p:ext>
             </p:extLst>
           </p:nvPr>
@@ -3892,7 +3914,7 @@
           <a:effectLst/>
           <a:extLst>
             <a:ext uri="{91240B29-F687-4F45-9708-019B960494DF}">
-              <a14:hiddenLine xmlns:a14="http://schemas.microsoft.com/office/drawing/2010/main" w="12700" cap="flat" cmpd="sng" algn="ctr">
+              <a14:hiddenLine xmlns:a14="http://schemas.microsoft.com/office/drawing/2010/main" xmlns="" w="12700" cap="flat" cmpd="sng" algn="ctr">
                 <a:solidFill>
                   <a:schemeClr val="accent1">
                     <a:shade val="50000"/>
@@ -3934,10 +3956,10 @@
           <p:cNvPr id="62" name="Freeform: Shape 61">
             <a:extLst>
               <a:ext uri="{FF2B5EF4-FFF2-40B4-BE49-F238E27FC236}">
-                <a16:creationId xmlns:a16="http://schemas.microsoft.com/office/drawing/2014/main" id="{5882C1C4-D961-459C-91C5-334ABD6E63EA}"/>
+                <a16:creationId xmlns:a16="http://schemas.microsoft.com/office/drawing/2014/main" xmlns="" id="{5882C1C4-D961-459C-91C5-334ABD6E63EA}"/>
               </a:ext>
               <a:ext uri="{C183D7F6-B498-43B3-948B-1728B52AA6E4}">
-                <adec:decorative xmlns:adec="http://schemas.microsoft.com/office/drawing/2017/decorative" val="1"/>
+                <adec:decorative xmlns:adec="http://schemas.microsoft.com/office/drawing/2017/decorative" xmlns="" val="1"/>
               </a:ext>
             </a:extLst>
           </p:cNvPr>
@@ -3947,7 +3969,7 @@
           <p:nvPr>
             <p:extLst>
               <p:ext uri="{386F3935-93C4-4BCD-93E2-E3B085C9AB24}">
-                <p16:designElem xmlns:p16="http://schemas.microsoft.com/office/powerpoint/2015/main" val="1"/>
+                <p16:designElem xmlns:p16="http://schemas.microsoft.com/office/powerpoint/2015/main" xmlns="" val="1"/>
               </p:ext>
             </p:extLst>
           </p:nvPr>
@@ -4133,10 +4155,10 @@
           <p:cNvPr id="64" name="Freeform: Shape 63">
             <a:extLst>
               <a:ext uri="{FF2B5EF4-FFF2-40B4-BE49-F238E27FC236}">
-                <a16:creationId xmlns:a16="http://schemas.microsoft.com/office/drawing/2014/main" id="{A7B8B125-A98E-403C-9A7F-494FF789C26E}"/>
+                <a16:creationId xmlns:a16="http://schemas.microsoft.com/office/drawing/2014/main" xmlns="" id="{A7B8B125-A98E-403C-9A7F-494FF789C26E}"/>
               </a:ext>
               <a:ext uri="{C183D7F6-B498-43B3-948B-1728B52AA6E4}">
-                <adec:decorative xmlns:adec="http://schemas.microsoft.com/office/drawing/2017/decorative" val="1"/>
+                <adec:decorative xmlns:adec="http://schemas.microsoft.com/office/drawing/2017/decorative" xmlns="" val="1"/>
               </a:ext>
             </a:extLst>
           </p:cNvPr>
@@ -4146,7 +4168,7 @@
           <p:nvPr>
             <p:extLst>
               <p:ext uri="{386F3935-93C4-4BCD-93E2-E3B085C9AB24}">
-                <p16:designElem xmlns:p16="http://schemas.microsoft.com/office/powerpoint/2015/main" val="1"/>
+                <p16:designElem xmlns:p16="http://schemas.microsoft.com/office/powerpoint/2015/main" xmlns="" val="1"/>
               </p:ext>
             </p:extLst>
           </p:nvPr>
@@ -4656,7 +4678,7 @@
           <p:cNvPr id="55" name="Рисунок 54" descr="Picture background">
             <a:extLst>
               <a:ext uri="{FF2B5EF4-FFF2-40B4-BE49-F238E27FC236}">
-                <a16:creationId xmlns:a16="http://schemas.microsoft.com/office/drawing/2014/main" id="{D660A44E-1251-CDE8-078B-9C324DDB1B62}"/>
+                <a16:creationId xmlns:a16="http://schemas.microsoft.com/office/drawing/2014/main" xmlns="" id="{D660A44E-1251-CDE8-078B-9C324DDB1B62}"/>
               </a:ext>
             </a:extLst>
           </p:cNvPr>
@@ -4745,7 +4767,7 @@
               </a:rPr>
               <a:t>Анализ космических запусков и успешности миссий по странам и компаниям</a:t>
             </a:r>
-            <a:endParaRPr lang="ru-RU" sz="3600"/>
+            <a:endParaRPr lang="ru-RU" sz="3600" dirty="0"/>
           </a:p>
           <a:p>
             <a:pPr>
@@ -4753,7 +4775,7 @@
                 <a:spcPct val="90000"/>
               </a:lnSpc>
             </a:pPr>
-            <a:endParaRPr lang="ru-RU" sz="3600"/>
+            <a:endParaRPr lang="ru-RU" sz="3600" dirty="0"/>
           </a:p>
         </p:txBody>
       </p:sp>
@@ -4788,10 +4810,10 @@
           <p:cNvPr id="66" name="Straight Connector 65">
             <a:extLst>
               <a:ext uri="{FF2B5EF4-FFF2-40B4-BE49-F238E27FC236}">
-                <a16:creationId xmlns:a16="http://schemas.microsoft.com/office/drawing/2014/main" id="{20B1C5DD-CB08-4407-9D12-CC2C42B047A7}"/>
+                <a16:creationId xmlns:a16="http://schemas.microsoft.com/office/drawing/2014/main" xmlns="" id="{20B1C5DD-CB08-4407-9D12-CC2C42B047A7}"/>
               </a:ext>
               <a:ext uri="{C183D7F6-B498-43B3-948B-1728B52AA6E4}">
-                <adec:decorative xmlns:adec="http://schemas.microsoft.com/office/drawing/2017/decorative" val="1"/>
+                <adec:decorative xmlns:adec="http://schemas.microsoft.com/office/drawing/2017/decorative" xmlns="" val="1"/>
               </a:ext>
             </a:extLst>
           </p:cNvPr>
@@ -4801,7 +4823,7 @@
           <p:nvPr>
             <p:extLst>
               <p:ext uri="{386F3935-93C4-4BCD-93E2-E3B085C9AB24}">
-                <p16:designElem xmlns:p16="http://schemas.microsoft.com/office/powerpoint/2015/main" val="1"/>
+                <p16:designElem xmlns:p16="http://schemas.microsoft.com/office/powerpoint/2015/main" xmlns="" val="1"/>
               </p:ext>
             </p:extLst>
           </p:nvPr>
@@ -4838,7 +4860,7 @@
     </p:spTree>
     <p:extLst>
       <p:ext uri="{BB962C8B-B14F-4D97-AF65-F5344CB8AC3E}">
-        <p14:creationId xmlns:p14="http://schemas.microsoft.com/office/powerpoint/2010/main" val="1351651579"/>
+        <p14:creationId xmlns:p14="http://schemas.microsoft.com/office/powerpoint/2010/main" xmlns="" val="1351651579"/>
       </p:ext>
     </p:extLst>
   </p:cSld>
@@ -4878,10 +4900,10 @@
           <p:cNvPr id="9" name="Freeform: Shape 8">
             <a:extLst>
               <a:ext uri="{FF2B5EF4-FFF2-40B4-BE49-F238E27FC236}">
-                <a16:creationId xmlns:a16="http://schemas.microsoft.com/office/drawing/2014/main" id="{5CD60141-EEBD-4EC1-8E34-0344C16A18A2}"/>
+                <a16:creationId xmlns:a16="http://schemas.microsoft.com/office/drawing/2014/main" xmlns="" id="{5CD60141-EEBD-4EC1-8E34-0344C16A18A2}"/>
               </a:ext>
               <a:ext uri="{C183D7F6-B498-43B3-948B-1728B52AA6E4}">
-                <adec:decorative xmlns:adec="http://schemas.microsoft.com/office/drawing/2017/decorative" val="1"/>
+                <adec:decorative xmlns:adec="http://schemas.microsoft.com/office/drawing/2017/decorative" xmlns="" val="1"/>
               </a:ext>
             </a:extLst>
           </p:cNvPr>
@@ -4891,7 +4913,7 @@
           <p:nvPr>
             <p:extLst>
               <p:ext uri="{386F3935-93C4-4BCD-93E2-E3B085C9AB24}">
-                <p16:designElem xmlns:p16="http://schemas.microsoft.com/office/powerpoint/2015/main" val="1"/>
+                <p16:designElem xmlns:p16="http://schemas.microsoft.com/office/powerpoint/2015/main" xmlns="" val="1"/>
               </p:ext>
             </p:extLst>
           </p:nvPr>
@@ -4978,10 +5000,10 @@
           <p:cNvPr id="11" name="Straight Connector 10">
             <a:extLst>
               <a:ext uri="{FF2B5EF4-FFF2-40B4-BE49-F238E27FC236}">
-                <a16:creationId xmlns:a16="http://schemas.microsoft.com/office/drawing/2014/main" id="{4C75A547-BCD1-42BE-966E-53CA0AB93165}"/>
+                <a16:creationId xmlns:a16="http://schemas.microsoft.com/office/drawing/2014/main" xmlns="" id="{4C75A547-BCD1-42BE-966E-53CA0AB93165}"/>
               </a:ext>
               <a:ext uri="{C183D7F6-B498-43B3-948B-1728B52AA6E4}">
-                <adec:decorative xmlns:adec="http://schemas.microsoft.com/office/drawing/2017/decorative" val="1"/>
+                <adec:decorative xmlns:adec="http://schemas.microsoft.com/office/drawing/2017/decorative" xmlns="" val="1"/>
               </a:ext>
             </a:extLst>
           </p:cNvPr>
@@ -4991,7 +5013,7 @@
           <p:nvPr>
             <p:extLst>
               <p:ext uri="{386F3935-93C4-4BCD-93E2-E3B085C9AB24}">
-                <p16:designElem xmlns:p16="http://schemas.microsoft.com/office/powerpoint/2015/main" val="1"/>
+                <p16:designElem xmlns:p16="http://schemas.microsoft.com/office/powerpoint/2015/main" xmlns="" val="1"/>
               </p:ext>
             </p:extLst>
           </p:nvPr>
@@ -5030,10 +5052,10 @@
           <p:cNvPr id="13" name="Rectangle 12">
             <a:extLst>
               <a:ext uri="{FF2B5EF4-FFF2-40B4-BE49-F238E27FC236}">
-                <a16:creationId xmlns:a16="http://schemas.microsoft.com/office/drawing/2014/main" id="{37D505C3-540C-4E1B-AFF5-74A9D9BD3E44}"/>
+                <a16:creationId xmlns:a16="http://schemas.microsoft.com/office/drawing/2014/main" xmlns="" id="{37D505C3-540C-4E1B-AFF5-74A9D9BD3E44}"/>
               </a:ext>
               <a:ext uri="{C183D7F6-B498-43B3-948B-1728B52AA6E4}">
-                <adec:decorative xmlns:adec="http://schemas.microsoft.com/office/drawing/2017/decorative" val="1"/>
+                <adec:decorative xmlns:adec="http://schemas.microsoft.com/office/drawing/2017/decorative" xmlns="" val="1"/>
               </a:ext>
             </a:extLst>
           </p:cNvPr>
@@ -5043,7 +5065,7 @@
           <p:nvPr>
             <p:extLst>
               <p:ext uri="{386F3935-93C4-4BCD-93E2-E3B085C9AB24}">
-                <p16:designElem xmlns:p16="http://schemas.microsoft.com/office/powerpoint/2015/main" val="1"/>
+                <p16:designElem xmlns:p16="http://schemas.microsoft.com/office/powerpoint/2015/main" xmlns="" val="1"/>
               </p:ext>
             </p:extLst>
           </p:nvPr>
@@ -5064,7 +5086,7 @@
           <a:effectLst/>
           <a:extLst>
             <a:ext uri="{91240B29-F687-4F45-9708-019B960494DF}">
-              <a14:hiddenLine xmlns:a14="http://schemas.microsoft.com/office/drawing/2010/main" w="12700" cap="flat" cmpd="sng" algn="ctr">
+              <a14:hiddenLine xmlns:a14="http://schemas.microsoft.com/office/drawing/2010/main" xmlns="" w="12700" cap="flat" cmpd="sng" algn="ctr">
                 <a:solidFill>
                   <a:schemeClr val="accent1">
                     <a:shade val="50000"/>
@@ -5106,7 +5128,7 @@
           <p:cNvPr id="4" name="Объект 3" descr="Изображение выглядит как текст, снимок экрана, График, линия&#10;&#10;Автоматически созданное описание">
             <a:extLst>
               <a:ext uri="{FF2B5EF4-FFF2-40B4-BE49-F238E27FC236}">
-                <a16:creationId xmlns:a16="http://schemas.microsoft.com/office/drawing/2014/main" id="{D7D6D0D6-671E-48EA-7170-B0C91F15050B}"/>
+                <a16:creationId xmlns:a16="http://schemas.microsoft.com/office/drawing/2014/main" xmlns="" id="{D7D6D0D6-671E-48EA-7170-B0C91F15050B}"/>
               </a:ext>
             </a:extLst>
           </p:cNvPr>
@@ -5137,10 +5159,10 @@
           <p:cNvPr id="15" name="Freeform: Shape 14">
             <a:extLst>
               <a:ext uri="{FF2B5EF4-FFF2-40B4-BE49-F238E27FC236}">
-                <a16:creationId xmlns:a16="http://schemas.microsoft.com/office/drawing/2014/main" id="{C5C14909-AFB2-4E07-A65C-633954901FC1}"/>
+                <a16:creationId xmlns:a16="http://schemas.microsoft.com/office/drawing/2014/main" xmlns="" id="{C5C14909-AFB2-4E07-A65C-633954901FC1}"/>
               </a:ext>
               <a:ext uri="{C183D7F6-B498-43B3-948B-1728B52AA6E4}">
-                <adec:decorative xmlns:adec="http://schemas.microsoft.com/office/drawing/2017/decorative" val="1"/>
+                <adec:decorative xmlns:adec="http://schemas.microsoft.com/office/drawing/2017/decorative" xmlns="" val="1"/>
               </a:ext>
             </a:extLst>
           </p:cNvPr>
@@ -5150,7 +5172,7 @@
           <p:nvPr>
             <p:extLst>
               <p:ext uri="{386F3935-93C4-4BCD-93E2-E3B085C9AB24}">
-                <p16:designElem xmlns:p16="http://schemas.microsoft.com/office/powerpoint/2015/main" val="1"/>
+                <p16:designElem xmlns:p16="http://schemas.microsoft.com/office/powerpoint/2015/main" xmlns="" val="1"/>
               </p:ext>
             </p:extLst>
           </p:nvPr>
@@ -5343,10 +5365,10 @@
           <p:cNvPr id="17" name="Freeform: Shape 16">
             <a:extLst>
               <a:ext uri="{FF2B5EF4-FFF2-40B4-BE49-F238E27FC236}">
-                <a16:creationId xmlns:a16="http://schemas.microsoft.com/office/drawing/2014/main" id="{5BC4B016-0848-4634-83F9-FBC4C80CAE8E}"/>
+                <a16:creationId xmlns:a16="http://schemas.microsoft.com/office/drawing/2014/main" xmlns="" id="{5BC4B016-0848-4634-83F9-FBC4C80CAE8E}"/>
               </a:ext>
               <a:ext uri="{C183D7F6-B498-43B3-948B-1728B52AA6E4}">
-                <adec:decorative xmlns:adec="http://schemas.microsoft.com/office/drawing/2017/decorative" val="1"/>
+                <adec:decorative xmlns:adec="http://schemas.microsoft.com/office/drawing/2017/decorative" xmlns="" val="1"/>
               </a:ext>
             </a:extLst>
           </p:cNvPr>
@@ -5356,7 +5378,7 @@
           <p:nvPr>
             <p:extLst>
               <p:ext uri="{386F3935-93C4-4BCD-93E2-E3B085C9AB24}">
-                <p16:designElem xmlns:p16="http://schemas.microsoft.com/office/powerpoint/2015/main" val="1"/>
+                <p16:designElem xmlns:p16="http://schemas.microsoft.com/office/powerpoint/2015/main" xmlns="" val="1"/>
               </p:ext>
             </p:extLst>
           </p:nvPr>
@@ -5544,7 +5566,7 @@
           <p:cNvPr id="2" name="Заголовок 1">
             <a:extLst>
               <a:ext uri="{FF2B5EF4-FFF2-40B4-BE49-F238E27FC236}">
-                <a16:creationId xmlns:a16="http://schemas.microsoft.com/office/drawing/2014/main" id="{A90C2333-D177-E3BA-ECFF-C96ED3576242}"/>
+                <a16:creationId xmlns:a16="http://schemas.microsoft.com/office/drawing/2014/main" xmlns="" id="{A90C2333-D177-E3BA-ECFF-C96ED3576242}"/>
               </a:ext>
             </a:extLst>
           </p:cNvPr>
@@ -5573,13 +5595,98 @@
               </a:lnSpc>
             </a:pPr>
             <a:r>
-              <a:rPr lang="en-US" sz="3700" cap="all" spc="300">
+              <a:rPr lang="en-US" sz="3700" cap="all" spc="300" dirty="0" err="1">
                 <a:solidFill>
                   <a:srgbClr val="FFFFFF"/>
                 </a:solidFill>
               </a:rPr>
-              <a:t>Сколько было потрачено денег в разных странах</a:t>
-            </a:r>
+              <a:t>Сколько</a:t>
+            </a:r>
+            <a:r>
+              <a:rPr lang="en-US" sz="3700" cap="all" spc="300" dirty="0">
+                <a:solidFill>
+                  <a:srgbClr val="FFFFFF"/>
+                </a:solidFill>
+              </a:rPr>
+              <a:t> </a:t>
+            </a:r>
+            <a:r>
+              <a:rPr lang="en-US" sz="3700" cap="all" spc="300" dirty="0" err="1">
+                <a:solidFill>
+                  <a:srgbClr val="FFFFFF"/>
+                </a:solidFill>
+              </a:rPr>
+              <a:t>было</a:t>
+            </a:r>
+            <a:r>
+              <a:rPr lang="en-US" sz="3700" cap="all" spc="300" dirty="0">
+                <a:solidFill>
+                  <a:srgbClr val="FFFFFF"/>
+                </a:solidFill>
+              </a:rPr>
+              <a:t> </a:t>
+            </a:r>
+            <a:r>
+              <a:rPr lang="en-US" sz="3700" cap="all" spc="300" dirty="0" err="1">
+                <a:solidFill>
+                  <a:srgbClr val="FFFFFF"/>
+                </a:solidFill>
+              </a:rPr>
+              <a:t>потрачено</a:t>
+            </a:r>
+            <a:r>
+              <a:rPr lang="en-US" sz="3700" cap="all" spc="300" dirty="0">
+                <a:solidFill>
+                  <a:srgbClr val="FFFFFF"/>
+                </a:solidFill>
+              </a:rPr>
+              <a:t> </a:t>
+            </a:r>
+            <a:r>
+              <a:rPr lang="en-US" sz="3700" cap="all" spc="300" dirty="0" err="1">
+                <a:solidFill>
+                  <a:srgbClr val="FFFFFF"/>
+                </a:solidFill>
+              </a:rPr>
+              <a:t>денег</a:t>
+            </a:r>
+            <a:r>
+              <a:rPr lang="en-US" sz="3700" cap="all" spc="300" dirty="0">
+                <a:solidFill>
+                  <a:srgbClr val="FFFFFF"/>
+                </a:solidFill>
+              </a:rPr>
+              <a:t> в </a:t>
+            </a:r>
+            <a:r>
+              <a:rPr lang="en-US" sz="3700" cap="all" spc="300" dirty="0" err="1">
+                <a:solidFill>
+                  <a:srgbClr val="FFFFFF"/>
+                </a:solidFill>
+              </a:rPr>
+              <a:t>разных</a:t>
+            </a:r>
+            <a:r>
+              <a:rPr lang="en-US" sz="3700" cap="all" spc="300" dirty="0">
+                <a:solidFill>
+                  <a:srgbClr val="FFFFFF"/>
+                </a:solidFill>
+              </a:rPr>
+              <a:t> </a:t>
+            </a:r>
+            <a:r>
+              <a:rPr lang="en-US" sz="3700" cap="all" spc="300" dirty="0" err="1">
+                <a:solidFill>
+                  <a:srgbClr val="FFFFFF"/>
+                </a:solidFill>
+              </a:rPr>
+              <a:t>странах</a:t>
+            </a:r>
+            <a:endParaRPr lang="en-US" sz="3700" cap="all" spc="300" dirty="0">
+              <a:solidFill>
+                <a:srgbClr val="FFFFFF"/>
+              </a:solidFill>
+            </a:endParaRPr>
           </a:p>
           <a:p>
             <a:pPr>
@@ -5587,7 +5694,7 @@
                 <a:spcPct val="90000"/>
               </a:lnSpc>
             </a:pPr>
-            <a:endParaRPr lang="en-US" sz="3700" cap="all" spc="300">
+            <a:endParaRPr lang="en-US" sz="3700" cap="all" spc="300" dirty="0">
               <a:solidFill>
                 <a:srgbClr val="FFFFFF"/>
               </a:solidFill>
@@ -5598,7 +5705,7 @@
     </p:spTree>
     <p:extLst>
       <p:ext uri="{BB962C8B-B14F-4D97-AF65-F5344CB8AC3E}">
-        <p14:creationId xmlns:p14="http://schemas.microsoft.com/office/powerpoint/2010/main" val="2836811612"/>
+        <p14:creationId xmlns:p14="http://schemas.microsoft.com/office/powerpoint/2010/main" xmlns="" val="2836811612"/>
       </p:ext>
     </p:extLst>
   </p:cSld>
@@ -5638,10 +5745,10 @@
           <p:cNvPr id="27" name="Rectangle 26">
             <a:extLst>
               <a:ext uri="{FF2B5EF4-FFF2-40B4-BE49-F238E27FC236}">
-                <a16:creationId xmlns:a16="http://schemas.microsoft.com/office/drawing/2014/main" id="{AB20E7A4-EC2C-47C8-BE55-65771E3F2EDA}"/>
+                <a16:creationId xmlns:a16="http://schemas.microsoft.com/office/drawing/2014/main" xmlns="" id="{AB20E7A4-EC2C-47C8-BE55-65771E3F2EDA}"/>
               </a:ext>
               <a:ext uri="{C183D7F6-B498-43B3-948B-1728B52AA6E4}">
-                <adec:decorative xmlns:adec="http://schemas.microsoft.com/office/drawing/2017/decorative" val="1"/>
+                <adec:decorative xmlns:adec="http://schemas.microsoft.com/office/drawing/2017/decorative" xmlns="" val="1"/>
               </a:ext>
             </a:extLst>
           </p:cNvPr>
@@ -5651,7 +5758,7 @@
           <p:nvPr>
             <p:extLst>
               <p:ext uri="{386F3935-93C4-4BCD-93E2-E3B085C9AB24}">
-                <p16:designElem xmlns:p16="http://schemas.microsoft.com/office/powerpoint/2015/main" val="1"/>
+                <p16:designElem xmlns:p16="http://schemas.microsoft.com/office/powerpoint/2015/main" xmlns="" val="1"/>
               </p:ext>
             </p:extLst>
           </p:nvPr>
@@ -5672,7 +5779,7 @@
           <a:effectLst/>
           <a:extLst>
             <a:ext uri="{91240B29-F687-4F45-9708-019B960494DF}">
-              <a14:hiddenLine xmlns:a14="http://schemas.microsoft.com/office/drawing/2010/main" w="12700" cap="flat" cmpd="sng" algn="ctr">
+              <a14:hiddenLine xmlns:a14="http://schemas.microsoft.com/office/drawing/2010/main" xmlns="" w="12700" cap="flat" cmpd="sng" algn="ctr">
                 <a:solidFill>
                   <a:schemeClr val="accent1">
                     <a:shade val="50000"/>
@@ -5714,10 +5821,10 @@
           <p:cNvPr id="29" name="Freeform: Shape 28">
             <a:extLst>
               <a:ext uri="{FF2B5EF4-FFF2-40B4-BE49-F238E27FC236}">
-                <a16:creationId xmlns:a16="http://schemas.microsoft.com/office/drawing/2014/main" id="{1CF23DDA-0D09-4FE5-AE88-EBBE5E02467C}"/>
+                <a16:creationId xmlns:a16="http://schemas.microsoft.com/office/drawing/2014/main" xmlns="" id="{1CF23DDA-0D09-4FE5-AE88-EBBE5E02467C}"/>
               </a:ext>
               <a:ext uri="{C183D7F6-B498-43B3-948B-1728B52AA6E4}">
-                <adec:decorative xmlns:adec="http://schemas.microsoft.com/office/drawing/2017/decorative" val="1"/>
+                <adec:decorative xmlns:adec="http://schemas.microsoft.com/office/drawing/2017/decorative" xmlns="" val="1"/>
               </a:ext>
             </a:extLst>
           </p:cNvPr>
@@ -5727,7 +5834,7 @@
           <p:nvPr>
             <p:extLst>
               <p:ext uri="{386F3935-93C4-4BCD-93E2-E3B085C9AB24}">
-                <p16:designElem xmlns:p16="http://schemas.microsoft.com/office/powerpoint/2015/main" val="1"/>
+                <p16:designElem xmlns:p16="http://schemas.microsoft.com/office/powerpoint/2015/main" xmlns="" val="1"/>
               </p:ext>
             </p:extLst>
           </p:nvPr>
@@ -5933,7 +6040,7 @@
           <p:cNvPr id="2" name="Заголовок 1">
             <a:extLst>
               <a:ext uri="{FF2B5EF4-FFF2-40B4-BE49-F238E27FC236}">
-                <a16:creationId xmlns:a16="http://schemas.microsoft.com/office/drawing/2014/main" id="{B69A015B-1131-36D7-B0D8-72B0B8DD99AB}"/>
+                <a16:creationId xmlns:a16="http://schemas.microsoft.com/office/drawing/2014/main" xmlns="" id="{B69A015B-1131-36D7-B0D8-72B0B8DD99AB}"/>
               </a:ext>
             </a:extLst>
           </p:cNvPr>
@@ -5952,7 +6059,7 @@
         </p:spPr>
         <p:txBody>
           <a:bodyPr vert="horz" lIns="91440" tIns="45720" rIns="91440" bIns="45720" rtlCol="0" anchor="t">
-            <a:normAutofit/>
+            <a:normAutofit fontScale="90000"/>
           </a:bodyPr>
           <a:lstStyle/>
           <a:p>
@@ -5962,9 +6069,42 @@
               </a:lnSpc>
             </a:pPr>
             <a:r>
-              <a:rPr lang="en-US" cap="all" spc="300"/>
-              <a:t>Количество запусков за разные года</a:t>
-            </a:r>
+              <a:rPr lang="en-US" cap="all" spc="300" dirty="0" err="1"/>
+              <a:t>Количество</a:t>
+            </a:r>
+            <a:r>
+              <a:rPr lang="en-US" cap="all" spc="300" dirty="0"/>
+              <a:t> </a:t>
+            </a:r>
+            <a:r>
+              <a:rPr lang="en-US" cap="all" spc="300" dirty="0" err="1"/>
+              <a:t>запусков</a:t>
+            </a:r>
+            <a:r>
+              <a:rPr lang="en-US" cap="all" spc="300" dirty="0"/>
+              <a:t> </a:t>
+            </a:r>
+            <a:r>
+              <a:rPr lang="en-US" cap="all" spc="300" dirty="0" err="1"/>
+              <a:t>за</a:t>
+            </a:r>
+            <a:r>
+              <a:rPr lang="en-US" cap="all" spc="300" dirty="0"/>
+              <a:t> </a:t>
+            </a:r>
+            <a:r>
+              <a:rPr lang="en-US" cap="all" spc="300" dirty="0" err="1"/>
+              <a:t>разные</a:t>
+            </a:r>
+            <a:r>
+              <a:rPr lang="en-US" cap="all" spc="300" dirty="0"/>
+              <a:t> </a:t>
+            </a:r>
+            <a:r>
+              <a:rPr lang="en-US" cap="all" spc="300" dirty="0" err="1"/>
+              <a:t>года</a:t>
+            </a:r>
+            <a:endParaRPr lang="en-US" cap="all" spc="300" dirty="0"/>
           </a:p>
         </p:txBody>
       </p:sp>
@@ -5973,7 +6113,7 @@
           <p:cNvPr id="4" name="Объект 3" descr="Изображение выглядит как текст, линия, снимок экрана, Шрифт&#10;&#10;Автоматически созданное описание">
             <a:extLst>
               <a:ext uri="{FF2B5EF4-FFF2-40B4-BE49-F238E27FC236}">
-                <a16:creationId xmlns:a16="http://schemas.microsoft.com/office/drawing/2014/main" id="{112280D0-7221-6923-95B4-A4A4778C8E11}"/>
+                <a16:creationId xmlns:a16="http://schemas.microsoft.com/office/drawing/2014/main" xmlns="" id="{112280D0-7221-6923-95B4-A4A4778C8E11}"/>
               </a:ext>
             </a:extLst>
           </p:cNvPr>
@@ -6003,7 +6143,7 @@
           <p:cNvPr id="24" name="Content Placeholder 23">
             <a:extLst>
               <a:ext uri="{FF2B5EF4-FFF2-40B4-BE49-F238E27FC236}">
-                <a16:creationId xmlns:a16="http://schemas.microsoft.com/office/drawing/2014/main" id="{8ABF6012-9BC2-DA6F-AB37-7AA269A057BA}"/>
+                <a16:creationId xmlns:a16="http://schemas.microsoft.com/office/drawing/2014/main" xmlns="" id="{8ABF6012-9BC2-DA6F-AB37-7AA269A057BA}"/>
               </a:ext>
             </a:extLst>
           </p:cNvPr>
@@ -6036,10 +6176,10 @@
           <p:cNvPr id="31" name="Straight Connector 30">
             <a:extLst>
               <a:ext uri="{FF2B5EF4-FFF2-40B4-BE49-F238E27FC236}">
-                <a16:creationId xmlns:a16="http://schemas.microsoft.com/office/drawing/2014/main" id="{1766FD2F-248A-4AA1-8078-E26D6E690BB9}"/>
+                <a16:creationId xmlns:a16="http://schemas.microsoft.com/office/drawing/2014/main" xmlns="" id="{1766FD2F-248A-4AA1-8078-E26D6E690BB9}"/>
               </a:ext>
               <a:ext uri="{C183D7F6-B498-43B3-948B-1728B52AA6E4}">
-                <adec:decorative xmlns:adec="http://schemas.microsoft.com/office/drawing/2017/decorative" val="1"/>
+                <adec:decorative xmlns:adec="http://schemas.microsoft.com/office/drawing/2017/decorative" xmlns="" val="1"/>
               </a:ext>
             </a:extLst>
           </p:cNvPr>
@@ -6049,7 +6189,7 @@
           <p:nvPr>
             <p:extLst>
               <p:ext uri="{386F3935-93C4-4BCD-93E2-E3B085C9AB24}">
-                <p16:designElem xmlns:p16="http://schemas.microsoft.com/office/powerpoint/2015/main" val="1"/>
+                <p16:designElem xmlns:p16="http://schemas.microsoft.com/office/powerpoint/2015/main" xmlns="" val="1"/>
               </p:ext>
             </p:extLst>
           </p:nvPr>
@@ -6086,7 +6226,7 @@
     </p:spTree>
     <p:extLst>
       <p:ext uri="{BB962C8B-B14F-4D97-AF65-F5344CB8AC3E}">
-        <p14:creationId xmlns:p14="http://schemas.microsoft.com/office/powerpoint/2010/main" val="3159500523"/>
+        <p14:creationId xmlns:p14="http://schemas.microsoft.com/office/powerpoint/2010/main" xmlns="" val="3159500523"/>
       </p:ext>
     </p:extLst>
   </p:cSld>
@@ -6126,10 +6266,10 @@
           <p:cNvPr id="9" name="Rectangle 8">
             <a:extLst>
               <a:ext uri="{FF2B5EF4-FFF2-40B4-BE49-F238E27FC236}">
-                <a16:creationId xmlns:a16="http://schemas.microsoft.com/office/drawing/2014/main" id="{327AB4C5-0719-4E35-87CD-199EB59E3EE5}"/>
+                <a16:creationId xmlns:a16="http://schemas.microsoft.com/office/drawing/2014/main" xmlns="" id="{327AB4C5-0719-4E35-87CD-199EB59E3EE5}"/>
               </a:ext>
               <a:ext uri="{C183D7F6-B498-43B3-948B-1728B52AA6E4}">
-                <adec:decorative xmlns:adec="http://schemas.microsoft.com/office/drawing/2017/decorative" val="1"/>
+                <adec:decorative xmlns:adec="http://schemas.microsoft.com/office/drawing/2017/decorative" xmlns="" val="1"/>
               </a:ext>
             </a:extLst>
           </p:cNvPr>
@@ -6139,7 +6279,7 @@
           <p:nvPr>
             <p:extLst>
               <p:ext uri="{386F3935-93C4-4BCD-93E2-E3B085C9AB24}">
-                <p16:designElem xmlns:p16="http://schemas.microsoft.com/office/powerpoint/2015/main" val="1"/>
+                <p16:designElem xmlns:p16="http://schemas.microsoft.com/office/powerpoint/2015/main" xmlns="" val="1"/>
               </p:ext>
             </p:extLst>
           </p:nvPr>
@@ -6160,7 +6300,7 @@
           <a:effectLst/>
           <a:extLst>
             <a:ext uri="{91240B29-F687-4F45-9708-019B960494DF}">
-              <a14:hiddenLine xmlns:a14="http://schemas.microsoft.com/office/drawing/2010/main" w="12700" cap="flat" cmpd="sng" algn="ctr">
+              <a14:hiddenLine xmlns:a14="http://schemas.microsoft.com/office/drawing/2010/main" xmlns="" w="12700" cap="flat" cmpd="sng" algn="ctr">
                 <a:solidFill>
                   <a:schemeClr val="accent1">
                     <a:shade val="50000"/>
@@ -6202,10 +6342,10 @@
           <p:cNvPr id="11" name="Freeform: Shape 10">
             <a:extLst>
               <a:ext uri="{FF2B5EF4-FFF2-40B4-BE49-F238E27FC236}">
-                <a16:creationId xmlns:a16="http://schemas.microsoft.com/office/drawing/2014/main" id="{1BBD5D8D-131E-46C9-8ED3-18B79942967E}"/>
+                <a16:creationId xmlns:a16="http://schemas.microsoft.com/office/drawing/2014/main" xmlns="" id="{1BBD5D8D-131E-46C9-8ED3-18B79942967E}"/>
               </a:ext>
               <a:ext uri="{C183D7F6-B498-43B3-948B-1728B52AA6E4}">
-                <adec:decorative xmlns:adec="http://schemas.microsoft.com/office/drawing/2017/decorative" val="1"/>
+                <adec:decorative xmlns:adec="http://schemas.microsoft.com/office/drawing/2017/decorative" xmlns="" val="1"/>
               </a:ext>
             </a:extLst>
           </p:cNvPr>
@@ -6215,7 +6355,7 @@
           <p:nvPr>
             <p:extLst>
               <p:ext uri="{386F3935-93C4-4BCD-93E2-E3B085C9AB24}">
-                <p16:designElem xmlns:p16="http://schemas.microsoft.com/office/powerpoint/2015/main" val="1"/>
+                <p16:designElem xmlns:p16="http://schemas.microsoft.com/office/powerpoint/2015/main" xmlns="" val="1"/>
               </p:ext>
             </p:extLst>
           </p:nvPr>
@@ -6331,7 +6471,7 @@
           <p:cNvPr id="2" name="Заголовок 1">
             <a:extLst>
               <a:ext uri="{FF2B5EF4-FFF2-40B4-BE49-F238E27FC236}">
-                <a16:creationId xmlns:a16="http://schemas.microsoft.com/office/drawing/2014/main" id="{A19FCC94-C241-5173-418E-C276C74B70C5}"/>
+                <a16:creationId xmlns:a16="http://schemas.microsoft.com/office/drawing/2014/main" xmlns="" id="{A19FCC94-C241-5173-418E-C276C74B70C5}"/>
               </a:ext>
             </a:extLst>
           </p:cNvPr>
@@ -6359,7 +6499,6 @@
               <a:rPr lang="ru-RU" dirty="0"/>
               <a:t>Приложение</a:t>
             </a:r>
-            <a:endParaRPr lang="ru-RU"/>
           </a:p>
         </p:txBody>
       </p:sp>
@@ -6368,7 +6507,7 @@
           <p:cNvPr id="3" name="Объект 2">
             <a:extLst>
               <a:ext uri="{FF2B5EF4-FFF2-40B4-BE49-F238E27FC236}">
-                <a16:creationId xmlns:a16="http://schemas.microsoft.com/office/drawing/2014/main" id="{62C58ACF-AA25-3768-AD16-19BB045AFB51}"/>
+                <a16:creationId xmlns:a16="http://schemas.microsoft.com/office/drawing/2014/main" xmlns="" id="{62C58ACF-AA25-3768-AD16-19BB045AFB51}"/>
               </a:ext>
             </a:extLst>
           </p:cNvPr>
@@ -6410,7 +6549,7 @@
           <p:cNvPr id="4" name="Рисунок 3" descr="Изображение выглядит как текст, снимок экрана, Шрифт, число&#10;&#10;Автоматически созданное описание">
             <a:extLst>
               <a:ext uri="{FF2B5EF4-FFF2-40B4-BE49-F238E27FC236}">
-                <a16:creationId xmlns:a16="http://schemas.microsoft.com/office/drawing/2014/main" id="{997ABB60-7464-FFA5-6425-0034D0470197}"/>
+                <a16:creationId xmlns:a16="http://schemas.microsoft.com/office/drawing/2014/main" xmlns="" id="{997ABB60-7464-FFA5-6425-0034D0470197}"/>
               </a:ext>
             </a:extLst>
           </p:cNvPr>
@@ -6440,10 +6579,10 @@
           <p:cNvPr id="13" name="Straight Connector 12">
             <a:extLst>
               <a:ext uri="{FF2B5EF4-FFF2-40B4-BE49-F238E27FC236}">
-                <a16:creationId xmlns:a16="http://schemas.microsoft.com/office/drawing/2014/main" id="{F478F504-9E26-4692-A3E2-5363222B8EFA}"/>
+                <a16:creationId xmlns:a16="http://schemas.microsoft.com/office/drawing/2014/main" xmlns="" id="{F478F504-9E26-4692-A3E2-5363222B8EFA}"/>
               </a:ext>
               <a:ext uri="{C183D7F6-B498-43B3-948B-1728B52AA6E4}">
-                <adec:decorative xmlns:adec="http://schemas.microsoft.com/office/drawing/2017/decorative" val="1"/>
+                <adec:decorative xmlns:adec="http://schemas.microsoft.com/office/drawing/2017/decorative" xmlns="" val="1"/>
               </a:ext>
             </a:extLst>
           </p:cNvPr>
@@ -6453,7 +6592,7 @@
           <p:nvPr>
             <p:extLst>
               <p:ext uri="{386F3935-93C4-4BCD-93E2-E3B085C9AB24}">
-                <p16:designElem xmlns:p16="http://schemas.microsoft.com/office/powerpoint/2015/main" val="1"/>
+                <p16:designElem xmlns:p16="http://schemas.microsoft.com/office/powerpoint/2015/main" xmlns="" val="1"/>
               </p:ext>
             </p:extLst>
           </p:nvPr>
@@ -6490,7 +6629,7 @@
     </p:spTree>
     <p:extLst>
       <p:ext uri="{BB962C8B-B14F-4D97-AF65-F5344CB8AC3E}">
-        <p14:creationId xmlns:p14="http://schemas.microsoft.com/office/powerpoint/2010/main" val="3915656403"/>
+        <p14:creationId xmlns:p14="http://schemas.microsoft.com/office/powerpoint/2010/main" xmlns="" val="3915656403"/>
       </p:ext>
     </p:extLst>
   </p:cSld>
@@ -6530,10 +6669,10 @@
           <p:cNvPr id="11" name="Rectangle 10">
             <a:extLst>
               <a:ext uri="{FF2B5EF4-FFF2-40B4-BE49-F238E27FC236}">
-                <a16:creationId xmlns:a16="http://schemas.microsoft.com/office/drawing/2014/main" id="{327AB4C5-0719-4E35-87CD-199EB59E3EE5}"/>
+                <a16:creationId xmlns:a16="http://schemas.microsoft.com/office/drawing/2014/main" xmlns="" id="{327AB4C5-0719-4E35-87CD-199EB59E3EE5}"/>
               </a:ext>
               <a:ext uri="{C183D7F6-B498-43B3-948B-1728B52AA6E4}">
-                <adec:decorative xmlns:adec="http://schemas.microsoft.com/office/drawing/2017/decorative" val="1"/>
+                <adec:decorative xmlns:adec="http://schemas.microsoft.com/office/drawing/2017/decorative" xmlns="" val="1"/>
               </a:ext>
             </a:extLst>
           </p:cNvPr>
@@ -6543,7 +6682,7 @@
           <p:nvPr>
             <p:extLst>
               <p:ext uri="{386F3935-93C4-4BCD-93E2-E3B085C9AB24}">
-                <p16:designElem xmlns:p16="http://schemas.microsoft.com/office/powerpoint/2015/main" val="1"/>
+                <p16:designElem xmlns:p16="http://schemas.microsoft.com/office/powerpoint/2015/main" xmlns="" val="1"/>
               </p:ext>
             </p:extLst>
           </p:nvPr>
@@ -6564,7 +6703,7 @@
           <a:effectLst/>
           <a:extLst>
             <a:ext uri="{91240B29-F687-4F45-9708-019B960494DF}">
-              <a14:hiddenLine xmlns:a14="http://schemas.microsoft.com/office/drawing/2010/main" w="12700" cap="flat" cmpd="sng" algn="ctr">
+              <a14:hiddenLine xmlns:a14="http://schemas.microsoft.com/office/drawing/2010/main" xmlns="" w="12700" cap="flat" cmpd="sng" algn="ctr">
                 <a:solidFill>
                   <a:schemeClr val="accent1">
                     <a:shade val="50000"/>
@@ -6606,10 +6745,10 @@
           <p:cNvPr id="13" name="Freeform: Shape 12">
             <a:extLst>
               <a:ext uri="{FF2B5EF4-FFF2-40B4-BE49-F238E27FC236}">
-                <a16:creationId xmlns:a16="http://schemas.microsoft.com/office/drawing/2014/main" id="{1BBD5D8D-131E-46C9-8ED3-18B79942967E}"/>
+                <a16:creationId xmlns:a16="http://schemas.microsoft.com/office/drawing/2014/main" xmlns="" id="{1BBD5D8D-131E-46C9-8ED3-18B79942967E}"/>
               </a:ext>
               <a:ext uri="{C183D7F6-B498-43B3-948B-1728B52AA6E4}">
-                <adec:decorative xmlns:adec="http://schemas.microsoft.com/office/drawing/2017/decorative" val="1"/>
+                <adec:decorative xmlns:adec="http://schemas.microsoft.com/office/drawing/2017/decorative" xmlns="" val="1"/>
               </a:ext>
             </a:extLst>
           </p:cNvPr>
@@ -6619,7 +6758,7 @@
           <p:nvPr>
             <p:extLst>
               <p:ext uri="{386F3935-93C4-4BCD-93E2-E3B085C9AB24}">
-                <p16:designElem xmlns:p16="http://schemas.microsoft.com/office/powerpoint/2015/main" val="1"/>
+                <p16:designElem xmlns:p16="http://schemas.microsoft.com/office/powerpoint/2015/main" xmlns="" val="1"/>
               </p:ext>
             </p:extLst>
           </p:nvPr>
@@ -6735,7 +6874,7 @@
           <p:cNvPr id="2" name="Заголовок 1">
             <a:extLst>
               <a:ext uri="{FF2B5EF4-FFF2-40B4-BE49-F238E27FC236}">
-                <a16:creationId xmlns:a16="http://schemas.microsoft.com/office/drawing/2014/main" id="{1103AF73-2E40-64CD-F57A-8470B6789C73}"/>
+                <a16:creationId xmlns:a16="http://schemas.microsoft.com/office/drawing/2014/main" xmlns="" id="{1103AF73-2E40-64CD-F57A-8470B6789C73}"/>
               </a:ext>
             </a:extLst>
           </p:cNvPr>
@@ -6770,7 +6909,7 @@
           </a:p>
           <a:p>
             <a:pPr algn="r"/>
-            <a:endParaRPr lang="ru-RU"/>
+            <a:endParaRPr lang="ru-RU" dirty="0"/>
           </a:p>
         </p:txBody>
       </p:sp>
@@ -6779,7 +6918,7 @@
           <p:cNvPr id="8" name="Content Placeholder 7">
             <a:extLst>
               <a:ext uri="{FF2B5EF4-FFF2-40B4-BE49-F238E27FC236}">
-                <a16:creationId xmlns:a16="http://schemas.microsoft.com/office/drawing/2014/main" id="{B75CAD24-5FDD-E2B9-BD7E-2F2A2E8E0887}"/>
+                <a16:creationId xmlns:a16="http://schemas.microsoft.com/office/drawing/2014/main" xmlns="" id="{B75CAD24-5FDD-E2B9-BD7E-2F2A2E8E0887}"/>
               </a:ext>
             </a:extLst>
           </p:cNvPr>
@@ -6814,7 +6953,7 @@
           <p:cNvPr id="4" name="Объект 3" descr="Изображение выглядит как текст, снимок экрана, Мобильный телефон, Мобильное устройство&#10;&#10;Автоматически созданное описание">
             <a:extLst>
               <a:ext uri="{FF2B5EF4-FFF2-40B4-BE49-F238E27FC236}">
-                <a16:creationId xmlns:a16="http://schemas.microsoft.com/office/drawing/2014/main" id="{9CA1270B-A136-D941-D7C7-15FE407D252F}"/>
+                <a16:creationId xmlns:a16="http://schemas.microsoft.com/office/drawing/2014/main" xmlns="" id="{9CA1270B-A136-D941-D7C7-15FE407D252F}"/>
               </a:ext>
             </a:extLst>
           </p:cNvPr>
@@ -6844,10 +6983,10 @@
           <p:cNvPr id="15" name="Straight Connector 14">
             <a:extLst>
               <a:ext uri="{FF2B5EF4-FFF2-40B4-BE49-F238E27FC236}">
-                <a16:creationId xmlns:a16="http://schemas.microsoft.com/office/drawing/2014/main" id="{F478F504-9E26-4692-A3E2-5363222B8EFA}"/>
+                <a16:creationId xmlns:a16="http://schemas.microsoft.com/office/drawing/2014/main" xmlns="" id="{F478F504-9E26-4692-A3E2-5363222B8EFA}"/>
               </a:ext>
               <a:ext uri="{C183D7F6-B498-43B3-948B-1728B52AA6E4}">
-                <adec:decorative xmlns:adec="http://schemas.microsoft.com/office/drawing/2017/decorative" val="1"/>
+                <adec:decorative xmlns:adec="http://schemas.microsoft.com/office/drawing/2017/decorative" xmlns="" val="1"/>
               </a:ext>
             </a:extLst>
           </p:cNvPr>
@@ -6857,7 +6996,7 @@
           <p:nvPr>
             <p:extLst>
               <p:ext uri="{386F3935-93C4-4BCD-93E2-E3B085C9AB24}">
-                <p16:designElem xmlns:p16="http://schemas.microsoft.com/office/powerpoint/2015/main" val="1"/>
+                <p16:designElem xmlns:p16="http://schemas.microsoft.com/office/powerpoint/2015/main" xmlns="" val="1"/>
               </p:ext>
             </p:extLst>
           </p:nvPr>
@@ -6894,7 +7033,7 @@
     </p:spTree>
     <p:extLst>
       <p:ext uri="{BB962C8B-B14F-4D97-AF65-F5344CB8AC3E}">
-        <p14:creationId xmlns:p14="http://schemas.microsoft.com/office/powerpoint/2010/main" val="719108700"/>
+        <p14:creationId xmlns:p14="http://schemas.microsoft.com/office/powerpoint/2010/main" xmlns="" val="719108700"/>
       </p:ext>
     </p:extLst>
   </p:cSld>
@@ -6934,10 +7073,10 @@
           <p:cNvPr id="9" name="Rectangle 8">
             <a:extLst>
               <a:ext uri="{FF2B5EF4-FFF2-40B4-BE49-F238E27FC236}">
-                <a16:creationId xmlns:a16="http://schemas.microsoft.com/office/drawing/2014/main" id="{685B57F6-59DE-4274-A37C-F47FE4E42EEF}"/>
+                <a16:creationId xmlns:a16="http://schemas.microsoft.com/office/drawing/2014/main" xmlns="" id="{685B57F6-59DE-4274-A37C-F47FE4E42EEF}"/>
               </a:ext>
               <a:ext uri="{C183D7F6-B498-43B3-948B-1728B52AA6E4}">
-                <adec:decorative xmlns:adec="http://schemas.microsoft.com/office/drawing/2017/decorative" val="1"/>
+                <adec:decorative xmlns:adec="http://schemas.microsoft.com/office/drawing/2017/decorative" xmlns="" val="1"/>
               </a:ext>
             </a:extLst>
           </p:cNvPr>
@@ -6947,7 +7086,7 @@
           <p:nvPr>
             <p:extLst>
               <p:ext uri="{386F3935-93C4-4BCD-93E2-E3B085C9AB24}">
-                <p16:designElem xmlns:p16="http://schemas.microsoft.com/office/powerpoint/2015/main" val="1"/>
+                <p16:designElem xmlns:p16="http://schemas.microsoft.com/office/powerpoint/2015/main" xmlns="" val="1"/>
               </p:ext>
             </p:extLst>
           </p:nvPr>
@@ -6968,7 +7107,7 @@
           <a:effectLst/>
           <a:extLst>
             <a:ext uri="{91240B29-F687-4F45-9708-019B960494DF}">
-              <a14:hiddenLine xmlns:a14="http://schemas.microsoft.com/office/drawing/2010/main" w="12700" cap="flat" cmpd="sng" algn="ctr">
+              <a14:hiddenLine xmlns:a14="http://schemas.microsoft.com/office/drawing/2010/main" xmlns="" w="12700" cap="flat" cmpd="sng" algn="ctr">
                 <a:solidFill>
                   <a:schemeClr val="accent1">
                     <a:shade val="50000"/>
@@ -7010,7 +7149,7 @@
           <p:cNvPr id="5" name="Picture 4">
             <a:extLst>
               <a:ext uri="{FF2B5EF4-FFF2-40B4-BE49-F238E27FC236}">
-                <a16:creationId xmlns:a16="http://schemas.microsoft.com/office/drawing/2014/main" id="{DE3113CD-CAC4-64C4-4B17-7EE5F15EC596}"/>
+                <a16:creationId xmlns:a16="http://schemas.microsoft.com/office/drawing/2014/main" xmlns="" id="{DE3113CD-CAC4-64C4-4B17-7EE5F15EC596}"/>
               </a:ext>
             </a:extLst>
           </p:cNvPr>
@@ -7072,7 +7211,7 @@
           <p:cNvPr id="2" name="Заголовок 1">
             <a:extLst>
               <a:ext uri="{FF2B5EF4-FFF2-40B4-BE49-F238E27FC236}">
-                <a16:creationId xmlns:a16="http://schemas.microsoft.com/office/drawing/2014/main" id="{40C88610-E2D0-E3AE-9481-F8FF07424404}"/>
+                <a16:creationId xmlns:a16="http://schemas.microsoft.com/office/drawing/2014/main" xmlns="" id="{40C88610-E2D0-E3AE-9481-F8FF07424404}"/>
               </a:ext>
             </a:extLst>
           </p:cNvPr>
@@ -7101,13 +7240,13 @@
               </a:lnSpc>
             </a:pPr>
             <a:r>
-              <a:rPr lang="ru-RU">
+              <a:rPr lang="ru-RU" dirty="0">
                 <a:latin typeface="Times New Roman"/>
                 <a:cs typeface="Times New Roman"/>
               </a:rPr>
               <a:t>Практическая и теоретическая значимость</a:t>
             </a:r>
-            <a:endParaRPr lang="ru-RU"/>
+            <a:endParaRPr lang="ru-RU" dirty="0"/>
           </a:p>
           <a:p>
             <a:pPr>
@@ -7115,7 +7254,7 @@
                 <a:spcPct val="90000"/>
               </a:lnSpc>
             </a:pPr>
-            <a:endParaRPr lang="ru-RU"/>
+            <a:endParaRPr lang="ru-RU" dirty="0"/>
           </a:p>
         </p:txBody>
       </p:sp>
@@ -7124,10 +7263,10 @@
           <p:cNvPr id="11" name="Freeform: Shape 10">
             <a:extLst>
               <a:ext uri="{FF2B5EF4-FFF2-40B4-BE49-F238E27FC236}">
-                <a16:creationId xmlns:a16="http://schemas.microsoft.com/office/drawing/2014/main" id="{046353B2-C54A-470C-8F7B-7471894E23BD}"/>
+                <a16:creationId xmlns:a16="http://schemas.microsoft.com/office/drawing/2014/main" xmlns="" id="{046353B2-C54A-470C-8F7B-7471894E23BD}"/>
               </a:ext>
               <a:ext uri="{C183D7F6-B498-43B3-948B-1728B52AA6E4}">
-                <adec:decorative xmlns:adec="http://schemas.microsoft.com/office/drawing/2017/decorative" val="1"/>
+                <adec:decorative xmlns:adec="http://schemas.microsoft.com/office/drawing/2017/decorative" xmlns="" val="1"/>
               </a:ext>
             </a:extLst>
           </p:cNvPr>
@@ -7137,7 +7276,7 @@
           <p:nvPr>
             <p:extLst>
               <p:ext uri="{386F3935-93C4-4BCD-93E2-E3B085C9AB24}">
-                <p16:designElem xmlns:p16="http://schemas.microsoft.com/office/powerpoint/2015/main" val="1"/>
+                <p16:designElem xmlns:p16="http://schemas.microsoft.com/office/powerpoint/2015/main" xmlns="" val="1"/>
               </p:ext>
             </p:extLst>
           </p:nvPr>
@@ -7251,7 +7390,7 @@
           <p:cNvPr id="3" name="Объект 2">
             <a:extLst>
               <a:ext uri="{FF2B5EF4-FFF2-40B4-BE49-F238E27FC236}">
-                <a16:creationId xmlns:a16="http://schemas.microsoft.com/office/drawing/2014/main" id="{42754129-6A92-6D51-C615-64ED46A6ABA1}"/>
+                <a16:creationId xmlns:a16="http://schemas.microsoft.com/office/drawing/2014/main" xmlns="" id="{42754129-6A92-6D51-C615-64ED46A6ABA1}"/>
               </a:ext>
             </a:extLst>
           </p:cNvPr>
@@ -7286,7 +7425,7 @@
           </a:p>
           <a:p>
             <a:pPr algn="r"/>
-            <a:endParaRPr lang="ru-RU"/>
+            <a:endParaRPr lang="ru-RU" dirty="0"/>
           </a:p>
           <a:p>
             <a:pPr algn="r"/>
@@ -7308,14 +7447,14 @@
           </a:p>
           <a:p>
             <a:pPr algn="r"/>
-            <a:endParaRPr lang="ru-RU"/>
+            <a:endParaRPr lang="ru-RU" dirty="0"/>
           </a:p>
         </p:txBody>
       </p:sp>
     </p:spTree>
     <p:extLst>
       <p:ext uri="{BB962C8B-B14F-4D97-AF65-F5344CB8AC3E}">
-        <p14:creationId xmlns:p14="http://schemas.microsoft.com/office/powerpoint/2010/main" val="433424489"/>
+        <p14:creationId xmlns:p14="http://schemas.microsoft.com/office/powerpoint/2010/main" xmlns="" val="433424489"/>
       </p:ext>
     </p:extLst>
   </p:cSld>
@@ -7355,10 +7494,10 @@
           <p:cNvPr id="8" name="Rectangle 7">
             <a:extLst>
               <a:ext uri="{FF2B5EF4-FFF2-40B4-BE49-F238E27FC236}">
-                <a16:creationId xmlns:a16="http://schemas.microsoft.com/office/drawing/2014/main" id="{AB20E7A4-EC2C-47C8-BE55-65771E3F2EDA}"/>
+                <a16:creationId xmlns:a16="http://schemas.microsoft.com/office/drawing/2014/main" xmlns="" id="{AB20E7A4-EC2C-47C8-BE55-65771E3F2EDA}"/>
               </a:ext>
               <a:ext uri="{C183D7F6-B498-43B3-948B-1728B52AA6E4}">
-                <adec:decorative xmlns:adec="http://schemas.microsoft.com/office/drawing/2017/decorative" val="1"/>
+                <adec:decorative xmlns:adec="http://schemas.microsoft.com/office/drawing/2017/decorative" xmlns="" val="1"/>
               </a:ext>
             </a:extLst>
           </p:cNvPr>
@@ -7368,7 +7507,7 @@
           <p:nvPr>
             <p:extLst>
               <p:ext uri="{386F3935-93C4-4BCD-93E2-E3B085C9AB24}">
-                <p16:designElem xmlns:p16="http://schemas.microsoft.com/office/powerpoint/2015/main" val="1"/>
+                <p16:designElem xmlns:p16="http://schemas.microsoft.com/office/powerpoint/2015/main" xmlns="" val="1"/>
               </p:ext>
             </p:extLst>
           </p:nvPr>
@@ -7389,7 +7528,7 @@
           <a:effectLst/>
           <a:extLst>
             <a:ext uri="{91240B29-F687-4F45-9708-019B960494DF}">
-              <a14:hiddenLine xmlns:a14="http://schemas.microsoft.com/office/drawing/2010/main" w="12700" cap="flat" cmpd="sng" algn="ctr">
+              <a14:hiddenLine xmlns:a14="http://schemas.microsoft.com/office/drawing/2010/main" xmlns="" w="12700" cap="flat" cmpd="sng" algn="ctr">
                 <a:solidFill>
                   <a:schemeClr val="accent1">
                     <a:shade val="50000"/>
@@ -7431,10 +7570,10 @@
           <p:cNvPr id="10" name="Freeform: Shape 9">
             <a:extLst>
               <a:ext uri="{FF2B5EF4-FFF2-40B4-BE49-F238E27FC236}">
-                <a16:creationId xmlns:a16="http://schemas.microsoft.com/office/drawing/2014/main" id="{1CF23DDA-0D09-4FE5-AE88-EBBE5E02467C}"/>
+                <a16:creationId xmlns:a16="http://schemas.microsoft.com/office/drawing/2014/main" xmlns="" id="{1CF23DDA-0D09-4FE5-AE88-EBBE5E02467C}"/>
               </a:ext>
               <a:ext uri="{C183D7F6-B498-43B3-948B-1728B52AA6E4}">
-                <adec:decorative xmlns:adec="http://schemas.microsoft.com/office/drawing/2017/decorative" val="1"/>
+                <adec:decorative xmlns:adec="http://schemas.microsoft.com/office/drawing/2017/decorative" xmlns="" val="1"/>
               </a:ext>
             </a:extLst>
           </p:cNvPr>
@@ -7444,7 +7583,7 @@
           <p:nvPr>
             <p:extLst>
               <p:ext uri="{386F3935-93C4-4BCD-93E2-E3B085C9AB24}">
-                <p16:designElem xmlns:p16="http://schemas.microsoft.com/office/powerpoint/2015/main" val="1"/>
+                <p16:designElem xmlns:p16="http://schemas.microsoft.com/office/powerpoint/2015/main" xmlns="" val="1"/>
               </p:ext>
             </p:extLst>
           </p:nvPr>
@@ -7650,7 +7789,7 @@
           <p:cNvPr id="2" name="Заголовок 1">
             <a:extLst>
               <a:ext uri="{FF2B5EF4-FFF2-40B4-BE49-F238E27FC236}">
-                <a16:creationId xmlns:a16="http://schemas.microsoft.com/office/drawing/2014/main" id="{E7FB4F35-B888-63ED-C577-E4ABEEEECF9F}"/>
+                <a16:creationId xmlns:a16="http://schemas.microsoft.com/office/drawing/2014/main" xmlns="" id="{E7FB4F35-B888-63ED-C577-E4ABEEEECF9F}"/>
               </a:ext>
             </a:extLst>
           </p:cNvPr>
@@ -7692,7 +7831,7 @@
           <p:cNvPr id="3" name="Объект 2">
             <a:extLst>
               <a:ext uri="{FF2B5EF4-FFF2-40B4-BE49-F238E27FC236}">
-                <a16:creationId xmlns:a16="http://schemas.microsoft.com/office/drawing/2014/main" id="{9931759D-82E3-A2E2-EA54-DC3B16CF0584}"/>
+                <a16:creationId xmlns:a16="http://schemas.microsoft.com/office/drawing/2014/main" xmlns="" id="{9931759D-82E3-A2E2-EA54-DC3B16CF0584}"/>
               </a:ext>
             </a:extLst>
           </p:cNvPr>
@@ -7719,7 +7858,7 @@
               <a:buAutoNum type="arabicPeriod"/>
             </a:pPr>
             <a:r>
-              <a:rPr lang="ru-RU">
+              <a:rPr lang="ru-RU" dirty="0">
                 <a:latin typeface="Times New Roman"/>
                 <a:cs typeface="Times New Roman"/>
               </a:rPr>
@@ -7737,10 +7876,6 @@
               </a:rPr>
               <a:t>Оптимизация разработки новых миссий  </a:t>
             </a:r>
-            <a:endParaRPr lang="ru-RU">
-              <a:latin typeface="Times New Roman"/>
-              <a:cs typeface="Times New Roman"/>
-            </a:endParaRPr>
           </a:p>
           <a:p>
             <a:pPr marL="457200" indent="-457200" algn="r">
@@ -7753,10 +7888,6 @@
               </a:rPr>
               <a:t>Сравнительный анализ стран и компаний  </a:t>
             </a:r>
-            <a:endParaRPr lang="ru-RU">
-              <a:latin typeface="Times New Roman"/>
-              <a:cs typeface="Times New Roman"/>
-            </a:endParaRPr>
           </a:p>
         </p:txBody>
       </p:sp>
@@ -7765,10 +7896,10 @@
           <p:cNvPr id="12" name="Straight Connector 11">
             <a:extLst>
               <a:ext uri="{FF2B5EF4-FFF2-40B4-BE49-F238E27FC236}">
-                <a16:creationId xmlns:a16="http://schemas.microsoft.com/office/drawing/2014/main" id="{1766FD2F-248A-4AA1-8078-E26D6E690BB9}"/>
+                <a16:creationId xmlns:a16="http://schemas.microsoft.com/office/drawing/2014/main" xmlns="" id="{1766FD2F-248A-4AA1-8078-E26D6E690BB9}"/>
               </a:ext>
               <a:ext uri="{C183D7F6-B498-43B3-948B-1728B52AA6E4}">
-                <adec:decorative xmlns:adec="http://schemas.microsoft.com/office/drawing/2017/decorative" val="1"/>
+                <adec:decorative xmlns:adec="http://schemas.microsoft.com/office/drawing/2017/decorative" xmlns="" val="1"/>
               </a:ext>
             </a:extLst>
           </p:cNvPr>
@@ -7778,7 +7909,7 @@
           <p:nvPr>
             <p:extLst>
               <p:ext uri="{386F3935-93C4-4BCD-93E2-E3B085C9AB24}">
-                <p16:designElem xmlns:p16="http://schemas.microsoft.com/office/powerpoint/2015/main" val="1"/>
+                <p16:designElem xmlns:p16="http://schemas.microsoft.com/office/powerpoint/2015/main" xmlns="" val="1"/>
               </p:ext>
             </p:extLst>
           </p:nvPr>
@@ -7815,7 +7946,7 @@
     </p:spTree>
     <p:extLst>
       <p:ext uri="{BB962C8B-B14F-4D97-AF65-F5344CB8AC3E}">
-        <p14:creationId xmlns:p14="http://schemas.microsoft.com/office/powerpoint/2010/main" val="1144008749"/>
+        <p14:creationId xmlns:p14="http://schemas.microsoft.com/office/powerpoint/2010/main" xmlns="" val="1144008749"/>
       </p:ext>
     </p:extLst>
   </p:cSld>
@@ -7855,10 +7986,10 @@
           <p:cNvPr id="9" name="Rectangle 8">
             <a:extLst>
               <a:ext uri="{FF2B5EF4-FFF2-40B4-BE49-F238E27FC236}">
-                <a16:creationId xmlns:a16="http://schemas.microsoft.com/office/drawing/2014/main" id="{685B57F6-59DE-4274-A37C-F47FE4E42EEF}"/>
+                <a16:creationId xmlns:a16="http://schemas.microsoft.com/office/drawing/2014/main" xmlns="" id="{685B57F6-59DE-4274-A37C-F47FE4E42EEF}"/>
               </a:ext>
               <a:ext uri="{C183D7F6-B498-43B3-948B-1728B52AA6E4}">
-                <adec:decorative xmlns:adec="http://schemas.microsoft.com/office/drawing/2017/decorative" val="1"/>
+                <adec:decorative xmlns:adec="http://schemas.microsoft.com/office/drawing/2017/decorative" xmlns="" val="1"/>
               </a:ext>
             </a:extLst>
           </p:cNvPr>
@@ -7868,7 +7999,7 @@
           <p:nvPr>
             <p:extLst>
               <p:ext uri="{386F3935-93C4-4BCD-93E2-E3B085C9AB24}">
-                <p16:designElem xmlns:p16="http://schemas.microsoft.com/office/powerpoint/2015/main" val="1"/>
+                <p16:designElem xmlns:p16="http://schemas.microsoft.com/office/powerpoint/2015/main" xmlns="" val="1"/>
               </p:ext>
             </p:extLst>
           </p:nvPr>
@@ -7889,7 +8020,7 @@
           <a:effectLst/>
           <a:extLst>
             <a:ext uri="{91240B29-F687-4F45-9708-019B960494DF}">
-              <a14:hiddenLine xmlns:a14="http://schemas.microsoft.com/office/drawing/2010/main" w="12700" cap="flat" cmpd="sng" algn="ctr">
+              <a14:hiddenLine xmlns:a14="http://schemas.microsoft.com/office/drawing/2010/main" xmlns="" w="12700" cap="flat" cmpd="sng" algn="ctr">
                 <a:solidFill>
                   <a:schemeClr val="accent1">
                     <a:shade val="50000"/>
@@ -7931,10 +8062,10 @@
           <p:cNvPr id="11" name="Freeform: Shape 10">
             <a:extLst>
               <a:ext uri="{FF2B5EF4-FFF2-40B4-BE49-F238E27FC236}">
-                <a16:creationId xmlns:a16="http://schemas.microsoft.com/office/drawing/2014/main" id="{C8C63406-9171-4282-BAAB-2DDC6831F0E6}"/>
+                <a16:creationId xmlns:a16="http://schemas.microsoft.com/office/drawing/2014/main" xmlns="" id="{C8C63406-9171-4282-BAAB-2DDC6831F0E6}"/>
               </a:ext>
               <a:ext uri="{C183D7F6-B498-43B3-948B-1728B52AA6E4}">
-                <adec:decorative xmlns:adec="http://schemas.microsoft.com/office/drawing/2017/decorative" val="1"/>
+                <adec:decorative xmlns:adec="http://schemas.microsoft.com/office/drawing/2017/decorative" xmlns="" val="1"/>
               </a:ext>
             </a:extLst>
           </p:cNvPr>
@@ -7944,7 +8075,7 @@
           <p:nvPr>
             <p:extLst>
               <p:ext uri="{386F3935-93C4-4BCD-93E2-E3B085C9AB24}">
-                <p16:designElem xmlns:p16="http://schemas.microsoft.com/office/powerpoint/2015/main" val="1"/>
+                <p16:designElem xmlns:p16="http://schemas.microsoft.com/office/powerpoint/2015/main" xmlns="" val="1"/>
               </p:ext>
             </p:extLst>
           </p:nvPr>
@@ -8040,7 +8171,7 @@
           <p:cNvPr id="2" name="Заголовок 1">
             <a:extLst>
               <a:ext uri="{FF2B5EF4-FFF2-40B4-BE49-F238E27FC236}">
-                <a16:creationId xmlns:a16="http://schemas.microsoft.com/office/drawing/2014/main" id="{19DC4719-8CC2-67C1-4E7D-A95EBF62DF6A}"/>
+                <a16:creationId xmlns:a16="http://schemas.microsoft.com/office/drawing/2014/main" xmlns="" id="{19DC4719-8CC2-67C1-4E7D-A95EBF62DF6A}"/>
               </a:ext>
             </a:extLst>
           </p:cNvPr>
@@ -8082,7 +8213,7 @@
           <p:cNvPr id="3" name="Объект 2">
             <a:extLst>
               <a:ext uri="{FF2B5EF4-FFF2-40B4-BE49-F238E27FC236}">
-                <a16:creationId xmlns:a16="http://schemas.microsoft.com/office/drawing/2014/main" id="{86377D7C-6256-0863-4100-CA2BDC8E10DC}"/>
+                <a16:creationId xmlns:a16="http://schemas.microsoft.com/office/drawing/2014/main" xmlns="" id="{86377D7C-6256-0863-4100-CA2BDC8E10DC}"/>
               </a:ext>
             </a:extLst>
           </p:cNvPr>
@@ -8115,23 +8246,19 @@
           </a:p>
           <a:p>
             <a:r>
-              <a:rPr lang="ru-RU">
+              <a:rPr lang="ru-RU" dirty="0">
                 <a:latin typeface="Times New Roman"/>
                 <a:cs typeface="Times New Roman"/>
               </a:rPr>
               <a:t>Интеграция с другими источниками</a:t>
             </a:r>
+          </a:p>
+          <a:p>
             <a:endParaRPr lang="ru-RU" dirty="0">
               <a:latin typeface="Times New Roman"/>
               <a:cs typeface="Times New Roman"/>
             </a:endParaRPr>
           </a:p>
-          <a:p>
-            <a:endParaRPr lang="ru-RU" dirty="0">
-              <a:latin typeface="Times New Roman"/>
-              <a:cs typeface="Times New Roman"/>
-            </a:endParaRPr>
-          </a:p>
         </p:txBody>
       </p:sp>
       <p:pic>
@@ -8139,7 +8266,7 @@
           <p:cNvPr id="5" name="Picture 4" descr="Освещение, созданное компьютером">
             <a:extLst>
               <a:ext uri="{FF2B5EF4-FFF2-40B4-BE49-F238E27FC236}">
-                <a16:creationId xmlns:a16="http://schemas.microsoft.com/office/drawing/2014/main" id="{8E1F4AA0-DF52-7C6F-9386-A2054DF3E1F6}"/>
+                <a16:creationId xmlns:a16="http://schemas.microsoft.com/office/drawing/2014/main" xmlns="" id="{8E1F4AA0-DF52-7C6F-9386-A2054DF3E1F6}"/>
               </a:ext>
             </a:extLst>
           </p:cNvPr>
@@ -8207,7 +8334,7 @@
     </p:spTree>
     <p:extLst>
       <p:ext uri="{BB962C8B-B14F-4D97-AF65-F5344CB8AC3E}">
-        <p14:creationId xmlns:p14="http://schemas.microsoft.com/office/powerpoint/2010/main" val="500991434"/>
+        <p14:creationId xmlns:p14="http://schemas.microsoft.com/office/powerpoint/2010/main" xmlns="" val="500991434"/>
       </p:ext>
     </p:extLst>
   </p:cSld>
@@ -8247,10 +8374,10 @@
           <p:cNvPr id="14" name="Freeform: Shape 8">
             <a:extLst>
               <a:ext uri="{FF2B5EF4-FFF2-40B4-BE49-F238E27FC236}">
-                <a16:creationId xmlns:a16="http://schemas.microsoft.com/office/drawing/2014/main" id="{5CD60141-EEBD-4EC1-8E34-0344C16A18A2}"/>
+                <a16:creationId xmlns:a16="http://schemas.microsoft.com/office/drawing/2014/main" xmlns="" id="{5CD60141-EEBD-4EC1-8E34-0344C16A18A2}"/>
               </a:ext>
               <a:ext uri="{C183D7F6-B498-43B3-948B-1728B52AA6E4}">
-                <adec:decorative xmlns:adec="http://schemas.microsoft.com/office/drawing/2017/decorative" val="1"/>
+                <adec:decorative xmlns:adec="http://schemas.microsoft.com/office/drawing/2017/decorative" xmlns="" val="1"/>
               </a:ext>
             </a:extLst>
           </p:cNvPr>
@@ -8260,7 +8387,7 @@
           <p:nvPr>
             <p:extLst>
               <p:ext uri="{386F3935-93C4-4BCD-93E2-E3B085C9AB24}">
-                <p16:designElem xmlns:p16="http://schemas.microsoft.com/office/powerpoint/2015/main" val="1"/>
+                <p16:designElem xmlns:p16="http://schemas.microsoft.com/office/powerpoint/2015/main" xmlns="" val="1"/>
               </p:ext>
             </p:extLst>
           </p:nvPr>
@@ -8347,10 +8474,10 @@
           <p:cNvPr id="16" name="Straight Connector 10">
             <a:extLst>
               <a:ext uri="{FF2B5EF4-FFF2-40B4-BE49-F238E27FC236}">
-                <a16:creationId xmlns:a16="http://schemas.microsoft.com/office/drawing/2014/main" id="{4C75A547-BCD1-42BE-966E-53CA0AB93165}"/>
+                <a16:creationId xmlns:a16="http://schemas.microsoft.com/office/drawing/2014/main" xmlns="" id="{4C75A547-BCD1-42BE-966E-53CA0AB93165}"/>
               </a:ext>
               <a:ext uri="{C183D7F6-B498-43B3-948B-1728B52AA6E4}">
-                <adec:decorative xmlns:adec="http://schemas.microsoft.com/office/drawing/2017/decorative" val="1"/>
+                <adec:decorative xmlns:adec="http://schemas.microsoft.com/office/drawing/2017/decorative" xmlns="" val="1"/>
               </a:ext>
             </a:extLst>
           </p:cNvPr>
@@ -8360,7 +8487,7 @@
           <p:nvPr>
             <p:extLst>
               <p:ext uri="{386F3935-93C4-4BCD-93E2-E3B085C9AB24}">
-                <p16:designElem xmlns:p16="http://schemas.microsoft.com/office/powerpoint/2015/main" val="1"/>
+                <p16:designElem xmlns:p16="http://schemas.microsoft.com/office/powerpoint/2015/main" xmlns="" val="1"/>
               </p:ext>
             </p:extLst>
           </p:nvPr>
@@ -8399,10 +8526,10 @@
           <p:cNvPr id="13" name="Rectangle 12">
             <a:extLst>
               <a:ext uri="{FF2B5EF4-FFF2-40B4-BE49-F238E27FC236}">
-                <a16:creationId xmlns:a16="http://schemas.microsoft.com/office/drawing/2014/main" id="{6D1F4DC3-EDAB-401A-BD21-33D25AB5FD4B}"/>
+                <a16:creationId xmlns:a16="http://schemas.microsoft.com/office/drawing/2014/main" xmlns="" id="{6D1F4DC3-EDAB-401A-BD21-33D25AB5FD4B}"/>
               </a:ext>
               <a:ext uri="{C183D7F6-B498-43B3-948B-1728B52AA6E4}">
-                <adec:decorative xmlns:adec="http://schemas.microsoft.com/office/drawing/2017/decorative" val="1"/>
+                <adec:decorative xmlns:adec="http://schemas.microsoft.com/office/drawing/2017/decorative" xmlns="" val="1"/>
               </a:ext>
             </a:extLst>
           </p:cNvPr>
@@ -8412,7 +8539,7 @@
           <p:nvPr>
             <p:extLst>
               <p:ext uri="{386F3935-93C4-4BCD-93E2-E3B085C9AB24}">
-                <p16:designElem xmlns:p16="http://schemas.microsoft.com/office/powerpoint/2015/main" val="1"/>
+                <p16:designElem xmlns:p16="http://schemas.microsoft.com/office/powerpoint/2015/main" xmlns="" val="1"/>
               </p:ext>
             </p:extLst>
           </p:nvPr>
@@ -8433,7 +8560,7 @@
           <a:effectLst/>
           <a:extLst>
             <a:ext uri="{91240B29-F687-4F45-9708-019B960494DF}">
-              <a14:hiddenLine xmlns:a14="http://schemas.microsoft.com/office/drawing/2010/main" w="12700" cap="flat" cmpd="sng" algn="ctr">
+              <a14:hiddenLine xmlns:a14="http://schemas.microsoft.com/office/drawing/2010/main" xmlns="" w="12700" cap="flat" cmpd="sng" algn="ctr">
                 <a:solidFill>
                   <a:schemeClr val="accent1">
                     <a:shade val="50000"/>
@@ -8475,7 +8602,7 @@
           <p:cNvPr id="17" name="Picture 4">
             <a:extLst>
               <a:ext uri="{FF2B5EF4-FFF2-40B4-BE49-F238E27FC236}">
-                <a16:creationId xmlns:a16="http://schemas.microsoft.com/office/drawing/2014/main" id="{BACB8CAD-2D75-CB50-5FD9-9DBAFE81B20F}"/>
+                <a16:creationId xmlns:a16="http://schemas.microsoft.com/office/drawing/2014/main" xmlns="" id="{BACB8CAD-2D75-CB50-5FD9-9DBAFE81B20F}"/>
               </a:ext>
             </a:extLst>
           </p:cNvPr>
@@ -8504,10 +8631,10 @@
           <p:cNvPr id="15" name="Freeform: Shape 14">
             <a:extLst>
               <a:ext uri="{FF2B5EF4-FFF2-40B4-BE49-F238E27FC236}">
-                <a16:creationId xmlns:a16="http://schemas.microsoft.com/office/drawing/2014/main" id="{7059D4DD-D247-47C8-B574-B36CB222C1B3}"/>
+                <a16:creationId xmlns:a16="http://schemas.microsoft.com/office/drawing/2014/main" xmlns="" id="{7059D4DD-D247-47C8-B574-B36CB222C1B3}"/>
               </a:ext>
               <a:ext uri="{C183D7F6-B498-43B3-948B-1728B52AA6E4}">
-                <adec:decorative xmlns:adec="http://schemas.microsoft.com/office/drawing/2017/decorative" val="1"/>
+                <adec:decorative xmlns:adec="http://schemas.microsoft.com/office/drawing/2017/decorative" xmlns="" val="1"/>
               </a:ext>
             </a:extLst>
           </p:cNvPr>
@@ -8517,7 +8644,7 @@
           <p:nvPr>
             <p:extLst>
               <p:ext uri="{386F3935-93C4-4BCD-93E2-E3B085C9AB24}">
-                <p16:designElem xmlns:p16="http://schemas.microsoft.com/office/powerpoint/2015/main" val="1"/>
+                <p16:designElem xmlns:p16="http://schemas.microsoft.com/office/powerpoint/2015/main" xmlns="" val="1"/>
               </p:ext>
             </p:extLst>
           </p:nvPr>
@@ -8710,7 +8837,7 @@
           <p:cNvPr id="2" name="Заголовок 1">
             <a:extLst>
               <a:ext uri="{FF2B5EF4-FFF2-40B4-BE49-F238E27FC236}">
-                <a16:creationId xmlns:a16="http://schemas.microsoft.com/office/drawing/2014/main" id="{05CAA1DA-2834-0B66-58A7-D2412EC2111F}"/>
+                <a16:creationId xmlns:a16="http://schemas.microsoft.com/office/drawing/2014/main" xmlns="" id="{05CAA1DA-2834-0B66-58A7-D2412EC2111F}"/>
               </a:ext>
             </a:extLst>
           </p:cNvPr>
@@ -8739,15 +8866,52 @@
                   <a:srgbClr val="FFFFFF"/>
                 </a:solidFill>
               </a:rPr>
-              <a:t>Спасибо за внимание</a:t>
-            </a:r>
+              <a:t>Спасибо</a:t>
+            </a:r>
+            <a:r>
+              <a:rPr lang="en-US" sz="4800" cap="all" spc="300" dirty="0">
+                <a:solidFill>
+                  <a:srgbClr val="FFFFFF"/>
+                </a:solidFill>
+              </a:rPr>
+              <a:t> </a:t>
+            </a:r>
+            <a:r>
+              <a:rPr lang="en-US" sz="4800" cap="all" spc="300" dirty="0" err="1">
+                <a:solidFill>
+                  <a:srgbClr val="FFFFFF"/>
+                </a:solidFill>
+              </a:rPr>
+              <a:t>за</a:t>
+            </a:r>
+            <a:r>
+              <a:rPr lang="en-US" sz="4800" cap="all" spc="300" dirty="0">
+                <a:solidFill>
+                  <a:srgbClr val="FFFFFF"/>
+                </a:solidFill>
+              </a:rPr>
+              <a:t> </a:t>
+            </a:r>
+            <a:r>
+              <a:rPr lang="en-US" sz="4800" cap="all" spc="300" dirty="0" err="1">
+                <a:solidFill>
+                  <a:srgbClr val="FFFFFF"/>
+                </a:solidFill>
+              </a:rPr>
+              <a:t>внимание</a:t>
+            </a:r>
+            <a:endParaRPr lang="en-US" sz="4800" cap="all" spc="300" dirty="0">
+              <a:solidFill>
+                <a:srgbClr val="FFFFFF"/>
+              </a:solidFill>
+            </a:endParaRPr>
           </a:p>
         </p:txBody>
       </p:sp>
     </p:spTree>
     <p:extLst>
       <p:ext uri="{BB962C8B-B14F-4D97-AF65-F5344CB8AC3E}">
-        <p14:creationId xmlns:p14="http://schemas.microsoft.com/office/powerpoint/2010/main" val="1029856676"/>
+        <p14:creationId xmlns:p14="http://schemas.microsoft.com/office/powerpoint/2010/main" xmlns="" val="1029856676"/>
       </p:ext>
     </p:extLst>
   </p:cSld>
@@ -8787,10 +8951,10 @@
           <p:cNvPr id="49" name="Rectangle 38">
             <a:extLst>
               <a:ext uri="{FF2B5EF4-FFF2-40B4-BE49-F238E27FC236}">
-                <a16:creationId xmlns:a16="http://schemas.microsoft.com/office/drawing/2014/main" id="{685B57F6-59DE-4274-A37C-F47FE4E42EEF}"/>
+                <a16:creationId xmlns:a16="http://schemas.microsoft.com/office/drawing/2014/main" xmlns="" id="{685B57F6-59DE-4274-A37C-F47FE4E42EEF}"/>
               </a:ext>
               <a:ext uri="{C183D7F6-B498-43B3-948B-1728B52AA6E4}">
-                <adec:decorative xmlns:adec="http://schemas.microsoft.com/office/drawing/2017/decorative" val="1"/>
+                <adec:decorative xmlns:adec="http://schemas.microsoft.com/office/drawing/2017/decorative" xmlns="" val="1"/>
               </a:ext>
             </a:extLst>
           </p:cNvPr>
@@ -8800,7 +8964,7 @@
           <p:nvPr>
             <p:extLst>
               <p:ext uri="{386F3935-93C4-4BCD-93E2-E3B085C9AB24}">
-                <p16:designElem xmlns:p16="http://schemas.microsoft.com/office/powerpoint/2015/main" val="1"/>
+                <p16:designElem xmlns:p16="http://schemas.microsoft.com/office/powerpoint/2015/main" xmlns="" val="1"/>
               </p:ext>
             </p:extLst>
           </p:nvPr>
@@ -8821,7 +8985,7 @@
           <a:effectLst/>
           <a:extLst>
             <a:ext uri="{91240B29-F687-4F45-9708-019B960494DF}">
-              <a14:hiddenLine xmlns:a14="http://schemas.microsoft.com/office/drawing/2010/main" w="12700" cap="flat" cmpd="sng" algn="ctr">
+              <a14:hiddenLine xmlns:a14="http://schemas.microsoft.com/office/drawing/2010/main" xmlns="" w="12700" cap="flat" cmpd="sng" algn="ctr">
                 <a:solidFill>
                   <a:schemeClr val="accent1">
                     <a:shade val="50000"/>
@@ -8863,7 +9027,7 @@
           <p:cNvPr id="50" name="Picture 34" descr="Закрепление и поток формирование семиугольник">
             <a:extLst>
               <a:ext uri="{FF2B5EF4-FFF2-40B4-BE49-F238E27FC236}">
-                <a16:creationId xmlns:a16="http://schemas.microsoft.com/office/drawing/2014/main" id="{260360E4-CA94-FCFA-58B1-95B2726ABA9C}"/>
+                <a16:creationId xmlns:a16="http://schemas.microsoft.com/office/drawing/2014/main" xmlns="" id="{260360E4-CA94-FCFA-58B1-95B2726ABA9C}"/>
               </a:ext>
             </a:extLst>
           </p:cNvPr>
@@ -8925,7 +9089,7 @@
           <p:cNvPr id="2" name="Заголовок 1">
             <a:extLst>
               <a:ext uri="{FF2B5EF4-FFF2-40B4-BE49-F238E27FC236}">
-                <a16:creationId xmlns:a16="http://schemas.microsoft.com/office/drawing/2014/main" id="{5BDA0186-5B7D-70A3-5B0B-39765A5096B9}"/>
+                <a16:creationId xmlns:a16="http://schemas.microsoft.com/office/drawing/2014/main" xmlns="" id="{5BDA0186-5B7D-70A3-5B0B-39765A5096B9}"/>
               </a:ext>
             </a:extLst>
           </p:cNvPr>
@@ -8964,10 +9128,10 @@
           <p:cNvPr id="51" name="Freeform: Shape 40">
             <a:extLst>
               <a:ext uri="{FF2B5EF4-FFF2-40B4-BE49-F238E27FC236}">
-                <a16:creationId xmlns:a16="http://schemas.microsoft.com/office/drawing/2014/main" id="{046353B2-C54A-470C-8F7B-7471894E23BD}"/>
+                <a16:creationId xmlns:a16="http://schemas.microsoft.com/office/drawing/2014/main" xmlns="" id="{046353B2-C54A-470C-8F7B-7471894E23BD}"/>
               </a:ext>
               <a:ext uri="{C183D7F6-B498-43B3-948B-1728B52AA6E4}">
-                <adec:decorative xmlns:adec="http://schemas.microsoft.com/office/drawing/2017/decorative" val="1"/>
+                <adec:decorative xmlns:adec="http://schemas.microsoft.com/office/drawing/2017/decorative" xmlns="" val="1"/>
               </a:ext>
             </a:extLst>
           </p:cNvPr>
@@ -8977,7 +9141,7 @@
           <p:nvPr>
             <p:extLst>
               <p:ext uri="{386F3935-93C4-4BCD-93E2-E3B085C9AB24}">
-                <p16:designElem xmlns:p16="http://schemas.microsoft.com/office/powerpoint/2015/main" val="1"/>
+                <p16:designElem xmlns:p16="http://schemas.microsoft.com/office/powerpoint/2015/main" xmlns="" val="1"/>
               </p:ext>
             </p:extLst>
           </p:nvPr>
@@ -9091,7 +9255,7 @@
           <p:cNvPr id="52" name="Объект 2">
             <a:extLst>
               <a:ext uri="{FF2B5EF4-FFF2-40B4-BE49-F238E27FC236}">
-                <a16:creationId xmlns:a16="http://schemas.microsoft.com/office/drawing/2014/main" id="{FAA8119D-B6A3-F134-8C71-6D69EB274DAA}"/>
+                <a16:creationId xmlns:a16="http://schemas.microsoft.com/office/drawing/2014/main" xmlns="" id="{FAA8119D-B6A3-F134-8C71-6D69EB274DAA}"/>
               </a:ext>
             </a:extLst>
           </p:cNvPr>
@@ -9104,13 +9268,13 @@
         </p:nvSpPr>
         <p:spPr>
           <a:xfrm>
-            <a:off x="7964128" y="3429000"/>
+            <a:off x="9107129" y="4114801"/>
             <a:ext cx="3084871" cy="2743199"/>
           </a:xfrm>
         </p:spPr>
         <p:txBody>
           <a:bodyPr vert="horz" lIns="91440" tIns="45720" rIns="91440" bIns="45720" rtlCol="0" anchor="b">
-            <a:normAutofit/>
+            <a:noAutofit/>
           </a:bodyPr>
           <a:lstStyle/>
           <a:p>
@@ -9120,20 +9284,20 @@
               </a:lnSpc>
             </a:pPr>
             <a:r>
-              <a:rPr lang="ru-RU" sz="1400" dirty="0">
+              <a:rPr lang="ru-RU" dirty="0">
                 <a:latin typeface="Times New Roman"/>
                 <a:cs typeface="Times New Roman"/>
               </a:rPr>
               <a:t>Введение</a:t>
             </a:r>
             <a:r>
-              <a:rPr lang="ru-RU" sz="1400" dirty="0">
+              <a:rPr lang="ru-RU" dirty="0">
                 <a:ea typeface="+mn-lt"/>
                 <a:cs typeface="+mn-lt"/>
               </a:rPr>
               <a:t>. 3</a:t>
             </a:r>
-            <a:endParaRPr lang="ru-RU" sz="1400" dirty="0"/>
+            <a:endParaRPr lang="ru-RU" dirty="0"/>
           </a:p>
           <a:p>
             <a:pPr algn="r">
@@ -9142,20 +9306,20 @@
               </a:lnSpc>
             </a:pPr>
             <a:r>
-              <a:rPr lang="ru-RU" sz="1400" dirty="0">
+              <a:rPr lang="ru-RU" dirty="0">
                 <a:latin typeface="Times New Roman"/>
                 <a:cs typeface="Times New Roman"/>
               </a:rPr>
               <a:t>Цель, постановка задачи</a:t>
             </a:r>
             <a:r>
-              <a:rPr lang="ru-RU" sz="1400" dirty="0">
+              <a:rPr lang="ru-RU" dirty="0">
                 <a:ea typeface="+mn-lt"/>
                 <a:cs typeface="+mn-lt"/>
               </a:rPr>
               <a:t>. 5</a:t>
             </a:r>
-            <a:endParaRPr lang="ru-RU" sz="1400" dirty="0"/>
+            <a:endParaRPr lang="ru-RU" dirty="0"/>
           </a:p>
           <a:p>
             <a:pPr algn="r">
@@ -9164,20 +9328,20 @@
               </a:lnSpc>
             </a:pPr>
             <a:r>
-              <a:rPr lang="ru-RU" sz="1400" dirty="0">
+              <a:rPr lang="ru-RU" dirty="0">
                 <a:latin typeface="Times New Roman"/>
                 <a:cs typeface="Times New Roman"/>
               </a:rPr>
               <a:t>Методика выполнения</a:t>
             </a:r>
             <a:r>
-              <a:rPr lang="ru-RU" sz="1400" dirty="0">
+              <a:rPr lang="ru-RU" dirty="0">
                 <a:ea typeface="+mn-lt"/>
                 <a:cs typeface="+mn-lt"/>
               </a:rPr>
               <a:t>. 6</a:t>
             </a:r>
-            <a:endParaRPr lang="ru-RU" sz="1400" dirty="0"/>
+            <a:endParaRPr lang="ru-RU" dirty="0"/>
           </a:p>
           <a:p>
             <a:pPr algn="r">
@@ -9186,20 +9350,20 @@
               </a:lnSpc>
             </a:pPr>
             <a:r>
-              <a:rPr lang="ru-RU" sz="1400" dirty="0">
+              <a:rPr lang="ru-RU" dirty="0">
                 <a:latin typeface="Times New Roman"/>
                 <a:cs typeface="Times New Roman"/>
               </a:rPr>
               <a:t>Практическая и теоретическая значимость</a:t>
             </a:r>
             <a:r>
-              <a:rPr lang="ru-RU" sz="1400" dirty="0">
+              <a:rPr lang="ru-RU" dirty="0">
                 <a:ea typeface="+mn-lt"/>
                 <a:cs typeface="+mn-lt"/>
               </a:rPr>
               <a:t>. 15</a:t>
             </a:r>
-            <a:endParaRPr lang="ru-RU" sz="1400" dirty="0"/>
+            <a:endParaRPr lang="ru-RU" dirty="0"/>
           </a:p>
           <a:p>
             <a:pPr algn="r">
@@ -9208,20 +9372,20 @@
               </a:lnSpc>
             </a:pPr>
             <a:r>
-              <a:rPr lang="ru-RU" sz="1400" dirty="0">
+              <a:rPr lang="ru-RU" dirty="0">
                 <a:latin typeface="Times New Roman"/>
                 <a:cs typeface="Times New Roman"/>
               </a:rPr>
               <a:t>Результаты и выводы</a:t>
             </a:r>
             <a:r>
-              <a:rPr lang="ru-RU" sz="1400" dirty="0">
+              <a:rPr lang="ru-RU" dirty="0">
                 <a:ea typeface="+mn-lt"/>
                 <a:cs typeface="+mn-lt"/>
               </a:rPr>
               <a:t>. 16</a:t>
             </a:r>
-            <a:endParaRPr lang="ru-RU" sz="1400" dirty="0"/>
+            <a:endParaRPr lang="ru-RU" dirty="0"/>
           </a:p>
           <a:p>
             <a:pPr algn="r">
@@ -9230,20 +9394,20 @@
               </a:lnSpc>
             </a:pPr>
             <a:r>
-              <a:rPr lang="ru-RU" sz="1400" dirty="0">
+              <a:rPr lang="ru-RU" dirty="0">
                 <a:latin typeface="Times New Roman"/>
                 <a:cs typeface="Times New Roman"/>
               </a:rPr>
               <a:t>Перспективы развития</a:t>
             </a:r>
             <a:r>
-              <a:rPr lang="ru-RU" sz="1400" dirty="0">
+              <a:rPr lang="ru-RU" dirty="0">
                 <a:ea typeface="+mn-lt"/>
                 <a:cs typeface="+mn-lt"/>
               </a:rPr>
               <a:t>. 17</a:t>
             </a:r>
-            <a:endParaRPr lang="ru-RU" sz="1400" dirty="0"/>
+            <a:endParaRPr lang="ru-RU" dirty="0"/>
           </a:p>
           <a:p>
             <a:pPr algn="r">
@@ -9252,27 +9416,27 @@
               </a:lnSpc>
             </a:pPr>
             <a:r>
-              <a:rPr lang="ru-RU" sz="1400" dirty="0">
+              <a:rPr lang="ru-RU" dirty="0">
                 <a:latin typeface="Times New Roman"/>
                 <a:cs typeface="Times New Roman"/>
               </a:rPr>
               <a:t>Список литературы</a:t>
             </a:r>
             <a:r>
-              <a:rPr lang="ru-RU" sz="1400" dirty="0">
+              <a:rPr lang="ru-RU" dirty="0">
                 <a:latin typeface="Arial"/>
                 <a:cs typeface="Arial"/>
               </a:rPr>
               <a:t>  18</a:t>
             </a:r>
-            <a:endParaRPr lang="ru-RU" sz="1400" dirty="0"/>
+            <a:endParaRPr lang="ru-RU" dirty="0"/>
           </a:p>
         </p:txBody>
       </p:sp>
     </p:spTree>
     <p:extLst>
       <p:ext uri="{BB962C8B-B14F-4D97-AF65-F5344CB8AC3E}">
-        <p14:creationId xmlns:p14="http://schemas.microsoft.com/office/powerpoint/2010/main" val="1936508517"/>
+        <p14:creationId xmlns:p14="http://schemas.microsoft.com/office/powerpoint/2010/main" xmlns="" val="1936508517"/>
       </p:ext>
     </p:extLst>
   </p:cSld>
@@ -9312,10 +9476,10 @@
           <p:cNvPr id="18" name="Rectangle 7">
             <a:extLst>
               <a:ext uri="{FF2B5EF4-FFF2-40B4-BE49-F238E27FC236}">
-                <a16:creationId xmlns:a16="http://schemas.microsoft.com/office/drawing/2014/main" id="{AB20E7A4-EC2C-47C8-BE55-65771E3F2EDA}"/>
+                <a16:creationId xmlns:a16="http://schemas.microsoft.com/office/drawing/2014/main" xmlns="" id="{AB20E7A4-EC2C-47C8-BE55-65771E3F2EDA}"/>
               </a:ext>
               <a:ext uri="{C183D7F6-B498-43B3-948B-1728B52AA6E4}">
-                <adec:decorative xmlns:adec="http://schemas.microsoft.com/office/drawing/2017/decorative" val="1"/>
+                <adec:decorative xmlns:adec="http://schemas.microsoft.com/office/drawing/2017/decorative" xmlns="" val="1"/>
               </a:ext>
             </a:extLst>
           </p:cNvPr>
@@ -9325,7 +9489,7 @@
           <p:nvPr>
             <p:extLst>
               <p:ext uri="{386F3935-93C4-4BCD-93E2-E3B085C9AB24}">
-                <p16:designElem xmlns:p16="http://schemas.microsoft.com/office/powerpoint/2015/main" val="1"/>
+                <p16:designElem xmlns:p16="http://schemas.microsoft.com/office/powerpoint/2015/main" xmlns="" val="1"/>
               </p:ext>
             </p:extLst>
           </p:nvPr>
@@ -9346,7 +9510,7 @@
           <a:effectLst/>
           <a:extLst>
             <a:ext uri="{91240B29-F687-4F45-9708-019B960494DF}">
-              <a14:hiddenLine xmlns:a14="http://schemas.microsoft.com/office/drawing/2010/main" w="12700" cap="flat" cmpd="sng" algn="ctr">
+              <a14:hiddenLine xmlns:a14="http://schemas.microsoft.com/office/drawing/2010/main" xmlns="" w="12700" cap="flat" cmpd="sng" algn="ctr">
                 <a:solidFill>
                   <a:schemeClr val="accent1">
                     <a:shade val="50000"/>
@@ -9388,10 +9552,10 @@
           <p:cNvPr id="19" name="Freeform: Shape 9">
             <a:extLst>
               <a:ext uri="{FF2B5EF4-FFF2-40B4-BE49-F238E27FC236}">
-                <a16:creationId xmlns:a16="http://schemas.microsoft.com/office/drawing/2014/main" id="{2C1892C0-2D0F-43AD-8262-C52412CA76F7}"/>
+                <a16:creationId xmlns:a16="http://schemas.microsoft.com/office/drawing/2014/main" xmlns="" id="{2C1892C0-2D0F-43AD-8262-C52412CA76F7}"/>
               </a:ext>
               <a:ext uri="{C183D7F6-B498-43B3-948B-1728B52AA6E4}">
-                <adec:decorative xmlns:adec="http://schemas.microsoft.com/office/drawing/2017/decorative" val="1"/>
+                <adec:decorative xmlns:adec="http://schemas.microsoft.com/office/drawing/2017/decorative" xmlns="" val="1"/>
               </a:ext>
             </a:extLst>
           </p:cNvPr>
@@ -9401,7 +9565,7 @@
           <p:nvPr>
             <p:extLst>
               <p:ext uri="{386F3935-93C4-4BCD-93E2-E3B085C9AB24}">
-                <p16:designElem xmlns:p16="http://schemas.microsoft.com/office/powerpoint/2015/main" val="1"/>
+                <p16:designElem xmlns:p16="http://schemas.microsoft.com/office/powerpoint/2015/main" xmlns="" val="1"/>
               </p:ext>
             </p:extLst>
           </p:nvPr>
@@ -9515,7 +9679,7 @@
           <p:cNvPr id="2" name="Заголовок 1">
             <a:extLst>
               <a:ext uri="{FF2B5EF4-FFF2-40B4-BE49-F238E27FC236}">
-                <a16:creationId xmlns:a16="http://schemas.microsoft.com/office/drawing/2014/main" id="{7E659122-62BD-1D7A-17B0-CC46129B8DF9}"/>
+                <a16:creationId xmlns:a16="http://schemas.microsoft.com/office/drawing/2014/main" xmlns="" id="{7E659122-62BD-1D7A-17B0-CC46129B8DF9}"/>
               </a:ext>
             </a:extLst>
           </p:cNvPr>
@@ -9554,7 +9718,7 @@
           <p:cNvPr id="3" name="Объект 2">
             <a:extLst>
               <a:ext uri="{FF2B5EF4-FFF2-40B4-BE49-F238E27FC236}">
-                <a16:creationId xmlns:a16="http://schemas.microsoft.com/office/drawing/2014/main" id="{8F8E9191-4C05-5637-AA5D-1C2920132119}"/>
+                <a16:creationId xmlns:a16="http://schemas.microsoft.com/office/drawing/2014/main" xmlns="" id="{8F8E9191-4C05-5637-AA5D-1C2920132119}"/>
               </a:ext>
             </a:extLst>
           </p:cNvPr>
@@ -9567,13 +9731,13 @@
         </p:nvSpPr>
         <p:spPr>
           <a:xfrm>
-            <a:off x="6096000" y="3069770"/>
+            <a:off x="6482862" y="3175277"/>
             <a:ext cx="4953000" cy="2645231"/>
           </a:xfrm>
         </p:spPr>
         <p:txBody>
           <a:bodyPr vert="horz" lIns="91440" tIns="45720" rIns="91440" bIns="45720" rtlCol="0" anchor="b">
-            <a:normAutofit/>
+            <a:normAutofit fontScale="92500"/>
           </a:bodyPr>
           <a:lstStyle/>
           <a:p>
@@ -9584,13 +9748,13 @@
               <a:buNone/>
             </a:pPr>
             <a:r>
-              <a:rPr lang="ru-RU" sz="1900">
+              <a:rPr lang="ru-RU" dirty="0">
                 <a:latin typeface="Times New Roman"/>
                 <a:cs typeface="Times New Roman"/>
               </a:rPr>
               <a:t>Анализ космических запусков и успешности миссий стал неотъемлемой частью современного космического исследования и коммерческих инициатив. С каждым годом все больше стран и частных компаний начинают свои космические программы, что приводит к значительному увеличению числа запускаемых ракет и проводимых миссий.</a:t>
             </a:r>
-            <a:endParaRPr lang="ru-RU" sz="1900"/>
+            <a:endParaRPr lang="ru-RU" dirty="0"/>
           </a:p>
           <a:p>
             <a:pPr algn="r">
@@ -9598,7 +9762,7 @@
                 <a:spcPct val="110000"/>
               </a:lnSpc>
             </a:pPr>
-            <a:endParaRPr lang="ru-RU" sz="1900">
+            <a:endParaRPr lang="ru-RU" sz="1900" dirty="0">
               <a:latin typeface="Times New Roman"/>
               <a:cs typeface="Times New Roman"/>
             </a:endParaRPr>
@@ -9610,10 +9774,10 @@
           <p:cNvPr id="20" name="Straight Connector 11">
             <a:extLst>
               <a:ext uri="{FF2B5EF4-FFF2-40B4-BE49-F238E27FC236}">
-                <a16:creationId xmlns:a16="http://schemas.microsoft.com/office/drawing/2014/main" id="{1766FD2F-248A-4AA1-8078-E26D6E690BB9}"/>
+                <a16:creationId xmlns:a16="http://schemas.microsoft.com/office/drawing/2014/main" xmlns="" id="{1766FD2F-248A-4AA1-8078-E26D6E690BB9}"/>
               </a:ext>
               <a:ext uri="{C183D7F6-B498-43B3-948B-1728B52AA6E4}">
-                <adec:decorative xmlns:adec="http://schemas.microsoft.com/office/drawing/2017/decorative" val="1"/>
+                <adec:decorative xmlns:adec="http://schemas.microsoft.com/office/drawing/2017/decorative" xmlns="" val="1"/>
               </a:ext>
             </a:extLst>
           </p:cNvPr>
@@ -9623,7 +9787,7 @@
           <p:nvPr>
             <p:extLst>
               <p:ext uri="{386F3935-93C4-4BCD-93E2-E3B085C9AB24}">
-                <p16:designElem xmlns:p16="http://schemas.microsoft.com/office/powerpoint/2015/main" val="1"/>
+                <p16:designElem xmlns:p16="http://schemas.microsoft.com/office/powerpoint/2015/main" xmlns="" val="1"/>
               </p:ext>
             </p:extLst>
           </p:nvPr>
@@ -9660,7 +9824,7 @@
     </p:spTree>
     <p:extLst>
       <p:ext uri="{BB962C8B-B14F-4D97-AF65-F5344CB8AC3E}">
-        <p14:creationId xmlns:p14="http://schemas.microsoft.com/office/powerpoint/2010/main" val="2092085329"/>
+        <p14:creationId xmlns:p14="http://schemas.microsoft.com/office/powerpoint/2010/main" xmlns="" val="2092085329"/>
       </p:ext>
     </p:extLst>
   </p:cSld>
@@ -9700,10 +9864,10 @@
           <p:cNvPr id="9" name="Rectangle 8">
             <a:extLst>
               <a:ext uri="{FF2B5EF4-FFF2-40B4-BE49-F238E27FC236}">
-                <a16:creationId xmlns:a16="http://schemas.microsoft.com/office/drawing/2014/main" id="{685B57F6-59DE-4274-A37C-F47FE4E42EEF}"/>
+                <a16:creationId xmlns:a16="http://schemas.microsoft.com/office/drawing/2014/main" xmlns="" id="{685B57F6-59DE-4274-A37C-F47FE4E42EEF}"/>
               </a:ext>
               <a:ext uri="{C183D7F6-B498-43B3-948B-1728B52AA6E4}">
-                <adec:decorative xmlns:adec="http://schemas.microsoft.com/office/drawing/2017/decorative" val="1"/>
+                <adec:decorative xmlns:adec="http://schemas.microsoft.com/office/drawing/2017/decorative" xmlns="" val="1"/>
               </a:ext>
             </a:extLst>
           </p:cNvPr>
@@ -9713,7 +9877,7 @@
           <p:nvPr>
             <p:extLst>
               <p:ext uri="{386F3935-93C4-4BCD-93E2-E3B085C9AB24}">
-                <p16:designElem xmlns:p16="http://schemas.microsoft.com/office/powerpoint/2015/main" val="1"/>
+                <p16:designElem xmlns:p16="http://schemas.microsoft.com/office/powerpoint/2015/main" xmlns="" val="1"/>
               </p:ext>
             </p:extLst>
           </p:nvPr>
@@ -9734,7 +9898,7 @@
           <a:effectLst/>
           <a:extLst>
             <a:ext uri="{91240B29-F687-4F45-9708-019B960494DF}">
-              <a14:hiddenLine xmlns:a14="http://schemas.microsoft.com/office/drawing/2010/main" w="12700" cap="flat" cmpd="sng" algn="ctr">
+              <a14:hiddenLine xmlns:a14="http://schemas.microsoft.com/office/drawing/2010/main" xmlns="" w="12700" cap="flat" cmpd="sng" algn="ctr">
                 <a:solidFill>
                   <a:schemeClr val="accent1">
                     <a:shade val="50000"/>
@@ -9776,7 +9940,7 @@
           <p:cNvPr id="5" name="Picture 4" descr="Сложные математические формулы на доске">
             <a:extLst>
               <a:ext uri="{FF2B5EF4-FFF2-40B4-BE49-F238E27FC236}">
-                <a16:creationId xmlns:a16="http://schemas.microsoft.com/office/drawing/2014/main" id="{9B4DBFD4-71EE-50C4-09E5-8D70ED73C576}"/>
+                <a16:creationId xmlns:a16="http://schemas.microsoft.com/office/drawing/2014/main" xmlns="" id="{9B4DBFD4-71EE-50C4-09E5-8D70ED73C576}"/>
               </a:ext>
             </a:extLst>
           </p:cNvPr>
@@ -9842,10 +10006,10 @@
           <p:cNvPr id="11" name="Freeform: Shape 10">
             <a:extLst>
               <a:ext uri="{FF2B5EF4-FFF2-40B4-BE49-F238E27FC236}">
-                <a16:creationId xmlns:a16="http://schemas.microsoft.com/office/drawing/2014/main" id="{C8C63406-9171-4282-BAAB-2DDC6831F0E6}"/>
+                <a16:creationId xmlns:a16="http://schemas.microsoft.com/office/drawing/2014/main" xmlns="" id="{C8C63406-9171-4282-BAAB-2DDC6831F0E6}"/>
               </a:ext>
               <a:ext uri="{C183D7F6-B498-43B3-948B-1728B52AA6E4}">
-                <adec:decorative xmlns:adec="http://schemas.microsoft.com/office/drawing/2017/decorative" val="1"/>
+                <adec:decorative xmlns:adec="http://schemas.microsoft.com/office/drawing/2017/decorative" xmlns="" val="1"/>
               </a:ext>
             </a:extLst>
           </p:cNvPr>
@@ -9855,7 +10019,7 @@
           <p:nvPr>
             <p:extLst>
               <p:ext uri="{386F3935-93C4-4BCD-93E2-E3B085C9AB24}">
-                <p16:designElem xmlns:p16="http://schemas.microsoft.com/office/powerpoint/2015/main" val="1"/>
+                <p16:designElem xmlns:p16="http://schemas.microsoft.com/office/powerpoint/2015/main" xmlns="" val="1"/>
               </p:ext>
             </p:extLst>
           </p:nvPr>
@@ -9953,7 +10117,7 @@
           <p:cNvPr id="2" name="Заголовок 1">
             <a:extLst>
               <a:ext uri="{FF2B5EF4-FFF2-40B4-BE49-F238E27FC236}">
-                <a16:creationId xmlns:a16="http://schemas.microsoft.com/office/drawing/2014/main" id="{B17E9B52-84FD-D88B-E453-BE85B9F4C55D}"/>
+                <a16:creationId xmlns:a16="http://schemas.microsoft.com/office/drawing/2014/main" xmlns="" id="{B17E9B52-84FD-D88B-E453-BE85B9F4C55D}"/>
               </a:ext>
             </a:extLst>
           </p:cNvPr>
@@ -9992,7 +10156,7 @@
           <p:cNvPr id="3" name="Объект 2">
             <a:extLst>
               <a:ext uri="{FF2B5EF4-FFF2-40B4-BE49-F238E27FC236}">
-                <a16:creationId xmlns:a16="http://schemas.microsoft.com/office/drawing/2014/main" id="{DB9CC1BD-F09D-3648-4353-0CFBB6460792}"/>
+                <a16:creationId xmlns:a16="http://schemas.microsoft.com/office/drawing/2014/main" xmlns="" id="{DB9CC1BD-F09D-3648-4353-0CFBB6460792}"/>
               </a:ext>
             </a:extLst>
           </p:cNvPr>
@@ -10038,7 +10202,7 @@
     </p:spTree>
     <p:extLst>
       <p:ext uri="{BB962C8B-B14F-4D97-AF65-F5344CB8AC3E}">
-        <p14:creationId xmlns:p14="http://schemas.microsoft.com/office/powerpoint/2010/main" val="1651449841"/>
+        <p14:creationId xmlns:p14="http://schemas.microsoft.com/office/powerpoint/2010/main" xmlns="" val="1651449841"/>
       </p:ext>
     </p:extLst>
   </p:cSld>
@@ -10078,10 +10242,10 @@
           <p:cNvPr id="9" name="Rectangle 8">
             <a:extLst>
               <a:ext uri="{FF2B5EF4-FFF2-40B4-BE49-F238E27FC236}">
-                <a16:creationId xmlns:a16="http://schemas.microsoft.com/office/drawing/2014/main" id="{685B57F6-59DE-4274-A37C-F47FE4E42EEF}"/>
+                <a16:creationId xmlns:a16="http://schemas.microsoft.com/office/drawing/2014/main" xmlns="" id="{685B57F6-59DE-4274-A37C-F47FE4E42EEF}"/>
               </a:ext>
               <a:ext uri="{C183D7F6-B498-43B3-948B-1728B52AA6E4}">
-                <adec:decorative xmlns:adec="http://schemas.microsoft.com/office/drawing/2017/decorative" val="1"/>
+                <adec:decorative xmlns:adec="http://schemas.microsoft.com/office/drawing/2017/decorative" xmlns="" val="1"/>
               </a:ext>
             </a:extLst>
           </p:cNvPr>
@@ -10091,7 +10255,7 @@
           <p:nvPr>
             <p:extLst>
               <p:ext uri="{386F3935-93C4-4BCD-93E2-E3B085C9AB24}">
-                <p16:designElem xmlns:p16="http://schemas.microsoft.com/office/powerpoint/2015/main" val="1"/>
+                <p16:designElem xmlns:p16="http://schemas.microsoft.com/office/powerpoint/2015/main" xmlns="" val="1"/>
               </p:ext>
             </p:extLst>
           </p:nvPr>
@@ -10112,7 +10276,7 @@
           <a:effectLst/>
           <a:extLst>
             <a:ext uri="{91240B29-F687-4F45-9708-019B960494DF}">
-              <a14:hiddenLine xmlns:a14="http://schemas.microsoft.com/office/drawing/2010/main" w="12700" cap="flat" cmpd="sng" algn="ctr">
+              <a14:hiddenLine xmlns:a14="http://schemas.microsoft.com/office/drawing/2010/main" xmlns="" w="12700" cap="flat" cmpd="sng" algn="ctr">
                 <a:solidFill>
                   <a:schemeClr val="accent1">
                     <a:shade val="50000"/>
@@ -10154,10 +10318,10 @@
           <p:cNvPr id="11" name="Freeform: Shape 10">
             <a:extLst>
               <a:ext uri="{FF2B5EF4-FFF2-40B4-BE49-F238E27FC236}">
-                <a16:creationId xmlns:a16="http://schemas.microsoft.com/office/drawing/2014/main" id="{C8C63406-9171-4282-BAAB-2DDC6831F0E6}"/>
+                <a16:creationId xmlns:a16="http://schemas.microsoft.com/office/drawing/2014/main" xmlns="" id="{C8C63406-9171-4282-BAAB-2DDC6831F0E6}"/>
               </a:ext>
               <a:ext uri="{C183D7F6-B498-43B3-948B-1728B52AA6E4}">
-                <adec:decorative xmlns:adec="http://schemas.microsoft.com/office/drawing/2017/decorative" val="1"/>
+                <adec:decorative xmlns:adec="http://schemas.microsoft.com/office/drawing/2017/decorative" xmlns="" val="1"/>
               </a:ext>
             </a:extLst>
           </p:cNvPr>
@@ -10167,7 +10331,7 @@
           <p:nvPr>
             <p:extLst>
               <p:ext uri="{386F3935-93C4-4BCD-93E2-E3B085C9AB24}">
-                <p16:designElem xmlns:p16="http://schemas.microsoft.com/office/powerpoint/2015/main" val="1"/>
+                <p16:designElem xmlns:p16="http://schemas.microsoft.com/office/powerpoint/2015/main" xmlns="" val="1"/>
               </p:ext>
             </p:extLst>
           </p:nvPr>
@@ -10263,7 +10427,7 @@
           <p:cNvPr id="2" name="Заголовок 1">
             <a:extLst>
               <a:ext uri="{FF2B5EF4-FFF2-40B4-BE49-F238E27FC236}">
-                <a16:creationId xmlns:a16="http://schemas.microsoft.com/office/drawing/2014/main" id="{AA2B8D8B-17C4-5F40-5DED-E08F7FB10568}"/>
+                <a16:creationId xmlns:a16="http://schemas.microsoft.com/office/drawing/2014/main" xmlns="" id="{AA2B8D8B-17C4-5F40-5DED-E08F7FB10568}"/>
               </a:ext>
             </a:extLst>
           </p:cNvPr>
@@ -10302,7 +10466,7 @@
           <p:cNvPr id="3" name="Объект 2">
             <a:extLst>
               <a:ext uri="{FF2B5EF4-FFF2-40B4-BE49-F238E27FC236}">
-                <a16:creationId xmlns:a16="http://schemas.microsoft.com/office/drawing/2014/main" id="{945156B6-1918-4367-C85E-D16F985FC544}"/>
+                <a16:creationId xmlns:a16="http://schemas.microsoft.com/office/drawing/2014/main" xmlns="" id="{945156B6-1918-4367-C85E-D16F985FC544}"/>
               </a:ext>
             </a:extLst>
           </p:cNvPr>
@@ -10350,7 +10514,7 @@
           <p:cNvPr id="5" name="Picture 4" descr="Стенной покрашено со стрелкой и дартбоард">
             <a:extLst>
               <a:ext uri="{FF2B5EF4-FFF2-40B4-BE49-F238E27FC236}">
-                <a16:creationId xmlns:a16="http://schemas.microsoft.com/office/drawing/2014/main" id="{E108C00E-7182-451A-FF9F-6ED502CA4857}"/>
+                <a16:creationId xmlns:a16="http://schemas.microsoft.com/office/drawing/2014/main" xmlns="" id="{E108C00E-7182-451A-FF9F-6ED502CA4857}"/>
               </a:ext>
             </a:extLst>
           </p:cNvPr>
@@ -10418,7 +10582,7 @@
     </p:spTree>
     <p:extLst>
       <p:ext uri="{BB962C8B-B14F-4D97-AF65-F5344CB8AC3E}">
-        <p14:creationId xmlns:p14="http://schemas.microsoft.com/office/powerpoint/2010/main" val="601076726"/>
+        <p14:creationId xmlns:p14="http://schemas.microsoft.com/office/powerpoint/2010/main" xmlns="" val="601076726"/>
       </p:ext>
     </p:extLst>
   </p:cSld>
@@ -10458,10 +10622,10 @@
           <p:cNvPr id="8" name="Rectangle 7">
             <a:extLst>
               <a:ext uri="{FF2B5EF4-FFF2-40B4-BE49-F238E27FC236}">
-                <a16:creationId xmlns:a16="http://schemas.microsoft.com/office/drawing/2014/main" id="{54F20867-41B0-484D-9DA7-0FC742D31A4D}"/>
+                <a16:creationId xmlns:a16="http://schemas.microsoft.com/office/drawing/2014/main" xmlns="" id="{54F20867-41B0-484D-9DA7-0FC742D31A4D}"/>
               </a:ext>
               <a:ext uri="{C183D7F6-B498-43B3-948B-1728B52AA6E4}">
-                <adec:decorative xmlns:adec="http://schemas.microsoft.com/office/drawing/2017/decorative" val="1"/>
+                <adec:decorative xmlns:adec="http://schemas.microsoft.com/office/drawing/2017/decorative" xmlns="" val="1"/>
               </a:ext>
             </a:extLst>
           </p:cNvPr>
@@ -10471,7 +10635,7 @@
           <p:nvPr>
             <p:extLst>
               <p:ext uri="{386F3935-93C4-4BCD-93E2-E3B085C9AB24}">
-                <p16:designElem xmlns:p16="http://schemas.microsoft.com/office/powerpoint/2015/main" val="1"/>
+                <p16:designElem xmlns:p16="http://schemas.microsoft.com/office/powerpoint/2015/main" xmlns="" val="1"/>
               </p:ext>
             </p:extLst>
           </p:nvPr>
@@ -10492,7 +10656,7 @@
           <a:effectLst/>
           <a:extLst>
             <a:ext uri="{91240B29-F687-4F45-9708-019B960494DF}">
-              <a14:hiddenLine xmlns:a14="http://schemas.microsoft.com/office/drawing/2010/main" w="12700" cap="flat" cmpd="sng" algn="ctr">
+              <a14:hiddenLine xmlns:a14="http://schemas.microsoft.com/office/drawing/2010/main" xmlns="" w="12700" cap="flat" cmpd="sng" algn="ctr">
                 <a:solidFill>
                   <a:schemeClr val="accent1">
                     <a:shade val="50000"/>
@@ -10534,10 +10698,10 @@
           <p:cNvPr id="10" name="Freeform: Shape 9">
             <a:extLst>
               <a:ext uri="{FF2B5EF4-FFF2-40B4-BE49-F238E27FC236}">
-                <a16:creationId xmlns:a16="http://schemas.microsoft.com/office/drawing/2014/main" id="{E37FD100-AD6C-4FB9-B662-CC1C2F00060C}"/>
+                <a16:creationId xmlns:a16="http://schemas.microsoft.com/office/drawing/2014/main" xmlns="" id="{E37FD100-AD6C-4FB9-B662-CC1C2F00060C}"/>
               </a:ext>
               <a:ext uri="{C183D7F6-B498-43B3-948B-1728B52AA6E4}">
-                <adec:decorative xmlns:adec="http://schemas.microsoft.com/office/drawing/2017/decorative" val="1"/>
+                <adec:decorative xmlns:adec="http://schemas.microsoft.com/office/drawing/2017/decorative" xmlns="" val="1"/>
               </a:ext>
             </a:extLst>
           </p:cNvPr>
@@ -10547,7 +10711,7 @@
           <p:nvPr>
             <p:extLst>
               <p:ext uri="{386F3935-93C4-4BCD-93E2-E3B085C9AB24}">
-                <p16:designElem xmlns:p16="http://schemas.microsoft.com/office/powerpoint/2015/main" val="1"/>
+                <p16:designElem xmlns:p16="http://schemas.microsoft.com/office/powerpoint/2015/main" xmlns="" val="1"/>
               </p:ext>
             </p:extLst>
           </p:nvPr>
@@ -10643,7 +10807,7 @@
           <p:cNvPr id="2" name="Заголовок 1">
             <a:extLst>
               <a:ext uri="{FF2B5EF4-FFF2-40B4-BE49-F238E27FC236}">
-                <a16:creationId xmlns:a16="http://schemas.microsoft.com/office/drawing/2014/main" id="{E7F02401-098C-181F-280E-53A7C40507D5}"/>
+                <a16:creationId xmlns:a16="http://schemas.microsoft.com/office/drawing/2014/main" xmlns="" id="{E7F02401-098C-181F-280E-53A7C40507D5}"/>
               </a:ext>
             </a:extLst>
           </p:cNvPr>
@@ -10656,7 +10820,7 @@
         </p:nvSpPr>
         <p:spPr>
           <a:xfrm>
-            <a:off x="1143000" y="872937"/>
+            <a:off x="553916" y="0"/>
             <a:ext cx="8862060" cy="1360898"/>
           </a:xfrm>
         </p:spPr>
@@ -10682,7 +10846,7 @@
           <p:cNvPr id="3" name="Объект 2">
             <a:extLst>
               <a:ext uri="{FF2B5EF4-FFF2-40B4-BE49-F238E27FC236}">
-                <a16:creationId xmlns:a16="http://schemas.microsoft.com/office/drawing/2014/main" id="{ED6D6174-262A-3616-7271-EF66334B9E9E}"/>
+                <a16:creationId xmlns:a16="http://schemas.microsoft.com/office/drawing/2014/main" xmlns="" id="{ED6D6174-262A-3616-7271-EF66334B9E9E}"/>
               </a:ext>
             </a:extLst>
           </p:cNvPr>
@@ -10695,13 +10859,13 @@
         </p:nvSpPr>
         <p:spPr>
           <a:xfrm>
-            <a:off x="1142999" y="2332029"/>
-            <a:ext cx="6972301" cy="3524486"/>
+            <a:off x="413238" y="1786906"/>
+            <a:ext cx="11585332" cy="3524486"/>
           </a:xfrm>
         </p:spPr>
         <p:txBody>
           <a:bodyPr vert="horz" lIns="91440" tIns="45720" rIns="91440" bIns="45720" rtlCol="0">
-            <a:normAutofit/>
+            <a:noAutofit/>
           </a:bodyPr>
           <a:lstStyle/>
           <a:p>
@@ -10712,7 +10876,7 @@
               <a:buNone/>
             </a:pPr>
             <a:r>
-              <a:rPr lang="ru-RU" sz="1400"/>
+              <a:rPr lang="ru-RU" dirty="0"/>
               <a:t>– Собрать данные о космических запусках по странам и компаниям за определенный период времени.</a:t>
             </a:r>
           </a:p>
@@ -10724,7 +10888,7 @@
               <a:buNone/>
             </a:pPr>
             <a:r>
-              <a:rPr lang="ru-RU" sz="1400"/>
+              <a:rPr lang="ru-RU" dirty="0"/>
               <a:t>– Провести статистический анализ данных: </a:t>
             </a:r>
           </a:p>
@@ -10736,7 +10900,7 @@
               <a:buNone/>
             </a:pPr>
             <a:r>
-              <a:rPr lang="ru-RU" sz="1400"/>
+              <a:rPr lang="ru-RU" dirty="0"/>
               <a:t>     1.Определить количество успешных и неудачных запусков.</a:t>
             </a:r>
           </a:p>
@@ -10748,7 +10912,7 @@
               <a:buNone/>
             </a:pPr>
             <a:r>
-              <a:rPr lang="ru-RU" sz="1400"/>
+              <a:rPr lang="ru-RU" dirty="0"/>
               <a:t>      2. Рассчитать процент успешности для каждой страны и компании.</a:t>
             </a:r>
           </a:p>
@@ -10760,7 +10924,7 @@
               <a:buNone/>
             </a:pPr>
             <a:r>
-              <a:rPr lang="ru-RU" sz="1400"/>
+              <a:rPr lang="ru-RU" dirty="0"/>
               <a:t>      3. Сколько было потрачено денег на космические миссии в разных странах</a:t>
             </a:r>
           </a:p>
@@ -10772,7 +10936,7 @@
               <a:buNone/>
             </a:pPr>
             <a:r>
-              <a:rPr lang="ru-RU" sz="1400"/>
+              <a:rPr lang="ru-RU" dirty="0"/>
               <a:t>      4. Какой процент успешности запусков у разных стран и компаний</a:t>
             </a:r>
           </a:p>
@@ -10784,7 +10948,7 @@
               <a:buNone/>
             </a:pPr>
             <a:r>
-              <a:rPr lang="ru-RU" sz="1400"/>
+              <a:rPr lang="ru-RU" dirty="0"/>
               <a:t>      5. Количество запусков в разные года</a:t>
             </a:r>
           </a:p>
@@ -10796,7 +10960,7 @@
               <a:buNone/>
             </a:pPr>
             <a:r>
-              <a:rPr lang="ru-RU" sz="1400"/>
+              <a:rPr lang="ru-RU" dirty="0"/>
               <a:t>– Визуализировать результаты анализа с помощью графиков и диаграмм.</a:t>
             </a:r>
           </a:p>
@@ -10807,7 +10971,7 @@
               </a:lnSpc>
               <a:buNone/>
             </a:pPr>
-            <a:endParaRPr lang="ru-RU" sz="1400"/>
+            <a:endParaRPr lang="ru-RU" dirty="0"/>
           </a:p>
         </p:txBody>
       </p:sp>
@@ -10816,10 +10980,10 @@
           <p:cNvPr id="12" name="Straight Connector 11">
             <a:extLst>
               <a:ext uri="{FF2B5EF4-FFF2-40B4-BE49-F238E27FC236}">
-                <a16:creationId xmlns:a16="http://schemas.microsoft.com/office/drawing/2014/main" id="{D0249902-6C42-4139-A46F-ADF022B8C1C3}"/>
+                <a16:creationId xmlns:a16="http://schemas.microsoft.com/office/drawing/2014/main" xmlns="" id="{D0249902-6C42-4139-A46F-ADF022B8C1C3}"/>
               </a:ext>
               <a:ext uri="{C183D7F6-B498-43B3-948B-1728B52AA6E4}">
-                <adec:decorative xmlns:adec="http://schemas.microsoft.com/office/drawing/2017/decorative" val="1"/>
+                <adec:decorative xmlns:adec="http://schemas.microsoft.com/office/drawing/2017/decorative" xmlns="" val="1"/>
               </a:ext>
             </a:extLst>
           </p:cNvPr>
@@ -10829,7 +10993,7 @@
           <p:nvPr>
             <p:extLst>
               <p:ext uri="{386F3935-93C4-4BCD-93E2-E3B085C9AB24}">
-                <p16:designElem xmlns:p16="http://schemas.microsoft.com/office/powerpoint/2015/main" val="1"/>
+                <p16:designElem xmlns:p16="http://schemas.microsoft.com/office/powerpoint/2015/main" xmlns="" val="1"/>
               </p:ext>
             </p:extLst>
           </p:nvPr>
@@ -10866,7 +11030,7 @@
     </p:spTree>
     <p:extLst>
       <p:ext uri="{BB962C8B-B14F-4D97-AF65-F5344CB8AC3E}">
-        <p14:creationId xmlns:p14="http://schemas.microsoft.com/office/powerpoint/2010/main" val="4035802552"/>
+        <p14:creationId xmlns:p14="http://schemas.microsoft.com/office/powerpoint/2010/main" xmlns="" val="4035802552"/>
       </p:ext>
     </p:extLst>
   </p:cSld>
@@ -10906,10 +11070,10 @@
           <p:cNvPr id="14" name="Rectangle 7">
             <a:extLst>
               <a:ext uri="{FF2B5EF4-FFF2-40B4-BE49-F238E27FC236}">
-                <a16:creationId xmlns:a16="http://schemas.microsoft.com/office/drawing/2014/main" id="{AB20E7A4-EC2C-47C8-BE55-65771E3F2EDA}"/>
+                <a16:creationId xmlns:a16="http://schemas.microsoft.com/office/drawing/2014/main" xmlns="" id="{AB20E7A4-EC2C-47C8-BE55-65771E3F2EDA}"/>
               </a:ext>
               <a:ext uri="{C183D7F6-B498-43B3-948B-1728B52AA6E4}">
-                <adec:decorative xmlns:adec="http://schemas.microsoft.com/office/drawing/2017/decorative" val="1"/>
+                <adec:decorative xmlns:adec="http://schemas.microsoft.com/office/drawing/2017/decorative" xmlns="" val="1"/>
               </a:ext>
             </a:extLst>
           </p:cNvPr>
@@ -10919,7 +11083,7 @@
           <p:nvPr>
             <p:extLst>
               <p:ext uri="{386F3935-93C4-4BCD-93E2-E3B085C9AB24}">
-                <p16:designElem xmlns:p16="http://schemas.microsoft.com/office/powerpoint/2015/main" val="1"/>
+                <p16:designElem xmlns:p16="http://schemas.microsoft.com/office/powerpoint/2015/main" xmlns="" val="1"/>
               </p:ext>
             </p:extLst>
           </p:nvPr>
@@ -10940,7 +11104,7 @@
           <a:effectLst/>
           <a:extLst>
             <a:ext uri="{91240B29-F687-4F45-9708-019B960494DF}">
-              <a14:hiddenLine xmlns:a14="http://schemas.microsoft.com/office/drawing/2010/main" w="12700" cap="flat" cmpd="sng" algn="ctr">
+              <a14:hiddenLine xmlns:a14="http://schemas.microsoft.com/office/drawing/2010/main" xmlns="" w="12700" cap="flat" cmpd="sng" algn="ctr">
                 <a:solidFill>
                   <a:schemeClr val="accent1">
                     <a:shade val="50000"/>
@@ -10982,10 +11146,10 @@
           <p:cNvPr id="15" name="Freeform: Shape 9">
             <a:extLst>
               <a:ext uri="{FF2B5EF4-FFF2-40B4-BE49-F238E27FC236}">
-                <a16:creationId xmlns:a16="http://schemas.microsoft.com/office/drawing/2014/main" id="{1CF23DDA-0D09-4FE5-AE88-EBBE5E02467C}"/>
+                <a16:creationId xmlns:a16="http://schemas.microsoft.com/office/drawing/2014/main" xmlns="" id="{1CF23DDA-0D09-4FE5-AE88-EBBE5E02467C}"/>
               </a:ext>
               <a:ext uri="{C183D7F6-B498-43B3-948B-1728B52AA6E4}">
-                <adec:decorative xmlns:adec="http://schemas.microsoft.com/office/drawing/2017/decorative" val="1"/>
+                <adec:decorative xmlns:adec="http://schemas.microsoft.com/office/drawing/2017/decorative" xmlns="" val="1"/>
               </a:ext>
             </a:extLst>
           </p:cNvPr>
@@ -10995,7 +11159,7 @@
           <p:nvPr>
             <p:extLst>
               <p:ext uri="{386F3935-93C4-4BCD-93E2-E3B085C9AB24}">
-                <p16:designElem xmlns:p16="http://schemas.microsoft.com/office/powerpoint/2015/main" val="1"/>
+                <p16:designElem xmlns:p16="http://schemas.microsoft.com/office/powerpoint/2015/main" xmlns="" val="1"/>
               </p:ext>
             </p:extLst>
           </p:nvPr>
@@ -11201,7 +11365,7 @@
           <p:cNvPr id="2" name="Заголовок 1">
             <a:extLst>
               <a:ext uri="{FF2B5EF4-FFF2-40B4-BE49-F238E27FC236}">
-                <a16:creationId xmlns:a16="http://schemas.microsoft.com/office/drawing/2014/main" id="{6020BA68-D4C4-DACC-C366-D736EE014231}"/>
+                <a16:creationId xmlns:a16="http://schemas.microsoft.com/office/drawing/2014/main" xmlns="" id="{6020BA68-D4C4-DACC-C366-D736EE014231}"/>
               </a:ext>
             </a:extLst>
           </p:cNvPr>
@@ -11236,7 +11400,7 @@
           <p:cNvPr id="3" name="Объект 2">
             <a:extLst>
               <a:ext uri="{FF2B5EF4-FFF2-40B4-BE49-F238E27FC236}">
-                <a16:creationId xmlns:a16="http://schemas.microsoft.com/office/drawing/2014/main" id="{1FF7B3DF-125F-EB8A-B0C9-57080012EA80}"/>
+                <a16:creationId xmlns:a16="http://schemas.microsoft.com/office/drawing/2014/main" xmlns="" id="{1FF7B3DF-125F-EB8A-B0C9-57080012EA80}"/>
               </a:ext>
             </a:extLst>
           </p:cNvPr>
@@ -11275,7 +11439,6 @@
               <a:rPr lang="ru-RU" dirty="0"/>
               <a:t>2.    Критерии отбора данных: </a:t>
             </a:r>
-            <a:endParaRPr lang="ru-RU"/>
           </a:p>
           <a:p>
             <a:pPr marL="0" indent="0" algn="r">
@@ -11285,7 +11448,6 @@
               <a:rPr lang="ru-RU" dirty="0"/>
               <a:t>    * Период времени</a:t>
             </a:r>
-            <a:endParaRPr lang="ru-RU"/>
           </a:p>
           <a:p>
             <a:pPr marL="0" indent="0" algn="r">
@@ -11295,7 +11457,6 @@
               <a:rPr lang="ru-RU" dirty="0"/>
               <a:t>    * Страны и компании</a:t>
             </a:r>
-            <a:endParaRPr lang="ru-RU"/>
           </a:p>
           <a:p>
             <a:pPr marL="0" indent="0" algn="r">
@@ -11305,7 +11466,6 @@
               <a:rPr lang="ru-RU" dirty="0"/>
               <a:t>    * Год провидения</a:t>
             </a:r>
-            <a:endParaRPr lang="ru-RU"/>
           </a:p>
           <a:p>
             <a:pPr marL="0" indent="0" algn="r">
@@ -11315,7 +11475,6 @@
               <a:rPr lang="ru-RU" dirty="0"/>
               <a:t>    * Стоимость миссии</a:t>
             </a:r>
-            <a:endParaRPr lang="ru-RU"/>
           </a:p>
           <a:p>
             <a:pPr marL="0" indent="0" algn="r">
@@ -11325,7 +11484,6 @@
               <a:rPr lang="ru-RU" dirty="0"/>
               <a:t>     *  Успешность</a:t>
             </a:r>
-            <a:endParaRPr lang="ru-RU"/>
           </a:p>
           <a:p>
             <a:pPr marL="0" indent="0" algn="r">
@@ -11346,7 +11504,7 @@
           </a:p>
           <a:p>
             <a:pPr algn="r"/>
-            <a:endParaRPr lang="ru-RU"/>
+            <a:endParaRPr lang="ru-RU" dirty="0"/>
           </a:p>
         </p:txBody>
       </p:sp>
@@ -11355,10 +11513,10 @@
           <p:cNvPr id="16" name="Straight Connector 11">
             <a:extLst>
               <a:ext uri="{FF2B5EF4-FFF2-40B4-BE49-F238E27FC236}">
-                <a16:creationId xmlns:a16="http://schemas.microsoft.com/office/drawing/2014/main" id="{1766FD2F-248A-4AA1-8078-E26D6E690BB9}"/>
+                <a16:creationId xmlns:a16="http://schemas.microsoft.com/office/drawing/2014/main" xmlns="" id="{1766FD2F-248A-4AA1-8078-E26D6E690BB9}"/>
               </a:ext>
               <a:ext uri="{C183D7F6-B498-43B3-948B-1728B52AA6E4}">
-                <adec:decorative xmlns:adec="http://schemas.microsoft.com/office/drawing/2017/decorative" val="1"/>
+                <adec:decorative xmlns:adec="http://schemas.microsoft.com/office/drawing/2017/decorative" xmlns="" val="1"/>
               </a:ext>
             </a:extLst>
           </p:cNvPr>
@@ -11368,7 +11526,7 @@
           <p:nvPr>
             <p:extLst>
               <p:ext uri="{386F3935-93C4-4BCD-93E2-E3B085C9AB24}">
-                <p16:designElem xmlns:p16="http://schemas.microsoft.com/office/powerpoint/2015/main" val="1"/>
+                <p16:designElem xmlns:p16="http://schemas.microsoft.com/office/powerpoint/2015/main" xmlns="" val="1"/>
               </p:ext>
             </p:extLst>
           </p:nvPr>
@@ -11405,7 +11563,7 @@
     </p:spTree>
     <p:extLst>
       <p:ext uri="{BB962C8B-B14F-4D97-AF65-F5344CB8AC3E}">
-        <p14:creationId xmlns:p14="http://schemas.microsoft.com/office/powerpoint/2010/main" val="1722882786"/>
+        <p14:creationId xmlns:p14="http://schemas.microsoft.com/office/powerpoint/2010/main" xmlns="" val="1722882786"/>
       </p:ext>
     </p:extLst>
   </p:cSld>
@@ -11445,10 +11603,10 @@
           <p:cNvPr id="43" name="Freeform: Shape 20">
             <a:extLst>
               <a:ext uri="{FF2B5EF4-FFF2-40B4-BE49-F238E27FC236}">
-                <a16:creationId xmlns:a16="http://schemas.microsoft.com/office/drawing/2014/main" id="{5CD60141-EEBD-4EC1-8E34-0344C16A18A2}"/>
+                <a16:creationId xmlns:a16="http://schemas.microsoft.com/office/drawing/2014/main" xmlns="" id="{5CD60141-EEBD-4EC1-8E34-0344C16A18A2}"/>
               </a:ext>
               <a:ext uri="{C183D7F6-B498-43B3-948B-1728B52AA6E4}">
-                <adec:decorative xmlns:adec="http://schemas.microsoft.com/office/drawing/2017/decorative" val="1"/>
+                <adec:decorative xmlns:adec="http://schemas.microsoft.com/office/drawing/2017/decorative" xmlns="" val="1"/>
               </a:ext>
             </a:extLst>
           </p:cNvPr>
@@ -11458,7 +11616,7 @@
           <p:nvPr>
             <p:extLst>
               <p:ext uri="{386F3935-93C4-4BCD-93E2-E3B085C9AB24}">
-                <p16:designElem xmlns:p16="http://schemas.microsoft.com/office/powerpoint/2015/main" val="1"/>
+                <p16:designElem xmlns:p16="http://schemas.microsoft.com/office/powerpoint/2015/main" xmlns="" val="1"/>
               </p:ext>
             </p:extLst>
           </p:nvPr>
@@ -11545,10 +11703,10 @@
           <p:cNvPr id="44" name="Straight Connector 22">
             <a:extLst>
               <a:ext uri="{FF2B5EF4-FFF2-40B4-BE49-F238E27FC236}">
-                <a16:creationId xmlns:a16="http://schemas.microsoft.com/office/drawing/2014/main" id="{4C75A547-BCD1-42BE-966E-53CA0AB93165}"/>
+                <a16:creationId xmlns:a16="http://schemas.microsoft.com/office/drawing/2014/main" xmlns="" id="{4C75A547-BCD1-42BE-966E-53CA0AB93165}"/>
               </a:ext>
               <a:ext uri="{C183D7F6-B498-43B3-948B-1728B52AA6E4}">
-                <adec:decorative xmlns:adec="http://schemas.microsoft.com/office/drawing/2017/decorative" val="1"/>
+                <adec:decorative xmlns:adec="http://schemas.microsoft.com/office/drawing/2017/decorative" xmlns="" val="1"/>
               </a:ext>
             </a:extLst>
           </p:cNvPr>
@@ -11558,7 +11716,7 @@
           <p:nvPr>
             <p:extLst>
               <p:ext uri="{386F3935-93C4-4BCD-93E2-E3B085C9AB24}">
-                <p16:designElem xmlns:p16="http://schemas.microsoft.com/office/powerpoint/2015/main" val="1"/>
+                <p16:designElem xmlns:p16="http://schemas.microsoft.com/office/powerpoint/2015/main" xmlns="" val="1"/>
               </p:ext>
             </p:extLst>
           </p:nvPr>
@@ -11597,10 +11755,10 @@
           <p:cNvPr id="45" name="Rectangle 24">
             <a:extLst>
               <a:ext uri="{FF2B5EF4-FFF2-40B4-BE49-F238E27FC236}">
-                <a16:creationId xmlns:a16="http://schemas.microsoft.com/office/drawing/2014/main" id="{C0E2219A-04FA-42C2-92B5-2540C9749537}"/>
+                <a16:creationId xmlns:a16="http://schemas.microsoft.com/office/drawing/2014/main" xmlns="" id="{C0E2219A-04FA-42C2-92B5-2540C9749537}"/>
               </a:ext>
               <a:ext uri="{C183D7F6-B498-43B3-948B-1728B52AA6E4}">
-                <adec:decorative xmlns:adec="http://schemas.microsoft.com/office/drawing/2017/decorative" val="1"/>
+                <adec:decorative xmlns:adec="http://schemas.microsoft.com/office/drawing/2017/decorative" xmlns="" val="1"/>
               </a:ext>
             </a:extLst>
           </p:cNvPr>
@@ -11610,7 +11768,7 @@
           <p:nvPr>
             <p:extLst>
               <p:ext uri="{386F3935-93C4-4BCD-93E2-E3B085C9AB24}">
-                <p16:designElem xmlns:p16="http://schemas.microsoft.com/office/powerpoint/2015/main" val="1"/>
+                <p16:designElem xmlns:p16="http://schemas.microsoft.com/office/powerpoint/2015/main" xmlns="" val="1"/>
               </p:ext>
             </p:extLst>
           </p:nvPr>
@@ -11631,7 +11789,7 @@
           <a:effectLst/>
           <a:extLst>
             <a:ext uri="{91240B29-F687-4F45-9708-019B960494DF}">
-              <a14:hiddenLine xmlns:a14="http://schemas.microsoft.com/office/drawing/2010/main" w="12700" cap="flat" cmpd="sng" algn="ctr">
+              <a14:hiddenLine xmlns:a14="http://schemas.microsoft.com/office/drawing/2010/main" xmlns="" w="12700" cap="flat" cmpd="sng" algn="ctr">
                 <a:solidFill>
                   <a:schemeClr val="accent1">
                     <a:shade val="50000"/>
@@ -11673,10 +11831,10 @@
           <p:cNvPr id="46" name="Freeform: Shape 26">
             <a:extLst>
               <a:ext uri="{FF2B5EF4-FFF2-40B4-BE49-F238E27FC236}">
-                <a16:creationId xmlns:a16="http://schemas.microsoft.com/office/drawing/2014/main" id="{B0E897CB-98BF-469B-8A73-7BD2916E203A}"/>
+                <a16:creationId xmlns:a16="http://schemas.microsoft.com/office/drawing/2014/main" xmlns="" id="{B0E897CB-98BF-469B-8A73-7BD2916E203A}"/>
               </a:ext>
               <a:ext uri="{C183D7F6-B498-43B3-948B-1728B52AA6E4}">
-                <adec:decorative xmlns:adec="http://schemas.microsoft.com/office/drawing/2017/decorative" val="1"/>
+                <adec:decorative xmlns:adec="http://schemas.microsoft.com/office/drawing/2017/decorative" xmlns="" val="1"/>
               </a:ext>
             </a:extLst>
           </p:cNvPr>
@@ -11686,7 +11844,7 @@
           <p:nvPr>
             <p:extLst>
               <p:ext uri="{386F3935-93C4-4BCD-93E2-E3B085C9AB24}">
-                <p16:designElem xmlns:p16="http://schemas.microsoft.com/office/powerpoint/2015/main" val="1"/>
+                <p16:designElem xmlns:p16="http://schemas.microsoft.com/office/powerpoint/2015/main" xmlns="" val="1"/>
               </p:ext>
             </p:extLst>
           </p:nvPr>
@@ -11802,10 +11960,10 @@
           <p:cNvPr id="47" name="Freeform: Shape 28">
             <a:extLst>
               <a:ext uri="{FF2B5EF4-FFF2-40B4-BE49-F238E27FC236}">
-                <a16:creationId xmlns:a16="http://schemas.microsoft.com/office/drawing/2014/main" id="{658CFA6B-BF53-4CCE-AA08-59DFD207B440}"/>
+                <a16:creationId xmlns:a16="http://schemas.microsoft.com/office/drawing/2014/main" xmlns="" id="{658CFA6B-BF53-4CCE-AA08-59DFD207B440}"/>
               </a:ext>
               <a:ext uri="{C183D7F6-B498-43B3-948B-1728B52AA6E4}">
-                <adec:decorative xmlns:adec="http://schemas.microsoft.com/office/drawing/2017/decorative" val="1"/>
+                <adec:decorative xmlns:adec="http://schemas.microsoft.com/office/drawing/2017/decorative" xmlns="" val="1"/>
               </a:ext>
             </a:extLst>
           </p:cNvPr>
@@ -11815,7 +11973,7 @@
           <p:nvPr>
             <p:extLst>
               <p:ext uri="{386F3935-93C4-4BCD-93E2-E3B085C9AB24}">
-                <p16:designElem xmlns:p16="http://schemas.microsoft.com/office/powerpoint/2015/main" val="1"/>
+                <p16:designElem xmlns:p16="http://schemas.microsoft.com/office/powerpoint/2015/main" xmlns="" val="1"/>
               </p:ext>
             </p:extLst>
           </p:nvPr>
@@ -12001,7 +12159,7 @@
           <p:cNvPr id="2" name="Заголовок 1">
             <a:extLst>
               <a:ext uri="{FF2B5EF4-FFF2-40B4-BE49-F238E27FC236}">
-                <a16:creationId xmlns:a16="http://schemas.microsoft.com/office/drawing/2014/main" id="{AA1B8D56-513E-272E-31B9-BDE4FE577C40}"/>
+                <a16:creationId xmlns:a16="http://schemas.microsoft.com/office/drawing/2014/main" xmlns="" id="{AA1B8D56-513E-272E-31B9-BDE4FE577C40}"/>
               </a:ext>
             </a:extLst>
           </p:cNvPr>
@@ -12025,9 +12183,18 @@
           <a:lstStyle/>
           <a:p>
             <a:r>
-              <a:rPr lang="en-US" sz="4800" cap="all" spc="300"/>
-              <a:t>Примеры графиков</a:t>
-            </a:r>
+              <a:rPr lang="en-US" sz="4800" cap="all" spc="300" dirty="0" err="1"/>
+              <a:t>Примеры</a:t>
+            </a:r>
+            <a:r>
+              <a:rPr lang="en-US" sz="4800" cap="all" spc="300" dirty="0"/>
+              <a:t> </a:t>
+            </a:r>
+            <a:r>
+              <a:rPr lang="en-US" sz="4800" cap="all" spc="300" dirty="0" err="1"/>
+              <a:t>графиков</a:t>
+            </a:r>
+            <a:endParaRPr lang="en-US" sz="4800" cap="all" spc="300" dirty="0"/>
           </a:p>
         </p:txBody>
       </p:sp>
@@ -12036,10 +12203,10 @@
           <p:cNvPr id="48" name="Straight Connector 30">
             <a:extLst>
               <a:ext uri="{FF2B5EF4-FFF2-40B4-BE49-F238E27FC236}">
-                <a16:creationId xmlns:a16="http://schemas.microsoft.com/office/drawing/2014/main" id="{410A45DA-4E66-4841-B892-192B2BAA8DDA}"/>
+                <a16:creationId xmlns:a16="http://schemas.microsoft.com/office/drawing/2014/main" xmlns="" id="{410A45DA-4E66-4841-B892-192B2BAA8DDA}"/>
               </a:ext>
               <a:ext uri="{C183D7F6-B498-43B3-948B-1728B52AA6E4}">
-                <adec:decorative xmlns:adec="http://schemas.microsoft.com/office/drawing/2017/decorative" val="1"/>
+                <adec:decorative xmlns:adec="http://schemas.microsoft.com/office/drawing/2017/decorative" xmlns="" val="1"/>
               </a:ext>
             </a:extLst>
           </p:cNvPr>
@@ -12049,7 +12216,7 @@
           <p:nvPr>
             <p:extLst>
               <p:ext uri="{386F3935-93C4-4BCD-93E2-E3B085C9AB24}">
-                <p16:designElem xmlns:p16="http://schemas.microsoft.com/office/powerpoint/2015/main" val="1"/>
+                <p16:designElem xmlns:p16="http://schemas.microsoft.com/office/powerpoint/2015/main" xmlns="" val="1"/>
               </p:ext>
             </p:extLst>
           </p:nvPr>
@@ -12088,7 +12255,7 @@
           <p:cNvPr id="4" name="Рисунок 3" descr="Изображение выглядит как текст, одежда, человек, костюм&#10;&#10;Автоматически созданное описание">
             <a:extLst>
               <a:ext uri="{FF2B5EF4-FFF2-40B4-BE49-F238E27FC236}">
-                <a16:creationId xmlns:a16="http://schemas.microsoft.com/office/drawing/2014/main" id="{C22F1B38-7E9B-1BF2-51A6-1A59BFE110B8}"/>
+                <a16:creationId xmlns:a16="http://schemas.microsoft.com/office/drawing/2014/main" xmlns="" id="{C22F1B38-7E9B-1BF2-51A6-1A59BFE110B8}"/>
               </a:ext>
             </a:extLst>
           </p:cNvPr>
@@ -12116,7 +12283,7 @@
     </p:spTree>
     <p:extLst>
       <p:ext uri="{BB962C8B-B14F-4D97-AF65-F5344CB8AC3E}">
-        <p14:creationId xmlns:p14="http://schemas.microsoft.com/office/powerpoint/2010/main" val="3699239948"/>
+        <p14:creationId xmlns:p14="http://schemas.microsoft.com/office/powerpoint/2010/main" xmlns="" val="3699239948"/>
       </p:ext>
     </p:extLst>
   </p:cSld>
@@ -12156,10 +12323,10 @@
           <p:cNvPr id="70" name="Freeform: Shape 60">
             <a:extLst>
               <a:ext uri="{FF2B5EF4-FFF2-40B4-BE49-F238E27FC236}">
-                <a16:creationId xmlns:a16="http://schemas.microsoft.com/office/drawing/2014/main" id="{5CD60141-EEBD-4EC1-8E34-0344C16A18A2}"/>
+                <a16:creationId xmlns:a16="http://schemas.microsoft.com/office/drawing/2014/main" xmlns="" id="{5CD60141-EEBD-4EC1-8E34-0344C16A18A2}"/>
               </a:ext>
               <a:ext uri="{C183D7F6-B498-43B3-948B-1728B52AA6E4}">
-                <adec:decorative xmlns:adec="http://schemas.microsoft.com/office/drawing/2017/decorative" val="1"/>
+                <adec:decorative xmlns:adec="http://schemas.microsoft.com/office/drawing/2017/decorative" xmlns="" val="1"/>
               </a:ext>
             </a:extLst>
           </p:cNvPr>
@@ -12169,7 +12336,7 @@
           <p:nvPr>
             <p:extLst>
               <p:ext uri="{386F3935-93C4-4BCD-93E2-E3B085C9AB24}">
-                <p16:designElem xmlns:p16="http://schemas.microsoft.com/office/powerpoint/2015/main" val="1"/>
+                <p16:designElem xmlns:p16="http://schemas.microsoft.com/office/powerpoint/2015/main" xmlns="" val="1"/>
               </p:ext>
             </p:extLst>
           </p:nvPr>
@@ -12256,10 +12423,10 @@
           <p:cNvPr id="71" name="Straight Connector 62">
             <a:extLst>
               <a:ext uri="{FF2B5EF4-FFF2-40B4-BE49-F238E27FC236}">
-                <a16:creationId xmlns:a16="http://schemas.microsoft.com/office/drawing/2014/main" id="{4C75A547-BCD1-42BE-966E-53CA0AB93165}"/>
+                <a16:creationId xmlns:a16="http://schemas.microsoft.com/office/drawing/2014/main" xmlns="" id="{4C75A547-BCD1-42BE-966E-53CA0AB93165}"/>
               </a:ext>
               <a:ext uri="{C183D7F6-B498-43B3-948B-1728B52AA6E4}">
-                <adec:decorative xmlns:adec="http://schemas.microsoft.com/office/drawing/2017/decorative" val="1"/>
+                <adec:decorative xmlns:adec="http://schemas.microsoft.com/office/drawing/2017/decorative" xmlns="" val="1"/>
               </a:ext>
             </a:extLst>
           </p:cNvPr>
@@ -12269,7 +12436,7 @@
           <p:nvPr>
             <p:extLst>
               <p:ext uri="{386F3935-93C4-4BCD-93E2-E3B085C9AB24}">
-                <p16:designElem xmlns:p16="http://schemas.microsoft.com/office/powerpoint/2015/main" val="1"/>
+                <p16:designElem xmlns:p16="http://schemas.microsoft.com/office/powerpoint/2015/main" xmlns="" val="1"/>
               </p:ext>
             </p:extLst>
           </p:nvPr>
@@ -12308,10 +12475,10 @@
           <p:cNvPr id="72" name="Rectangle 64">
             <a:extLst>
               <a:ext uri="{FF2B5EF4-FFF2-40B4-BE49-F238E27FC236}">
-                <a16:creationId xmlns:a16="http://schemas.microsoft.com/office/drawing/2014/main" id="{FE74E104-78A8-4DFA-9782-03C75DE1BF02}"/>
+                <a16:creationId xmlns:a16="http://schemas.microsoft.com/office/drawing/2014/main" xmlns="" id="{FE74E104-78A8-4DFA-9782-03C75DE1BF02}"/>
               </a:ext>
               <a:ext uri="{C183D7F6-B498-43B3-948B-1728B52AA6E4}">
-                <adec:decorative xmlns:adec="http://schemas.microsoft.com/office/drawing/2017/decorative" val="1"/>
+                <adec:decorative xmlns:adec="http://schemas.microsoft.com/office/drawing/2017/decorative" xmlns="" val="1"/>
               </a:ext>
             </a:extLst>
           </p:cNvPr>
@@ -12321,7 +12488,7 @@
           <p:nvPr>
             <p:extLst>
               <p:ext uri="{386F3935-93C4-4BCD-93E2-E3B085C9AB24}">
-                <p16:designElem xmlns:p16="http://schemas.microsoft.com/office/powerpoint/2015/main" val="1"/>
+                <p16:designElem xmlns:p16="http://schemas.microsoft.com/office/powerpoint/2015/main" xmlns="" val="1"/>
               </p:ext>
             </p:extLst>
           </p:nvPr>
@@ -12342,7 +12509,7 @@
           <a:effectLst/>
           <a:extLst>
             <a:ext uri="{91240B29-F687-4F45-9708-019B960494DF}">
-              <a14:hiddenLine xmlns:a14="http://schemas.microsoft.com/office/drawing/2010/main" w="12700" cap="flat" cmpd="sng" algn="ctr">
+              <a14:hiddenLine xmlns:a14="http://schemas.microsoft.com/office/drawing/2010/main" xmlns="" w="12700" cap="flat" cmpd="sng" algn="ctr">
                 <a:solidFill>
                   <a:schemeClr val="accent1">
                     <a:shade val="50000"/>
@@ -12384,10 +12551,10 @@
           <p:cNvPr id="73" name="Freeform: Shape 66">
             <a:extLst>
               <a:ext uri="{FF2B5EF4-FFF2-40B4-BE49-F238E27FC236}">
-                <a16:creationId xmlns:a16="http://schemas.microsoft.com/office/drawing/2014/main" id="{1747BCEA-D77E-4BD6-8954-C64996AB739A}"/>
+                <a16:creationId xmlns:a16="http://schemas.microsoft.com/office/drawing/2014/main" xmlns="" id="{1747BCEA-D77E-4BD6-8954-C64996AB739A}"/>
               </a:ext>
               <a:ext uri="{C183D7F6-B498-43B3-948B-1728B52AA6E4}">
-                <adec:decorative xmlns:adec="http://schemas.microsoft.com/office/drawing/2017/decorative" val="1"/>
+                <adec:decorative xmlns:adec="http://schemas.microsoft.com/office/drawing/2017/decorative" xmlns="" val="1"/>
               </a:ext>
             </a:extLst>
           </p:cNvPr>
@@ -12397,7 +12564,7 @@
           <p:nvPr>
             <p:extLst>
               <p:ext uri="{386F3935-93C4-4BCD-93E2-E3B085C9AB24}">
-                <p16:designElem xmlns:p16="http://schemas.microsoft.com/office/powerpoint/2015/main" val="1"/>
+                <p16:designElem xmlns:p16="http://schemas.microsoft.com/office/powerpoint/2015/main" xmlns="" val="1"/>
               </p:ext>
             </p:extLst>
           </p:nvPr>
@@ -12588,10 +12755,10 @@
           <p:cNvPr id="69" name="Freeform: Shape 68">
             <a:extLst>
               <a:ext uri="{FF2B5EF4-FFF2-40B4-BE49-F238E27FC236}">
-                <a16:creationId xmlns:a16="http://schemas.microsoft.com/office/drawing/2014/main" id="{76D563F6-B8F0-406F-A032-1E478CA25158}"/>
+                <a16:creationId xmlns:a16="http://schemas.microsoft.com/office/drawing/2014/main" xmlns="" id="{76D563F6-B8F0-406F-A032-1E478CA25158}"/>
               </a:ext>
               <a:ext uri="{C183D7F6-B498-43B3-948B-1728B52AA6E4}">
-                <adec:decorative xmlns:adec="http://schemas.microsoft.com/office/drawing/2017/decorative" val="1"/>
+                <adec:decorative xmlns:adec="http://schemas.microsoft.com/office/drawing/2017/decorative" xmlns="" val="1"/>
               </a:ext>
             </a:extLst>
           </p:cNvPr>
@@ -12601,7 +12768,7 @@
           <p:nvPr>
             <p:extLst>
               <p:ext uri="{386F3935-93C4-4BCD-93E2-E3B085C9AB24}">
-                <p16:designElem xmlns:p16="http://schemas.microsoft.com/office/powerpoint/2015/main" val="1"/>
+                <p16:designElem xmlns:p16="http://schemas.microsoft.com/office/powerpoint/2015/main" xmlns="" val="1"/>
               </p:ext>
             </p:extLst>
           </p:nvPr>
@@ -12772,7 +12939,7 @@
           <p:cNvPr id="2" name="Заголовок 1">
             <a:extLst>
               <a:ext uri="{FF2B5EF4-FFF2-40B4-BE49-F238E27FC236}">
-                <a16:creationId xmlns:a16="http://schemas.microsoft.com/office/drawing/2014/main" id="{D746643F-A948-4A22-5E01-E1BF4208424B}"/>
+                <a16:creationId xmlns:a16="http://schemas.microsoft.com/office/drawing/2014/main" xmlns="" id="{D746643F-A948-4A22-5E01-E1BF4208424B}"/>
               </a:ext>
             </a:extLst>
           </p:cNvPr>
@@ -12801,9 +12968,34 @@
               </a:lnSpc>
             </a:pPr>
             <a:r>
-              <a:rPr lang="en-US" sz="4400" cap="all" spc="300"/>
-              <a:t>Запуски разных компаний и стран</a:t>
-            </a:r>
+              <a:rPr lang="en-US" sz="4400" cap="all" spc="300" dirty="0" err="1"/>
+              <a:t>Запуски</a:t>
+            </a:r>
+            <a:r>
+              <a:rPr lang="en-US" sz="4400" cap="all" spc="300" dirty="0"/>
+              <a:t> </a:t>
+            </a:r>
+            <a:r>
+              <a:rPr lang="en-US" sz="4400" cap="all" spc="300" dirty="0" err="1"/>
+              <a:t>разных</a:t>
+            </a:r>
+            <a:r>
+              <a:rPr lang="en-US" sz="4400" cap="all" spc="300" dirty="0"/>
+              <a:t> </a:t>
+            </a:r>
+            <a:r>
+              <a:rPr lang="en-US" sz="4400" cap="all" spc="300" dirty="0" err="1"/>
+              <a:t>компаний</a:t>
+            </a:r>
+            <a:r>
+              <a:rPr lang="en-US" sz="4400" cap="all" spc="300" dirty="0"/>
+              <a:t> и </a:t>
+            </a:r>
+            <a:r>
+              <a:rPr lang="en-US" sz="4400" cap="all" spc="300" dirty="0" err="1"/>
+              <a:t>стран</a:t>
+            </a:r>
+            <a:endParaRPr lang="en-US" sz="4400" cap="all" spc="300" dirty="0"/>
           </a:p>
           <a:p>
             <a:pPr>
@@ -12811,7 +13003,7 @@
                 <a:spcPct val="90000"/>
               </a:lnSpc>
             </a:pPr>
-            <a:endParaRPr lang="en-US" sz="4400" cap="all" spc="300"/>
+            <a:endParaRPr lang="en-US" sz="4400" cap="all" spc="300" dirty="0"/>
           </a:p>
         </p:txBody>
       </p:sp>
@@ -12820,7 +13012,7 @@
           <p:cNvPr id="3" name="Объект 2" descr="Изображение выглядит как текст, снимок экрана, Параллельный, линия&#10;&#10;Автоматически созданное описание">
             <a:extLst>
               <a:ext uri="{FF2B5EF4-FFF2-40B4-BE49-F238E27FC236}">
-                <a16:creationId xmlns:a16="http://schemas.microsoft.com/office/drawing/2014/main" id="{AB181C1B-55EB-D903-75E0-009B06A26013}"/>
+                <a16:creationId xmlns:a16="http://schemas.microsoft.com/office/drawing/2014/main" xmlns="" id="{AB181C1B-55EB-D903-75E0-009B06A26013}"/>
               </a:ext>
             </a:extLst>
           </p:cNvPr>
@@ -12850,7 +13042,7 @@
     </p:spTree>
     <p:extLst>
       <p:ext uri="{BB962C8B-B14F-4D97-AF65-F5344CB8AC3E}">
-        <p14:creationId xmlns:p14="http://schemas.microsoft.com/office/powerpoint/2010/main" val="1209606361"/>
+        <p14:creationId xmlns:p14="http://schemas.microsoft.com/office/powerpoint/2010/main" xmlns="" val="1209606361"/>
       </p:ext>
     </p:extLst>
   </p:cSld>
@@ -13055,7 +13247,7 @@
   <a:extraClrSchemeLst/>
   <a:extLst>
     <a:ext uri="{05A4C25C-085E-4340-85A3-A5531E510DB2}">
-      <thm15:themeFamily xmlns:thm15="http://schemas.microsoft.com/office/thememl/2012/main" name="RegattaVTI" id="{FFC3BCE5-6357-41D1-8E67-3F85B69D7E86}" vid="{893A6374-FE17-48E5-8B62-678C1B11AA1B}"/>
+      <thm15:themeFamily xmlns:thm15="http://schemas.microsoft.com/office/thememl/2012/main" xmlns="" name="RegattaVTI" id="{FFC3BCE5-6357-41D1-8E67-3F85B69D7E86}" vid="{893A6374-FE17-48E5-8B62-678C1B11AA1B}"/>
     </a:ext>
   </a:extLst>
 </a:theme>
